--- a/Documentations/Supervisor Meeting PowerPoints/8._Supervisor_Meeting_8Jan21.pptx
+++ b/Documentations/Supervisor Meeting PowerPoints/8._Supervisor_Meeting_8Jan21.pptx
@@ -5,17 +5,18 @@
     <p:sldMasterId id="2147483648" r:id="rId1"/>
   </p:sldMasterIdLst>
   <p:notesMasterIdLst>
-    <p:notesMasterId r:id="rId10"/>
+    <p:notesMasterId r:id="rId11"/>
   </p:notesMasterIdLst>
   <p:sldIdLst>
     <p:sldId id="256" r:id="rId2"/>
     <p:sldId id="257" r:id="rId3"/>
     <p:sldId id="343" r:id="rId4"/>
     <p:sldId id="394" r:id="rId5"/>
-    <p:sldId id="395" r:id="rId6"/>
-    <p:sldId id="396" r:id="rId7"/>
-    <p:sldId id="398" r:id="rId8"/>
-    <p:sldId id="331" r:id="rId9"/>
+    <p:sldId id="399" r:id="rId6"/>
+    <p:sldId id="395" r:id="rId7"/>
+    <p:sldId id="396" r:id="rId8"/>
+    <p:sldId id="398" r:id="rId9"/>
+    <p:sldId id="331" r:id="rId10"/>
   </p:sldIdLst>
   <p:sldSz cx="18288000" cy="10287000"/>
   <p:notesSz cx="18288000" cy="10287000"/>
@@ -3494,20 +3495,120 @@
     </pc:docChg>
   </pc:docChgLst>
   <pc:docChgLst>
-    <pc:chgData name="Andrew Ming Ho Wu" userId="620d876fccae6a25" providerId="LiveId" clId="{B8CC6B97-FBEB-4E84-A973-1D8D00A51797}"/>
-    <pc:docChg chg="undo redo custSel addSld delSld modSld">
-      <pc:chgData name="Andrew Ming Ho Wu" userId="620d876fccae6a25" providerId="LiveId" clId="{B8CC6B97-FBEB-4E84-A973-1D8D00A51797}" dt="2020-12-09T20:21:14.831" v="3322" actId="1076"/>
+    <pc:chgData name="Andrew Ming Ho Wu" userId="620d876fccae6a25" providerId="LiveId" clId="{301D553B-ED1B-4DD0-8B60-0326FA0FE40D}"/>
+    <pc:docChg chg="undo custSel modSld sldOrd">
+      <pc:chgData name="Andrew Ming Ho Wu" userId="620d876fccae6a25" providerId="LiveId" clId="{301D553B-ED1B-4DD0-8B60-0326FA0FE40D}" dt="2020-12-04T09:57:29.774" v="2192" actId="20577"/>
       <pc:docMkLst>
         <pc:docMk/>
       </pc:docMkLst>
       <pc:sldChg chg="modSp mod">
-        <pc:chgData name="Andrew Ming Ho Wu" userId="620d876fccae6a25" providerId="LiveId" clId="{B8CC6B97-FBEB-4E84-A973-1D8D00A51797}" dt="2020-12-07T23:20:20.434" v="2391" actId="20577"/>
+        <pc:chgData name="Andrew Ming Ho Wu" userId="620d876fccae6a25" providerId="LiveId" clId="{301D553B-ED1B-4DD0-8B60-0326FA0FE40D}" dt="2020-12-04T09:23:30.694" v="1648" actId="20577"/>
         <pc:sldMkLst>
           <pc:docMk/>
           <pc:sldMk cId="0" sldId="256"/>
         </pc:sldMkLst>
         <pc:spChg chg="mod">
-          <ac:chgData name="Andrew Ming Ho Wu" userId="620d876fccae6a25" providerId="LiveId" clId="{B8CC6B97-FBEB-4E84-A973-1D8D00A51797}" dt="2020-12-07T23:20:20.434" v="2391" actId="20577"/>
+          <ac:chgData name="Andrew Ming Ho Wu" userId="620d876fccae6a25" providerId="LiveId" clId="{301D553B-ED1B-4DD0-8B60-0326FA0FE40D}" dt="2020-12-04T09:23:30.694" v="1648" actId="20577"/>
+          <ac:spMkLst>
+            <pc:docMk/>
+            <pc:sldMk cId="0" sldId="256"/>
+            <ac:spMk id="12" creationId="{9A5C5996-C506-42D4-8B45-0190C0F5159A}"/>
+          </ac:spMkLst>
+        </pc:spChg>
+      </pc:sldChg>
+      <pc:sldChg chg="modSp mod ord">
+        <pc:chgData name="Andrew Ming Ho Wu" userId="620d876fccae6a25" providerId="LiveId" clId="{301D553B-ED1B-4DD0-8B60-0326FA0FE40D}" dt="2020-12-04T09:37:15.202" v="1818" actId="1076"/>
+        <pc:sldMkLst>
+          <pc:docMk/>
+          <pc:sldMk cId="3627176467" sldId="330"/>
+        </pc:sldMkLst>
+        <pc:spChg chg="mod">
+          <ac:chgData name="Andrew Ming Ho Wu" userId="620d876fccae6a25" providerId="LiveId" clId="{301D553B-ED1B-4DD0-8B60-0326FA0FE40D}" dt="2020-12-04T09:37:15.202" v="1818" actId="1076"/>
+          <ac:spMkLst>
+            <pc:docMk/>
+            <pc:sldMk cId="3627176467" sldId="330"/>
+            <ac:spMk id="11" creationId="{51D20990-98D9-4852-A91C-AEF4EC3755F8}"/>
+          </ac:spMkLst>
+        </pc:spChg>
+      </pc:sldChg>
+      <pc:sldChg chg="addSp delSp modSp mod">
+        <pc:chgData name="Andrew Ming Ho Wu" userId="620d876fccae6a25" providerId="LiveId" clId="{301D553B-ED1B-4DD0-8B60-0326FA0FE40D}" dt="2020-12-04T09:57:29.774" v="2192" actId="20577"/>
+        <pc:sldMkLst>
+          <pc:docMk/>
+          <pc:sldMk cId="2206058006" sldId="333"/>
+        </pc:sldMkLst>
+        <pc:spChg chg="mod">
+          <ac:chgData name="Andrew Ming Ho Wu" userId="620d876fccae6a25" providerId="LiveId" clId="{301D553B-ED1B-4DD0-8B60-0326FA0FE40D}" dt="2020-12-04T09:54:08.146" v="2088" actId="1076"/>
+          <ac:spMkLst>
+            <pc:docMk/>
+            <pc:sldMk cId="2206058006" sldId="333"/>
+            <ac:spMk id="5" creationId="{00000000-0000-0000-0000-000000000000}"/>
+          </ac:spMkLst>
+        </pc:spChg>
+        <pc:spChg chg="add del mod">
+          <ac:chgData name="Andrew Ming Ho Wu" userId="620d876fccae6a25" providerId="LiveId" clId="{301D553B-ED1B-4DD0-8B60-0326FA0FE40D}" dt="2020-12-04T09:57:29.774" v="2192" actId="20577"/>
+          <ac:spMkLst>
+            <pc:docMk/>
+            <pc:sldMk cId="2206058006" sldId="333"/>
+            <ac:spMk id="11" creationId="{3E2506E2-B67A-4B0D-BA61-6B13AC56BACF}"/>
+          </ac:spMkLst>
+        </pc:spChg>
+      </pc:sldChg>
+      <pc:sldChg chg="modSp mod">
+        <pc:chgData name="Andrew Ming Ho Wu" userId="620d876fccae6a25" providerId="LiveId" clId="{301D553B-ED1B-4DD0-8B60-0326FA0FE40D}" dt="2020-12-03T19:29:39.167" v="656" actId="20577"/>
+        <pc:sldMkLst>
+          <pc:docMk/>
+          <pc:sldMk cId="2818220858" sldId="343"/>
+        </pc:sldMkLst>
+        <pc:spChg chg="mod">
+          <ac:chgData name="Andrew Ming Ho Wu" userId="620d876fccae6a25" providerId="LiveId" clId="{301D553B-ED1B-4DD0-8B60-0326FA0FE40D}" dt="2020-12-03T19:29:34.248" v="655" actId="20577"/>
+          <ac:spMkLst>
+            <pc:docMk/>
+            <pc:sldMk cId="2818220858" sldId="343"/>
+            <ac:spMk id="8" creationId="{9D42ABF8-029E-4F29-B608-8C118D28ABA1}"/>
+          </ac:spMkLst>
+        </pc:spChg>
+        <pc:spChg chg="mod">
+          <ac:chgData name="Andrew Ming Ho Wu" userId="620d876fccae6a25" providerId="LiveId" clId="{301D553B-ED1B-4DD0-8B60-0326FA0FE40D}" dt="2020-12-03T19:29:39.167" v="656" actId="20577"/>
+          <ac:spMkLst>
+            <pc:docMk/>
+            <pc:sldMk cId="2818220858" sldId="343"/>
+            <ac:spMk id="15" creationId="{5FC8DCBF-4CCE-4C22-8B9F-CC50B4D8446D}"/>
+          </ac:spMkLst>
+        </pc:spChg>
+      </pc:sldChg>
+      <pc:sldChg chg="addSp delSp modSp mod">
+        <pc:chgData name="Andrew Ming Ho Wu" userId="620d876fccae6a25" providerId="LiveId" clId="{301D553B-ED1B-4DD0-8B60-0326FA0FE40D}" dt="2020-12-03T19:23:50.731" v="4"/>
+        <pc:sldMkLst>
+          <pc:docMk/>
+          <pc:sldMk cId="1002563172" sldId="387"/>
+        </pc:sldMkLst>
+        <pc:spChg chg="add del mod">
+          <ac:chgData name="Andrew Ming Ho Wu" userId="620d876fccae6a25" providerId="LiveId" clId="{301D553B-ED1B-4DD0-8B60-0326FA0FE40D}" dt="2020-12-03T19:23:50.731" v="4"/>
+          <ac:spMkLst>
+            <pc:docMk/>
+            <pc:sldMk cId="1002563172" sldId="387"/>
+            <ac:spMk id="11" creationId="{BA618F6F-1997-4079-B11E-BC24229FBCC5}"/>
+          </ac:spMkLst>
+        </pc:spChg>
+      </pc:sldChg>
+    </pc:docChg>
+  </pc:docChgLst>
+  <pc:docChgLst>
+    <pc:chgData name="Andrew Ming Ho Wu" userId="620d876fccae6a25" providerId="LiveId" clId="{70051DB0-1E4A-4F76-B9FF-8FCA6C4B0B08}"/>
+    <pc:docChg chg="undo custSel addSld delSld modSld">
+      <pc:chgData name="Andrew Ming Ho Wu" userId="620d876fccae6a25" providerId="LiveId" clId="{70051DB0-1E4A-4F76-B9FF-8FCA6C4B0B08}" dt="2020-10-16T08:50:56.802" v="1997" actId="5793"/>
+      <pc:docMkLst>
+        <pc:docMk/>
+      </pc:docMkLst>
+      <pc:sldChg chg="modSp mod">
+        <pc:chgData name="Andrew Ming Ho Wu" userId="620d876fccae6a25" providerId="LiveId" clId="{70051DB0-1E4A-4F76-B9FF-8FCA6C4B0B08}" dt="2020-10-16T08:13:04.374" v="1601" actId="255"/>
+        <pc:sldMkLst>
+          <pc:docMk/>
+          <pc:sldMk cId="0" sldId="256"/>
+        </pc:sldMkLst>
+        <pc:spChg chg="mod">
+          <ac:chgData name="Andrew Ming Ho Wu" userId="620d876fccae6a25" providerId="LiveId" clId="{70051DB0-1E4A-4F76-B9FF-8FCA6C4B0B08}" dt="2020-10-16T08:13:04.374" v="1601" actId="255"/>
           <ac:spMkLst>
             <pc:docMk/>
             <pc:sldMk cId="0" sldId="256"/>
@@ -3515,7 +3616,7 @@
           </ac:spMkLst>
         </pc:spChg>
         <pc:spChg chg="mod">
-          <ac:chgData name="Andrew Ming Ho Wu" userId="620d876fccae6a25" providerId="LiveId" clId="{B8CC6B97-FBEB-4E84-A973-1D8D00A51797}" dt="2020-12-07T11:47:32.514" v="4" actId="20577"/>
+          <ac:chgData name="Andrew Ming Ho Wu" userId="620d876fccae6a25" providerId="LiveId" clId="{70051DB0-1E4A-4F76-B9FF-8FCA6C4B0B08}" dt="2020-10-14T11:03:10.696" v="1511" actId="20577"/>
           <ac:spMkLst>
             <pc:docMk/>
             <pc:sldMk cId="0" sldId="256"/>
@@ -3523,116 +3624,263 @@
           </ac:spMkLst>
         </pc:spChg>
       </pc:sldChg>
+      <pc:sldChg chg="addSp delSp modSp mod">
+        <pc:chgData name="Andrew Ming Ho Wu" userId="620d876fccae6a25" providerId="LiveId" clId="{70051DB0-1E4A-4F76-B9FF-8FCA6C4B0B08}" dt="2020-10-16T08:14:10.986" v="1623" actId="1076"/>
+        <pc:sldMkLst>
+          <pc:docMk/>
+          <pc:sldMk cId="0" sldId="259"/>
+        </pc:sldMkLst>
+        <pc:spChg chg="mod">
+          <ac:chgData name="Andrew Ming Ho Wu" userId="620d876fccae6a25" providerId="LiveId" clId="{70051DB0-1E4A-4F76-B9FF-8FCA6C4B0B08}" dt="2020-10-16T08:14:10.986" v="1623" actId="1076"/>
+          <ac:spMkLst>
+            <pc:docMk/>
+            <pc:sldMk cId="0" sldId="259"/>
+            <ac:spMk id="5" creationId="{00000000-0000-0000-0000-000000000000}"/>
+          </ac:spMkLst>
+        </pc:spChg>
+        <pc:spChg chg="del mod">
+          <ac:chgData name="Andrew Ming Ho Wu" userId="620d876fccae6a25" providerId="LiveId" clId="{70051DB0-1E4A-4F76-B9FF-8FCA6C4B0B08}" dt="2020-10-14T10:56:16.263" v="803"/>
+          <ac:spMkLst>
+            <pc:docMk/>
+            <pc:sldMk cId="0" sldId="259"/>
+            <ac:spMk id="12" creationId="{7E70BACB-1CF0-4DEE-923B-205A7D88BC2B}"/>
+          </ac:spMkLst>
+        </pc:spChg>
+        <pc:graphicFrameChg chg="add del mod modGraphic">
+          <ac:chgData name="Andrew Ming Ho Wu" userId="620d876fccae6a25" providerId="LiveId" clId="{70051DB0-1E4A-4F76-B9FF-8FCA6C4B0B08}" dt="2020-10-16T08:13:58.412" v="1603" actId="478"/>
+          <ac:graphicFrameMkLst>
+            <pc:docMk/>
+            <pc:sldMk cId="0" sldId="259"/>
+            <ac:graphicFrameMk id="6" creationId="{F9FF6ED5-1599-4BAE-B1B8-E9E0AA0B54BA}"/>
+          </ac:graphicFrameMkLst>
+        </pc:graphicFrameChg>
+      </pc:sldChg>
       <pc:sldChg chg="modSp del mod">
-        <pc:chgData name="Andrew Ming Ho Wu" userId="620d876fccae6a25" providerId="LiveId" clId="{B8CC6B97-FBEB-4E84-A973-1D8D00A51797}" dt="2020-12-07T14:43:22.840" v="2386" actId="47"/>
+        <pc:chgData name="Andrew Ming Ho Wu" userId="620d876fccae6a25" providerId="LiveId" clId="{70051DB0-1E4A-4F76-B9FF-8FCA6C4B0B08}" dt="2020-10-16T08:14:23.170" v="1624" actId="2696"/>
+        <pc:sldMkLst>
+          <pc:docMk/>
+          <pc:sldMk cId="4141595128" sldId="301"/>
+        </pc:sldMkLst>
+        <pc:spChg chg="mod">
+          <ac:chgData name="Andrew Ming Ho Wu" userId="620d876fccae6a25" providerId="LiveId" clId="{70051DB0-1E4A-4F76-B9FF-8FCA6C4B0B08}" dt="2020-10-14T10:57:15.205" v="832" actId="20577"/>
+          <ac:spMkLst>
+            <pc:docMk/>
+            <pc:sldMk cId="4141595128" sldId="301"/>
+            <ac:spMk id="5" creationId="{00000000-0000-0000-0000-000000000000}"/>
+          </ac:spMkLst>
+        </pc:spChg>
+        <pc:spChg chg="mod">
+          <ac:chgData name="Andrew Ming Ho Wu" userId="620d876fccae6a25" providerId="LiveId" clId="{70051DB0-1E4A-4F76-B9FF-8FCA6C4B0B08}" dt="2020-10-14T10:57:56.133" v="1014" actId="1076"/>
+          <ac:spMkLst>
+            <pc:docMk/>
+            <pc:sldMk cId="4141595128" sldId="301"/>
+            <ac:spMk id="12" creationId="{7E70BACB-1CF0-4DEE-923B-205A7D88BC2B}"/>
+          </ac:spMkLst>
+        </pc:spChg>
+      </pc:sldChg>
+      <pc:sldChg chg="modSp mod">
+        <pc:chgData name="Andrew Ming Ho Wu" userId="620d876fccae6a25" providerId="LiveId" clId="{70051DB0-1E4A-4F76-B9FF-8FCA6C4B0B08}" dt="2020-10-16T08:50:56.802" v="1997" actId="5793"/>
+        <pc:sldMkLst>
+          <pc:docMk/>
+          <pc:sldMk cId="428898620" sldId="329"/>
+        </pc:sldMkLst>
+        <pc:spChg chg="mod">
+          <ac:chgData name="Andrew Ming Ho Wu" userId="620d876fccae6a25" providerId="LiveId" clId="{70051DB0-1E4A-4F76-B9FF-8FCA6C4B0B08}" dt="2020-10-14T10:58:08.788" v="1025" actId="20577"/>
+          <ac:spMkLst>
+            <pc:docMk/>
+            <pc:sldMk cId="428898620" sldId="329"/>
+            <ac:spMk id="5" creationId="{00000000-0000-0000-0000-000000000000}"/>
+          </ac:spMkLst>
+        </pc:spChg>
+        <pc:spChg chg="mod">
+          <ac:chgData name="Andrew Ming Ho Wu" userId="620d876fccae6a25" providerId="LiveId" clId="{70051DB0-1E4A-4F76-B9FF-8FCA6C4B0B08}" dt="2020-10-16T08:50:56.802" v="1997" actId="5793"/>
+          <ac:spMkLst>
+            <pc:docMk/>
+            <pc:sldMk cId="428898620" sldId="329"/>
+            <ac:spMk id="12" creationId="{7E70BACB-1CF0-4DEE-923B-205A7D88BC2B}"/>
+          </ac:spMkLst>
+        </pc:spChg>
+      </pc:sldChg>
+      <pc:sldChg chg="addSp delSp modSp mod">
+        <pc:chgData name="Andrew Ming Ho Wu" userId="620d876fccae6a25" providerId="LiveId" clId="{70051DB0-1E4A-4F76-B9FF-8FCA6C4B0B08}" dt="2020-10-14T11:04:43.468" v="1595" actId="1076"/>
         <pc:sldMkLst>
           <pc:docMk/>
           <pc:sldMk cId="3627176467" sldId="330"/>
         </pc:sldMkLst>
         <pc:spChg chg="mod">
-          <ac:chgData name="Andrew Ming Ho Wu" userId="620d876fccae6a25" providerId="LiveId" clId="{B8CC6B97-FBEB-4E84-A973-1D8D00A51797}" dt="2020-12-07T11:49:36.385" v="427" actId="115"/>
+          <ac:chgData name="Andrew Ming Ho Wu" userId="620d876fccae6a25" providerId="LiveId" clId="{70051DB0-1E4A-4F76-B9FF-8FCA6C4B0B08}" dt="2020-10-14T11:04:43.468" v="1595" actId="1076"/>
           <ac:spMkLst>
             <pc:docMk/>
             <pc:sldMk cId="3627176467" sldId="330"/>
-            <ac:spMk id="11" creationId="{51D20990-98D9-4852-A91C-AEF4EC3755F8}"/>
-          </ac:spMkLst>
-        </pc:spChg>
-      </pc:sldChg>
-      <pc:sldChg chg="addSp delSp modSp mod">
-        <pc:chgData name="Andrew Ming Ho Wu" userId="620d876fccae6a25" providerId="LiveId" clId="{B8CC6B97-FBEB-4E84-A973-1D8D00A51797}" dt="2020-12-09T20:19:32.434" v="3257" actId="20577"/>
-        <pc:sldMkLst>
-          <pc:docMk/>
-          <pc:sldMk cId="2206058006" sldId="333"/>
-        </pc:sldMkLst>
-        <pc:spChg chg="mod">
-          <ac:chgData name="Andrew Ming Ho Wu" userId="620d876fccae6a25" providerId="LiveId" clId="{B8CC6B97-FBEB-4E84-A973-1D8D00A51797}" dt="2020-12-08T20:51:48.995" v="2411" actId="20577"/>
-          <ac:spMkLst>
-            <pc:docMk/>
-            <pc:sldMk cId="2206058006" sldId="333"/>
             <ac:spMk id="5" creationId="{00000000-0000-0000-0000-000000000000}"/>
           </ac:spMkLst>
         </pc:spChg>
+        <pc:spChg chg="add del mod">
+          <ac:chgData name="Andrew Ming Ho Wu" userId="620d876fccae6a25" providerId="LiveId" clId="{70051DB0-1E4A-4F76-B9FF-8FCA6C4B0B08}" dt="2020-10-14T11:02:05.801" v="1498" actId="20577"/>
+          <ac:spMkLst>
+            <pc:docMk/>
+            <pc:sldMk cId="3627176467" sldId="330"/>
+            <ac:spMk id="12" creationId="{7E70BACB-1CF0-4DEE-923B-205A7D88BC2B}"/>
+          </ac:spMkLst>
+        </pc:spChg>
+      </pc:sldChg>
+      <pc:sldChg chg="delSp modSp mod">
+        <pc:chgData name="Andrew Ming Ho Wu" userId="620d876fccae6a25" providerId="LiveId" clId="{70051DB0-1E4A-4F76-B9FF-8FCA6C4B0B08}" dt="2020-10-14T11:02:51.398" v="1506" actId="1076"/>
+        <pc:sldMkLst>
+          <pc:docMk/>
+          <pc:sldMk cId="311588258" sldId="331"/>
+        </pc:sldMkLst>
+        <pc:spChg chg="mod">
+          <ac:chgData name="Andrew Ming Ho Wu" userId="620d876fccae6a25" providerId="LiveId" clId="{70051DB0-1E4A-4F76-B9FF-8FCA6C4B0B08}" dt="2020-10-14T11:02:51.398" v="1506" actId="1076"/>
+          <ac:spMkLst>
+            <pc:docMk/>
+            <pc:sldMk cId="311588258" sldId="331"/>
+            <ac:spMk id="5" creationId="{00000000-0000-0000-0000-000000000000}"/>
+          </ac:spMkLst>
+        </pc:spChg>
         <pc:spChg chg="del">
-          <ac:chgData name="Andrew Ming Ho Wu" userId="620d876fccae6a25" providerId="LiveId" clId="{B8CC6B97-FBEB-4E84-A973-1D8D00A51797}" dt="2020-12-07T11:49:40.438" v="428" actId="478"/>
-          <ac:spMkLst>
-            <pc:docMk/>
-            <pc:sldMk cId="2206058006" sldId="333"/>
-            <ac:spMk id="11" creationId="{3E2506E2-B67A-4B0D-BA61-6B13AC56BACF}"/>
-          </ac:spMkLst>
-        </pc:spChg>
-        <pc:spChg chg="add del mod">
-          <ac:chgData name="Andrew Ming Ho Wu" userId="620d876fccae6a25" providerId="LiveId" clId="{B8CC6B97-FBEB-4E84-A973-1D8D00A51797}" dt="2020-12-09T20:19:32.434" v="3257" actId="20577"/>
-          <ac:spMkLst>
-            <pc:docMk/>
-            <pc:sldMk cId="2206058006" sldId="333"/>
-            <ac:spMk id="12" creationId="{11F2B6B6-0466-4FF3-9677-694F0F61AE7C}"/>
+          <ac:chgData name="Andrew Ming Ho Wu" userId="620d876fccae6a25" providerId="LiveId" clId="{70051DB0-1E4A-4F76-B9FF-8FCA6C4B0B08}" dt="2020-10-14T11:02:34.036" v="1502" actId="478"/>
+          <ac:spMkLst>
+            <pc:docMk/>
+            <pc:sldMk cId="311588258" sldId="331"/>
+            <ac:spMk id="12" creationId="{7E70BACB-1CF0-4DEE-923B-205A7D88BC2B}"/>
           </ac:spMkLst>
         </pc:spChg>
         <pc:grpChg chg="mod">
-          <ac:chgData name="Andrew Ming Ho Wu" userId="620d876fccae6a25" providerId="LiveId" clId="{B8CC6B97-FBEB-4E84-A973-1D8D00A51797}" dt="2020-12-07T11:50:20.258" v="465" actId="1076"/>
+          <ac:chgData name="Andrew Ming Ho Wu" userId="620d876fccae6a25" providerId="LiveId" clId="{70051DB0-1E4A-4F76-B9FF-8FCA6C4B0B08}" dt="2020-10-14T11:02:46.399" v="1505" actId="1076"/>
           <ac:grpSpMkLst>
             <pc:docMk/>
-            <pc:sldMk cId="2206058006" sldId="333"/>
+            <pc:sldMk cId="311588258" sldId="331"/>
             <ac:grpSpMk id="2" creationId="{00000000-0000-0000-0000-000000000000}"/>
           </ac:grpSpMkLst>
         </pc:grpChg>
-        <pc:grpChg chg="mod">
-          <ac:chgData name="Andrew Ming Ho Wu" userId="620d876fccae6a25" providerId="LiveId" clId="{B8CC6B97-FBEB-4E84-A973-1D8D00A51797}" dt="2020-12-07T11:50:22.733" v="466" actId="1076"/>
-          <ac:grpSpMkLst>
+      </pc:sldChg>
+      <pc:sldChg chg="del">
+        <pc:chgData name="Andrew Ming Ho Wu" userId="620d876fccae6a25" providerId="LiveId" clId="{70051DB0-1E4A-4F76-B9FF-8FCA6C4B0B08}" dt="2020-10-14T11:02:58.709" v="1507" actId="2696"/>
+        <pc:sldMkLst>
+          <pc:docMk/>
+          <pc:sldMk cId="1678336179" sldId="332"/>
+        </pc:sldMkLst>
+      </pc:sldChg>
+      <pc:sldChg chg="modSp mod">
+        <pc:chgData name="Andrew Ming Ho Wu" userId="620d876fccae6a25" providerId="LiveId" clId="{70051DB0-1E4A-4F76-B9FF-8FCA6C4B0B08}" dt="2020-10-16T08:31:21.227" v="1924" actId="20577"/>
+        <pc:sldMkLst>
+          <pc:docMk/>
+          <pc:sldMk cId="2206058006" sldId="333"/>
+        </pc:sldMkLst>
+        <pc:spChg chg="mod">
+          <ac:chgData name="Andrew Ming Ho Wu" userId="620d876fccae6a25" providerId="LiveId" clId="{70051DB0-1E4A-4F76-B9FF-8FCA6C4B0B08}" dt="2020-10-16T08:17:59.360" v="1712" actId="20577"/>
+          <ac:spMkLst>
             <pc:docMk/>
             <pc:sldMk cId="2206058006" sldId="333"/>
-            <ac:grpSpMk id="8" creationId="{00000000-0000-0000-0000-000000000000}"/>
-          </ac:grpSpMkLst>
-        </pc:grpChg>
-      </pc:sldChg>
-      <pc:sldChg chg="addSp delSp modSp mod">
-        <pc:chgData name="Andrew Ming Ho Wu" userId="620d876fccae6a25" providerId="LiveId" clId="{B8CC6B97-FBEB-4E84-A973-1D8D00A51797}" dt="2020-12-07T12:17:11.563" v="2385" actId="20577"/>
+            <ac:spMk id="5" creationId="{00000000-0000-0000-0000-000000000000}"/>
+          </ac:spMkLst>
+        </pc:spChg>
+        <pc:spChg chg="mod">
+          <ac:chgData name="Andrew Ming Ho Wu" userId="620d876fccae6a25" providerId="LiveId" clId="{70051DB0-1E4A-4F76-B9FF-8FCA6C4B0B08}" dt="2020-10-16T08:31:21.227" v="1924" actId="20577"/>
+          <ac:spMkLst>
+            <pc:docMk/>
+            <pc:sldMk cId="2206058006" sldId="333"/>
+            <ac:spMk id="12" creationId="{7E70BACB-1CF0-4DEE-923B-205A7D88BC2B}"/>
+          </ac:spMkLst>
+        </pc:spChg>
+      </pc:sldChg>
+      <pc:sldChg chg="del">
+        <pc:chgData name="Andrew Ming Ho Wu" userId="620d876fccae6a25" providerId="LiveId" clId="{70051DB0-1E4A-4F76-B9FF-8FCA6C4B0B08}" dt="2020-10-14T10:49:02.566" v="132" actId="2696"/>
+        <pc:sldMkLst>
+          <pc:docMk/>
+          <pc:sldMk cId="1994449026" sldId="335"/>
+        </pc:sldMkLst>
+      </pc:sldChg>
+      <pc:sldChg chg="del">
+        <pc:chgData name="Andrew Ming Ho Wu" userId="620d876fccae6a25" providerId="LiveId" clId="{70051DB0-1E4A-4F76-B9FF-8FCA6C4B0B08}" dt="2020-10-14T11:02:58.709" v="1507" actId="2696"/>
+        <pc:sldMkLst>
+          <pc:docMk/>
+          <pc:sldMk cId="491446009" sldId="336"/>
+        </pc:sldMkLst>
+      </pc:sldChg>
+      <pc:sldChg chg="del">
+        <pc:chgData name="Andrew Ming Ho Wu" userId="620d876fccae6a25" providerId="LiveId" clId="{70051DB0-1E4A-4F76-B9FF-8FCA6C4B0B08}" dt="2020-10-14T11:02:58.709" v="1507" actId="2696"/>
+        <pc:sldMkLst>
+          <pc:docMk/>
+          <pc:sldMk cId="3153837584" sldId="337"/>
+        </pc:sldMkLst>
+      </pc:sldChg>
+      <pc:sldChg chg="del">
+        <pc:chgData name="Andrew Ming Ho Wu" userId="620d876fccae6a25" providerId="LiveId" clId="{70051DB0-1E4A-4F76-B9FF-8FCA6C4B0B08}" dt="2020-10-14T11:02:58.709" v="1507" actId="2696"/>
+        <pc:sldMkLst>
+          <pc:docMk/>
+          <pc:sldMk cId="1064973513" sldId="338"/>
+        </pc:sldMkLst>
+      </pc:sldChg>
+      <pc:sldChg chg="del">
+        <pc:chgData name="Andrew Ming Ho Wu" userId="620d876fccae6a25" providerId="LiveId" clId="{70051DB0-1E4A-4F76-B9FF-8FCA6C4B0B08}" dt="2020-10-14T11:02:58.709" v="1507" actId="2696"/>
+        <pc:sldMkLst>
+          <pc:docMk/>
+          <pc:sldMk cId="3865668538" sldId="339"/>
+        </pc:sldMkLst>
+      </pc:sldChg>
+      <pc:sldChg chg="del">
+        <pc:chgData name="Andrew Ming Ho Wu" userId="620d876fccae6a25" providerId="LiveId" clId="{70051DB0-1E4A-4F76-B9FF-8FCA6C4B0B08}" dt="2020-10-14T11:02:58.709" v="1507" actId="2696"/>
+        <pc:sldMkLst>
+          <pc:docMk/>
+          <pc:sldMk cId="1140042678" sldId="340"/>
+        </pc:sldMkLst>
+      </pc:sldChg>
+      <pc:sldChg chg="del">
+        <pc:chgData name="Andrew Ming Ho Wu" userId="620d876fccae6a25" providerId="LiveId" clId="{70051DB0-1E4A-4F76-B9FF-8FCA6C4B0B08}" dt="2020-10-14T11:02:58.709" v="1507" actId="2696"/>
+        <pc:sldMkLst>
+          <pc:docMk/>
+          <pc:sldMk cId="2792681432" sldId="341"/>
+        </pc:sldMkLst>
+      </pc:sldChg>
+      <pc:sldChg chg="del">
+        <pc:chgData name="Andrew Ming Ho Wu" userId="620d876fccae6a25" providerId="LiveId" clId="{70051DB0-1E4A-4F76-B9FF-8FCA6C4B0B08}" dt="2020-10-14T11:02:58.709" v="1507" actId="2696"/>
+        <pc:sldMkLst>
+          <pc:docMk/>
+          <pc:sldMk cId="3458398597" sldId="342"/>
+        </pc:sldMkLst>
+      </pc:sldChg>
+      <pc:sldChg chg="delSp modSp mod">
+        <pc:chgData name="Andrew Ming Ho Wu" userId="620d876fccae6a25" providerId="LiveId" clId="{70051DB0-1E4A-4F76-B9FF-8FCA6C4B0B08}" dt="2020-10-16T08:17:39.434" v="1697" actId="20577"/>
         <pc:sldMkLst>
           <pc:docMk/>
           <pc:sldMk cId="2818220858" sldId="343"/>
         </pc:sldMkLst>
         <pc:spChg chg="mod">
-          <ac:chgData name="Andrew Ming Ho Wu" userId="620d876fccae6a25" providerId="LiveId" clId="{B8CC6B97-FBEB-4E84-A973-1D8D00A51797}" dt="2020-12-07T12:16:53.205" v="2364" actId="1076"/>
+          <ac:chgData name="Andrew Ming Ho Wu" userId="620d876fccae6a25" providerId="LiveId" clId="{70051DB0-1E4A-4F76-B9FF-8FCA6C4B0B08}" dt="2020-10-16T08:17:39.434" v="1697" actId="20577"/>
           <ac:spMkLst>
             <pc:docMk/>
             <pc:sldMk cId="2818220858" sldId="343"/>
             <ac:spMk id="5" creationId="{81D7F47C-B22C-46A9-BD87-E2FA064EC20F}"/>
           </ac:spMkLst>
         </pc:spChg>
-        <pc:spChg chg="mod">
-          <ac:chgData name="Andrew Ming Ho Wu" userId="620d876fccae6a25" providerId="LiveId" clId="{B8CC6B97-FBEB-4E84-A973-1D8D00A51797}" dt="2020-12-07T12:16:25.853" v="2338" actId="20577"/>
+        <pc:spChg chg="del">
+          <ac:chgData name="Andrew Ming Ho Wu" userId="620d876fccae6a25" providerId="LiveId" clId="{70051DB0-1E4A-4F76-B9FF-8FCA6C4B0B08}" dt="2020-10-14T10:48:34.682" v="129" actId="478"/>
           <ac:spMkLst>
             <pc:docMk/>
             <pc:sldMk cId="2818220858" sldId="343"/>
-            <ac:spMk id="8" creationId="{9D42ABF8-029E-4F29-B608-8C118D28ABA1}"/>
-          </ac:spMkLst>
-        </pc:spChg>
-        <pc:spChg chg="add del mod">
-          <ac:chgData name="Andrew Ming Ho Wu" userId="620d876fccae6a25" providerId="LiveId" clId="{B8CC6B97-FBEB-4E84-A973-1D8D00A51797}" dt="2020-12-07T12:17:00.094" v="2366"/>
-          <ac:spMkLst>
-            <pc:docMk/>
-            <pc:sldMk cId="2818220858" sldId="343"/>
-            <ac:spMk id="14" creationId="{4008C9F8-7034-4640-926C-69C20356432C}"/>
-          </ac:spMkLst>
-        </pc:spChg>
-        <pc:spChg chg="mod">
-          <ac:chgData name="Andrew Ming Ho Wu" userId="620d876fccae6a25" providerId="LiveId" clId="{B8CC6B97-FBEB-4E84-A973-1D8D00A51797}" dt="2020-12-07T11:47:46.566" v="35" actId="20577"/>
+            <ac:spMk id="7" creationId="{8F1A7018-DAB3-4DD6-9851-CCE349574926}"/>
+          </ac:spMkLst>
+        </pc:spChg>
+        <pc:spChg chg="mod">
+          <ac:chgData name="Andrew Ming Ho Wu" userId="620d876fccae6a25" providerId="LiveId" clId="{70051DB0-1E4A-4F76-B9FF-8FCA6C4B0B08}" dt="2020-10-16T08:17:36.046" v="1691" actId="20577"/>
           <ac:spMkLst>
             <pc:docMk/>
             <pc:sldMk cId="2818220858" sldId="343"/>
             <ac:spMk id="15" creationId="{5FC8DCBF-4CCE-4C22-8B9F-CC50B4D8446D}"/>
           </ac:spMkLst>
         </pc:spChg>
-        <pc:spChg chg="add mod">
-          <ac:chgData name="Andrew Ming Ho Wu" userId="620d876fccae6a25" providerId="LiveId" clId="{B8CC6B97-FBEB-4E84-A973-1D8D00A51797}" dt="2020-12-07T12:17:11.563" v="2385" actId="20577"/>
+        <pc:spChg chg="del">
+          <ac:chgData name="Andrew Ming Ho Wu" userId="620d876fccae6a25" providerId="LiveId" clId="{70051DB0-1E4A-4F76-B9FF-8FCA6C4B0B08}" dt="2020-10-14T10:48:41.238" v="130" actId="478"/>
           <ac:spMkLst>
             <pc:docMk/>
             <pc:sldMk cId="2818220858" sldId="343"/>
-            <ac:spMk id="16" creationId="{9776CE46-BCD9-4FBA-A83A-BE5C5D29A965}"/>
+            <ac:spMk id="20" creationId="{A6F76399-04DE-46A8-BF2C-99ED8D141BD3}"/>
           </ac:spMkLst>
         </pc:spChg>
         <pc:grpChg chg="mod">
-          <ac:chgData name="Andrew Ming Ho Wu" userId="620d876fccae6a25" providerId="LiveId" clId="{B8CC6B97-FBEB-4E84-A973-1D8D00A51797}" dt="2020-12-07T12:16:48.563" v="2363" actId="1076"/>
+          <ac:chgData name="Andrew Ming Ho Wu" userId="620d876fccae6a25" providerId="LiveId" clId="{70051DB0-1E4A-4F76-B9FF-8FCA6C4B0B08}" dt="2020-10-14T11:03:31.434" v="1538" actId="1076"/>
           <ac:grpSpMkLst>
             <pc:docMk/>
             <pc:sldMk cId="2818220858" sldId="343"/>
@@ -3640,124 +3888,18 @@
           </ac:grpSpMkLst>
         </pc:grpChg>
       </pc:sldChg>
-      <pc:sldChg chg="modSp mod">
-        <pc:chgData name="Andrew Ming Ho Wu" userId="620d876fccae6a25" providerId="LiveId" clId="{B8CC6B97-FBEB-4E84-A973-1D8D00A51797}" dt="2020-12-07T12:12:01.475" v="2130" actId="20577"/>
-        <pc:sldMkLst>
-          <pc:docMk/>
-          <pc:sldMk cId="1002563172" sldId="387"/>
-        </pc:sldMkLst>
-        <pc:spChg chg="mod">
-          <ac:chgData name="Andrew Ming Ho Wu" userId="620d876fccae6a25" providerId="LiveId" clId="{B8CC6B97-FBEB-4E84-A973-1D8D00A51797}" dt="2020-12-07T12:12:01.475" v="2130" actId="20577"/>
-          <ac:spMkLst>
-            <pc:docMk/>
-            <pc:sldMk cId="1002563172" sldId="387"/>
-            <ac:spMk id="5" creationId="{00000000-0000-0000-0000-000000000000}"/>
-          </ac:spMkLst>
-        </pc:spChg>
-      </pc:sldChg>
-      <pc:sldChg chg="modSp add mod">
-        <pc:chgData name="Andrew Ming Ho Wu" userId="620d876fccae6a25" providerId="LiveId" clId="{B8CC6B97-FBEB-4E84-A973-1D8D00A51797}" dt="2020-12-09T20:21:14.831" v="3322" actId="1076"/>
-        <pc:sldMkLst>
-          <pc:docMk/>
-          <pc:sldMk cId="2049264590" sldId="388"/>
-        </pc:sldMkLst>
-        <pc:spChg chg="mod">
-          <ac:chgData name="Andrew Ming Ho Wu" userId="620d876fccae6a25" providerId="LiveId" clId="{B8CC6B97-FBEB-4E84-A973-1D8D00A51797}" dt="2020-12-09T20:21:14.831" v="3322" actId="1076"/>
-          <ac:spMkLst>
-            <pc:docMk/>
-            <pc:sldMk cId="2049264590" sldId="388"/>
-            <ac:spMk id="12" creationId="{11F2B6B6-0466-4FF3-9677-694F0F61AE7C}"/>
-          </ac:spMkLst>
-        </pc:spChg>
+      <pc:sldChg chg="add del">
+        <pc:chgData name="Andrew Ming Ho Wu" userId="620d876fccae6a25" providerId="LiveId" clId="{70051DB0-1E4A-4F76-B9FF-8FCA6C4B0B08}" dt="2020-10-16T08:17:51.506" v="1699" actId="2890"/>
+        <pc:sldMkLst>
+          <pc:docMk/>
+          <pc:sldMk cId="882795893" sldId="344"/>
+        </pc:sldMkLst>
       </pc:sldChg>
       <pc:sldChg chg="add">
-        <pc:chgData name="Andrew Ming Ho Wu" userId="620d876fccae6a25" providerId="LiveId" clId="{B8CC6B97-FBEB-4E84-A973-1D8D00A51797}" dt="2020-12-07T12:11:57.600" v="2129" actId="2890"/>
-        <pc:sldMkLst>
-          <pc:docMk/>
-          <pc:sldMk cId="1012779811" sldId="389"/>
-        </pc:sldMkLst>
-      </pc:sldChg>
-      <pc:sldChg chg="modSp add mod">
-        <pc:chgData name="Andrew Ming Ho Wu" userId="620d876fccae6a25" providerId="LiveId" clId="{B8CC6B97-FBEB-4E84-A973-1D8D00A51797}" dt="2020-12-07T12:13:16.646" v="2234" actId="255"/>
-        <pc:sldMkLst>
-          <pc:docMk/>
-          <pc:sldMk cId="2782934202" sldId="390"/>
-        </pc:sldMkLst>
-        <pc:spChg chg="mod">
-          <ac:chgData name="Andrew Ming Ho Wu" userId="620d876fccae6a25" providerId="LiveId" clId="{B8CC6B97-FBEB-4E84-A973-1D8D00A51797}" dt="2020-12-07T12:12:22.476" v="2139" actId="20577"/>
-          <ac:spMkLst>
-            <pc:docMk/>
-            <pc:sldMk cId="2782934202" sldId="390"/>
-            <ac:spMk id="5" creationId="{00000000-0000-0000-0000-000000000000}"/>
-          </ac:spMkLst>
-        </pc:spChg>
-        <pc:spChg chg="mod">
-          <ac:chgData name="Andrew Ming Ho Wu" userId="620d876fccae6a25" providerId="LiveId" clId="{B8CC6B97-FBEB-4E84-A973-1D8D00A51797}" dt="2020-12-07T12:13:16.646" v="2234" actId="255"/>
-          <ac:spMkLst>
-            <pc:docMk/>
-            <pc:sldMk cId="2782934202" sldId="390"/>
-            <ac:spMk id="12" creationId="{11F2B6B6-0466-4FF3-9677-694F0F61AE7C}"/>
-          </ac:spMkLst>
-        </pc:spChg>
-      </pc:sldChg>
-      <pc:sldChg chg="modSp add mod">
-        <pc:chgData name="Andrew Ming Ho Wu" userId="620d876fccae6a25" providerId="LiveId" clId="{B8CC6B97-FBEB-4E84-A973-1D8D00A51797}" dt="2020-12-07T12:14:09.189" v="2268" actId="20577"/>
-        <pc:sldMkLst>
-          <pc:docMk/>
-          <pc:sldMk cId="2582986712" sldId="391"/>
-        </pc:sldMkLst>
-        <pc:spChg chg="mod">
-          <ac:chgData name="Andrew Ming Ho Wu" userId="620d876fccae6a25" providerId="LiveId" clId="{B8CC6B97-FBEB-4E84-A973-1D8D00A51797}" dt="2020-12-07T12:14:09.189" v="2268" actId="20577"/>
-          <ac:spMkLst>
-            <pc:docMk/>
-            <pc:sldMk cId="2582986712" sldId="391"/>
-            <ac:spMk id="12" creationId="{11F2B6B6-0466-4FF3-9677-694F0F61AE7C}"/>
-          </ac:spMkLst>
-        </pc:spChg>
-      </pc:sldChg>
-      <pc:sldChg chg="modSp add mod">
-        <pc:chgData name="Andrew Ming Ho Wu" userId="620d876fccae6a25" providerId="LiveId" clId="{B8CC6B97-FBEB-4E84-A973-1D8D00A51797}" dt="2020-12-07T12:15:51.208" v="2307" actId="255"/>
-        <pc:sldMkLst>
-          <pc:docMk/>
-          <pc:sldMk cId="161672857" sldId="392"/>
-        </pc:sldMkLst>
-        <pc:spChg chg="mod">
-          <ac:chgData name="Andrew Ming Ho Wu" userId="620d876fccae6a25" providerId="LiveId" clId="{B8CC6B97-FBEB-4E84-A973-1D8D00A51797}" dt="2020-12-07T12:15:14.773" v="2298" actId="20577"/>
-          <ac:spMkLst>
-            <pc:docMk/>
-            <pc:sldMk cId="161672857" sldId="392"/>
-            <ac:spMk id="5" creationId="{00000000-0000-0000-0000-000000000000}"/>
-          </ac:spMkLst>
-        </pc:spChg>
-        <pc:spChg chg="mod">
-          <ac:chgData name="Andrew Ming Ho Wu" userId="620d876fccae6a25" providerId="LiveId" clId="{B8CC6B97-FBEB-4E84-A973-1D8D00A51797}" dt="2020-12-07T12:15:51.208" v="2307" actId="255"/>
-          <ac:spMkLst>
-            <pc:docMk/>
-            <pc:sldMk cId="161672857" sldId="392"/>
-            <ac:spMk id="12" creationId="{11F2B6B6-0466-4FF3-9677-694F0F61AE7C}"/>
-          </ac:spMkLst>
-        </pc:spChg>
-      </pc:sldChg>
-      <pc:sldChg chg="modSp add mod">
-        <pc:chgData name="Andrew Ming Ho Wu" userId="620d876fccae6a25" providerId="LiveId" clId="{B8CC6B97-FBEB-4E84-A973-1D8D00A51797}" dt="2020-12-09T20:20:31.079" v="3296" actId="20577"/>
-        <pc:sldMkLst>
-          <pc:docMk/>
-          <pc:sldMk cId="226674003" sldId="393"/>
-        </pc:sldMkLst>
-        <pc:spChg chg="mod">
-          <ac:chgData name="Andrew Ming Ho Wu" userId="620d876fccae6a25" providerId="LiveId" clId="{B8CC6B97-FBEB-4E84-A973-1D8D00A51797}" dt="2020-12-09T20:20:31.079" v="3296" actId="20577"/>
-          <ac:spMkLst>
-            <pc:docMk/>
-            <pc:sldMk cId="226674003" sldId="393"/>
-            <ac:spMk id="12" creationId="{11F2B6B6-0466-4FF3-9677-694F0F61AE7C}"/>
-          </ac:spMkLst>
-        </pc:spChg>
-      </pc:sldChg>
-      <pc:sldChg chg="add del">
-        <pc:chgData name="Andrew Ming Ho Wu" userId="620d876fccae6a25" providerId="LiveId" clId="{B8CC6B97-FBEB-4E84-A973-1D8D00A51797}" dt="2020-12-08T20:51:41.486" v="2393"/>
-        <pc:sldMkLst>
-          <pc:docMk/>
-          <pc:sldMk cId="1879883029" sldId="393"/>
+        <pc:chgData name="Andrew Ming Ho Wu" userId="620d876fccae6a25" providerId="LiveId" clId="{70051DB0-1E4A-4F76-B9FF-8FCA6C4B0B08}" dt="2020-10-16T08:17:54.089" v="1700" actId="2890"/>
+        <pc:sldMkLst>
+          <pc:docMk/>
+          <pc:sldMk cId="3427335621" sldId="344"/>
         </pc:sldMkLst>
       </pc:sldChg>
     </pc:docChg>
@@ -4749,20 +4891,20 @@
     </pc:docChg>
   </pc:docChgLst>
   <pc:docChgLst>
-    <pc:chgData name="Andrew Ming Ho Wu" userId="620d876fccae6a25" providerId="LiveId" clId="{70051DB0-1E4A-4F76-B9FF-8FCA6C4B0B08}"/>
-    <pc:docChg chg="undo custSel addSld delSld modSld">
-      <pc:chgData name="Andrew Ming Ho Wu" userId="620d876fccae6a25" providerId="LiveId" clId="{70051DB0-1E4A-4F76-B9FF-8FCA6C4B0B08}" dt="2020-10-16T08:50:56.802" v="1997" actId="5793"/>
+    <pc:chgData name="Andrew Ming Ho Wu" userId="620d876fccae6a25" providerId="LiveId" clId="{B8CC6B97-FBEB-4E84-A973-1D8D00A51797}"/>
+    <pc:docChg chg="undo redo custSel addSld delSld modSld">
+      <pc:chgData name="Andrew Ming Ho Wu" userId="620d876fccae6a25" providerId="LiveId" clId="{B8CC6B97-FBEB-4E84-A973-1D8D00A51797}" dt="2020-12-09T20:21:14.831" v="3322" actId="1076"/>
       <pc:docMkLst>
         <pc:docMk/>
       </pc:docMkLst>
       <pc:sldChg chg="modSp mod">
-        <pc:chgData name="Andrew Ming Ho Wu" userId="620d876fccae6a25" providerId="LiveId" clId="{70051DB0-1E4A-4F76-B9FF-8FCA6C4B0B08}" dt="2020-10-16T08:13:04.374" v="1601" actId="255"/>
+        <pc:chgData name="Andrew Ming Ho Wu" userId="620d876fccae6a25" providerId="LiveId" clId="{B8CC6B97-FBEB-4E84-A973-1D8D00A51797}" dt="2020-12-07T23:20:20.434" v="2391" actId="20577"/>
         <pc:sldMkLst>
           <pc:docMk/>
           <pc:sldMk cId="0" sldId="256"/>
         </pc:sldMkLst>
         <pc:spChg chg="mod">
-          <ac:chgData name="Andrew Ming Ho Wu" userId="620d876fccae6a25" providerId="LiveId" clId="{70051DB0-1E4A-4F76-B9FF-8FCA6C4B0B08}" dt="2020-10-16T08:13:04.374" v="1601" actId="255"/>
+          <ac:chgData name="Andrew Ming Ho Wu" userId="620d876fccae6a25" providerId="LiveId" clId="{B8CC6B97-FBEB-4E84-A973-1D8D00A51797}" dt="2020-12-07T23:20:20.434" v="2391" actId="20577"/>
           <ac:spMkLst>
             <pc:docMk/>
             <pc:sldMk cId="0" sldId="256"/>
@@ -4770,7 +4912,7 @@
           </ac:spMkLst>
         </pc:spChg>
         <pc:spChg chg="mod">
-          <ac:chgData name="Andrew Ming Ho Wu" userId="620d876fccae6a25" providerId="LiveId" clId="{70051DB0-1E4A-4F76-B9FF-8FCA6C4B0B08}" dt="2020-10-14T11:03:10.696" v="1511" actId="20577"/>
+          <ac:chgData name="Andrew Ming Ho Wu" userId="620d876fccae6a25" providerId="LiveId" clId="{B8CC6B97-FBEB-4E84-A973-1D8D00A51797}" dt="2020-12-07T11:47:32.514" v="4" actId="20577"/>
           <ac:spMkLst>
             <pc:docMk/>
             <pc:sldMk cId="0" sldId="256"/>
@@ -4778,263 +4920,116 @@
           </ac:spMkLst>
         </pc:spChg>
       </pc:sldChg>
+      <pc:sldChg chg="modSp del mod">
+        <pc:chgData name="Andrew Ming Ho Wu" userId="620d876fccae6a25" providerId="LiveId" clId="{B8CC6B97-FBEB-4E84-A973-1D8D00A51797}" dt="2020-12-07T14:43:22.840" v="2386" actId="47"/>
+        <pc:sldMkLst>
+          <pc:docMk/>
+          <pc:sldMk cId="3627176467" sldId="330"/>
+        </pc:sldMkLst>
+        <pc:spChg chg="mod">
+          <ac:chgData name="Andrew Ming Ho Wu" userId="620d876fccae6a25" providerId="LiveId" clId="{B8CC6B97-FBEB-4E84-A973-1D8D00A51797}" dt="2020-12-07T11:49:36.385" v="427" actId="115"/>
+          <ac:spMkLst>
+            <pc:docMk/>
+            <pc:sldMk cId="3627176467" sldId="330"/>
+            <ac:spMk id="11" creationId="{51D20990-98D9-4852-A91C-AEF4EC3755F8}"/>
+          </ac:spMkLst>
+        </pc:spChg>
+      </pc:sldChg>
       <pc:sldChg chg="addSp delSp modSp mod">
-        <pc:chgData name="Andrew Ming Ho Wu" userId="620d876fccae6a25" providerId="LiveId" clId="{70051DB0-1E4A-4F76-B9FF-8FCA6C4B0B08}" dt="2020-10-16T08:14:10.986" v="1623" actId="1076"/>
-        <pc:sldMkLst>
-          <pc:docMk/>
-          <pc:sldMk cId="0" sldId="259"/>
-        </pc:sldMkLst>
-        <pc:spChg chg="mod">
-          <ac:chgData name="Andrew Ming Ho Wu" userId="620d876fccae6a25" providerId="LiveId" clId="{70051DB0-1E4A-4F76-B9FF-8FCA6C4B0B08}" dt="2020-10-16T08:14:10.986" v="1623" actId="1076"/>
-          <ac:spMkLst>
-            <pc:docMk/>
-            <pc:sldMk cId="0" sldId="259"/>
+        <pc:chgData name="Andrew Ming Ho Wu" userId="620d876fccae6a25" providerId="LiveId" clId="{B8CC6B97-FBEB-4E84-A973-1D8D00A51797}" dt="2020-12-09T20:19:32.434" v="3257" actId="20577"/>
+        <pc:sldMkLst>
+          <pc:docMk/>
+          <pc:sldMk cId="2206058006" sldId="333"/>
+        </pc:sldMkLst>
+        <pc:spChg chg="mod">
+          <ac:chgData name="Andrew Ming Ho Wu" userId="620d876fccae6a25" providerId="LiveId" clId="{B8CC6B97-FBEB-4E84-A973-1D8D00A51797}" dt="2020-12-08T20:51:48.995" v="2411" actId="20577"/>
+          <ac:spMkLst>
+            <pc:docMk/>
+            <pc:sldMk cId="2206058006" sldId="333"/>
             <ac:spMk id="5" creationId="{00000000-0000-0000-0000-000000000000}"/>
           </ac:spMkLst>
         </pc:spChg>
-        <pc:spChg chg="del mod">
-          <ac:chgData name="Andrew Ming Ho Wu" userId="620d876fccae6a25" providerId="LiveId" clId="{70051DB0-1E4A-4F76-B9FF-8FCA6C4B0B08}" dt="2020-10-14T10:56:16.263" v="803"/>
-          <ac:spMkLst>
-            <pc:docMk/>
-            <pc:sldMk cId="0" sldId="259"/>
-            <ac:spMk id="12" creationId="{7E70BACB-1CF0-4DEE-923B-205A7D88BC2B}"/>
-          </ac:spMkLst>
-        </pc:spChg>
-        <pc:graphicFrameChg chg="add del mod modGraphic">
-          <ac:chgData name="Andrew Ming Ho Wu" userId="620d876fccae6a25" providerId="LiveId" clId="{70051DB0-1E4A-4F76-B9FF-8FCA6C4B0B08}" dt="2020-10-16T08:13:58.412" v="1603" actId="478"/>
-          <ac:graphicFrameMkLst>
-            <pc:docMk/>
-            <pc:sldMk cId="0" sldId="259"/>
-            <ac:graphicFrameMk id="6" creationId="{F9FF6ED5-1599-4BAE-B1B8-E9E0AA0B54BA}"/>
-          </ac:graphicFrameMkLst>
-        </pc:graphicFrameChg>
-      </pc:sldChg>
-      <pc:sldChg chg="modSp del mod">
-        <pc:chgData name="Andrew Ming Ho Wu" userId="620d876fccae6a25" providerId="LiveId" clId="{70051DB0-1E4A-4F76-B9FF-8FCA6C4B0B08}" dt="2020-10-16T08:14:23.170" v="1624" actId="2696"/>
-        <pc:sldMkLst>
-          <pc:docMk/>
-          <pc:sldMk cId="4141595128" sldId="301"/>
-        </pc:sldMkLst>
-        <pc:spChg chg="mod">
-          <ac:chgData name="Andrew Ming Ho Wu" userId="620d876fccae6a25" providerId="LiveId" clId="{70051DB0-1E4A-4F76-B9FF-8FCA6C4B0B08}" dt="2020-10-14T10:57:15.205" v="832" actId="20577"/>
-          <ac:spMkLst>
-            <pc:docMk/>
-            <pc:sldMk cId="4141595128" sldId="301"/>
-            <ac:spMk id="5" creationId="{00000000-0000-0000-0000-000000000000}"/>
-          </ac:spMkLst>
-        </pc:spChg>
-        <pc:spChg chg="mod">
-          <ac:chgData name="Andrew Ming Ho Wu" userId="620d876fccae6a25" providerId="LiveId" clId="{70051DB0-1E4A-4F76-B9FF-8FCA6C4B0B08}" dt="2020-10-14T10:57:56.133" v="1014" actId="1076"/>
-          <ac:spMkLst>
-            <pc:docMk/>
-            <pc:sldMk cId="4141595128" sldId="301"/>
-            <ac:spMk id="12" creationId="{7E70BACB-1CF0-4DEE-923B-205A7D88BC2B}"/>
-          </ac:spMkLst>
-        </pc:spChg>
-      </pc:sldChg>
-      <pc:sldChg chg="modSp mod">
-        <pc:chgData name="Andrew Ming Ho Wu" userId="620d876fccae6a25" providerId="LiveId" clId="{70051DB0-1E4A-4F76-B9FF-8FCA6C4B0B08}" dt="2020-10-16T08:50:56.802" v="1997" actId="5793"/>
-        <pc:sldMkLst>
-          <pc:docMk/>
-          <pc:sldMk cId="428898620" sldId="329"/>
-        </pc:sldMkLst>
-        <pc:spChg chg="mod">
-          <ac:chgData name="Andrew Ming Ho Wu" userId="620d876fccae6a25" providerId="LiveId" clId="{70051DB0-1E4A-4F76-B9FF-8FCA6C4B0B08}" dt="2020-10-14T10:58:08.788" v="1025" actId="20577"/>
-          <ac:spMkLst>
-            <pc:docMk/>
-            <pc:sldMk cId="428898620" sldId="329"/>
-            <ac:spMk id="5" creationId="{00000000-0000-0000-0000-000000000000}"/>
-          </ac:spMkLst>
-        </pc:spChg>
-        <pc:spChg chg="mod">
-          <ac:chgData name="Andrew Ming Ho Wu" userId="620d876fccae6a25" providerId="LiveId" clId="{70051DB0-1E4A-4F76-B9FF-8FCA6C4B0B08}" dt="2020-10-16T08:50:56.802" v="1997" actId="5793"/>
-          <ac:spMkLst>
-            <pc:docMk/>
-            <pc:sldMk cId="428898620" sldId="329"/>
-            <ac:spMk id="12" creationId="{7E70BACB-1CF0-4DEE-923B-205A7D88BC2B}"/>
-          </ac:spMkLst>
-        </pc:spChg>
-      </pc:sldChg>
-      <pc:sldChg chg="addSp delSp modSp mod">
-        <pc:chgData name="Andrew Ming Ho Wu" userId="620d876fccae6a25" providerId="LiveId" clId="{70051DB0-1E4A-4F76-B9FF-8FCA6C4B0B08}" dt="2020-10-14T11:04:43.468" v="1595" actId="1076"/>
-        <pc:sldMkLst>
-          <pc:docMk/>
-          <pc:sldMk cId="3627176467" sldId="330"/>
-        </pc:sldMkLst>
-        <pc:spChg chg="mod">
-          <ac:chgData name="Andrew Ming Ho Wu" userId="620d876fccae6a25" providerId="LiveId" clId="{70051DB0-1E4A-4F76-B9FF-8FCA6C4B0B08}" dt="2020-10-14T11:04:43.468" v="1595" actId="1076"/>
-          <ac:spMkLst>
-            <pc:docMk/>
-            <pc:sldMk cId="3627176467" sldId="330"/>
-            <ac:spMk id="5" creationId="{00000000-0000-0000-0000-000000000000}"/>
+        <pc:spChg chg="del">
+          <ac:chgData name="Andrew Ming Ho Wu" userId="620d876fccae6a25" providerId="LiveId" clId="{B8CC6B97-FBEB-4E84-A973-1D8D00A51797}" dt="2020-12-07T11:49:40.438" v="428" actId="478"/>
+          <ac:spMkLst>
+            <pc:docMk/>
+            <pc:sldMk cId="2206058006" sldId="333"/>
+            <ac:spMk id="11" creationId="{3E2506E2-B67A-4B0D-BA61-6B13AC56BACF}"/>
           </ac:spMkLst>
         </pc:spChg>
         <pc:spChg chg="add del mod">
-          <ac:chgData name="Andrew Ming Ho Wu" userId="620d876fccae6a25" providerId="LiveId" clId="{70051DB0-1E4A-4F76-B9FF-8FCA6C4B0B08}" dt="2020-10-14T11:02:05.801" v="1498" actId="20577"/>
-          <ac:spMkLst>
-            <pc:docMk/>
-            <pc:sldMk cId="3627176467" sldId="330"/>
-            <ac:spMk id="12" creationId="{7E70BACB-1CF0-4DEE-923B-205A7D88BC2B}"/>
-          </ac:spMkLst>
-        </pc:spChg>
-      </pc:sldChg>
-      <pc:sldChg chg="delSp modSp mod">
-        <pc:chgData name="Andrew Ming Ho Wu" userId="620d876fccae6a25" providerId="LiveId" clId="{70051DB0-1E4A-4F76-B9FF-8FCA6C4B0B08}" dt="2020-10-14T11:02:51.398" v="1506" actId="1076"/>
-        <pc:sldMkLst>
-          <pc:docMk/>
-          <pc:sldMk cId="311588258" sldId="331"/>
-        </pc:sldMkLst>
-        <pc:spChg chg="mod">
-          <ac:chgData name="Andrew Ming Ho Wu" userId="620d876fccae6a25" providerId="LiveId" clId="{70051DB0-1E4A-4F76-B9FF-8FCA6C4B0B08}" dt="2020-10-14T11:02:51.398" v="1506" actId="1076"/>
-          <ac:spMkLst>
-            <pc:docMk/>
-            <pc:sldMk cId="311588258" sldId="331"/>
-            <ac:spMk id="5" creationId="{00000000-0000-0000-0000-000000000000}"/>
-          </ac:spMkLst>
-        </pc:spChg>
-        <pc:spChg chg="del">
-          <ac:chgData name="Andrew Ming Ho Wu" userId="620d876fccae6a25" providerId="LiveId" clId="{70051DB0-1E4A-4F76-B9FF-8FCA6C4B0B08}" dt="2020-10-14T11:02:34.036" v="1502" actId="478"/>
-          <ac:spMkLst>
-            <pc:docMk/>
-            <pc:sldMk cId="311588258" sldId="331"/>
-            <ac:spMk id="12" creationId="{7E70BACB-1CF0-4DEE-923B-205A7D88BC2B}"/>
+          <ac:chgData name="Andrew Ming Ho Wu" userId="620d876fccae6a25" providerId="LiveId" clId="{B8CC6B97-FBEB-4E84-A973-1D8D00A51797}" dt="2020-12-09T20:19:32.434" v="3257" actId="20577"/>
+          <ac:spMkLst>
+            <pc:docMk/>
+            <pc:sldMk cId="2206058006" sldId="333"/>
+            <ac:spMk id="12" creationId="{11F2B6B6-0466-4FF3-9677-694F0F61AE7C}"/>
           </ac:spMkLst>
         </pc:spChg>
         <pc:grpChg chg="mod">
-          <ac:chgData name="Andrew Ming Ho Wu" userId="620d876fccae6a25" providerId="LiveId" clId="{70051DB0-1E4A-4F76-B9FF-8FCA6C4B0B08}" dt="2020-10-14T11:02:46.399" v="1505" actId="1076"/>
+          <ac:chgData name="Andrew Ming Ho Wu" userId="620d876fccae6a25" providerId="LiveId" clId="{B8CC6B97-FBEB-4E84-A973-1D8D00A51797}" dt="2020-12-07T11:50:20.258" v="465" actId="1076"/>
           <ac:grpSpMkLst>
             <pc:docMk/>
-            <pc:sldMk cId="311588258" sldId="331"/>
+            <pc:sldMk cId="2206058006" sldId="333"/>
             <ac:grpSpMk id="2" creationId="{00000000-0000-0000-0000-000000000000}"/>
           </ac:grpSpMkLst>
         </pc:grpChg>
-      </pc:sldChg>
-      <pc:sldChg chg="del">
-        <pc:chgData name="Andrew Ming Ho Wu" userId="620d876fccae6a25" providerId="LiveId" clId="{70051DB0-1E4A-4F76-B9FF-8FCA6C4B0B08}" dt="2020-10-14T11:02:58.709" v="1507" actId="2696"/>
-        <pc:sldMkLst>
-          <pc:docMk/>
-          <pc:sldMk cId="1678336179" sldId="332"/>
-        </pc:sldMkLst>
-      </pc:sldChg>
-      <pc:sldChg chg="modSp mod">
-        <pc:chgData name="Andrew Ming Ho Wu" userId="620d876fccae6a25" providerId="LiveId" clId="{70051DB0-1E4A-4F76-B9FF-8FCA6C4B0B08}" dt="2020-10-16T08:31:21.227" v="1924" actId="20577"/>
-        <pc:sldMkLst>
-          <pc:docMk/>
-          <pc:sldMk cId="2206058006" sldId="333"/>
-        </pc:sldMkLst>
-        <pc:spChg chg="mod">
-          <ac:chgData name="Andrew Ming Ho Wu" userId="620d876fccae6a25" providerId="LiveId" clId="{70051DB0-1E4A-4F76-B9FF-8FCA6C4B0B08}" dt="2020-10-16T08:17:59.360" v="1712" actId="20577"/>
-          <ac:spMkLst>
+        <pc:grpChg chg="mod">
+          <ac:chgData name="Andrew Ming Ho Wu" userId="620d876fccae6a25" providerId="LiveId" clId="{B8CC6B97-FBEB-4E84-A973-1D8D00A51797}" dt="2020-12-07T11:50:22.733" v="466" actId="1076"/>
+          <ac:grpSpMkLst>
             <pc:docMk/>
             <pc:sldMk cId="2206058006" sldId="333"/>
-            <ac:spMk id="5" creationId="{00000000-0000-0000-0000-000000000000}"/>
-          </ac:spMkLst>
-        </pc:spChg>
-        <pc:spChg chg="mod">
-          <ac:chgData name="Andrew Ming Ho Wu" userId="620d876fccae6a25" providerId="LiveId" clId="{70051DB0-1E4A-4F76-B9FF-8FCA6C4B0B08}" dt="2020-10-16T08:31:21.227" v="1924" actId="20577"/>
-          <ac:spMkLst>
-            <pc:docMk/>
-            <pc:sldMk cId="2206058006" sldId="333"/>
-            <ac:spMk id="12" creationId="{7E70BACB-1CF0-4DEE-923B-205A7D88BC2B}"/>
-          </ac:spMkLst>
-        </pc:spChg>
-      </pc:sldChg>
-      <pc:sldChg chg="del">
-        <pc:chgData name="Andrew Ming Ho Wu" userId="620d876fccae6a25" providerId="LiveId" clId="{70051DB0-1E4A-4F76-B9FF-8FCA6C4B0B08}" dt="2020-10-14T10:49:02.566" v="132" actId="2696"/>
-        <pc:sldMkLst>
-          <pc:docMk/>
-          <pc:sldMk cId="1994449026" sldId="335"/>
-        </pc:sldMkLst>
-      </pc:sldChg>
-      <pc:sldChg chg="del">
-        <pc:chgData name="Andrew Ming Ho Wu" userId="620d876fccae6a25" providerId="LiveId" clId="{70051DB0-1E4A-4F76-B9FF-8FCA6C4B0B08}" dt="2020-10-14T11:02:58.709" v="1507" actId="2696"/>
-        <pc:sldMkLst>
-          <pc:docMk/>
-          <pc:sldMk cId="491446009" sldId="336"/>
-        </pc:sldMkLst>
-      </pc:sldChg>
-      <pc:sldChg chg="del">
-        <pc:chgData name="Andrew Ming Ho Wu" userId="620d876fccae6a25" providerId="LiveId" clId="{70051DB0-1E4A-4F76-B9FF-8FCA6C4B0B08}" dt="2020-10-14T11:02:58.709" v="1507" actId="2696"/>
-        <pc:sldMkLst>
-          <pc:docMk/>
-          <pc:sldMk cId="3153837584" sldId="337"/>
-        </pc:sldMkLst>
-      </pc:sldChg>
-      <pc:sldChg chg="del">
-        <pc:chgData name="Andrew Ming Ho Wu" userId="620d876fccae6a25" providerId="LiveId" clId="{70051DB0-1E4A-4F76-B9FF-8FCA6C4B0B08}" dt="2020-10-14T11:02:58.709" v="1507" actId="2696"/>
-        <pc:sldMkLst>
-          <pc:docMk/>
-          <pc:sldMk cId="1064973513" sldId="338"/>
-        </pc:sldMkLst>
-      </pc:sldChg>
-      <pc:sldChg chg="del">
-        <pc:chgData name="Andrew Ming Ho Wu" userId="620d876fccae6a25" providerId="LiveId" clId="{70051DB0-1E4A-4F76-B9FF-8FCA6C4B0B08}" dt="2020-10-14T11:02:58.709" v="1507" actId="2696"/>
-        <pc:sldMkLst>
-          <pc:docMk/>
-          <pc:sldMk cId="3865668538" sldId="339"/>
-        </pc:sldMkLst>
-      </pc:sldChg>
-      <pc:sldChg chg="del">
-        <pc:chgData name="Andrew Ming Ho Wu" userId="620d876fccae6a25" providerId="LiveId" clId="{70051DB0-1E4A-4F76-B9FF-8FCA6C4B0B08}" dt="2020-10-14T11:02:58.709" v="1507" actId="2696"/>
-        <pc:sldMkLst>
-          <pc:docMk/>
-          <pc:sldMk cId="1140042678" sldId="340"/>
-        </pc:sldMkLst>
-      </pc:sldChg>
-      <pc:sldChg chg="del">
-        <pc:chgData name="Andrew Ming Ho Wu" userId="620d876fccae6a25" providerId="LiveId" clId="{70051DB0-1E4A-4F76-B9FF-8FCA6C4B0B08}" dt="2020-10-14T11:02:58.709" v="1507" actId="2696"/>
-        <pc:sldMkLst>
-          <pc:docMk/>
-          <pc:sldMk cId="2792681432" sldId="341"/>
-        </pc:sldMkLst>
-      </pc:sldChg>
-      <pc:sldChg chg="del">
-        <pc:chgData name="Andrew Ming Ho Wu" userId="620d876fccae6a25" providerId="LiveId" clId="{70051DB0-1E4A-4F76-B9FF-8FCA6C4B0B08}" dt="2020-10-14T11:02:58.709" v="1507" actId="2696"/>
-        <pc:sldMkLst>
-          <pc:docMk/>
-          <pc:sldMk cId="3458398597" sldId="342"/>
-        </pc:sldMkLst>
-      </pc:sldChg>
-      <pc:sldChg chg="delSp modSp mod">
-        <pc:chgData name="Andrew Ming Ho Wu" userId="620d876fccae6a25" providerId="LiveId" clId="{70051DB0-1E4A-4F76-B9FF-8FCA6C4B0B08}" dt="2020-10-16T08:17:39.434" v="1697" actId="20577"/>
+            <ac:grpSpMk id="8" creationId="{00000000-0000-0000-0000-000000000000}"/>
+          </ac:grpSpMkLst>
+        </pc:grpChg>
+      </pc:sldChg>
+      <pc:sldChg chg="addSp delSp modSp mod">
+        <pc:chgData name="Andrew Ming Ho Wu" userId="620d876fccae6a25" providerId="LiveId" clId="{B8CC6B97-FBEB-4E84-A973-1D8D00A51797}" dt="2020-12-07T12:17:11.563" v="2385" actId="20577"/>
         <pc:sldMkLst>
           <pc:docMk/>
           <pc:sldMk cId="2818220858" sldId="343"/>
         </pc:sldMkLst>
         <pc:spChg chg="mod">
-          <ac:chgData name="Andrew Ming Ho Wu" userId="620d876fccae6a25" providerId="LiveId" clId="{70051DB0-1E4A-4F76-B9FF-8FCA6C4B0B08}" dt="2020-10-16T08:17:39.434" v="1697" actId="20577"/>
+          <ac:chgData name="Andrew Ming Ho Wu" userId="620d876fccae6a25" providerId="LiveId" clId="{B8CC6B97-FBEB-4E84-A973-1D8D00A51797}" dt="2020-12-07T12:16:53.205" v="2364" actId="1076"/>
           <ac:spMkLst>
             <pc:docMk/>
             <pc:sldMk cId="2818220858" sldId="343"/>
             <ac:spMk id="5" creationId="{81D7F47C-B22C-46A9-BD87-E2FA064EC20F}"/>
           </ac:spMkLst>
         </pc:spChg>
-        <pc:spChg chg="del">
-          <ac:chgData name="Andrew Ming Ho Wu" userId="620d876fccae6a25" providerId="LiveId" clId="{70051DB0-1E4A-4F76-B9FF-8FCA6C4B0B08}" dt="2020-10-14T10:48:34.682" v="129" actId="478"/>
+        <pc:spChg chg="mod">
+          <ac:chgData name="Andrew Ming Ho Wu" userId="620d876fccae6a25" providerId="LiveId" clId="{B8CC6B97-FBEB-4E84-A973-1D8D00A51797}" dt="2020-12-07T12:16:25.853" v="2338" actId="20577"/>
           <ac:spMkLst>
             <pc:docMk/>
             <pc:sldMk cId="2818220858" sldId="343"/>
-            <ac:spMk id="7" creationId="{8F1A7018-DAB3-4DD6-9851-CCE349574926}"/>
-          </ac:spMkLst>
-        </pc:spChg>
-        <pc:spChg chg="mod">
-          <ac:chgData name="Andrew Ming Ho Wu" userId="620d876fccae6a25" providerId="LiveId" clId="{70051DB0-1E4A-4F76-B9FF-8FCA6C4B0B08}" dt="2020-10-16T08:17:36.046" v="1691" actId="20577"/>
+            <ac:spMk id="8" creationId="{9D42ABF8-029E-4F29-B608-8C118D28ABA1}"/>
+          </ac:spMkLst>
+        </pc:spChg>
+        <pc:spChg chg="add del mod">
+          <ac:chgData name="Andrew Ming Ho Wu" userId="620d876fccae6a25" providerId="LiveId" clId="{B8CC6B97-FBEB-4E84-A973-1D8D00A51797}" dt="2020-12-07T12:17:00.094" v="2366"/>
+          <ac:spMkLst>
+            <pc:docMk/>
+            <pc:sldMk cId="2818220858" sldId="343"/>
+            <ac:spMk id="14" creationId="{4008C9F8-7034-4640-926C-69C20356432C}"/>
+          </ac:spMkLst>
+        </pc:spChg>
+        <pc:spChg chg="mod">
+          <ac:chgData name="Andrew Ming Ho Wu" userId="620d876fccae6a25" providerId="LiveId" clId="{B8CC6B97-FBEB-4E84-A973-1D8D00A51797}" dt="2020-12-07T11:47:46.566" v="35" actId="20577"/>
           <ac:spMkLst>
             <pc:docMk/>
             <pc:sldMk cId="2818220858" sldId="343"/>
             <ac:spMk id="15" creationId="{5FC8DCBF-4CCE-4C22-8B9F-CC50B4D8446D}"/>
           </ac:spMkLst>
         </pc:spChg>
-        <pc:spChg chg="del">
-          <ac:chgData name="Andrew Ming Ho Wu" userId="620d876fccae6a25" providerId="LiveId" clId="{70051DB0-1E4A-4F76-B9FF-8FCA6C4B0B08}" dt="2020-10-14T10:48:41.238" v="130" actId="478"/>
+        <pc:spChg chg="add mod">
+          <ac:chgData name="Andrew Ming Ho Wu" userId="620d876fccae6a25" providerId="LiveId" clId="{B8CC6B97-FBEB-4E84-A973-1D8D00A51797}" dt="2020-12-07T12:17:11.563" v="2385" actId="20577"/>
           <ac:spMkLst>
             <pc:docMk/>
             <pc:sldMk cId="2818220858" sldId="343"/>
-            <ac:spMk id="20" creationId="{A6F76399-04DE-46A8-BF2C-99ED8D141BD3}"/>
+            <ac:spMk id="16" creationId="{9776CE46-BCD9-4FBA-A83A-BE5C5D29A965}"/>
           </ac:spMkLst>
         </pc:spChg>
         <pc:grpChg chg="mod">
-          <ac:chgData name="Andrew Ming Ho Wu" userId="620d876fccae6a25" providerId="LiveId" clId="{70051DB0-1E4A-4F76-B9FF-8FCA6C4B0B08}" dt="2020-10-14T11:03:31.434" v="1538" actId="1076"/>
+          <ac:chgData name="Andrew Ming Ho Wu" userId="620d876fccae6a25" providerId="LiveId" clId="{B8CC6B97-FBEB-4E84-A973-1D8D00A51797}" dt="2020-12-07T12:16:48.563" v="2363" actId="1076"/>
           <ac:grpSpMkLst>
             <pc:docMk/>
             <pc:sldMk cId="2818220858" sldId="343"/>
@@ -5042,119 +5037,125 @@
           </ac:grpSpMkLst>
         </pc:grpChg>
       </pc:sldChg>
+      <pc:sldChg chg="modSp mod">
+        <pc:chgData name="Andrew Ming Ho Wu" userId="620d876fccae6a25" providerId="LiveId" clId="{B8CC6B97-FBEB-4E84-A973-1D8D00A51797}" dt="2020-12-07T12:12:01.475" v="2130" actId="20577"/>
+        <pc:sldMkLst>
+          <pc:docMk/>
+          <pc:sldMk cId="1002563172" sldId="387"/>
+        </pc:sldMkLst>
+        <pc:spChg chg="mod">
+          <ac:chgData name="Andrew Ming Ho Wu" userId="620d876fccae6a25" providerId="LiveId" clId="{B8CC6B97-FBEB-4E84-A973-1D8D00A51797}" dt="2020-12-07T12:12:01.475" v="2130" actId="20577"/>
+          <ac:spMkLst>
+            <pc:docMk/>
+            <pc:sldMk cId="1002563172" sldId="387"/>
+            <ac:spMk id="5" creationId="{00000000-0000-0000-0000-000000000000}"/>
+          </ac:spMkLst>
+        </pc:spChg>
+      </pc:sldChg>
+      <pc:sldChg chg="modSp add mod">
+        <pc:chgData name="Andrew Ming Ho Wu" userId="620d876fccae6a25" providerId="LiveId" clId="{B8CC6B97-FBEB-4E84-A973-1D8D00A51797}" dt="2020-12-09T20:21:14.831" v="3322" actId="1076"/>
+        <pc:sldMkLst>
+          <pc:docMk/>
+          <pc:sldMk cId="2049264590" sldId="388"/>
+        </pc:sldMkLst>
+        <pc:spChg chg="mod">
+          <ac:chgData name="Andrew Ming Ho Wu" userId="620d876fccae6a25" providerId="LiveId" clId="{B8CC6B97-FBEB-4E84-A973-1D8D00A51797}" dt="2020-12-09T20:21:14.831" v="3322" actId="1076"/>
+          <ac:spMkLst>
+            <pc:docMk/>
+            <pc:sldMk cId="2049264590" sldId="388"/>
+            <ac:spMk id="12" creationId="{11F2B6B6-0466-4FF3-9677-694F0F61AE7C}"/>
+          </ac:spMkLst>
+        </pc:spChg>
+      </pc:sldChg>
+      <pc:sldChg chg="add">
+        <pc:chgData name="Andrew Ming Ho Wu" userId="620d876fccae6a25" providerId="LiveId" clId="{B8CC6B97-FBEB-4E84-A973-1D8D00A51797}" dt="2020-12-07T12:11:57.600" v="2129" actId="2890"/>
+        <pc:sldMkLst>
+          <pc:docMk/>
+          <pc:sldMk cId="1012779811" sldId="389"/>
+        </pc:sldMkLst>
+      </pc:sldChg>
+      <pc:sldChg chg="modSp add mod">
+        <pc:chgData name="Andrew Ming Ho Wu" userId="620d876fccae6a25" providerId="LiveId" clId="{B8CC6B97-FBEB-4E84-A973-1D8D00A51797}" dt="2020-12-07T12:13:16.646" v="2234" actId="255"/>
+        <pc:sldMkLst>
+          <pc:docMk/>
+          <pc:sldMk cId="2782934202" sldId="390"/>
+        </pc:sldMkLst>
+        <pc:spChg chg="mod">
+          <ac:chgData name="Andrew Ming Ho Wu" userId="620d876fccae6a25" providerId="LiveId" clId="{B8CC6B97-FBEB-4E84-A973-1D8D00A51797}" dt="2020-12-07T12:12:22.476" v="2139" actId="20577"/>
+          <ac:spMkLst>
+            <pc:docMk/>
+            <pc:sldMk cId="2782934202" sldId="390"/>
+            <ac:spMk id="5" creationId="{00000000-0000-0000-0000-000000000000}"/>
+          </ac:spMkLst>
+        </pc:spChg>
+        <pc:spChg chg="mod">
+          <ac:chgData name="Andrew Ming Ho Wu" userId="620d876fccae6a25" providerId="LiveId" clId="{B8CC6B97-FBEB-4E84-A973-1D8D00A51797}" dt="2020-12-07T12:13:16.646" v="2234" actId="255"/>
+          <ac:spMkLst>
+            <pc:docMk/>
+            <pc:sldMk cId="2782934202" sldId="390"/>
+            <ac:spMk id="12" creationId="{11F2B6B6-0466-4FF3-9677-694F0F61AE7C}"/>
+          </ac:spMkLst>
+        </pc:spChg>
+      </pc:sldChg>
+      <pc:sldChg chg="modSp add mod">
+        <pc:chgData name="Andrew Ming Ho Wu" userId="620d876fccae6a25" providerId="LiveId" clId="{B8CC6B97-FBEB-4E84-A973-1D8D00A51797}" dt="2020-12-07T12:14:09.189" v="2268" actId="20577"/>
+        <pc:sldMkLst>
+          <pc:docMk/>
+          <pc:sldMk cId="2582986712" sldId="391"/>
+        </pc:sldMkLst>
+        <pc:spChg chg="mod">
+          <ac:chgData name="Andrew Ming Ho Wu" userId="620d876fccae6a25" providerId="LiveId" clId="{B8CC6B97-FBEB-4E84-A973-1D8D00A51797}" dt="2020-12-07T12:14:09.189" v="2268" actId="20577"/>
+          <ac:spMkLst>
+            <pc:docMk/>
+            <pc:sldMk cId="2582986712" sldId="391"/>
+            <ac:spMk id="12" creationId="{11F2B6B6-0466-4FF3-9677-694F0F61AE7C}"/>
+          </ac:spMkLst>
+        </pc:spChg>
+      </pc:sldChg>
+      <pc:sldChg chg="modSp add mod">
+        <pc:chgData name="Andrew Ming Ho Wu" userId="620d876fccae6a25" providerId="LiveId" clId="{B8CC6B97-FBEB-4E84-A973-1D8D00A51797}" dt="2020-12-07T12:15:51.208" v="2307" actId="255"/>
+        <pc:sldMkLst>
+          <pc:docMk/>
+          <pc:sldMk cId="161672857" sldId="392"/>
+        </pc:sldMkLst>
+        <pc:spChg chg="mod">
+          <ac:chgData name="Andrew Ming Ho Wu" userId="620d876fccae6a25" providerId="LiveId" clId="{B8CC6B97-FBEB-4E84-A973-1D8D00A51797}" dt="2020-12-07T12:15:14.773" v="2298" actId="20577"/>
+          <ac:spMkLst>
+            <pc:docMk/>
+            <pc:sldMk cId="161672857" sldId="392"/>
+            <ac:spMk id="5" creationId="{00000000-0000-0000-0000-000000000000}"/>
+          </ac:spMkLst>
+        </pc:spChg>
+        <pc:spChg chg="mod">
+          <ac:chgData name="Andrew Ming Ho Wu" userId="620d876fccae6a25" providerId="LiveId" clId="{B8CC6B97-FBEB-4E84-A973-1D8D00A51797}" dt="2020-12-07T12:15:51.208" v="2307" actId="255"/>
+          <ac:spMkLst>
+            <pc:docMk/>
+            <pc:sldMk cId="161672857" sldId="392"/>
+            <ac:spMk id="12" creationId="{11F2B6B6-0466-4FF3-9677-694F0F61AE7C}"/>
+          </ac:spMkLst>
+        </pc:spChg>
+      </pc:sldChg>
+      <pc:sldChg chg="modSp add mod">
+        <pc:chgData name="Andrew Ming Ho Wu" userId="620d876fccae6a25" providerId="LiveId" clId="{B8CC6B97-FBEB-4E84-A973-1D8D00A51797}" dt="2020-12-09T20:20:31.079" v="3296" actId="20577"/>
+        <pc:sldMkLst>
+          <pc:docMk/>
+          <pc:sldMk cId="226674003" sldId="393"/>
+        </pc:sldMkLst>
+        <pc:spChg chg="mod">
+          <ac:chgData name="Andrew Ming Ho Wu" userId="620d876fccae6a25" providerId="LiveId" clId="{B8CC6B97-FBEB-4E84-A973-1D8D00A51797}" dt="2020-12-09T20:20:31.079" v="3296" actId="20577"/>
+          <ac:spMkLst>
+            <pc:docMk/>
+            <pc:sldMk cId="226674003" sldId="393"/>
+            <ac:spMk id="12" creationId="{11F2B6B6-0466-4FF3-9677-694F0F61AE7C}"/>
+          </ac:spMkLst>
+        </pc:spChg>
+      </pc:sldChg>
       <pc:sldChg chg="add del">
-        <pc:chgData name="Andrew Ming Ho Wu" userId="620d876fccae6a25" providerId="LiveId" clId="{70051DB0-1E4A-4F76-B9FF-8FCA6C4B0B08}" dt="2020-10-16T08:17:51.506" v="1699" actId="2890"/>
-        <pc:sldMkLst>
-          <pc:docMk/>
-          <pc:sldMk cId="882795893" sldId="344"/>
-        </pc:sldMkLst>
-      </pc:sldChg>
-      <pc:sldChg chg="add">
-        <pc:chgData name="Andrew Ming Ho Wu" userId="620d876fccae6a25" providerId="LiveId" clId="{70051DB0-1E4A-4F76-B9FF-8FCA6C4B0B08}" dt="2020-10-16T08:17:54.089" v="1700" actId="2890"/>
-        <pc:sldMkLst>
-          <pc:docMk/>
-          <pc:sldMk cId="3427335621" sldId="344"/>
-        </pc:sldMkLst>
-      </pc:sldChg>
-    </pc:docChg>
-  </pc:docChgLst>
-  <pc:docChgLst>
-    <pc:chgData name="Andrew Ming Ho Wu" userId="620d876fccae6a25" providerId="LiveId" clId="{301D553B-ED1B-4DD0-8B60-0326FA0FE40D}"/>
-    <pc:docChg chg="undo custSel modSld sldOrd">
-      <pc:chgData name="Andrew Ming Ho Wu" userId="620d876fccae6a25" providerId="LiveId" clId="{301D553B-ED1B-4DD0-8B60-0326FA0FE40D}" dt="2020-12-04T09:57:29.774" v="2192" actId="20577"/>
-      <pc:docMkLst>
-        <pc:docMk/>
-      </pc:docMkLst>
-      <pc:sldChg chg="modSp mod">
-        <pc:chgData name="Andrew Ming Ho Wu" userId="620d876fccae6a25" providerId="LiveId" clId="{301D553B-ED1B-4DD0-8B60-0326FA0FE40D}" dt="2020-12-04T09:23:30.694" v="1648" actId="20577"/>
-        <pc:sldMkLst>
-          <pc:docMk/>
-          <pc:sldMk cId="0" sldId="256"/>
-        </pc:sldMkLst>
-        <pc:spChg chg="mod">
-          <ac:chgData name="Andrew Ming Ho Wu" userId="620d876fccae6a25" providerId="LiveId" clId="{301D553B-ED1B-4DD0-8B60-0326FA0FE40D}" dt="2020-12-04T09:23:30.694" v="1648" actId="20577"/>
-          <ac:spMkLst>
-            <pc:docMk/>
-            <pc:sldMk cId="0" sldId="256"/>
-            <ac:spMk id="12" creationId="{9A5C5996-C506-42D4-8B45-0190C0F5159A}"/>
-          </ac:spMkLst>
-        </pc:spChg>
-      </pc:sldChg>
-      <pc:sldChg chg="modSp mod ord">
-        <pc:chgData name="Andrew Ming Ho Wu" userId="620d876fccae6a25" providerId="LiveId" clId="{301D553B-ED1B-4DD0-8B60-0326FA0FE40D}" dt="2020-12-04T09:37:15.202" v="1818" actId="1076"/>
-        <pc:sldMkLst>
-          <pc:docMk/>
-          <pc:sldMk cId="3627176467" sldId="330"/>
-        </pc:sldMkLst>
-        <pc:spChg chg="mod">
-          <ac:chgData name="Andrew Ming Ho Wu" userId="620d876fccae6a25" providerId="LiveId" clId="{301D553B-ED1B-4DD0-8B60-0326FA0FE40D}" dt="2020-12-04T09:37:15.202" v="1818" actId="1076"/>
-          <ac:spMkLst>
-            <pc:docMk/>
-            <pc:sldMk cId="3627176467" sldId="330"/>
-            <ac:spMk id="11" creationId="{51D20990-98D9-4852-A91C-AEF4EC3755F8}"/>
-          </ac:spMkLst>
-        </pc:spChg>
-      </pc:sldChg>
-      <pc:sldChg chg="addSp delSp modSp mod">
-        <pc:chgData name="Andrew Ming Ho Wu" userId="620d876fccae6a25" providerId="LiveId" clId="{301D553B-ED1B-4DD0-8B60-0326FA0FE40D}" dt="2020-12-04T09:57:29.774" v="2192" actId="20577"/>
-        <pc:sldMkLst>
-          <pc:docMk/>
-          <pc:sldMk cId="2206058006" sldId="333"/>
-        </pc:sldMkLst>
-        <pc:spChg chg="mod">
-          <ac:chgData name="Andrew Ming Ho Wu" userId="620d876fccae6a25" providerId="LiveId" clId="{301D553B-ED1B-4DD0-8B60-0326FA0FE40D}" dt="2020-12-04T09:54:08.146" v="2088" actId="1076"/>
-          <ac:spMkLst>
-            <pc:docMk/>
-            <pc:sldMk cId="2206058006" sldId="333"/>
-            <ac:spMk id="5" creationId="{00000000-0000-0000-0000-000000000000}"/>
-          </ac:spMkLst>
-        </pc:spChg>
-        <pc:spChg chg="add del mod">
-          <ac:chgData name="Andrew Ming Ho Wu" userId="620d876fccae6a25" providerId="LiveId" clId="{301D553B-ED1B-4DD0-8B60-0326FA0FE40D}" dt="2020-12-04T09:57:29.774" v="2192" actId="20577"/>
-          <ac:spMkLst>
-            <pc:docMk/>
-            <pc:sldMk cId="2206058006" sldId="333"/>
-            <ac:spMk id="11" creationId="{3E2506E2-B67A-4B0D-BA61-6B13AC56BACF}"/>
-          </ac:spMkLst>
-        </pc:spChg>
-      </pc:sldChg>
-      <pc:sldChg chg="modSp mod">
-        <pc:chgData name="Andrew Ming Ho Wu" userId="620d876fccae6a25" providerId="LiveId" clId="{301D553B-ED1B-4DD0-8B60-0326FA0FE40D}" dt="2020-12-03T19:29:39.167" v="656" actId="20577"/>
-        <pc:sldMkLst>
-          <pc:docMk/>
-          <pc:sldMk cId="2818220858" sldId="343"/>
-        </pc:sldMkLst>
-        <pc:spChg chg="mod">
-          <ac:chgData name="Andrew Ming Ho Wu" userId="620d876fccae6a25" providerId="LiveId" clId="{301D553B-ED1B-4DD0-8B60-0326FA0FE40D}" dt="2020-12-03T19:29:34.248" v="655" actId="20577"/>
-          <ac:spMkLst>
-            <pc:docMk/>
-            <pc:sldMk cId="2818220858" sldId="343"/>
-            <ac:spMk id="8" creationId="{9D42ABF8-029E-4F29-B608-8C118D28ABA1}"/>
-          </ac:spMkLst>
-        </pc:spChg>
-        <pc:spChg chg="mod">
-          <ac:chgData name="Andrew Ming Ho Wu" userId="620d876fccae6a25" providerId="LiveId" clId="{301D553B-ED1B-4DD0-8B60-0326FA0FE40D}" dt="2020-12-03T19:29:39.167" v="656" actId="20577"/>
-          <ac:spMkLst>
-            <pc:docMk/>
-            <pc:sldMk cId="2818220858" sldId="343"/>
-            <ac:spMk id="15" creationId="{5FC8DCBF-4CCE-4C22-8B9F-CC50B4D8446D}"/>
-          </ac:spMkLst>
-        </pc:spChg>
-      </pc:sldChg>
-      <pc:sldChg chg="addSp delSp modSp mod">
-        <pc:chgData name="Andrew Ming Ho Wu" userId="620d876fccae6a25" providerId="LiveId" clId="{301D553B-ED1B-4DD0-8B60-0326FA0FE40D}" dt="2020-12-03T19:23:50.731" v="4"/>
-        <pc:sldMkLst>
-          <pc:docMk/>
-          <pc:sldMk cId="1002563172" sldId="387"/>
-        </pc:sldMkLst>
-        <pc:spChg chg="add del mod">
-          <ac:chgData name="Andrew Ming Ho Wu" userId="620d876fccae6a25" providerId="LiveId" clId="{301D553B-ED1B-4DD0-8B60-0326FA0FE40D}" dt="2020-12-03T19:23:50.731" v="4"/>
-          <ac:spMkLst>
-            <pc:docMk/>
-            <pc:sldMk cId="1002563172" sldId="387"/>
-            <ac:spMk id="11" creationId="{BA618F6F-1997-4079-B11E-BC24229FBCC5}"/>
-          </ac:spMkLst>
-        </pc:spChg>
+        <pc:chgData name="Andrew Ming Ho Wu" userId="620d876fccae6a25" providerId="LiveId" clId="{B8CC6B97-FBEB-4E84-A973-1D8D00A51797}" dt="2020-12-08T20:51:41.486" v="2393"/>
+        <pc:sldMkLst>
+          <pc:docMk/>
+          <pc:sldMk cId="1879883029" sldId="393"/>
+        </pc:sldMkLst>
       </pc:sldChg>
     </pc:docChg>
   </pc:docChgLst>
@@ -5554,7 +5555,7 @@
           <a:p>
             <a:fld id="{F3B73EDB-C001-4FA3-A8F8-70B0B97F7CFF}" type="datetimeFigureOut">
               <a:rPr lang="en-GB" smtClean="0"/>
-              <a:t>04/01/2021</a:t>
+              <a:t>07/01/2021</a:t>
             </a:fld>
             <a:endParaRPr lang="en-GB"/>
           </a:p>
@@ -6232,7 +6233,7 @@
     </p:spTree>
     <p:extLst>
       <p:ext uri="{BB962C8B-B14F-4D97-AF65-F5344CB8AC3E}">
-        <p14:creationId xmlns:p14="http://schemas.microsoft.com/office/powerpoint/2010/main" val="1781806306"/>
+        <p14:creationId xmlns:p14="http://schemas.microsoft.com/office/powerpoint/2010/main" val="1047719946"/>
       </p:ext>
     </p:extLst>
   </p:cSld>
@@ -6316,7 +6317,7 @@
     </p:spTree>
     <p:extLst>
       <p:ext uri="{BB962C8B-B14F-4D97-AF65-F5344CB8AC3E}">
-        <p14:creationId xmlns:p14="http://schemas.microsoft.com/office/powerpoint/2010/main" val="3224860338"/>
+        <p14:creationId xmlns:p14="http://schemas.microsoft.com/office/powerpoint/2010/main" val="1781806306"/>
       </p:ext>
     </p:extLst>
   </p:cSld>
@@ -6400,7 +6401,7 @@
     </p:spTree>
     <p:extLst>
       <p:ext uri="{BB962C8B-B14F-4D97-AF65-F5344CB8AC3E}">
-        <p14:creationId xmlns:p14="http://schemas.microsoft.com/office/powerpoint/2010/main" val="178408748"/>
+        <p14:creationId xmlns:p14="http://schemas.microsoft.com/office/powerpoint/2010/main" val="3224860338"/>
       </p:ext>
     </p:extLst>
   </p:cSld>
@@ -6476,6 +6477,90 @@
             <a:fld id="{42012BB9-F1C6-4F87-A02A-58E570AE5C98}" type="slidenum">
               <a:rPr lang="en-GB" smtClean="0"/>
               <a:t>8</a:t>
+            </a:fld>
+            <a:endParaRPr lang="en-GB"/>
+          </a:p>
+        </p:txBody>
+      </p:sp>
+    </p:spTree>
+    <p:extLst>
+      <p:ext uri="{BB962C8B-B14F-4D97-AF65-F5344CB8AC3E}">
+        <p14:creationId xmlns:p14="http://schemas.microsoft.com/office/powerpoint/2010/main" val="178408748"/>
+      </p:ext>
+    </p:extLst>
+  </p:cSld>
+  <p:clrMapOvr>
+    <a:masterClrMapping/>
+  </p:clrMapOvr>
+</p:notes>
+</file>
+
+<file path=ppt/notesSlides/notesSlide9.xml><?xml version="1.0" encoding="utf-8"?>
+<p:notes xmlns:a="http://schemas.openxmlformats.org/drawingml/2006/main" xmlns:r="http://schemas.openxmlformats.org/officeDocument/2006/relationships" xmlns:p="http://schemas.openxmlformats.org/presentationml/2006/main">
+  <p:cSld>
+    <p:spTree>
+      <p:nvGrpSpPr>
+        <p:cNvPr id="1" name=""/>
+        <p:cNvGrpSpPr/>
+        <p:nvPr/>
+      </p:nvGrpSpPr>
+      <p:grpSpPr>
+        <a:xfrm>
+          <a:off x="0" y="0"/>
+          <a:ext cx="0" cy="0"/>
+          <a:chOff x="0" y="0"/>
+          <a:chExt cx="0" cy="0"/>
+        </a:xfrm>
+      </p:grpSpPr>
+      <p:sp>
+        <p:nvSpPr>
+          <p:cNvPr id="2" name="Slide Image Placeholder 1"/>
+          <p:cNvSpPr>
+            <a:spLocks noGrp="1" noRot="1" noChangeAspect="1"/>
+          </p:cNvSpPr>
+          <p:nvPr>
+            <p:ph type="sldImg"/>
+          </p:nvPr>
+        </p:nvSpPr>
+        <p:spPr/>
+      </p:sp>
+      <p:sp>
+        <p:nvSpPr>
+          <p:cNvPr id="3" name="Notes Placeholder 2"/>
+          <p:cNvSpPr>
+            <a:spLocks noGrp="1"/>
+          </p:cNvSpPr>
+          <p:nvPr>
+            <p:ph type="body" idx="1"/>
+          </p:nvPr>
+        </p:nvSpPr>
+        <p:spPr/>
+        <p:txBody>
+          <a:bodyPr/>
+          <a:lstStyle/>
+          <a:p>
+            <a:endParaRPr lang="en-GB" dirty="0"/>
+          </a:p>
+        </p:txBody>
+      </p:sp>
+      <p:sp>
+        <p:nvSpPr>
+          <p:cNvPr id="4" name="Slide Number Placeholder 3"/>
+          <p:cNvSpPr>
+            <a:spLocks noGrp="1"/>
+          </p:cNvSpPr>
+          <p:nvPr>
+            <p:ph type="sldNum" sz="quarter" idx="5"/>
+          </p:nvPr>
+        </p:nvSpPr>
+        <p:spPr/>
+        <p:txBody>
+          <a:bodyPr/>
+          <a:lstStyle/>
+          <a:p>
+            <a:fld id="{42012BB9-F1C6-4F87-A02A-58E570AE5C98}" type="slidenum">
+              <a:rPr lang="en-GB" smtClean="0"/>
+              <a:t>9</a:t>
             </a:fld>
             <a:endParaRPr lang="en-GB"/>
           </a:p>
@@ -6633,7 +6718,7 @@
           <a:p>
             <a:fld id="{1D8BD707-D9CF-40AE-B4C6-C98DA3205C09}" type="datetimeFigureOut">
               <a:rPr lang="en-US"/>
-              <a:t>1/4/2021</a:t>
+              <a:t>1/7/2021</a:t>
             </a:fld>
             <a:endParaRPr lang="en-US"/>
           </a:p>
@@ -6808,7 +6893,7 @@
           <a:p>
             <a:fld id="{1D8BD707-D9CF-40AE-B4C6-C98DA3205C09}" type="datetimeFigureOut">
               <a:rPr lang="en-US"/>
-              <a:t>1/4/2021</a:t>
+              <a:t>1/7/2021</a:t>
             </a:fld>
             <a:endParaRPr lang="en-US"/>
           </a:p>
@@ -7022,7 +7107,7 @@
           <a:p>
             <a:fld id="{1D8BD707-D9CF-40AE-B4C6-C98DA3205C09}" type="datetimeFigureOut">
               <a:rPr lang="en-US"/>
-              <a:t>1/4/2021</a:t>
+              <a:t>1/7/2021</a:t>
             </a:fld>
             <a:endParaRPr lang="en-US"/>
           </a:p>
@@ -7170,7 +7255,7 @@
           <a:p>
             <a:fld id="{1D8BD707-D9CF-40AE-B4C6-C98DA3205C09}" type="datetimeFigureOut">
               <a:rPr lang="en-US"/>
-              <a:t>1/4/2021</a:t>
+              <a:t>1/7/2021</a:t>
             </a:fld>
             <a:endParaRPr lang="en-US"/>
           </a:p>
@@ -7289,7 +7374,7 @@
           <a:p>
             <a:fld id="{1D8BD707-D9CF-40AE-B4C6-C98DA3205C09}" type="datetimeFigureOut">
               <a:rPr lang="en-US"/>
-              <a:t>1/4/2021</a:t>
+              <a:t>1/7/2021</a:t>
             </a:fld>
             <a:endParaRPr lang="en-US"/>
           </a:p>
@@ -7512,7 +7597,7 @@
           <a:p>
             <a:fld id="{1D8BD707-D9CF-40AE-B4C6-C98DA3205C09}" type="datetimeFigureOut">
               <a:rPr lang="en-US"/>
-              <a:t>1/4/2021</a:t>
+              <a:t>1/7/2021</a:t>
             </a:fld>
             <a:endParaRPr lang="en-US"/>
           </a:p>
@@ -9404,7 +9489,7 @@
         </p:nvGrpSpPr>
         <p:grpSpPr>
           <a:xfrm>
-            <a:off x="4246274" y="419100"/>
+            <a:off x="4114800" y="190500"/>
             <a:ext cx="10850880" cy="10287000"/>
             <a:chOff x="0" y="0"/>
             <a:chExt cx="10850880" cy="10287000"/>
@@ -10199,8 +10284,8 @@
         </p:nvSpPr>
         <p:spPr>
           <a:xfrm>
-            <a:off x="6868177" y="2949240"/>
-            <a:ext cx="5693036" cy="3308598"/>
+            <a:off x="6871813" y="4000500"/>
+            <a:ext cx="6223215" cy="4398640"/>
           </a:xfrm>
           <a:prstGeom prst="rect">
             <a:avLst/>
@@ -10223,6 +10308,18 @@
             </a:lvl1pPr>
           </a:lstStyle>
           <a:p>
+            <a:pPr marL="527050" indent="-514350">
+              <a:spcBef>
+                <a:spcPts val="100"/>
+              </a:spcBef>
+              <a:buAutoNum type="arabicPeriod"/>
+            </a:pPr>
+            <a:r>
+              <a:rPr lang="en-US" sz="3500" b="0" kern="0" dirty="0"/>
+              <a:t>Check Database Diagram</a:t>
+            </a:r>
+          </a:p>
+          <a:p>
             <a:pPr marL="12700">
               <a:spcBef>
                 <a:spcPts val="100"/>
@@ -10231,15 +10328,41 @@
             <a:endParaRPr lang="en-US" sz="3500" b="0" kern="0" dirty="0"/>
           </a:p>
           <a:p>
-            <a:pPr marL="527050" indent="-514350">
+            <a:pPr marL="12700">
               <a:spcBef>
                 <a:spcPts val="100"/>
               </a:spcBef>
-              <a:buAutoNum type="arabicPeriod"/>
             </a:pPr>
             <a:r>
               <a:rPr lang="en-US" sz="3500" b="0" kern="0" dirty="0"/>
-              <a:t>Current Progress</a:t>
+              <a:t>2. Current Progress</a:t>
+            </a:r>
+          </a:p>
+          <a:p>
+            <a:pPr marL="12700">
+              <a:spcBef>
+                <a:spcPts val="100"/>
+              </a:spcBef>
+            </a:pPr>
+            <a:endParaRPr lang="en-US" sz="3500" b="0" kern="0" dirty="0"/>
+          </a:p>
+          <a:p>
+            <a:pPr marL="12700">
+              <a:spcBef>
+                <a:spcPts val="100"/>
+              </a:spcBef>
+            </a:pPr>
+            <a:r>
+              <a:rPr lang="en-US" sz="3500" b="0" kern="0" dirty="0"/>
+              <a:t>3. Software </a:t>
+            </a:r>
+            <a:r>
+              <a:rPr lang="en-US" sz="3500" b="0" kern="0" dirty="0" err="1"/>
+              <a:t>TechStack</a:t>
+            </a:r>
+            <a:r>
+              <a:rPr lang="en-US" sz="3500" b="0" kern="0" dirty="0"/>
+              <a:t> and Justifications </a:t>
             </a:r>
           </a:p>
           <a:p>
@@ -10252,41 +10375,14 @@
             <a:endParaRPr lang="en-US" sz="3500" b="0" kern="0" dirty="0"/>
           </a:p>
           <a:p>
-            <a:pPr marL="527050" indent="-514350">
+            <a:pPr marL="12700">
               <a:spcBef>
                 <a:spcPts val="100"/>
               </a:spcBef>
-              <a:buAutoNum type="arabicPeriod"/>
             </a:pPr>
             <a:r>
               <a:rPr lang="en-US" sz="3500" b="0" kern="0" dirty="0"/>
-              <a:t>Software </a:t>
-            </a:r>
-            <a:r>
-              <a:rPr lang="en-US" sz="3500" b="0" kern="0" dirty="0" err="1"/>
-              <a:t>TechStack</a:t>
-            </a:r>
-            <a:endParaRPr lang="en-US" sz="3500" b="0" kern="0" dirty="0"/>
-          </a:p>
-          <a:p>
-            <a:pPr marL="527050" indent="-514350">
-              <a:spcBef>
-                <a:spcPts val="100"/>
-              </a:spcBef>
-              <a:buAutoNum type="arabicPeriod"/>
-            </a:pPr>
-            <a:endParaRPr lang="en-US" sz="3500" b="0" kern="0" dirty="0"/>
-          </a:p>
-          <a:p>
-            <a:pPr marL="527050" indent="-514350">
-              <a:spcBef>
-                <a:spcPts val="100"/>
-              </a:spcBef>
-              <a:buAutoNum type="arabicPeriod"/>
-            </a:pPr>
-            <a:r>
-              <a:rPr lang="en-US" sz="3500" b="0" kern="0" dirty="0"/>
-              <a:t>Development Strategy</a:t>
+              <a:t>4. Development Strategy</a:t>
             </a:r>
             <a:endParaRPr lang="en-GB" sz="3500" b="0" kern="0" dirty="0"/>
           </a:p>
@@ -10390,7 +10486,754 @@
         <p:spPr>
           <a:xfrm>
             <a:off x="685800" y="3314700"/>
-            <a:ext cx="6857143" cy="912301"/>
+            <a:ext cx="6857143" cy="645690"/>
+          </a:xfrm>
+          <a:prstGeom prst="rect">
+            <a:avLst/>
+          </a:prstGeom>
+        </p:spPr>
+        <p:txBody>
+          <a:bodyPr vert="horz" wrap="square" lIns="0" tIns="29845" rIns="0" bIns="0" rtlCol="0">
+            <a:spAutoFit/>
+          </a:bodyPr>
+          <a:lstStyle/>
+          <a:p>
+            <a:pPr marL="12700">
+              <a:spcBef>
+                <a:spcPts val="100"/>
+              </a:spcBef>
+            </a:pPr>
+            <a:r>
+              <a:rPr lang="en-US" sz="4000" b="0" kern="0" dirty="0"/>
+              <a:t>Check Database Diagram</a:t>
+            </a:r>
+          </a:p>
+        </p:txBody>
+      </p:sp>
+      <p:grpSp>
+        <p:nvGrpSpPr>
+          <p:cNvPr id="8" name="object 8"/>
+          <p:cNvGrpSpPr/>
+          <p:nvPr/>
+        </p:nvGrpSpPr>
+        <p:grpSpPr>
+          <a:xfrm>
+            <a:off x="0" y="-419100"/>
+            <a:ext cx="7065924" cy="10314669"/>
+            <a:chOff x="0" y="0"/>
+            <a:chExt cx="7413808" cy="10314669"/>
+          </a:xfrm>
+        </p:grpSpPr>
+        <p:pic>
+          <p:nvPicPr>
+            <p:cNvPr id="9" name="object 9"/>
+            <p:cNvPicPr/>
+            <p:nvPr/>
+          </p:nvPicPr>
+          <p:blipFill>
+            <a:blip r:embed="rId5" cstate="print"/>
+            <a:stretch>
+              <a:fillRect/>
+            </a:stretch>
+          </p:blipFill>
+          <p:spPr>
+            <a:xfrm>
+              <a:off x="0" y="0"/>
+              <a:ext cx="2975600" cy="3863365"/>
+            </a:xfrm>
+            <a:prstGeom prst="rect">
+              <a:avLst/>
+            </a:prstGeom>
+          </p:spPr>
+        </p:pic>
+        <p:sp>
+          <p:nvSpPr>
+            <p:cNvPr id="10" name="object 10"/>
+            <p:cNvSpPr/>
+            <p:nvPr/>
+          </p:nvSpPr>
+          <p:spPr>
+            <a:xfrm>
+              <a:off x="5289733" y="9906364"/>
+              <a:ext cx="2124075" cy="408305"/>
+            </a:xfrm>
+            <a:custGeom>
+              <a:avLst/>
+              <a:gdLst/>
+              <a:ahLst/>
+              <a:cxnLst/>
+              <a:rect l="l" t="t" r="r" b="b"/>
+              <a:pathLst>
+                <a:path w="2124075" h="408304">
+                  <a:moveTo>
+                    <a:pt x="692905" y="407848"/>
+                  </a:moveTo>
+                  <a:lnTo>
+                    <a:pt x="576622" y="407848"/>
+                  </a:lnTo>
+                  <a:lnTo>
+                    <a:pt x="589898" y="384507"/>
+                  </a:lnTo>
+                  <a:lnTo>
+                    <a:pt x="615531" y="339895"/>
+                  </a:lnTo>
+                  <a:lnTo>
+                    <a:pt x="641286" y="295407"/>
+                  </a:lnTo>
+                  <a:lnTo>
+                    <a:pt x="680927" y="227336"/>
+                  </a:lnTo>
+                  <a:lnTo>
+                    <a:pt x="707424" y="188522"/>
+                  </a:lnTo>
+                  <a:lnTo>
+                    <a:pt x="765103" y="139707"/>
+                  </a:lnTo>
+                  <a:lnTo>
+                    <a:pt x="804934" y="125738"/>
+                  </a:lnTo>
+                  <a:lnTo>
+                    <a:pt x="843771" y="130150"/>
+                  </a:lnTo>
+                  <a:lnTo>
+                    <a:pt x="881827" y="152376"/>
+                  </a:lnTo>
+                  <a:lnTo>
+                    <a:pt x="919315" y="191849"/>
+                  </a:lnTo>
+                  <a:lnTo>
+                    <a:pt x="938960" y="224009"/>
+                  </a:lnTo>
+                  <a:lnTo>
+                    <a:pt x="940412" y="227336"/>
+                  </a:lnTo>
+                  <a:lnTo>
+                    <a:pt x="854231" y="227336"/>
+                  </a:lnTo>
+                  <a:lnTo>
+                    <a:pt x="817784" y="245957"/>
+                  </a:lnTo>
+                  <a:lnTo>
+                    <a:pt x="765412" y="297616"/>
+                  </a:lnTo>
+                  <a:lnTo>
+                    <a:pt x="726214" y="355397"/>
+                  </a:lnTo>
+                  <a:lnTo>
+                    <a:pt x="708348" y="382775"/>
+                  </a:lnTo>
+                  <a:lnTo>
+                    <a:pt x="692905" y="407848"/>
+                  </a:lnTo>
+                  <a:close/>
+                </a:path>
+                <a:path w="2124075" h="408304">
+                  <a:moveTo>
+                    <a:pt x="996758" y="407848"/>
+                  </a:moveTo>
+                  <a:lnTo>
+                    <a:pt x="900108" y="407848"/>
+                  </a:lnTo>
+                  <a:lnTo>
+                    <a:pt x="891672" y="374475"/>
+                  </a:lnTo>
+                  <a:lnTo>
+                    <a:pt x="879377" y="326403"/>
+                  </a:lnTo>
+                  <a:lnTo>
+                    <a:pt x="873576" y="301982"/>
+                  </a:lnTo>
+                  <a:lnTo>
+                    <a:pt x="867358" y="277424"/>
+                  </a:lnTo>
+                  <a:lnTo>
+                    <a:pt x="860864" y="252588"/>
+                  </a:lnTo>
+                  <a:lnTo>
+                    <a:pt x="854231" y="227336"/>
+                  </a:lnTo>
+                  <a:lnTo>
+                    <a:pt x="940412" y="227336"/>
+                  </a:lnTo>
+                  <a:lnTo>
+                    <a:pt x="954445" y="259496"/>
+                  </a:lnTo>
+                  <a:lnTo>
+                    <a:pt x="967157" y="296646"/>
+                  </a:lnTo>
+                  <a:lnTo>
+                    <a:pt x="978481" y="333796"/>
+                  </a:lnTo>
+                  <a:lnTo>
+                    <a:pt x="990338" y="378385"/>
+                  </a:lnTo>
+                  <a:lnTo>
+                    <a:pt x="996758" y="407848"/>
+                  </a:lnTo>
+                  <a:close/>
+                </a:path>
+                <a:path w="2124075" h="408304">
+                  <a:moveTo>
+                    <a:pt x="115737" y="407848"/>
+                  </a:moveTo>
+                  <a:lnTo>
+                    <a:pt x="0" y="407848"/>
+                  </a:lnTo>
+                  <a:lnTo>
+                    <a:pt x="15167" y="371238"/>
+                  </a:lnTo>
+                  <a:lnTo>
+                    <a:pt x="37730" y="324924"/>
+                  </a:lnTo>
+                  <a:lnTo>
+                    <a:pt x="60462" y="283393"/>
+                  </a:lnTo>
+                  <a:lnTo>
+                    <a:pt x="85040" y="242855"/>
+                  </a:lnTo>
+                  <a:lnTo>
+                    <a:pt x="112600" y="204305"/>
+                  </a:lnTo>
+                  <a:lnTo>
+                    <a:pt x="144278" y="168736"/>
+                  </a:lnTo>
+                  <a:lnTo>
+                    <a:pt x="181210" y="137141"/>
+                  </a:lnTo>
+                  <a:lnTo>
+                    <a:pt x="221517" y="121061"/>
+                  </a:lnTo>
+                  <a:lnTo>
+                    <a:pt x="242364" y="121962"/>
+                  </a:lnTo>
+                  <a:lnTo>
+                    <a:pt x="264043" y="128269"/>
+                  </a:lnTo>
+                  <a:lnTo>
+                    <a:pt x="308696" y="153174"/>
+                  </a:lnTo>
+                  <a:lnTo>
+                    <a:pt x="343918" y="186674"/>
+                  </a:lnTo>
+                  <a:lnTo>
+                    <a:pt x="363634" y="215507"/>
+                  </a:lnTo>
+                  <a:lnTo>
+                    <a:pt x="269960" y="215507"/>
+                  </a:lnTo>
+                  <a:lnTo>
+                    <a:pt x="230508" y="249192"/>
+                  </a:lnTo>
+                  <a:lnTo>
+                    <a:pt x="196186" y="284262"/>
+                  </a:lnTo>
+                  <a:lnTo>
+                    <a:pt x="166580" y="321551"/>
+                  </a:lnTo>
+                  <a:lnTo>
+                    <a:pt x="141272" y="361889"/>
+                  </a:lnTo>
+                  <a:lnTo>
+                    <a:pt x="115737" y="407848"/>
+                  </a:lnTo>
+                  <a:close/>
+                </a:path>
+                <a:path w="2124075" h="408304">
+                  <a:moveTo>
+                    <a:pt x="432814" y="407848"/>
+                  </a:moveTo>
+                  <a:lnTo>
+                    <a:pt x="333919" y="407848"/>
+                  </a:lnTo>
+                  <a:lnTo>
+                    <a:pt x="324065" y="368913"/>
+                  </a:lnTo>
+                  <a:lnTo>
+                    <a:pt x="309897" y="314574"/>
+                  </a:lnTo>
+                  <a:lnTo>
+                    <a:pt x="301993" y="290570"/>
+                  </a:lnTo>
+                  <a:lnTo>
+                    <a:pt x="292147" y="266704"/>
+                  </a:lnTo>
+                  <a:lnTo>
+                    <a:pt x="281192" y="242006"/>
+                  </a:lnTo>
+                  <a:lnTo>
+                    <a:pt x="269960" y="215507"/>
+                  </a:lnTo>
+                  <a:lnTo>
+                    <a:pt x="363634" y="215507"/>
+                  </a:lnTo>
+                  <a:lnTo>
+                    <a:pt x="371375" y="226828"/>
+                  </a:lnTo>
+                  <a:lnTo>
+                    <a:pt x="392731" y="271694"/>
+                  </a:lnTo>
+                  <a:lnTo>
+                    <a:pt x="406552" y="310138"/>
+                  </a:lnTo>
+                  <a:lnTo>
+                    <a:pt x="417877" y="349691"/>
+                  </a:lnTo>
+                  <a:lnTo>
+                    <a:pt x="428092" y="389798"/>
+                  </a:lnTo>
+                  <a:lnTo>
+                    <a:pt x="432814" y="407848"/>
+                  </a:lnTo>
+                  <a:close/>
+                </a:path>
+                <a:path w="2124075" h="408304">
+                  <a:moveTo>
+                    <a:pt x="1217971" y="407848"/>
+                  </a:moveTo>
+                  <a:lnTo>
+                    <a:pt x="1093662" y="407848"/>
+                  </a:lnTo>
+                  <a:lnTo>
+                    <a:pt x="1118124" y="365932"/>
+                  </a:lnTo>
+                  <a:lnTo>
+                    <a:pt x="1147107" y="316607"/>
+                  </a:lnTo>
+                  <a:lnTo>
+                    <a:pt x="1177199" y="268113"/>
+                  </a:lnTo>
+                  <a:lnTo>
+                    <a:pt x="1209232" y="221421"/>
+                  </a:lnTo>
+                  <a:lnTo>
+                    <a:pt x="1259708" y="165234"/>
+                  </a:lnTo>
+                  <a:lnTo>
+                    <a:pt x="1287651" y="139081"/>
+                  </a:lnTo>
+                  <a:lnTo>
+                    <a:pt x="1342565" y="97565"/>
+                  </a:lnTo>
+                  <a:lnTo>
+                    <a:pt x="1369537" y="93706"/>
+                  </a:lnTo>
+                  <a:lnTo>
+                    <a:pt x="1396231" y="101215"/>
+                  </a:lnTo>
+                  <a:lnTo>
+                    <a:pt x="1422232" y="119397"/>
+                  </a:lnTo>
+                  <a:lnTo>
+                    <a:pt x="1448973" y="147445"/>
+                  </a:lnTo>
+                  <a:lnTo>
+                    <a:pt x="1470860" y="178542"/>
+                  </a:lnTo>
+                  <a:lnTo>
+                    <a:pt x="1479829" y="197764"/>
+                  </a:lnTo>
+                  <a:lnTo>
+                    <a:pt x="1385252" y="197764"/>
+                  </a:lnTo>
+                  <a:lnTo>
+                    <a:pt x="1360453" y="221768"/>
+                  </a:lnTo>
+                  <a:lnTo>
+                    <a:pt x="1311410" y="270331"/>
+                  </a:lnTo>
+                  <a:lnTo>
+                    <a:pt x="1261126" y="337246"/>
+                  </a:lnTo>
+                  <a:lnTo>
+                    <a:pt x="1234870" y="378647"/>
+                  </a:lnTo>
+                  <a:lnTo>
+                    <a:pt x="1217971" y="407848"/>
+                  </a:lnTo>
+                  <a:close/>
+                </a:path>
+                <a:path w="2124075" h="408304">
+                  <a:moveTo>
+                    <a:pt x="1518842" y="407848"/>
+                  </a:moveTo>
+                  <a:lnTo>
+                    <a:pt x="1424115" y="407848"/>
+                  </a:lnTo>
+                  <a:lnTo>
+                    <a:pt x="1422833" y="396128"/>
+                  </a:lnTo>
+                  <a:lnTo>
+                    <a:pt x="1412756" y="299557"/>
+                  </a:lnTo>
+                  <a:lnTo>
+                    <a:pt x="1407440" y="250994"/>
+                  </a:lnTo>
+                  <a:lnTo>
+                    <a:pt x="1397086" y="203678"/>
+                  </a:lnTo>
+                  <a:lnTo>
+                    <a:pt x="1392648" y="202199"/>
+                  </a:lnTo>
+                  <a:lnTo>
+                    <a:pt x="1389690" y="199242"/>
+                  </a:lnTo>
+                  <a:lnTo>
+                    <a:pt x="1385252" y="197764"/>
+                  </a:lnTo>
+                  <a:lnTo>
+                    <a:pt x="1479829" y="197764"/>
+                  </a:lnTo>
+                  <a:lnTo>
+                    <a:pt x="1486923" y="212966"/>
+                  </a:lnTo>
+                  <a:lnTo>
+                    <a:pt x="1496190" y="250994"/>
+                  </a:lnTo>
+                  <a:lnTo>
+                    <a:pt x="1503302" y="300829"/>
+                  </a:lnTo>
+                  <a:lnTo>
+                    <a:pt x="1510485" y="350877"/>
+                  </a:lnTo>
+                  <a:lnTo>
+                    <a:pt x="1517810" y="400996"/>
+                  </a:lnTo>
+                  <a:lnTo>
+                    <a:pt x="1518842" y="407848"/>
+                  </a:lnTo>
+                  <a:close/>
+                </a:path>
+                <a:path w="2124075" h="408304">
+                  <a:moveTo>
+                    <a:pt x="1728593" y="407848"/>
+                  </a:moveTo>
+                  <a:lnTo>
+                    <a:pt x="1614219" y="407848"/>
+                  </a:lnTo>
+                  <a:lnTo>
+                    <a:pt x="1636945" y="369282"/>
+                  </a:lnTo>
+                  <a:lnTo>
+                    <a:pt x="1661208" y="328047"/>
+                  </a:lnTo>
+                  <a:lnTo>
+                    <a:pt x="1685550" y="286980"/>
+                  </a:lnTo>
+                  <a:lnTo>
+                    <a:pt x="1710221" y="246027"/>
+                  </a:lnTo>
+                  <a:lnTo>
+                    <a:pt x="1735307" y="205411"/>
+                  </a:lnTo>
+                  <a:lnTo>
+                    <a:pt x="1760962" y="165234"/>
+                  </a:lnTo>
+                  <a:lnTo>
+                    <a:pt x="1786817" y="128529"/>
+                  </a:lnTo>
+                  <a:lnTo>
+                    <a:pt x="1815158" y="93740"/>
+                  </a:lnTo>
+                  <a:lnTo>
+                    <a:pt x="1846694" y="62075"/>
+                  </a:lnTo>
+                  <a:lnTo>
+                    <a:pt x="1882135" y="34738"/>
+                  </a:lnTo>
+                  <a:lnTo>
+                    <a:pt x="1922191" y="12937"/>
+                  </a:lnTo>
+                  <a:lnTo>
+                    <a:pt x="1968068" y="0"/>
+                  </a:lnTo>
+                  <a:lnTo>
+                    <a:pt x="2006319" y="3696"/>
+                  </a:lnTo>
+                  <a:lnTo>
+                    <a:pt x="2037635" y="24581"/>
+                  </a:lnTo>
+                  <a:lnTo>
+                    <a:pt x="2062712" y="63210"/>
+                  </a:lnTo>
+                  <a:lnTo>
+                    <a:pt x="2082010" y="114476"/>
+                  </a:lnTo>
+                  <a:lnTo>
+                    <a:pt x="1982166" y="114476"/>
+                  </a:lnTo>
+                  <a:lnTo>
+                    <a:pt x="1953253" y="126790"/>
+                  </a:lnTo>
+                  <a:lnTo>
+                    <a:pt x="1936474" y="137972"/>
+                  </a:lnTo>
+                  <a:lnTo>
+                    <a:pt x="1921081" y="150818"/>
+                  </a:lnTo>
+                  <a:lnTo>
+                    <a:pt x="1906243" y="164218"/>
+                  </a:lnTo>
+                  <a:lnTo>
+                    <a:pt x="1891128" y="177063"/>
+                  </a:lnTo>
+                  <a:lnTo>
+                    <a:pt x="1856812" y="209663"/>
+                  </a:lnTo>
+                  <a:lnTo>
+                    <a:pt x="1829595" y="247303"/>
+                  </a:lnTo>
+                  <a:lnTo>
+                    <a:pt x="1782261" y="328047"/>
+                  </a:lnTo>
+                  <a:lnTo>
+                    <a:pt x="1755045" y="366325"/>
+                  </a:lnTo>
+                  <a:lnTo>
+                    <a:pt x="1731124" y="402459"/>
+                  </a:lnTo>
+                  <a:lnTo>
+                    <a:pt x="1728593" y="407848"/>
+                  </a:lnTo>
+                  <a:close/>
+                </a:path>
+                <a:path w="2124075" h="408304">
+                  <a:moveTo>
+                    <a:pt x="2123898" y="407848"/>
+                  </a:moveTo>
+                  <a:lnTo>
+                    <a:pt x="2042951" y="407848"/>
+                  </a:lnTo>
+                  <a:lnTo>
+                    <a:pt x="2037751" y="369282"/>
+                  </a:lnTo>
+                  <a:lnTo>
+                    <a:pt x="2032686" y="320644"/>
+                  </a:lnTo>
+                  <a:lnTo>
+                    <a:pt x="2028437" y="271833"/>
+                  </a:lnTo>
+                  <a:lnTo>
+                    <a:pt x="2024360" y="222952"/>
+                  </a:lnTo>
+                  <a:lnTo>
+                    <a:pt x="2019816" y="174106"/>
+                  </a:lnTo>
+                  <a:lnTo>
+                    <a:pt x="2019816" y="163756"/>
+                  </a:lnTo>
+                  <a:lnTo>
+                    <a:pt x="2013368" y="131989"/>
+                  </a:lnTo>
+                  <a:lnTo>
+                    <a:pt x="2001511" y="115886"/>
+                  </a:lnTo>
+                  <a:lnTo>
+                    <a:pt x="1982166" y="114476"/>
+                  </a:lnTo>
+                  <a:lnTo>
+                    <a:pt x="2082010" y="114476"/>
+                  </a:lnTo>
+                  <a:lnTo>
+                    <a:pt x="2096733" y="168376"/>
+                  </a:lnTo>
+                  <a:lnTo>
+                    <a:pt x="2106810" y="223108"/>
+                  </a:lnTo>
+                  <a:lnTo>
+                    <a:pt x="2113004" y="279087"/>
+                  </a:lnTo>
+                  <a:lnTo>
+                    <a:pt x="2116799" y="328502"/>
+                  </a:lnTo>
+                  <a:lnTo>
+                    <a:pt x="2120904" y="377839"/>
+                  </a:lnTo>
+                  <a:lnTo>
+                    <a:pt x="2123898" y="407848"/>
+                  </a:lnTo>
+                  <a:close/>
+                </a:path>
+              </a:pathLst>
+            </a:custGeom>
+            <a:solidFill>
+              <a:srgbClr val="040707"/>
+            </a:solidFill>
+          </p:spPr>
+          <p:txBody>
+            <a:bodyPr wrap="square" lIns="0" tIns="0" rIns="0" bIns="0" rtlCol="0"/>
+            <a:lstStyle/>
+            <a:p>
+              <a:endParaRPr dirty="0"/>
+            </a:p>
+          </p:txBody>
+        </p:sp>
+      </p:grpSp>
+      <p:sp>
+        <p:nvSpPr>
+          <p:cNvPr id="12" name="object 5">
+            <a:extLst>
+              <a:ext uri="{FF2B5EF4-FFF2-40B4-BE49-F238E27FC236}">
+                <a16:creationId xmlns:a16="http://schemas.microsoft.com/office/drawing/2014/main" id="{11F2B6B6-0466-4FF3-9677-694F0F61AE7C}"/>
+              </a:ext>
+            </a:extLst>
+          </p:cNvPr>
+          <p:cNvSpPr txBox="1"/>
+          <p:nvPr/>
+        </p:nvSpPr>
+        <p:spPr>
+          <a:xfrm>
+            <a:off x="11506200" y="4686300"/>
+            <a:ext cx="9448800" cy="1466427"/>
+          </a:xfrm>
+          <a:prstGeom prst="rect">
+            <a:avLst/>
+          </a:prstGeom>
+        </p:spPr>
+        <p:txBody>
+          <a:bodyPr vert="horz" wrap="square" lIns="0" tIns="29845" rIns="0" bIns="0" rtlCol="0">
+            <a:spAutoFit/>
+          </a:bodyPr>
+          <a:lstStyle/>
+          <a:p>
+            <a:pPr marL="12700" marR="5080">
+              <a:spcBef>
+                <a:spcPts val="235"/>
+              </a:spcBef>
+            </a:pPr>
+            <a:r>
+              <a:rPr lang="en-US" sz="3000" kern="0" dirty="0">
+                <a:latin typeface="Raleway" panose="020B0503030101060003" pitchFamily="34" charset="0"/>
+                <a:ea typeface="Roboto" panose="02000000000000000000" pitchFamily="2" charset="0"/>
+                <a:cs typeface="Roboto" panose="02000000000000000000" pitchFamily="2" charset="0"/>
+              </a:rPr>
+              <a:t>GO GitLab</a:t>
+            </a:r>
+          </a:p>
+          <a:p>
+            <a:pPr marL="12700" marR="5080">
+              <a:spcBef>
+                <a:spcPts val="235"/>
+              </a:spcBef>
+            </a:pPr>
+            <a:endParaRPr lang="en-US" sz="3000" kern="0" dirty="0">
+              <a:latin typeface="Raleway" panose="020B0503030101060003" pitchFamily="34" charset="0"/>
+              <a:ea typeface="Roboto" panose="02000000000000000000" pitchFamily="2" charset="0"/>
+              <a:cs typeface="Roboto" panose="02000000000000000000" pitchFamily="2" charset="0"/>
+            </a:endParaRPr>
+          </a:p>
+          <a:p>
+            <a:pPr marL="12700" marR="5080">
+              <a:spcBef>
+                <a:spcPts val="235"/>
+              </a:spcBef>
+            </a:pPr>
+            <a:endParaRPr lang="en-US" sz="3000" kern="0" dirty="0">
+              <a:latin typeface="Raleway" panose="020B0503030101060003" pitchFamily="34" charset="0"/>
+              <a:ea typeface="Roboto" panose="02000000000000000000" pitchFamily="2" charset="0"/>
+              <a:cs typeface="Roboto" panose="02000000000000000000" pitchFamily="2" charset="0"/>
+            </a:endParaRPr>
+          </a:p>
+        </p:txBody>
+      </p:sp>
+    </p:spTree>
+    <p:extLst>
+      <p:ext uri="{BB962C8B-B14F-4D97-AF65-F5344CB8AC3E}">
+        <p14:creationId xmlns:p14="http://schemas.microsoft.com/office/powerpoint/2010/main" val="1602353451"/>
+      </p:ext>
+    </p:extLst>
+  </p:cSld>
+  <p:clrMapOvr>
+    <a:masterClrMapping/>
+  </p:clrMapOvr>
+</p:sld>
+</file>
+
+<file path=ppt/slides/slide5.xml><?xml version="1.0" encoding="utf-8"?>
+<p:sld xmlns:a="http://schemas.openxmlformats.org/drawingml/2006/main" xmlns:r="http://schemas.openxmlformats.org/officeDocument/2006/relationships" xmlns:p="http://schemas.openxmlformats.org/presentationml/2006/main">
+  <p:cSld>
+    <p:spTree>
+      <p:nvGrpSpPr>
+        <p:cNvPr id="1" name=""/>
+        <p:cNvGrpSpPr/>
+        <p:nvPr/>
+      </p:nvGrpSpPr>
+      <p:grpSpPr>
+        <a:xfrm>
+          <a:off x="0" y="0"/>
+          <a:ext cx="0" cy="0"/>
+          <a:chOff x="0" y="0"/>
+          <a:chExt cx="0" cy="0"/>
+        </a:xfrm>
+      </p:grpSpPr>
+      <p:grpSp>
+        <p:nvGrpSpPr>
+          <p:cNvPr id="2" name="object 2"/>
+          <p:cNvGrpSpPr/>
+          <p:nvPr/>
+        </p:nvGrpSpPr>
+        <p:grpSpPr>
+          <a:xfrm>
+            <a:off x="228600" y="-190500"/>
+            <a:ext cx="7314343" cy="10287000"/>
+            <a:chOff x="0" y="0"/>
+            <a:chExt cx="8759190" cy="10287000"/>
+          </a:xfrm>
+        </p:grpSpPr>
+        <p:pic>
+          <p:nvPicPr>
+            <p:cNvPr id="3" name="object 3"/>
+            <p:cNvPicPr/>
+            <p:nvPr/>
+          </p:nvPicPr>
+          <p:blipFill>
+            <a:blip r:embed="rId3" cstate="print"/>
+            <a:stretch>
+              <a:fillRect/>
+            </a:stretch>
+          </p:blipFill>
+          <p:spPr>
+            <a:xfrm>
+              <a:off x="0" y="0"/>
+              <a:ext cx="7490455" cy="8250979"/>
+            </a:xfrm>
+            <a:prstGeom prst="rect">
+              <a:avLst/>
+            </a:prstGeom>
+          </p:spPr>
+        </p:pic>
+        <p:pic>
+          <p:nvPicPr>
+            <p:cNvPr id="4" name="object 4"/>
+            <p:cNvPicPr/>
+            <p:nvPr/>
+          </p:nvPicPr>
+          <p:blipFill>
+            <a:blip r:embed="rId4" cstate="print"/>
+            <a:stretch>
+              <a:fillRect/>
+            </a:stretch>
+          </p:blipFill>
+          <p:spPr>
+            <a:xfrm>
+              <a:off x="0" y="1670110"/>
+              <a:ext cx="8758806" cy="8616889"/>
+            </a:xfrm>
+            <a:prstGeom prst="rect">
+              <a:avLst/>
+            </a:prstGeom>
+          </p:spPr>
+        </p:pic>
+      </p:grpSp>
+      <p:sp>
+        <p:nvSpPr>
+          <p:cNvPr id="5" name="object 5"/>
+          <p:cNvSpPr txBox="1"/>
+          <p:nvPr/>
+        </p:nvSpPr>
+        <p:spPr>
+          <a:xfrm>
+            <a:off x="685800" y="3314700"/>
+            <a:ext cx="6857143" cy="2947666"/>
           </a:xfrm>
           <a:prstGeom prst="rect">
             <a:avLst/>
@@ -10415,6 +11258,42 @@
                 <a:latin typeface="Consolas" panose="020B0609020204030204" pitchFamily="49" charset="0"/>
               </a:rPr>
               <a:t>Current Progress</a:t>
+            </a:r>
+          </a:p>
+          <a:p>
+            <a:pPr marL="584200" marR="5080" indent="-571500">
+              <a:lnSpc>
+                <a:spcPts val="7759"/>
+              </a:lnSpc>
+              <a:spcBef>
+                <a:spcPts val="235"/>
+              </a:spcBef>
+              <a:buFontTx/>
+              <a:buChar char="-"/>
+            </a:pPr>
+            <a:r>
+              <a:rPr lang="en-US" sz="2800" b="1" kern="0" dirty="0">
+                <a:latin typeface="Consolas" panose="020B0609020204030204" pitchFamily="49" charset="0"/>
+              </a:rPr>
+              <a:t>Finish the template project</a:t>
+            </a:r>
+          </a:p>
+          <a:p>
+            <a:pPr marL="584200" marR="5080" indent="-571500">
+              <a:lnSpc>
+                <a:spcPts val="7759"/>
+              </a:lnSpc>
+              <a:spcBef>
+                <a:spcPts val="235"/>
+              </a:spcBef>
+              <a:buFontTx/>
+              <a:buChar char="-"/>
+            </a:pPr>
+            <a:r>
+              <a:rPr lang="en-US" sz="2800" b="1" kern="0" dirty="0">
+                <a:latin typeface="Consolas" panose="020B0609020204030204" pitchFamily="49" charset="0"/>
+              </a:rPr>
+              <a:t>Doing the actual project</a:t>
             </a:r>
           </a:p>
         </p:txBody>
@@ -11244,7 +12123,7 @@
     </p:spTree>
     <p:extLst>
       <p:ext uri="{BB962C8B-B14F-4D97-AF65-F5344CB8AC3E}">
-        <p14:creationId xmlns:p14="http://schemas.microsoft.com/office/powerpoint/2010/main" val="1602353451"/>
+        <p14:creationId xmlns:p14="http://schemas.microsoft.com/office/powerpoint/2010/main" val="3706164622"/>
       </p:ext>
     </p:extLst>
   </p:cSld>
@@ -11254,7 +12133,7 @@
 </p:sld>
 </file>
 
-<file path=ppt/slides/slide5.xml><?xml version="1.0" encoding="utf-8"?>
+<file path=ppt/slides/slide6.xml><?xml version="1.0" encoding="utf-8"?>
 <p:sld xmlns:a="http://schemas.openxmlformats.org/drawingml/2006/main" xmlns:r="http://schemas.openxmlformats.org/officeDocument/2006/relationships" xmlns:p="http://schemas.openxmlformats.org/presentationml/2006/main">
   <p:cSld>
     <p:spTree>
@@ -11339,7 +12218,7 @@
         <p:spPr>
           <a:xfrm>
             <a:off x="685800" y="3314700"/>
-            <a:ext cx="6857143" cy="912301"/>
+            <a:ext cx="6857143" cy="1912575"/>
           </a:xfrm>
           <a:prstGeom prst="rect">
             <a:avLst/>
@@ -11371,922 +12250,11 @@
               </a:rPr>
               <a:t>TechStack</a:t>
             </a:r>
-            <a:endParaRPr lang="en-US" sz="4000" b="1" kern="0" dirty="0">
-              <a:latin typeface="Consolas" panose="020B0609020204030204" pitchFamily="49" charset="0"/>
-            </a:endParaRPr>
-          </a:p>
-        </p:txBody>
-      </p:sp>
-      <p:grpSp>
-        <p:nvGrpSpPr>
-          <p:cNvPr id="8" name="object 8"/>
-          <p:cNvGrpSpPr/>
-          <p:nvPr/>
-        </p:nvGrpSpPr>
-        <p:grpSpPr>
-          <a:xfrm>
-            <a:off x="0" y="-419100"/>
-            <a:ext cx="7065924" cy="10314669"/>
-            <a:chOff x="0" y="0"/>
-            <a:chExt cx="7413808" cy="10314669"/>
-          </a:xfrm>
-        </p:grpSpPr>
-        <p:pic>
-          <p:nvPicPr>
-            <p:cNvPr id="9" name="object 9"/>
-            <p:cNvPicPr/>
-            <p:nvPr/>
-          </p:nvPicPr>
-          <p:blipFill>
-            <a:blip r:embed="rId5" cstate="print"/>
-            <a:stretch>
-              <a:fillRect/>
-            </a:stretch>
-          </p:blipFill>
-          <p:spPr>
-            <a:xfrm>
-              <a:off x="0" y="0"/>
-              <a:ext cx="2975600" cy="3863365"/>
-            </a:xfrm>
-            <a:prstGeom prst="rect">
-              <a:avLst/>
-            </a:prstGeom>
-          </p:spPr>
-        </p:pic>
-        <p:sp>
-          <p:nvSpPr>
-            <p:cNvPr id="10" name="object 10"/>
-            <p:cNvSpPr/>
-            <p:nvPr/>
-          </p:nvSpPr>
-          <p:spPr>
-            <a:xfrm>
-              <a:off x="5289733" y="9906364"/>
-              <a:ext cx="2124075" cy="408305"/>
-            </a:xfrm>
-            <a:custGeom>
-              <a:avLst/>
-              <a:gdLst/>
-              <a:ahLst/>
-              <a:cxnLst/>
-              <a:rect l="l" t="t" r="r" b="b"/>
-              <a:pathLst>
-                <a:path w="2124075" h="408304">
-                  <a:moveTo>
-                    <a:pt x="692905" y="407848"/>
-                  </a:moveTo>
-                  <a:lnTo>
-                    <a:pt x="576622" y="407848"/>
-                  </a:lnTo>
-                  <a:lnTo>
-                    <a:pt x="589898" y="384507"/>
-                  </a:lnTo>
-                  <a:lnTo>
-                    <a:pt x="615531" y="339895"/>
-                  </a:lnTo>
-                  <a:lnTo>
-                    <a:pt x="641286" y="295407"/>
-                  </a:lnTo>
-                  <a:lnTo>
-                    <a:pt x="680927" y="227336"/>
-                  </a:lnTo>
-                  <a:lnTo>
-                    <a:pt x="707424" y="188522"/>
-                  </a:lnTo>
-                  <a:lnTo>
-                    <a:pt x="765103" y="139707"/>
-                  </a:lnTo>
-                  <a:lnTo>
-                    <a:pt x="804934" y="125738"/>
-                  </a:lnTo>
-                  <a:lnTo>
-                    <a:pt x="843771" y="130150"/>
-                  </a:lnTo>
-                  <a:lnTo>
-                    <a:pt x="881827" y="152376"/>
-                  </a:lnTo>
-                  <a:lnTo>
-                    <a:pt x="919315" y="191849"/>
-                  </a:lnTo>
-                  <a:lnTo>
-                    <a:pt x="938960" y="224009"/>
-                  </a:lnTo>
-                  <a:lnTo>
-                    <a:pt x="940412" y="227336"/>
-                  </a:lnTo>
-                  <a:lnTo>
-                    <a:pt x="854231" y="227336"/>
-                  </a:lnTo>
-                  <a:lnTo>
-                    <a:pt x="817784" y="245957"/>
-                  </a:lnTo>
-                  <a:lnTo>
-                    <a:pt x="765412" y="297616"/>
-                  </a:lnTo>
-                  <a:lnTo>
-                    <a:pt x="726214" y="355397"/>
-                  </a:lnTo>
-                  <a:lnTo>
-                    <a:pt x="708348" y="382775"/>
-                  </a:lnTo>
-                  <a:lnTo>
-                    <a:pt x="692905" y="407848"/>
-                  </a:lnTo>
-                  <a:close/>
-                </a:path>
-                <a:path w="2124075" h="408304">
-                  <a:moveTo>
-                    <a:pt x="996758" y="407848"/>
-                  </a:moveTo>
-                  <a:lnTo>
-                    <a:pt x="900108" y="407848"/>
-                  </a:lnTo>
-                  <a:lnTo>
-                    <a:pt x="891672" y="374475"/>
-                  </a:lnTo>
-                  <a:lnTo>
-                    <a:pt x="879377" y="326403"/>
-                  </a:lnTo>
-                  <a:lnTo>
-                    <a:pt x="873576" y="301982"/>
-                  </a:lnTo>
-                  <a:lnTo>
-                    <a:pt x="867358" y="277424"/>
-                  </a:lnTo>
-                  <a:lnTo>
-                    <a:pt x="860864" y="252588"/>
-                  </a:lnTo>
-                  <a:lnTo>
-                    <a:pt x="854231" y="227336"/>
-                  </a:lnTo>
-                  <a:lnTo>
-                    <a:pt x="940412" y="227336"/>
-                  </a:lnTo>
-                  <a:lnTo>
-                    <a:pt x="954445" y="259496"/>
-                  </a:lnTo>
-                  <a:lnTo>
-                    <a:pt x="967157" y="296646"/>
-                  </a:lnTo>
-                  <a:lnTo>
-                    <a:pt x="978481" y="333796"/>
-                  </a:lnTo>
-                  <a:lnTo>
-                    <a:pt x="990338" y="378385"/>
-                  </a:lnTo>
-                  <a:lnTo>
-                    <a:pt x="996758" y="407848"/>
-                  </a:lnTo>
-                  <a:close/>
-                </a:path>
-                <a:path w="2124075" h="408304">
-                  <a:moveTo>
-                    <a:pt x="115737" y="407848"/>
-                  </a:moveTo>
-                  <a:lnTo>
-                    <a:pt x="0" y="407848"/>
-                  </a:lnTo>
-                  <a:lnTo>
-                    <a:pt x="15167" y="371238"/>
-                  </a:lnTo>
-                  <a:lnTo>
-                    <a:pt x="37730" y="324924"/>
-                  </a:lnTo>
-                  <a:lnTo>
-                    <a:pt x="60462" y="283393"/>
-                  </a:lnTo>
-                  <a:lnTo>
-                    <a:pt x="85040" y="242855"/>
-                  </a:lnTo>
-                  <a:lnTo>
-                    <a:pt x="112600" y="204305"/>
-                  </a:lnTo>
-                  <a:lnTo>
-                    <a:pt x="144278" y="168736"/>
-                  </a:lnTo>
-                  <a:lnTo>
-                    <a:pt x="181210" y="137141"/>
-                  </a:lnTo>
-                  <a:lnTo>
-                    <a:pt x="221517" y="121061"/>
-                  </a:lnTo>
-                  <a:lnTo>
-                    <a:pt x="242364" y="121962"/>
-                  </a:lnTo>
-                  <a:lnTo>
-                    <a:pt x="264043" y="128269"/>
-                  </a:lnTo>
-                  <a:lnTo>
-                    <a:pt x="308696" y="153174"/>
-                  </a:lnTo>
-                  <a:lnTo>
-                    <a:pt x="343918" y="186674"/>
-                  </a:lnTo>
-                  <a:lnTo>
-                    <a:pt x="363634" y="215507"/>
-                  </a:lnTo>
-                  <a:lnTo>
-                    <a:pt x="269960" y="215507"/>
-                  </a:lnTo>
-                  <a:lnTo>
-                    <a:pt x="230508" y="249192"/>
-                  </a:lnTo>
-                  <a:lnTo>
-                    <a:pt x="196186" y="284262"/>
-                  </a:lnTo>
-                  <a:lnTo>
-                    <a:pt x="166580" y="321551"/>
-                  </a:lnTo>
-                  <a:lnTo>
-                    <a:pt x="141272" y="361889"/>
-                  </a:lnTo>
-                  <a:lnTo>
-                    <a:pt x="115737" y="407848"/>
-                  </a:lnTo>
-                  <a:close/>
-                </a:path>
-                <a:path w="2124075" h="408304">
-                  <a:moveTo>
-                    <a:pt x="432814" y="407848"/>
-                  </a:moveTo>
-                  <a:lnTo>
-                    <a:pt x="333919" y="407848"/>
-                  </a:lnTo>
-                  <a:lnTo>
-                    <a:pt x="324065" y="368913"/>
-                  </a:lnTo>
-                  <a:lnTo>
-                    <a:pt x="309897" y="314574"/>
-                  </a:lnTo>
-                  <a:lnTo>
-                    <a:pt x="301993" y="290570"/>
-                  </a:lnTo>
-                  <a:lnTo>
-                    <a:pt x="292147" y="266704"/>
-                  </a:lnTo>
-                  <a:lnTo>
-                    <a:pt x="281192" y="242006"/>
-                  </a:lnTo>
-                  <a:lnTo>
-                    <a:pt x="269960" y="215507"/>
-                  </a:lnTo>
-                  <a:lnTo>
-                    <a:pt x="363634" y="215507"/>
-                  </a:lnTo>
-                  <a:lnTo>
-                    <a:pt x="371375" y="226828"/>
-                  </a:lnTo>
-                  <a:lnTo>
-                    <a:pt x="392731" y="271694"/>
-                  </a:lnTo>
-                  <a:lnTo>
-                    <a:pt x="406552" y="310138"/>
-                  </a:lnTo>
-                  <a:lnTo>
-                    <a:pt x="417877" y="349691"/>
-                  </a:lnTo>
-                  <a:lnTo>
-                    <a:pt x="428092" y="389798"/>
-                  </a:lnTo>
-                  <a:lnTo>
-                    <a:pt x="432814" y="407848"/>
-                  </a:lnTo>
-                  <a:close/>
-                </a:path>
-                <a:path w="2124075" h="408304">
-                  <a:moveTo>
-                    <a:pt x="1217971" y="407848"/>
-                  </a:moveTo>
-                  <a:lnTo>
-                    <a:pt x="1093662" y="407848"/>
-                  </a:lnTo>
-                  <a:lnTo>
-                    <a:pt x="1118124" y="365932"/>
-                  </a:lnTo>
-                  <a:lnTo>
-                    <a:pt x="1147107" y="316607"/>
-                  </a:lnTo>
-                  <a:lnTo>
-                    <a:pt x="1177199" y="268113"/>
-                  </a:lnTo>
-                  <a:lnTo>
-                    <a:pt x="1209232" y="221421"/>
-                  </a:lnTo>
-                  <a:lnTo>
-                    <a:pt x="1259708" y="165234"/>
-                  </a:lnTo>
-                  <a:lnTo>
-                    <a:pt x="1287651" y="139081"/>
-                  </a:lnTo>
-                  <a:lnTo>
-                    <a:pt x="1342565" y="97565"/>
-                  </a:lnTo>
-                  <a:lnTo>
-                    <a:pt x="1369537" y="93706"/>
-                  </a:lnTo>
-                  <a:lnTo>
-                    <a:pt x="1396231" y="101215"/>
-                  </a:lnTo>
-                  <a:lnTo>
-                    <a:pt x="1422232" y="119397"/>
-                  </a:lnTo>
-                  <a:lnTo>
-                    <a:pt x="1448973" y="147445"/>
-                  </a:lnTo>
-                  <a:lnTo>
-                    <a:pt x="1470860" y="178542"/>
-                  </a:lnTo>
-                  <a:lnTo>
-                    <a:pt x="1479829" y="197764"/>
-                  </a:lnTo>
-                  <a:lnTo>
-                    <a:pt x="1385252" y="197764"/>
-                  </a:lnTo>
-                  <a:lnTo>
-                    <a:pt x="1360453" y="221768"/>
-                  </a:lnTo>
-                  <a:lnTo>
-                    <a:pt x="1311410" y="270331"/>
-                  </a:lnTo>
-                  <a:lnTo>
-                    <a:pt x="1261126" y="337246"/>
-                  </a:lnTo>
-                  <a:lnTo>
-                    <a:pt x="1234870" y="378647"/>
-                  </a:lnTo>
-                  <a:lnTo>
-                    <a:pt x="1217971" y="407848"/>
-                  </a:lnTo>
-                  <a:close/>
-                </a:path>
-                <a:path w="2124075" h="408304">
-                  <a:moveTo>
-                    <a:pt x="1518842" y="407848"/>
-                  </a:moveTo>
-                  <a:lnTo>
-                    <a:pt x="1424115" y="407848"/>
-                  </a:lnTo>
-                  <a:lnTo>
-                    <a:pt x="1422833" y="396128"/>
-                  </a:lnTo>
-                  <a:lnTo>
-                    <a:pt x="1412756" y="299557"/>
-                  </a:lnTo>
-                  <a:lnTo>
-                    <a:pt x="1407440" y="250994"/>
-                  </a:lnTo>
-                  <a:lnTo>
-                    <a:pt x="1397086" y="203678"/>
-                  </a:lnTo>
-                  <a:lnTo>
-                    <a:pt x="1392648" y="202199"/>
-                  </a:lnTo>
-                  <a:lnTo>
-                    <a:pt x="1389690" y="199242"/>
-                  </a:lnTo>
-                  <a:lnTo>
-                    <a:pt x="1385252" y="197764"/>
-                  </a:lnTo>
-                  <a:lnTo>
-                    <a:pt x="1479829" y="197764"/>
-                  </a:lnTo>
-                  <a:lnTo>
-                    <a:pt x="1486923" y="212966"/>
-                  </a:lnTo>
-                  <a:lnTo>
-                    <a:pt x="1496190" y="250994"/>
-                  </a:lnTo>
-                  <a:lnTo>
-                    <a:pt x="1503302" y="300829"/>
-                  </a:lnTo>
-                  <a:lnTo>
-                    <a:pt x="1510485" y="350877"/>
-                  </a:lnTo>
-                  <a:lnTo>
-                    <a:pt x="1517810" y="400996"/>
-                  </a:lnTo>
-                  <a:lnTo>
-                    <a:pt x="1518842" y="407848"/>
-                  </a:lnTo>
-                  <a:close/>
-                </a:path>
-                <a:path w="2124075" h="408304">
-                  <a:moveTo>
-                    <a:pt x="1728593" y="407848"/>
-                  </a:moveTo>
-                  <a:lnTo>
-                    <a:pt x="1614219" y="407848"/>
-                  </a:lnTo>
-                  <a:lnTo>
-                    <a:pt x="1636945" y="369282"/>
-                  </a:lnTo>
-                  <a:lnTo>
-                    <a:pt x="1661208" y="328047"/>
-                  </a:lnTo>
-                  <a:lnTo>
-                    <a:pt x="1685550" y="286980"/>
-                  </a:lnTo>
-                  <a:lnTo>
-                    <a:pt x="1710221" y="246027"/>
-                  </a:lnTo>
-                  <a:lnTo>
-                    <a:pt x="1735307" y="205411"/>
-                  </a:lnTo>
-                  <a:lnTo>
-                    <a:pt x="1760962" y="165234"/>
-                  </a:lnTo>
-                  <a:lnTo>
-                    <a:pt x="1786817" y="128529"/>
-                  </a:lnTo>
-                  <a:lnTo>
-                    <a:pt x="1815158" y="93740"/>
-                  </a:lnTo>
-                  <a:lnTo>
-                    <a:pt x="1846694" y="62075"/>
-                  </a:lnTo>
-                  <a:lnTo>
-                    <a:pt x="1882135" y="34738"/>
-                  </a:lnTo>
-                  <a:lnTo>
-                    <a:pt x="1922191" y="12937"/>
-                  </a:lnTo>
-                  <a:lnTo>
-                    <a:pt x="1968068" y="0"/>
-                  </a:lnTo>
-                  <a:lnTo>
-                    <a:pt x="2006319" y="3696"/>
-                  </a:lnTo>
-                  <a:lnTo>
-                    <a:pt x="2037635" y="24581"/>
-                  </a:lnTo>
-                  <a:lnTo>
-                    <a:pt x="2062712" y="63210"/>
-                  </a:lnTo>
-                  <a:lnTo>
-                    <a:pt x="2082010" y="114476"/>
-                  </a:lnTo>
-                  <a:lnTo>
-                    <a:pt x="1982166" y="114476"/>
-                  </a:lnTo>
-                  <a:lnTo>
-                    <a:pt x="1953253" y="126790"/>
-                  </a:lnTo>
-                  <a:lnTo>
-                    <a:pt x="1936474" y="137972"/>
-                  </a:lnTo>
-                  <a:lnTo>
-                    <a:pt x="1921081" y="150818"/>
-                  </a:lnTo>
-                  <a:lnTo>
-                    <a:pt x="1906243" y="164218"/>
-                  </a:lnTo>
-                  <a:lnTo>
-                    <a:pt x="1891128" y="177063"/>
-                  </a:lnTo>
-                  <a:lnTo>
-                    <a:pt x="1856812" y="209663"/>
-                  </a:lnTo>
-                  <a:lnTo>
-                    <a:pt x="1829595" y="247303"/>
-                  </a:lnTo>
-                  <a:lnTo>
-                    <a:pt x="1782261" y="328047"/>
-                  </a:lnTo>
-                  <a:lnTo>
-                    <a:pt x="1755045" y="366325"/>
-                  </a:lnTo>
-                  <a:lnTo>
-                    <a:pt x="1731124" y="402459"/>
-                  </a:lnTo>
-                  <a:lnTo>
-                    <a:pt x="1728593" y="407848"/>
-                  </a:lnTo>
-                  <a:close/>
-                </a:path>
-                <a:path w="2124075" h="408304">
-                  <a:moveTo>
-                    <a:pt x="2123898" y="407848"/>
-                  </a:moveTo>
-                  <a:lnTo>
-                    <a:pt x="2042951" y="407848"/>
-                  </a:lnTo>
-                  <a:lnTo>
-                    <a:pt x="2037751" y="369282"/>
-                  </a:lnTo>
-                  <a:lnTo>
-                    <a:pt x="2032686" y="320644"/>
-                  </a:lnTo>
-                  <a:lnTo>
-                    <a:pt x="2028437" y="271833"/>
-                  </a:lnTo>
-                  <a:lnTo>
-                    <a:pt x="2024360" y="222952"/>
-                  </a:lnTo>
-                  <a:lnTo>
-                    <a:pt x="2019816" y="174106"/>
-                  </a:lnTo>
-                  <a:lnTo>
-                    <a:pt x="2019816" y="163756"/>
-                  </a:lnTo>
-                  <a:lnTo>
-                    <a:pt x="2013368" y="131989"/>
-                  </a:lnTo>
-                  <a:lnTo>
-                    <a:pt x="2001511" y="115886"/>
-                  </a:lnTo>
-                  <a:lnTo>
-                    <a:pt x="1982166" y="114476"/>
-                  </a:lnTo>
-                  <a:lnTo>
-                    <a:pt x="2082010" y="114476"/>
-                  </a:lnTo>
-                  <a:lnTo>
-                    <a:pt x="2096733" y="168376"/>
-                  </a:lnTo>
-                  <a:lnTo>
-                    <a:pt x="2106810" y="223108"/>
-                  </a:lnTo>
-                  <a:lnTo>
-                    <a:pt x="2113004" y="279087"/>
-                  </a:lnTo>
-                  <a:lnTo>
-                    <a:pt x="2116799" y="328502"/>
-                  </a:lnTo>
-                  <a:lnTo>
-                    <a:pt x="2120904" y="377839"/>
-                  </a:lnTo>
-                  <a:lnTo>
-                    <a:pt x="2123898" y="407848"/>
-                  </a:lnTo>
-                  <a:close/>
-                </a:path>
-              </a:pathLst>
-            </a:custGeom>
-            <a:solidFill>
-              <a:srgbClr val="040707"/>
-            </a:solidFill>
-          </p:spPr>
-          <p:txBody>
-            <a:bodyPr wrap="square" lIns="0" tIns="0" rIns="0" bIns="0" rtlCol="0"/>
-            <a:lstStyle/>
-            <a:p>
-              <a:endParaRPr dirty="0"/>
-            </a:p>
-          </p:txBody>
-        </p:sp>
-      </p:grpSp>
-      <p:sp>
-        <p:nvSpPr>
-          <p:cNvPr id="12" name="object 5">
-            <a:extLst>
-              <a:ext uri="{FF2B5EF4-FFF2-40B4-BE49-F238E27FC236}">
-                <a16:creationId xmlns:a16="http://schemas.microsoft.com/office/drawing/2014/main" id="{11F2B6B6-0466-4FF3-9677-694F0F61AE7C}"/>
-              </a:ext>
-            </a:extLst>
-          </p:cNvPr>
-          <p:cNvSpPr txBox="1"/>
-          <p:nvPr/>
-        </p:nvSpPr>
-        <p:spPr>
-          <a:xfrm>
-            <a:off x="8214029" y="3162300"/>
-            <a:ext cx="8839200" cy="5826595"/>
-          </a:xfrm>
-          <a:prstGeom prst="rect">
-            <a:avLst/>
-          </a:prstGeom>
-        </p:spPr>
-        <p:txBody>
-          <a:bodyPr vert="horz" wrap="square" lIns="0" tIns="29845" rIns="0" bIns="0" rtlCol="0">
-            <a:spAutoFit/>
-          </a:bodyPr>
-          <a:lstStyle/>
-          <a:p>
-            <a:pPr marL="12700" marR="5080">
-              <a:spcBef>
-                <a:spcPts val="235"/>
-              </a:spcBef>
-            </a:pPr>
-            <a:endParaRPr lang="en-US" sz="3000" kern="0" dirty="0">
-              <a:latin typeface="Raleway" panose="020B0503030101060003" pitchFamily="34" charset="0"/>
-              <a:ea typeface="Roboto" panose="02000000000000000000" pitchFamily="2" charset="0"/>
-              <a:cs typeface="Roboto" panose="02000000000000000000" pitchFamily="2" charset="0"/>
-            </a:endParaRPr>
-          </a:p>
-          <a:p>
-            <a:pPr marL="12700" marR="5080">
-              <a:spcBef>
-                <a:spcPts val="235"/>
-              </a:spcBef>
-            </a:pPr>
-            <a:r>
-              <a:rPr lang="en-US" sz="3000" kern="0" dirty="0">
-                <a:latin typeface="Raleway" panose="020B0503030101060003" pitchFamily="34" charset="0"/>
-                <a:ea typeface="Roboto" panose="02000000000000000000" pitchFamily="2" charset="0"/>
-                <a:cs typeface="Roboto" panose="02000000000000000000" pitchFamily="2" charset="0"/>
-              </a:rPr>
-              <a:t>-   General: Django </a:t>
-            </a:r>
-          </a:p>
-          <a:p>
-            <a:pPr marL="469900" marR="5080" indent="-457200">
-              <a:spcBef>
-                <a:spcPts val="235"/>
-              </a:spcBef>
-              <a:buFontTx/>
-              <a:buChar char="-"/>
-            </a:pPr>
-            <a:r>
-              <a:rPr lang="en-US" sz="3000" kern="0" dirty="0">
-                <a:latin typeface="Raleway" panose="020B0503030101060003" pitchFamily="34" charset="0"/>
-                <a:ea typeface="Roboto" panose="02000000000000000000" pitchFamily="2" charset="0"/>
-                <a:cs typeface="Roboto" panose="02000000000000000000" pitchFamily="2" charset="0"/>
-              </a:rPr>
-              <a:t>Database: PostgreSQL, Django Rest Framework API</a:t>
-            </a:r>
-          </a:p>
-          <a:p>
-            <a:pPr marL="469900" marR="5080" indent="-457200">
-              <a:spcBef>
-                <a:spcPts val="235"/>
-              </a:spcBef>
-              <a:buFontTx/>
-              <a:buChar char="-"/>
-            </a:pPr>
-            <a:r>
-              <a:rPr lang="en-US" sz="3000" kern="0" dirty="0">
-                <a:latin typeface="Raleway" panose="020B0503030101060003" pitchFamily="34" charset="0"/>
-                <a:ea typeface="Roboto" panose="02000000000000000000" pitchFamily="2" charset="0"/>
-                <a:cs typeface="Roboto" panose="02000000000000000000" pitchFamily="2" charset="0"/>
-              </a:rPr>
-              <a:t>Front-End: React.JS, Anima </a:t>
-            </a:r>
-          </a:p>
-          <a:p>
-            <a:pPr marL="469900" marR="5080" indent="-457200">
-              <a:spcBef>
-                <a:spcPts val="235"/>
-              </a:spcBef>
-              <a:buFontTx/>
-              <a:buChar char="-"/>
-            </a:pPr>
-            <a:r>
-              <a:rPr lang="en-US" sz="3000" kern="0" dirty="0">
-                <a:latin typeface="Raleway" panose="020B0503030101060003" pitchFamily="34" charset="0"/>
-                <a:ea typeface="Roboto" panose="02000000000000000000" pitchFamily="2" charset="0"/>
-                <a:cs typeface="Roboto" panose="02000000000000000000" pitchFamily="2" charset="0"/>
-              </a:rPr>
-              <a:t>Design: Adobe XD</a:t>
-            </a:r>
-          </a:p>
-          <a:p>
-            <a:pPr marL="469900" marR="5080" indent="-457200">
-              <a:spcBef>
-                <a:spcPts val="235"/>
-              </a:spcBef>
-              <a:buFontTx/>
-              <a:buChar char="-"/>
-            </a:pPr>
-            <a:r>
-              <a:rPr lang="en-US" sz="3000" kern="0" dirty="0">
-                <a:latin typeface="Raleway" panose="020B0503030101060003" pitchFamily="34" charset="0"/>
-                <a:ea typeface="Roboto" panose="02000000000000000000" pitchFamily="2" charset="0"/>
-                <a:cs typeface="Roboto" panose="02000000000000000000" pitchFamily="2" charset="0"/>
-              </a:rPr>
-              <a:t>Testing: Postman</a:t>
-            </a:r>
-          </a:p>
-          <a:p>
-            <a:pPr marL="469900" marR="5080" indent="-457200">
-              <a:spcBef>
-                <a:spcPts val="235"/>
-              </a:spcBef>
-              <a:buFontTx/>
-              <a:buChar char="-"/>
-            </a:pPr>
-            <a:r>
-              <a:rPr lang="en-US" sz="3000" kern="0" dirty="0">
-                <a:latin typeface="Raleway" panose="020B0503030101060003" pitchFamily="34" charset="0"/>
-                <a:ea typeface="Roboto" panose="02000000000000000000" pitchFamily="2" charset="0"/>
-                <a:cs typeface="Roboto" panose="02000000000000000000" pitchFamily="2" charset="0"/>
-              </a:rPr>
-              <a:t>Email Automation: Gmail</a:t>
-            </a:r>
-          </a:p>
-          <a:p>
-            <a:pPr marL="469900" marR="5080" indent="-457200">
-              <a:spcBef>
-                <a:spcPts val="235"/>
-              </a:spcBef>
-              <a:buFontTx/>
-              <a:buChar char="-"/>
-            </a:pPr>
-            <a:r>
-              <a:rPr lang="en-US" sz="3000" kern="0" dirty="0">
-                <a:latin typeface="Raleway" panose="020B0503030101060003" pitchFamily="34" charset="0"/>
-                <a:ea typeface="Roboto" panose="02000000000000000000" pitchFamily="2" charset="0"/>
-                <a:cs typeface="Roboto" panose="02000000000000000000" pitchFamily="2" charset="0"/>
-              </a:rPr>
-              <a:t>Hosting: x</a:t>
-            </a:r>
-          </a:p>
-          <a:p>
-            <a:pPr marL="469900" marR="5080" indent="-457200">
-              <a:spcBef>
-                <a:spcPts val="235"/>
-              </a:spcBef>
-              <a:buFontTx/>
-              <a:buChar char="-"/>
-            </a:pPr>
-            <a:endParaRPr lang="en-US" sz="3000" kern="0" dirty="0">
-              <a:latin typeface="Raleway" panose="020B0503030101060003" pitchFamily="34" charset="0"/>
-              <a:ea typeface="Roboto" panose="02000000000000000000" pitchFamily="2" charset="0"/>
-              <a:cs typeface="Roboto" panose="02000000000000000000" pitchFamily="2" charset="0"/>
-            </a:endParaRPr>
-          </a:p>
-          <a:p>
-            <a:pPr marL="469900" marR="5080" indent="-457200">
-              <a:spcBef>
-                <a:spcPts val="235"/>
-              </a:spcBef>
-              <a:buFontTx/>
-              <a:buChar char="-"/>
-            </a:pPr>
-            <a:endParaRPr lang="en-US" sz="3000" kern="0" dirty="0">
-              <a:latin typeface="Raleway" panose="020B0503030101060003" pitchFamily="34" charset="0"/>
-              <a:ea typeface="Roboto" panose="02000000000000000000" pitchFamily="2" charset="0"/>
-              <a:cs typeface="Roboto" panose="02000000000000000000" pitchFamily="2" charset="0"/>
-            </a:endParaRPr>
-          </a:p>
-          <a:p>
-            <a:pPr marL="12700" marR="5080">
-              <a:spcBef>
-                <a:spcPts val="235"/>
-              </a:spcBef>
-            </a:pPr>
-            <a:r>
-              <a:rPr lang="en-US" sz="3000" kern="0" dirty="0">
-                <a:latin typeface="Raleway" panose="020B0503030101060003" pitchFamily="34" charset="0"/>
-                <a:ea typeface="Roboto" panose="02000000000000000000" pitchFamily="2" charset="0"/>
-                <a:cs typeface="Roboto" panose="02000000000000000000" pitchFamily="2" charset="0"/>
-              </a:rPr>
-              <a:t>Based on Instagram </a:t>
-            </a:r>
-            <a:r>
-              <a:rPr lang="en-US" sz="3000" kern="0" dirty="0" err="1">
-                <a:latin typeface="Raleway" panose="020B0503030101060003" pitchFamily="34" charset="0"/>
-                <a:ea typeface="Roboto" panose="02000000000000000000" pitchFamily="2" charset="0"/>
-                <a:cs typeface="Roboto" panose="02000000000000000000" pitchFamily="2" charset="0"/>
-              </a:rPr>
-              <a:t>TechStack</a:t>
-            </a:r>
-            <a:endParaRPr lang="en-US" sz="3000" kern="0" dirty="0">
-              <a:latin typeface="Raleway" panose="020B0503030101060003" pitchFamily="34" charset="0"/>
-              <a:ea typeface="Roboto" panose="02000000000000000000" pitchFamily="2" charset="0"/>
-              <a:cs typeface="Roboto" panose="02000000000000000000" pitchFamily="2" charset="0"/>
-            </a:endParaRPr>
-          </a:p>
-        </p:txBody>
-      </p:sp>
-    </p:spTree>
-    <p:extLst>
-      <p:ext uri="{BB962C8B-B14F-4D97-AF65-F5344CB8AC3E}">
-        <p14:creationId xmlns:p14="http://schemas.microsoft.com/office/powerpoint/2010/main" val="4281965062"/>
-      </p:ext>
-    </p:extLst>
-  </p:cSld>
-  <p:clrMapOvr>
-    <a:masterClrMapping/>
-  </p:clrMapOvr>
-</p:sld>
-</file>
-
-<file path=ppt/slides/slide6.xml><?xml version="1.0" encoding="utf-8"?>
-<p:sld xmlns:a="http://schemas.openxmlformats.org/drawingml/2006/main" xmlns:r="http://schemas.openxmlformats.org/officeDocument/2006/relationships" xmlns:p="http://schemas.openxmlformats.org/presentationml/2006/main">
-  <p:cSld>
-    <p:spTree>
-      <p:nvGrpSpPr>
-        <p:cNvPr id="1" name=""/>
-        <p:cNvGrpSpPr/>
-        <p:nvPr/>
-      </p:nvGrpSpPr>
-      <p:grpSpPr>
-        <a:xfrm>
-          <a:off x="0" y="0"/>
-          <a:ext cx="0" cy="0"/>
-          <a:chOff x="0" y="0"/>
-          <a:chExt cx="0" cy="0"/>
-        </a:xfrm>
-      </p:grpSpPr>
-      <p:grpSp>
-        <p:nvGrpSpPr>
-          <p:cNvPr id="2" name="object 2"/>
-          <p:cNvGrpSpPr/>
-          <p:nvPr/>
-        </p:nvGrpSpPr>
-        <p:grpSpPr>
-          <a:xfrm>
-            <a:off x="228600" y="-190500"/>
-            <a:ext cx="7528559" cy="10287000"/>
-            <a:chOff x="0" y="0"/>
-            <a:chExt cx="8759190" cy="10287000"/>
-          </a:xfrm>
-        </p:grpSpPr>
-        <p:pic>
-          <p:nvPicPr>
-            <p:cNvPr id="3" name="object 3"/>
-            <p:cNvPicPr/>
-            <p:nvPr/>
-          </p:nvPicPr>
-          <p:blipFill>
-            <a:blip r:embed="rId3" cstate="print"/>
-            <a:stretch>
-              <a:fillRect/>
-            </a:stretch>
-          </p:blipFill>
-          <p:spPr>
-            <a:xfrm>
-              <a:off x="0" y="0"/>
-              <a:ext cx="7490455" cy="8250979"/>
-            </a:xfrm>
-            <a:prstGeom prst="rect">
-              <a:avLst/>
-            </a:prstGeom>
-          </p:spPr>
-        </p:pic>
-        <p:pic>
-          <p:nvPicPr>
-            <p:cNvPr id="4" name="object 4"/>
-            <p:cNvPicPr/>
-            <p:nvPr/>
-          </p:nvPicPr>
-          <p:blipFill>
-            <a:blip r:embed="rId4" cstate="print"/>
-            <a:stretch>
-              <a:fillRect/>
-            </a:stretch>
-          </p:blipFill>
-          <p:spPr>
-            <a:xfrm>
-              <a:off x="0" y="1670110"/>
-              <a:ext cx="8758806" cy="8616889"/>
-            </a:xfrm>
-            <a:prstGeom prst="rect">
-              <a:avLst/>
-            </a:prstGeom>
-          </p:spPr>
-        </p:pic>
-      </p:grpSp>
-      <p:sp>
-        <p:nvSpPr>
-          <p:cNvPr id="5" name="object 5"/>
-          <p:cNvSpPr txBox="1"/>
-          <p:nvPr/>
-        </p:nvSpPr>
-        <p:spPr>
-          <a:xfrm>
-            <a:off x="685800" y="3314700"/>
-            <a:ext cx="6857143" cy="1938223"/>
-          </a:xfrm>
-          <a:prstGeom prst="rect">
-            <a:avLst/>
-          </a:prstGeom>
-        </p:spPr>
-        <p:txBody>
-          <a:bodyPr vert="horz" wrap="square" lIns="0" tIns="29845" rIns="0" bIns="0" rtlCol="0">
-            <a:spAutoFit/>
-          </a:bodyPr>
-          <a:lstStyle/>
-          <a:p>
-            <a:pPr marL="12700" marR="5080">
-              <a:lnSpc>
-                <a:spcPts val="7759"/>
-              </a:lnSpc>
-              <a:spcBef>
-                <a:spcPts val="235"/>
-              </a:spcBef>
-            </a:pPr>
             <a:r>
               <a:rPr lang="en-US" sz="4000" b="1" kern="0" dirty="0">
                 <a:latin typeface="Consolas" panose="020B0609020204030204" pitchFamily="49" charset="0"/>
               </a:rPr>
-              <a:t>Development Strategy</a:t>
-            </a:r>
-          </a:p>
-          <a:p>
-            <a:pPr marL="12700" marR="5080">
-              <a:lnSpc>
-                <a:spcPts val="7759"/>
-              </a:lnSpc>
-              <a:spcBef>
-                <a:spcPts val="235"/>
-              </a:spcBef>
-            </a:pPr>
-            <a:r>
-              <a:rPr lang="en-US" sz="4000" b="1" kern="0" dirty="0">
-                <a:latin typeface="Consolas" panose="020B0609020204030204" pitchFamily="49" charset="0"/>
-              </a:rPr>
-              <a:t> </a:t>
+              <a:t> and Justifications </a:t>
             </a:r>
           </a:p>
         </p:txBody>
@@ -12863,8 +12831,8 @@
         </p:nvSpPr>
         <p:spPr>
           <a:xfrm>
-            <a:off x="7530911" y="1018670"/>
-            <a:ext cx="10059257" cy="7888698"/>
+            <a:off x="9601200" y="4164386"/>
+            <a:ext cx="8839200" cy="979114"/>
           </a:xfrm>
           <a:prstGeom prst="rect">
             <a:avLst/>
@@ -12881,41 +12849,7 @@
                 <a:spcPts val="235"/>
               </a:spcBef>
             </a:pPr>
-            <a:r>
-              <a:rPr lang="en-US" sz="2800" kern="0" dirty="0">
-                <a:latin typeface="Raleway" panose="020B0503030101060003" pitchFamily="34" charset="0"/>
-                <a:ea typeface="Roboto" panose="02000000000000000000" pitchFamily="2" charset="0"/>
-                <a:cs typeface="Roboto" panose="02000000000000000000" pitchFamily="2" charset="0"/>
-              </a:rPr>
-              <a:t>1. Find a collection of relevant programming tutorial videos </a:t>
-            </a:r>
-          </a:p>
-          <a:p>
-            <a:pPr marL="469900" marR="5080" indent="-457200">
-              <a:spcBef>
-                <a:spcPts val="235"/>
-              </a:spcBef>
-              <a:buFontTx/>
-              <a:buChar char="-"/>
-            </a:pPr>
-            <a:r>
-              <a:rPr lang="en-US" sz="2800" kern="0" dirty="0">
-                <a:latin typeface="Raleway" panose="020B0503030101060003" pitchFamily="34" charset="0"/>
-                <a:ea typeface="Roboto" panose="02000000000000000000" pitchFamily="2" charset="0"/>
-                <a:cs typeface="Roboto" panose="02000000000000000000" pitchFamily="2" charset="0"/>
-              </a:rPr>
-              <a:t>First look at the final product and see if (in this order) it is coded in React.JS and Django. Whether it has the login/logout/ register features, and data rendering based on the database (ideally with various database). Finally, look in the code base and see if it is coded nicely. (Not on LinkedIn because the final products are too basic)</a:t>
-            </a:r>
-          </a:p>
-          <a:p>
-            <a:pPr marL="469900" marR="5080" indent="-457200">
-              <a:spcBef>
-                <a:spcPts val="235"/>
-              </a:spcBef>
-              <a:buFontTx/>
-              <a:buChar char="-"/>
-            </a:pPr>
-            <a:endParaRPr lang="en-US" sz="2800" kern="0" dirty="0">
+            <a:endParaRPr lang="en-US" sz="3000" kern="0" dirty="0">
               <a:latin typeface="Raleway" panose="020B0503030101060003" pitchFamily="34" charset="0"/>
               <a:ea typeface="Roboto" panose="02000000000000000000" pitchFamily="2" charset="0"/>
               <a:cs typeface="Roboto" panose="02000000000000000000" pitchFamily="2" charset="0"/>
@@ -12928,29 +12862,12 @@
               </a:spcBef>
             </a:pPr>
             <a:r>
-              <a:rPr lang="en-US" sz="2800" kern="0" dirty="0">
+              <a:rPr lang="en-US" sz="3000" kern="0" dirty="0">
                 <a:latin typeface="Raleway" panose="020B0503030101060003" pitchFamily="34" charset="0"/>
                 <a:ea typeface="Roboto" panose="02000000000000000000" pitchFamily="2" charset="0"/>
                 <a:cs typeface="Roboto" panose="02000000000000000000" pitchFamily="2" charset="0"/>
               </a:rPr>
-              <a:t>2. Once you gathered over 5-10 example website codes, priorities the videos and codebase that are closest to your product and start watching the videos to learn the different aspects of the website.</a:t>
-            </a:r>
-          </a:p>
-          <a:p>
-            <a:pPr marL="469900" marR="5080" indent="-457200">
-              <a:spcBef>
-                <a:spcPts val="235"/>
-              </a:spcBef>
-              <a:buFontTx/>
-              <a:buChar char="-"/>
-            </a:pPr>
-            <a:r>
-              <a:rPr lang="en-US" sz="2800" kern="0" dirty="0">
-                <a:latin typeface="Raleway" panose="020B0503030101060003" pitchFamily="34" charset="0"/>
-                <a:ea typeface="Roboto" panose="02000000000000000000" pitchFamily="2" charset="0"/>
-                <a:cs typeface="Roboto" panose="02000000000000000000" pitchFamily="2" charset="0"/>
-              </a:rPr>
-              <a:t>You must follow the 5 hours videos because you can’t clone a template project from other people and make it your own. It keeps having the submodular problem where your code doesn’t show in GitLab. The video host may introduce new package installations in the middle of the app.</a:t>
+              <a:t>Go ASEP report document </a:t>
             </a:r>
           </a:p>
         </p:txBody>
@@ -12958,7 +12875,7 @@
     </p:spTree>
     <p:extLst>
       <p:ext uri="{BB962C8B-B14F-4D97-AF65-F5344CB8AC3E}">
-        <p14:creationId xmlns:p14="http://schemas.microsoft.com/office/powerpoint/2010/main" val="4125960274"/>
+        <p14:creationId xmlns:p14="http://schemas.microsoft.com/office/powerpoint/2010/main" val="4281965062"/>
       </p:ext>
     </p:extLst>
   </p:cSld>
@@ -13670,8 +13587,831 @@
         </p:nvSpPr>
         <p:spPr>
           <a:xfrm>
+            <a:off x="7016888" y="546530"/>
+            <a:ext cx="10817576" cy="9181360"/>
+          </a:xfrm>
+          <a:prstGeom prst="rect">
+            <a:avLst/>
+          </a:prstGeom>
+        </p:spPr>
+        <p:txBody>
+          <a:bodyPr vert="horz" wrap="square" lIns="0" tIns="29845" rIns="0" bIns="0" rtlCol="0">
+            <a:spAutoFit/>
+          </a:bodyPr>
+          <a:lstStyle/>
+          <a:p>
+            <a:pPr marL="12700" marR="5080">
+              <a:spcBef>
+                <a:spcPts val="235"/>
+              </a:spcBef>
+            </a:pPr>
+            <a:r>
+              <a:rPr lang="en-US" sz="2800" kern="0" dirty="0">
+                <a:latin typeface="Raleway" panose="020B0503030101060003" pitchFamily="34" charset="0"/>
+                <a:ea typeface="Roboto" panose="02000000000000000000" pitchFamily="2" charset="0"/>
+                <a:cs typeface="Roboto" panose="02000000000000000000" pitchFamily="2" charset="0"/>
+              </a:rPr>
+              <a:t>1. Find a collection of relevant programming tutorial videos </a:t>
+            </a:r>
+          </a:p>
+          <a:p>
+            <a:pPr marL="469900" marR="5080" indent="-457200">
+              <a:spcBef>
+                <a:spcPts val="235"/>
+              </a:spcBef>
+              <a:buFontTx/>
+              <a:buChar char="-"/>
+            </a:pPr>
+            <a:r>
+              <a:rPr lang="en-US" sz="2800" kern="0" dirty="0">
+                <a:latin typeface="Raleway" panose="020B0503030101060003" pitchFamily="34" charset="0"/>
+                <a:ea typeface="Roboto" panose="02000000000000000000" pitchFamily="2" charset="0"/>
+                <a:cs typeface="Roboto" panose="02000000000000000000" pitchFamily="2" charset="0"/>
+              </a:rPr>
+              <a:t>First look at the final product and see if (in this order) it is coded in React.JS and Django. Whether it has the login/logout/ register features, and data rendering based on the database (ideally with various database). Finally, look in the code base and see if it is coded nicely. (Not on LinkedIn because the final products are too basic). Platforms that have good resources are YouTube and </a:t>
+            </a:r>
+            <a:r>
+              <a:rPr lang="en-US" sz="2800" kern="0" dirty="0" err="1">
+                <a:latin typeface="Raleway" panose="020B0503030101060003" pitchFamily="34" charset="0"/>
+                <a:ea typeface="Roboto" panose="02000000000000000000" pitchFamily="2" charset="0"/>
+                <a:cs typeface="Roboto" panose="02000000000000000000" pitchFamily="2" charset="0"/>
+              </a:rPr>
+              <a:t>Github</a:t>
+            </a:r>
+            <a:r>
+              <a:rPr lang="en-US" sz="2800" kern="0" dirty="0">
+                <a:latin typeface="Raleway" panose="020B0503030101060003" pitchFamily="34" charset="0"/>
+                <a:ea typeface="Roboto" panose="02000000000000000000" pitchFamily="2" charset="0"/>
+                <a:cs typeface="Roboto" panose="02000000000000000000" pitchFamily="2" charset="0"/>
+              </a:rPr>
+              <a:t>. You can see step-by-step how the final product is made so you will not miss a step. By going to GitHub first, you can determine whether the solutions are satisfactory before watching the videos. </a:t>
+            </a:r>
+          </a:p>
+          <a:p>
+            <a:pPr marL="469900" marR="5080" indent="-457200">
+              <a:spcBef>
+                <a:spcPts val="235"/>
+              </a:spcBef>
+              <a:buFontTx/>
+              <a:buChar char="-"/>
+            </a:pPr>
+            <a:endParaRPr lang="en-US" sz="2800" kern="0" dirty="0">
+              <a:latin typeface="Raleway" panose="020B0503030101060003" pitchFamily="34" charset="0"/>
+              <a:ea typeface="Roboto" panose="02000000000000000000" pitchFamily="2" charset="0"/>
+              <a:cs typeface="Roboto" panose="02000000000000000000" pitchFamily="2" charset="0"/>
+            </a:endParaRPr>
+          </a:p>
+          <a:p>
+            <a:pPr marL="12700" marR="5080">
+              <a:spcBef>
+                <a:spcPts val="235"/>
+              </a:spcBef>
+            </a:pPr>
+            <a:r>
+              <a:rPr lang="en-US" sz="2800" kern="0" dirty="0">
+                <a:latin typeface="Raleway" panose="020B0503030101060003" pitchFamily="34" charset="0"/>
+                <a:ea typeface="Roboto" panose="02000000000000000000" pitchFamily="2" charset="0"/>
+                <a:cs typeface="Roboto" panose="02000000000000000000" pitchFamily="2" charset="0"/>
+              </a:rPr>
+              <a:t>2. Once you gathered over 5-10 example website codes, priorities the videos and codebase that are closest to your product and start watching the videos to learn the different aspects of the website.</a:t>
+            </a:r>
+          </a:p>
+          <a:p>
+            <a:pPr marL="469900" marR="5080" indent="-457200">
+              <a:spcBef>
+                <a:spcPts val="235"/>
+              </a:spcBef>
+              <a:buFontTx/>
+              <a:buChar char="-"/>
+            </a:pPr>
+            <a:r>
+              <a:rPr lang="en-US" sz="2800" kern="0" dirty="0">
+                <a:latin typeface="Raleway" panose="020B0503030101060003" pitchFamily="34" charset="0"/>
+                <a:ea typeface="Roboto" panose="02000000000000000000" pitchFamily="2" charset="0"/>
+                <a:cs typeface="Roboto" panose="02000000000000000000" pitchFamily="2" charset="0"/>
+              </a:rPr>
+              <a:t>You must follow the 5 hours videos because you can’t clone a template project from other people and make it your own. It keeps having the submodular problem where your code doesn’t show in GitLab. The video host may introduce new package installations in the middle of the app.</a:t>
+            </a:r>
+          </a:p>
+        </p:txBody>
+      </p:sp>
+    </p:spTree>
+    <p:extLst>
+      <p:ext uri="{BB962C8B-B14F-4D97-AF65-F5344CB8AC3E}">
+        <p14:creationId xmlns:p14="http://schemas.microsoft.com/office/powerpoint/2010/main" val="4125960274"/>
+      </p:ext>
+    </p:extLst>
+  </p:cSld>
+  <p:clrMapOvr>
+    <a:masterClrMapping/>
+  </p:clrMapOvr>
+</p:sld>
+</file>
+
+<file path=ppt/slides/slide8.xml><?xml version="1.0" encoding="utf-8"?>
+<p:sld xmlns:a="http://schemas.openxmlformats.org/drawingml/2006/main" xmlns:r="http://schemas.openxmlformats.org/officeDocument/2006/relationships" xmlns:p="http://schemas.openxmlformats.org/presentationml/2006/main">
+  <p:cSld>
+    <p:spTree>
+      <p:nvGrpSpPr>
+        <p:cNvPr id="1" name=""/>
+        <p:cNvGrpSpPr/>
+        <p:nvPr/>
+      </p:nvGrpSpPr>
+      <p:grpSpPr>
+        <a:xfrm>
+          <a:off x="0" y="0"/>
+          <a:ext cx="0" cy="0"/>
+          <a:chOff x="0" y="0"/>
+          <a:chExt cx="0" cy="0"/>
+        </a:xfrm>
+      </p:grpSpPr>
+      <p:grpSp>
+        <p:nvGrpSpPr>
+          <p:cNvPr id="2" name="object 2"/>
+          <p:cNvGrpSpPr/>
+          <p:nvPr/>
+        </p:nvGrpSpPr>
+        <p:grpSpPr>
+          <a:xfrm>
+            <a:off x="228600" y="-190500"/>
+            <a:ext cx="7528559" cy="10287000"/>
+            <a:chOff x="0" y="0"/>
+            <a:chExt cx="8759190" cy="10287000"/>
+          </a:xfrm>
+        </p:grpSpPr>
+        <p:pic>
+          <p:nvPicPr>
+            <p:cNvPr id="3" name="object 3"/>
+            <p:cNvPicPr/>
+            <p:nvPr/>
+          </p:nvPicPr>
+          <p:blipFill>
+            <a:blip r:embed="rId3" cstate="print"/>
+            <a:stretch>
+              <a:fillRect/>
+            </a:stretch>
+          </p:blipFill>
+          <p:spPr>
+            <a:xfrm>
+              <a:off x="0" y="0"/>
+              <a:ext cx="7490455" cy="8250979"/>
+            </a:xfrm>
+            <a:prstGeom prst="rect">
+              <a:avLst/>
+            </a:prstGeom>
+          </p:spPr>
+        </p:pic>
+        <p:pic>
+          <p:nvPicPr>
+            <p:cNvPr id="4" name="object 4"/>
+            <p:cNvPicPr/>
+            <p:nvPr/>
+          </p:nvPicPr>
+          <p:blipFill>
+            <a:blip r:embed="rId4" cstate="print"/>
+            <a:stretch>
+              <a:fillRect/>
+            </a:stretch>
+          </p:blipFill>
+          <p:spPr>
+            <a:xfrm>
+              <a:off x="0" y="1670110"/>
+              <a:ext cx="8758806" cy="8616889"/>
+            </a:xfrm>
+            <a:prstGeom prst="rect">
+              <a:avLst/>
+            </a:prstGeom>
+          </p:spPr>
+        </p:pic>
+      </p:grpSp>
+      <p:sp>
+        <p:nvSpPr>
+          <p:cNvPr id="5" name="object 5"/>
+          <p:cNvSpPr txBox="1"/>
+          <p:nvPr/>
+        </p:nvSpPr>
+        <p:spPr>
+          <a:xfrm>
+            <a:off x="685800" y="3314700"/>
+            <a:ext cx="6857143" cy="1938223"/>
+          </a:xfrm>
+          <a:prstGeom prst="rect">
+            <a:avLst/>
+          </a:prstGeom>
+        </p:spPr>
+        <p:txBody>
+          <a:bodyPr vert="horz" wrap="square" lIns="0" tIns="29845" rIns="0" bIns="0" rtlCol="0">
+            <a:spAutoFit/>
+          </a:bodyPr>
+          <a:lstStyle/>
+          <a:p>
+            <a:pPr marL="12700" marR="5080">
+              <a:lnSpc>
+                <a:spcPts val="7759"/>
+              </a:lnSpc>
+              <a:spcBef>
+                <a:spcPts val="235"/>
+              </a:spcBef>
+            </a:pPr>
+            <a:r>
+              <a:rPr lang="en-US" sz="4000" b="1" kern="0" dirty="0">
+                <a:latin typeface="Consolas" panose="020B0609020204030204" pitchFamily="49" charset="0"/>
+              </a:rPr>
+              <a:t>Development Strategy</a:t>
+            </a:r>
+          </a:p>
+          <a:p>
+            <a:pPr marL="12700" marR="5080">
+              <a:lnSpc>
+                <a:spcPts val="7759"/>
+              </a:lnSpc>
+              <a:spcBef>
+                <a:spcPts val="235"/>
+              </a:spcBef>
+            </a:pPr>
+            <a:r>
+              <a:rPr lang="en-US" sz="4000" b="1" kern="0" dirty="0">
+                <a:latin typeface="Consolas" panose="020B0609020204030204" pitchFamily="49" charset="0"/>
+              </a:rPr>
+              <a:t> </a:t>
+            </a:r>
+          </a:p>
+        </p:txBody>
+      </p:sp>
+      <p:grpSp>
+        <p:nvGrpSpPr>
+          <p:cNvPr id="8" name="object 8"/>
+          <p:cNvGrpSpPr/>
+          <p:nvPr/>
+        </p:nvGrpSpPr>
+        <p:grpSpPr>
+          <a:xfrm>
+            <a:off x="0" y="-419100"/>
+            <a:ext cx="7065924" cy="10314669"/>
+            <a:chOff x="0" y="0"/>
+            <a:chExt cx="7413808" cy="10314669"/>
+          </a:xfrm>
+        </p:grpSpPr>
+        <p:pic>
+          <p:nvPicPr>
+            <p:cNvPr id="9" name="object 9"/>
+            <p:cNvPicPr/>
+            <p:nvPr/>
+          </p:nvPicPr>
+          <p:blipFill>
+            <a:blip r:embed="rId5" cstate="print"/>
+            <a:stretch>
+              <a:fillRect/>
+            </a:stretch>
+          </p:blipFill>
+          <p:spPr>
+            <a:xfrm>
+              <a:off x="0" y="0"/>
+              <a:ext cx="2975600" cy="3863365"/>
+            </a:xfrm>
+            <a:prstGeom prst="rect">
+              <a:avLst/>
+            </a:prstGeom>
+          </p:spPr>
+        </p:pic>
+        <p:sp>
+          <p:nvSpPr>
+            <p:cNvPr id="10" name="object 10"/>
+            <p:cNvSpPr/>
+            <p:nvPr/>
+          </p:nvSpPr>
+          <p:spPr>
+            <a:xfrm>
+              <a:off x="5289733" y="9906364"/>
+              <a:ext cx="2124075" cy="408305"/>
+            </a:xfrm>
+            <a:custGeom>
+              <a:avLst/>
+              <a:gdLst/>
+              <a:ahLst/>
+              <a:cxnLst/>
+              <a:rect l="l" t="t" r="r" b="b"/>
+              <a:pathLst>
+                <a:path w="2124075" h="408304">
+                  <a:moveTo>
+                    <a:pt x="692905" y="407848"/>
+                  </a:moveTo>
+                  <a:lnTo>
+                    <a:pt x="576622" y="407848"/>
+                  </a:lnTo>
+                  <a:lnTo>
+                    <a:pt x="589898" y="384507"/>
+                  </a:lnTo>
+                  <a:lnTo>
+                    <a:pt x="615531" y="339895"/>
+                  </a:lnTo>
+                  <a:lnTo>
+                    <a:pt x="641286" y="295407"/>
+                  </a:lnTo>
+                  <a:lnTo>
+                    <a:pt x="680927" y="227336"/>
+                  </a:lnTo>
+                  <a:lnTo>
+                    <a:pt x="707424" y="188522"/>
+                  </a:lnTo>
+                  <a:lnTo>
+                    <a:pt x="765103" y="139707"/>
+                  </a:lnTo>
+                  <a:lnTo>
+                    <a:pt x="804934" y="125738"/>
+                  </a:lnTo>
+                  <a:lnTo>
+                    <a:pt x="843771" y="130150"/>
+                  </a:lnTo>
+                  <a:lnTo>
+                    <a:pt x="881827" y="152376"/>
+                  </a:lnTo>
+                  <a:lnTo>
+                    <a:pt x="919315" y="191849"/>
+                  </a:lnTo>
+                  <a:lnTo>
+                    <a:pt x="938960" y="224009"/>
+                  </a:lnTo>
+                  <a:lnTo>
+                    <a:pt x="940412" y="227336"/>
+                  </a:lnTo>
+                  <a:lnTo>
+                    <a:pt x="854231" y="227336"/>
+                  </a:lnTo>
+                  <a:lnTo>
+                    <a:pt x="817784" y="245957"/>
+                  </a:lnTo>
+                  <a:lnTo>
+                    <a:pt x="765412" y="297616"/>
+                  </a:lnTo>
+                  <a:lnTo>
+                    <a:pt x="726214" y="355397"/>
+                  </a:lnTo>
+                  <a:lnTo>
+                    <a:pt x="708348" y="382775"/>
+                  </a:lnTo>
+                  <a:lnTo>
+                    <a:pt x="692905" y="407848"/>
+                  </a:lnTo>
+                  <a:close/>
+                </a:path>
+                <a:path w="2124075" h="408304">
+                  <a:moveTo>
+                    <a:pt x="996758" y="407848"/>
+                  </a:moveTo>
+                  <a:lnTo>
+                    <a:pt x="900108" y="407848"/>
+                  </a:lnTo>
+                  <a:lnTo>
+                    <a:pt x="891672" y="374475"/>
+                  </a:lnTo>
+                  <a:lnTo>
+                    <a:pt x="879377" y="326403"/>
+                  </a:lnTo>
+                  <a:lnTo>
+                    <a:pt x="873576" y="301982"/>
+                  </a:lnTo>
+                  <a:lnTo>
+                    <a:pt x="867358" y="277424"/>
+                  </a:lnTo>
+                  <a:lnTo>
+                    <a:pt x="860864" y="252588"/>
+                  </a:lnTo>
+                  <a:lnTo>
+                    <a:pt x="854231" y="227336"/>
+                  </a:lnTo>
+                  <a:lnTo>
+                    <a:pt x="940412" y="227336"/>
+                  </a:lnTo>
+                  <a:lnTo>
+                    <a:pt x="954445" y="259496"/>
+                  </a:lnTo>
+                  <a:lnTo>
+                    <a:pt x="967157" y="296646"/>
+                  </a:lnTo>
+                  <a:lnTo>
+                    <a:pt x="978481" y="333796"/>
+                  </a:lnTo>
+                  <a:lnTo>
+                    <a:pt x="990338" y="378385"/>
+                  </a:lnTo>
+                  <a:lnTo>
+                    <a:pt x="996758" y="407848"/>
+                  </a:lnTo>
+                  <a:close/>
+                </a:path>
+                <a:path w="2124075" h="408304">
+                  <a:moveTo>
+                    <a:pt x="115737" y="407848"/>
+                  </a:moveTo>
+                  <a:lnTo>
+                    <a:pt x="0" y="407848"/>
+                  </a:lnTo>
+                  <a:lnTo>
+                    <a:pt x="15167" y="371238"/>
+                  </a:lnTo>
+                  <a:lnTo>
+                    <a:pt x="37730" y="324924"/>
+                  </a:lnTo>
+                  <a:lnTo>
+                    <a:pt x="60462" y="283393"/>
+                  </a:lnTo>
+                  <a:lnTo>
+                    <a:pt x="85040" y="242855"/>
+                  </a:lnTo>
+                  <a:lnTo>
+                    <a:pt x="112600" y="204305"/>
+                  </a:lnTo>
+                  <a:lnTo>
+                    <a:pt x="144278" y="168736"/>
+                  </a:lnTo>
+                  <a:lnTo>
+                    <a:pt x="181210" y="137141"/>
+                  </a:lnTo>
+                  <a:lnTo>
+                    <a:pt x="221517" y="121061"/>
+                  </a:lnTo>
+                  <a:lnTo>
+                    <a:pt x="242364" y="121962"/>
+                  </a:lnTo>
+                  <a:lnTo>
+                    <a:pt x="264043" y="128269"/>
+                  </a:lnTo>
+                  <a:lnTo>
+                    <a:pt x="308696" y="153174"/>
+                  </a:lnTo>
+                  <a:lnTo>
+                    <a:pt x="343918" y="186674"/>
+                  </a:lnTo>
+                  <a:lnTo>
+                    <a:pt x="363634" y="215507"/>
+                  </a:lnTo>
+                  <a:lnTo>
+                    <a:pt x="269960" y="215507"/>
+                  </a:lnTo>
+                  <a:lnTo>
+                    <a:pt x="230508" y="249192"/>
+                  </a:lnTo>
+                  <a:lnTo>
+                    <a:pt x="196186" y="284262"/>
+                  </a:lnTo>
+                  <a:lnTo>
+                    <a:pt x="166580" y="321551"/>
+                  </a:lnTo>
+                  <a:lnTo>
+                    <a:pt x="141272" y="361889"/>
+                  </a:lnTo>
+                  <a:lnTo>
+                    <a:pt x="115737" y="407848"/>
+                  </a:lnTo>
+                  <a:close/>
+                </a:path>
+                <a:path w="2124075" h="408304">
+                  <a:moveTo>
+                    <a:pt x="432814" y="407848"/>
+                  </a:moveTo>
+                  <a:lnTo>
+                    <a:pt x="333919" y="407848"/>
+                  </a:lnTo>
+                  <a:lnTo>
+                    <a:pt x="324065" y="368913"/>
+                  </a:lnTo>
+                  <a:lnTo>
+                    <a:pt x="309897" y="314574"/>
+                  </a:lnTo>
+                  <a:lnTo>
+                    <a:pt x="301993" y="290570"/>
+                  </a:lnTo>
+                  <a:lnTo>
+                    <a:pt x="292147" y="266704"/>
+                  </a:lnTo>
+                  <a:lnTo>
+                    <a:pt x="281192" y="242006"/>
+                  </a:lnTo>
+                  <a:lnTo>
+                    <a:pt x="269960" y="215507"/>
+                  </a:lnTo>
+                  <a:lnTo>
+                    <a:pt x="363634" y="215507"/>
+                  </a:lnTo>
+                  <a:lnTo>
+                    <a:pt x="371375" y="226828"/>
+                  </a:lnTo>
+                  <a:lnTo>
+                    <a:pt x="392731" y="271694"/>
+                  </a:lnTo>
+                  <a:lnTo>
+                    <a:pt x="406552" y="310138"/>
+                  </a:lnTo>
+                  <a:lnTo>
+                    <a:pt x="417877" y="349691"/>
+                  </a:lnTo>
+                  <a:lnTo>
+                    <a:pt x="428092" y="389798"/>
+                  </a:lnTo>
+                  <a:lnTo>
+                    <a:pt x="432814" y="407848"/>
+                  </a:lnTo>
+                  <a:close/>
+                </a:path>
+                <a:path w="2124075" h="408304">
+                  <a:moveTo>
+                    <a:pt x="1217971" y="407848"/>
+                  </a:moveTo>
+                  <a:lnTo>
+                    <a:pt x="1093662" y="407848"/>
+                  </a:lnTo>
+                  <a:lnTo>
+                    <a:pt x="1118124" y="365932"/>
+                  </a:lnTo>
+                  <a:lnTo>
+                    <a:pt x="1147107" y="316607"/>
+                  </a:lnTo>
+                  <a:lnTo>
+                    <a:pt x="1177199" y="268113"/>
+                  </a:lnTo>
+                  <a:lnTo>
+                    <a:pt x="1209232" y="221421"/>
+                  </a:lnTo>
+                  <a:lnTo>
+                    <a:pt x="1259708" y="165234"/>
+                  </a:lnTo>
+                  <a:lnTo>
+                    <a:pt x="1287651" y="139081"/>
+                  </a:lnTo>
+                  <a:lnTo>
+                    <a:pt x="1342565" y="97565"/>
+                  </a:lnTo>
+                  <a:lnTo>
+                    <a:pt x="1369537" y="93706"/>
+                  </a:lnTo>
+                  <a:lnTo>
+                    <a:pt x="1396231" y="101215"/>
+                  </a:lnTo>
+                  <a:lnTo>
+                    <a:pt x="1422232" y="119397"/>
+                  </a:lnTo>
+                  <a:lnTo>
+                    <a:pt x="1448973" y="147445"/>
+                  </a:lnTo>
+                  <a:lnTo>
+                    <a:pt x="1470860" y="178542"/>
+                  </a:lnTo>
+                  <a:lnTo>
+                    <a:pt x="1479829" y="197764"/>
+                  </a:lnTo>
+                  <a:lnTo>
+                    <a:pt x="1385252" y="197764"/>
+                  </a:lnTo>
+                  <a:lnTo>
+                    <a:pt x="1360453" y="221768"/>
+                  </a:lnTo>
+                  <a:lnTo>
+                    <a:pt x="1311410" y="270331"/>
+                  </a:lnTo>
+                  <a:lnTo>
+                    <a:pt x="1261126" y="337246"/>
+                  </a:lnTo>
+                  <a:lnTo>
+                    <a:pt x="1234870" y="378647"/>
+                  </a:lnTo>
+                  <a:lnTo>
+                    <a:pt x="1217971" y="407848"/>
+                  </a:lnTo>
+                  <a:close/>
+                </a:path>
+                <a:path w="2124075" h="408304">
+                  <a:moveTo>
+                    <a:pt x="1518842" y="407848"/>
+                  </a:moveTo>
+                  <a:lnTo>
+                    <a:pt x="1424115" y="407848"/>
+                  </a:lnTo>
+                  <a:lnTo>
+                    <a:pt x="1422833" y="396128"/>
+                  </a:lnTo>
+                  <a:lnTo>
+                    <a:pt x="1412756" y="299557"/>
+                  </a:lnTo>
+                  <a:lnTo>
+                    <a:pt x="1407440" y="250994"/>
+                  </a:lnTo>
+                  <a:lnTo>
+                    <a:pt x="1397086" y="203678"/>
+                  </a:lnTo>
+                  <a:lnTo>
+                    <a:pt x="1392648" y="202199"/>
+                  </a:lnTo>
+                  <a:lnTo>
+                    <a:pt x="1389690" y="199242"/>
+                  </a:lnTo>
+                  <a:lnTo>
+                    <a:pt x="1385252" y="197764"/>
+                  </a:lnTo>
+                  <a:lnTo>
+                    <a:pt x="1479829" y="197764"/>
+                  </a:lnTo>
+                  <a:lnTo>
+                    <a:pt x="1486923" y="212966"/>
+                  </a:lnTo>
+                  <a:lnTo>
+                    <a:pt x="1496190" y="250994"/>
+                  </a:lnTo>
+                  <a:lnTo>
+                    <a:pt x="1503302" y="300829"/>
+                  </a:lnTo>
+                  <a:lnTo>
+                    <a:pt x="1510485" y="350877"/>
+                  </a:lnTo>
+                  <a:lnTo>
+                    <a:pt x="1517810" y="400996"/>
+                  </a:lnTo>
+                  <a:lnTo>
+                    <a:pt x="1518842" y="407848"/>
+                  </a:lnTo>
+                  <a:close/>
+                </a:path>
+                <a:path w="2124075" h="408304">
+                  <a:moveTo>
+                    <a:pt x="1728593" y="407848"/>
+                  </a:moveTo>
+                  <a:lnTo>
+                    <a:pt x="1614219" y="407848"/>
+                  </a:lnTo>
+                  <a:lnTo>
+                    <a:pt x="1636945" y="369282"/>
+                  </a:lnTo>
+                  <a:lnTo>
+                    <a:pt x="1661208" y="328047"/>
+                  </a:lnTo>
+                  <a:lnTo>
+                    <a:pt x="1685550" y="286980"/>
+                  </a:lnTo>
+                  <a:lnTo>
+                    <a:pt x="1710221" y="246027"/>
+                  </a:lnTo>
+                  <a:lnTo>
+                    <a:pt x="1735307" y="205411"/>
+                  </a:lnTo>
+                  <a:lnTo>
+                    <a:pt x="1760962" y="165234"/>
+                  </a:lnTo>
+                  <a:lnTo>
+                    <a:pt x="1786817" y="128529"/>
+                  </a:lnTo>
+                  <a:lnTo>
+                    <a:pt x="1815158" y="93740"/>
+                  </a:lnTo>
+                  <a:lnTo>
+                    <a:pt x="1846694" y="62075"/>
+                  </a:lnTo>
+                  <a:lnTo>
+                    <a:pt x="1882135" y="34738"/>
+                  </a:lnTo>
+                  <a:lnTo>
+                    <a:pt x="1922191" y="12937"/>
+                  </a:lnTo>
+                  <a:lnTo>
+                    <a:pt x="1968068" y="0"/>
+                  </a:lnTo>
+                  <a:lnTo>
+                    <a:pt x="2006319" y="3696"/>
+                  </a:lnTo>
+                  <a:lnTo>
+                    <a:pt x="2037635" y="24581"/>
+                  </a:lnTo>
+                  <a:lnTo>
+                    <a:pt x="2062712" y="63210"/>
+                  </a:lnTo>
+                  <a:lnTo>
+                    <a:pt x="2082010" y="114476"/>
+                  </a:lnTo>
+                  <a:lnTo>
+                    <a:pt x="1982166" y="114476"/>
+                  </a:lnTo>
+                  <a:lnTo>
+                    <a:pt x="1953253" y="126790"/>
+                  </a:lnTo>
+                  <a:lnTo>
+                    <a:pt x="1936474" y="137972"/>
+                  </a:lnTo>
+                  <a:lnTo>
+                    <a:pt x="1921081" y="150818"/>
+                  </a:lnTo>
+                  <a:lnTo>
+                    <a:pt x="1906243" y="164218"/>
+                  </a:lnTo>
+                  <a:lnTo>
+                    <a:pt x="1891128" y="177063"/>
+                  </a:lnTo>
+                  <a:lnTo>
+                    <a:pt x="1856812" y="209663"/>
+                  </a:lnTo>
+                  <a:lnTo>
+                    <a:pt x="1829595" y="247303"/>
+                  </a:lnTo>
+                  <a:lnTo>
+                    <a:pt x="1782261" y="328047"/>
+                  </a:lnTo>
+                  <a:lnTo>
+                    <a:pt x="1755045" y="366325"/>
+                  </a:lnTo>
+                  <a:lnTo>
+                    <a:pt x="1731124" y="402459"/>
+                  </a:lnTo>
+                  <a:lnTo>
+                    <a:pt x="1728593" y="407848"/>
+                  </a:lnTo>
+                  <a:close/>
+                </a:path>
+                <a:path w="2124075" h="408304">
+                  <a:moveTo>
+                    <a:pt x="2123898" y="407848"/>
+                  </a:moveTo>
+                  <a:lnTo>
+                    <a:pt x="2042951" y="407848"/>
+                  </a:lnTo>
+                  <a:lnTo>
+                    <a:pt x="2037751" y="369282"/>
+                  </a:lnTo>
+                  <a:lnTo>
+                    <a:pt x="2032686" y="320644"/>
+                  </a:lnTo>
+                  <a:lnTo>
+                    <a:pt x="2028437" y="271833"/>
+                  </a:lnTo>
+                  <a:lnTo>
+                    <a:pt x="2024360" y="222952"/>
+                  </a:lnTo>
+                  <a:lnTo>
+                    <a:pt x="2019816" y="174106"/>
+                  </a:lnTo>
+                  <a:lnTo>
+                    <a:pt x="2019816" y="163756"/>
+                  </a:lnTo>
+                  <a:lnTo>
+                    <a:pt x="2013368" y="131989"/>
+                  </a:lnTo>
+                  <a:lnTo>
+                    <a:pt x="2001511" y="115886"/>
+                  </a:lnTo>
+                  <a:lnTo>
+                    <a:pt x="1982166" y="114476"/>
+                  </a:lnTo>
+                  <a:lnTo>
+                    <a:pt x="2082010" y="114476"/>
+                  </a:lnTo>
+                  <a:lnTo>
+                    <a:pt x="2096733" y="168376"/>
+                  </a:lnTo>
+                  <a:lnTo>
+                    <a:pt x="2106810" y="223108"/>
+                  </a:lnTo>
+                  <a:lnTo>
+                    <a:pt x="2113004" y="279087"/>
+                  </a:lnTo>
+                  <a:lnTo>
+                    <a:pt x="2116799" y="328502"/>
+                  </a:lnTo>
+                  <a:lnTo>
+                    <a:pt x="2120904" y="377839"/>
+                  </a:lnTo>
+                  <a:lnTo>
+                    <a:pt x="2123898" y="407848"/>
+                  </a:lnTo>
+                  <a:close/>
+                </a:path>
+              </a:pathLst>
+            </a:custGeom>
+            <a:solidFill>
+              <a:srgbClr val="040707"/>
+            </a:solidFill>
+          </p:spPr>
+          <p:txBody>
+            <a:bodyPr wrap="square" lIns="0" tIns="0" rIns="0" bIns="0" rtlCol="0"/>
+            <a:lstStyle/>
+            <a:p>
+              <a:endParaRPr dirty="0"/>
+            </a:p>
+          </p:txBody>
+        </p:sp>
+      </p:grpSp>
+      <p:sp>
+        <p:nvSpPr>
+          <p:cNvPr id="12" name="object 5">
+            <a:extLst>
+              <a:ext uri="{FF2B5EF4-FFF2-40B4-BE49-F238E27FC236}">
+                <a16:creationId xmlns:a16="http://schemas.microsoft.com/office/drawing/2014/main" id="{11F2B6B6-0466-4FF3-9677-694F0F61AE7C}"/>
+              </a:ext>
+            </a:extLst>
+          </p:cNvPr>
+          <p:cNvSpPr txBox="1"/>
+          <p:nvPr/>
+        </p:nvSpPr>
+        <p:spPr>
+          <a:xfrm>
             <a:off x="7542943" y="2120375"/>
-            <a:ext cx="10059257" cy="4846840"/>
+            <a:ext cx="10059257" cy="5759910"/>
           </a:xfrm>
           <a:prstGeom prst="rect">
             <a:avLst/>
@@ -13738,6 +14478,33 @@
               <a:t>4, Once you have watched the video and coded a working product, start a new project, watch each video again while developing your own version of product. Before moving onto the next video, make sure that your own product covers all the aspects taught in the current tutorials, so you don’t need to look back the video for reference. </a:t>
             </a:r>
           </a:p>
+          <a:p>
+            <a:pPr marL="12700" marR="5080">
+              <a:spcBef>
+                <a:spcPts val="235"/>
+              </a:spcBef>
+            </a:pPr>
+            <a:endParaRPr lang="en-US" sz="2800" kern="0" dirty="0">
+              <a:latin typeface="Raleway" panose="020B0503030101060003" pitchFamily="34" charset="0"/>
+              <a:ea typeface="Roboto" panose="02000000000000000000" pitchFamily="2" charset="0"/>
+              <a:cs typeface="Roboto" panose="02000000000000000000" pitchFamily="2" charset="0"/>
+            </a:endParaRPr>
+          </a:p>
+          <a:p>
+            <a:pPr marL="12700" marR="5080">
+              <a:spcBef>
+                <a:spcPts val="235"/>
+              </a:spcBef>
+            </a:pPr>
+            <a:r>
+              <a:rPr lang="en-US" sz="2800" kern="0" dirty="0">
+                <a:latin typeface="Raleway" panose="020B0503030101060003" pitchFamily="34" charset="0"/>
+                <a:ea typeface="Roboto" panose="02000000000000000000" pitchFamily="2" charset="0"/>
+                <a:cs typeface="Roboto" panose="02000000000000000000" pitchFamily="2" charset="0"/>
+              </a:rPr>
+              <a:t>5. Write acceptance criteria while working on the project </a:t>
+            </a:r>
+          </a:p>
         </p:txBody>
       </p:sp>
     </p:spTree>
@@ -13753,7 +14520,7 @@
 </p:sld>
 </file>
 
-<file path=ppt/slides/slide8.xml><?xml version="1.0" encoding="utf-8"?>
+<file path=ppt/slides/slide9.xml><?xml version="1.0" encoding="utf-8"?>
 <p:sld xmlns:a="http://schemas.openxmlformats.org/drawingml/2006/main" xmlns:r="http://schemas.openxmlformats.org/officeDocument/2006/relationships" xmlns:p="http://schemas.openxmlformats.org/presentationml/2006/main">
   <p:cSld>
     <p:spTree>

--- a/Documentations/Supervisor Meeting PowerPoints/8._Supervisor_Meeting_8Jan21.pptx
+++ b/Documentations/Supervisor Meeting PowerPoints/8._Supervisor_Meeting_8Jan21.pptx
@@ -3494,20 +3494,28 @@
     </pc:docChg>
   </pc:docChgLst>
   <pc:docChgLst>
-    <pc:chgData name="Andrew Ming Ho Wu" userId="620d876fccae6a25" providerId="LiveId" clId="{301D553B-ED1B-4DD0-8B60-0326FA0FE40D}"/>
-    <pc:docChg chg="undo custSel modSld sldOrd">
-      <pc:chgData name="Andrew Ming Ho Wu" userId="620d876fccae6a25" providerId="LiveId" clId="{301D553B-ED1B-4DD0-8B60-0326FA0FE40D}" dt="2020-12-04T09:57:29.774" v="2192" actId="20577"/>
+    <pc:chgData name="Andrew Ming Ho Wu" userId="620d876fccae6a25" providerId="LiveId" clId="{B8CC6B97-FBEB-4E84-A973-1D8D00A51797}"/>
+    <pc:docChg chg="undo redo custSel addSld delSld modSld">
+      <pc:chgData name="Andrew Ming Ho Wu" userId="620d876fccae6a25" providerId="LiveId" clId="{B8CC6B97-FBEB-4E84-A973-1D8D00A51797}" dt="2020-12-09T20:21:14.831" v="3322" actId="1076"/>
       <pc:docMkLst>
         <pc:docMk/>
       </pc:docMkLst>
       <pc:sldChg chg="modSp mod">
-        <pc:chgData name="Andrew Ming Ho Wu" userId="620d876fccae6a25" providerId="LiveId" clId="{301D553B-ED1B-4DD0-8B60-0326FA0FE40D}" dt="2020-12-04T09:23:30.694" v="1648" actId="20577"/>
+        <pc:chgData name="Andrew Ming Ho Wu" userId="620d876fccae6a25" providerId="LiveId" clId="{B8CC6B97-FBEB-4E84-A973-1D8D00A51797}" dt="2020-12-07T23:20:20.434" v="2391" actId="20577"/>
         <pc:sldMkLst>
           <pc:docMk/>
           <pc:sldMk cId="0" sldId="256"/>
         </pc:sldMkLst>
         <pc:spChg chg="mod">
-          <ac:chgData name="Andrew Ming Ho Wu" userId="620d876fccae6a25" providerId="LiveId" clId="{301D553B-ED1B-4DD0-8B60-0326FA0FE40D}" dt="2020-12-04T09:23:30.694" v="1648" actId="20577"/>
+          <ac:chgData name="Andrew Ming Ho Wu" userId="620d876fccae6a25" providerId="LiveId" clId="{B8CC6B97-FBEB-4E84-A973-1D8D00A51797}" dt="2020-12-07T23:20:20.434" v="2391" actId="20577"/>
+          <ac:spMkLst>
+            <pc:docMk/>
+            <pc:sldMk cId="0" sldId="256"/>
+            <ac:spMk id="7" creationId="{00000000-0000-0000-0000-000000000000}"/>
+          </ac:spMkLst>
+        </pc:spChg>
+        <pc:spChg chg="mod">
+          <ac:chgData name="Andrew Ming Ho Wu" userId="620d876fccae6a25" providerId="LiveId" clId="{B8CC6B97-FBEB-4E84-A973-1D8D00A51797}" dt="2020-12-07T11:47:32.514" v="4" actId="20577"/>
           <ac:spMkLst>
             <pc:docMk/>
             <pc:sldMk cId="0" sldId="256"/>
@@ -3515,14 +3523,14 @@
           </ac:spMkLst>
         </pc:spChg>
       </pc:sldChg>
-      <pc:sldChg chg="modSp mod ord">
-        <pc:chgData name="Andrew Ming Ho Wu" userId="620d876fccae6a25" providerId="LiveId" clId="{301D553B-ED1B-4DD0-8B60-0326FA0FE40D}" dt="2020-12-04T09:37:15.202" v="1818" actId="1076"/>
+      <pc:sldChg chg="modSp del mod">
+        <pc:chgData name="Andrew Ming Ho Wu" userId="620d876fccae6a25" providerId="LiveId" clId="{B8CC6B97-FBEB-4E84-A973-1D8D00A51797}" dt="2020-12-07T14:43:22.840" v="2386" actId="47"/>
         <pc:sldMkLst>
           <pc:docMk/>
           <pc:sldMk cId="3627176467" sldId="330"/>
         </pc:sldMkLst>
         <pc:spChg chg="mod">
-          <ac:chgData name="Andrew Ming Ho Wu" userId="620d876fccae6a25" providerId="LiveId" clId="{301D553B-ED1B-4DD0-8B60-0326FA0FE40D}" dt="2020-12-04T09:37:15.202" v="1818" actId="1076"/>
+          <ac:chgData name="Andrew Ming Ho Wu" userId="620d876fccae6a25" providerId="LiveId" clId="{B8CC6B97-FBEB-4E84-A973-1D8D00A51797}" dt="2020-12-07T11:49:36.385" v="427" actId="115"/>
           <ac:spMkLst>
             <pc:docMk/>
             <pc:sldMk cId="3627176467" sldId="330"/>
@@ -3531,63 +3539,1210 @@
         </pc:spChg>
       </pc:sldChg>
       <pc:sldChg chg="addSp delSp modSp mod">
-        <pc:chgData name="Andrew Ming Ho Wu" userId="620d876fccae6a25" providerId="LiveId" clId="{301D553B-ED1B-4DD0-8B60-0326FA0FE40D}" dt="2020-12-04T09:57:29.774" v="2192" actId="20577"/>
+        <pc:chgData name="Andrew Ming Ho Wu" userId="620d876fccae6a25" providerId="LiveId" clId="{B8CC6B97-FBEB-4E84-A973-1D8D00A51797}" dt="2020-12-09T20:19:32.434" v="3257" actId="20577"/>
         <pc:sldMkLst>
           <pc:docMk/>
           <pc:sldMk cId="2206058006" sldId="333"/>
         </pc:sldMkLst>
         <pc:spChg chg="mod">
-          <ac:chgData name="Andrew Ming Ho Wu" userId="620d876fccae6a25" providerId="LiveId" clId="{301D553B-ED1B-4DD0-8B60-0326FA0FE40D}" dt="2020-12-04T09:54:08.146" v="2088" actId="1076"/>
+          <ac:chgData name="Andrew Ming Ho Wu" userId="620d876fccae6a25" providerId="LiveId" clId="{B8CC6B97-FBEB-4E84-A973-1D8D00A51797}" dt="2020-12-08T20:51:48.995" v="2411" actId="20577"/>
           <ac:spMkLst>
             <pc:docMk/>
             <pc:sldMk cId="2206058006" sldId="333"/>
             <ac:spMk id="5" creationId="{00000000-0000-0000-0000-000000000000}"/>
           </ac:spMkLst>
         </pc:spChg>
-        <pc:spChg chg="add del mod">
-          <ac:chgData name="Andrew Ming Ho Wu" userId="620d876fccae6a25" providerId="LiveId" clId="{301D553B-ED1B-4DD0-8B60-0326FA0FE40D}" dt="2020-12-04T09:57:29.774" v="2192" actId="20577"/>
+        <pc:spChg chg="del">
+          <ac:chgData name="Andrew Ming Ho Wu" userId="620d876fccae6a25" providerId="LiveId" clId="{B8CC6B97-FBEB-4E84-A973-1D8D00A51797}" dt="2020-12-07T11:49:40.438" v="428" actId="478"/>
           <ac:spMkLst>
             <pc:docMk/>
             <pc:sldMk cId="2206058006" sldId="333"/>
             <ac:spMk id="11" creationId="{3E2506E2-B67A-4B0D-BA61-6B13AC56BACF}"/>
           </ac:spMkLst>
         </pc:spChg>
-      </pc:sldChg>
-      <pc:sldChg chg="modSp mod">
-        <pc:chgData name="Andrew Ming Ho Wu" userId="620d876fccae6a25" providerId="LiveId" clId="{301D553B-ED1B-4DD0-8B60-0326FA0FE40D}" dt="2020-12-03T19:29:39.167" v="656" actId="20577"/>
+        <pc:spChg chg="add del mod">
+          <ac:chgData name="Andrew Ming Ho Wu" userId="620d876fccae6a25" providerId="LiveId" clId="{B8CC6B97-FBEB-4E84-A973-1D8D00A51797}" dt="2020-12-09T20:19:32.434" v="3257" actId="20577"/>
+          <ac:spMkLst>
+            <pc:docMk/>
+            <pc:sldMk cId="2206058006" sldId="333"/>
+            <ac:spMk id="12" creationId="{11F2B6B6-0466-4FF3-9677-694F0F61AE7C}"/>
+          </ac:spMkLst>
+        </pc:spChg>
+        <pc:grpChg chg="mod">
+          <ac:chgData name="Andrew Ming Ho Wu" userId="620d876fccae6a25" providerId="LiveId" clId="{B8CC6B97-FBEB-4E84-A973-1D8D00A51797}" dt="2020-12-07T11:50:20.258" v="465" actId="1076"/>
+          <ac:grpSpMkLst>
+            <pc:docMk/>
+            <pc:sldMk cId="2206058006" sldId="333"/>
+            <ac:grpSpMk id="2" creationId="{00000000-0000-0000-0000-000000000000}"/>
+          </ac:grpSpMkLst>
+        </pc:grpChg>
+        <pc:grpChg chg="mod">
+          <ac:chgData name="Andrew Ming Ho Wu" userId="620d876fccae6a25" providerId="LiveId" clId="{B8CC6B97-FBEB-4E84-A973-1D8D00A51797}" dt="2020-12-07T11:50:22.733" v="466" actId="1076"/>
+          <ac:grpSpMkLst>
+            <pc:docMk/>
+            <pc:sldMk cId="2206058006" sldId="333"/>
+            <ac:grpSpMk id="8" creationId="{00000000-0000-0000-0000-000000000000}"/>
+          </ac:grpSpMkLst>
+        </pc:grpChg>
+      </pc:sldChg>
+      <pc:sldChg chg="addSp delSp modSp mod">
+        <pc:chgData name="Andrew Ming Ho Wu" userId="620d876fccae6a25" providerId="LiveId" clId="{B8CC6B97-FBEB-4E84-A973-1D8D00A51797}" dt="2020-12-07T12:17:11.563" v="2385" actId="20577"/>
         <pc:sldMkLst>
           <pc:docMk/>
           <pc:sldMk cId="2818220858" sldId="343"/>
         </pc:sldMkLst>
         <pc:spChg chg="mod">
-          <ac:chgData name="Andrew Ming Ho Wu" userId="620d876fccae6a25" providerId="LiveId" clId="{301D553B-ED1B-4DD0-8B60-0326FA0FE40D}" dt="2020-12-03T19:29:34.248" v="655" actId="20577"/>
+          <ac:chgData name="Andrew Ming Ho Wu" userId="620d876fccae6a25" providerId="LiveId" clId="{B8CC6B97-FBEB-4E84-A973-1D8D00A51797}" dt="2020-12-07T12:16:53.205" v="2364" actId="1076"/>
+          <ac:spMkLst>
+            <pc:docMk/>
+            <pc:sldMk cId="2818220858" sldId="343"/>
+            <ac:spMk id="5" creationId="{81D7F47C-B22C-46A9-BD87-E2FA064EC20F}"/>
+          </ac:spMkLst>
+        </pc:spChg>
+        <pc:spChg chg="mod">
+          <ac:chgData name="Andrew Ming Ho Wu" userId="620d876fccae6a25" providerId="LiveId" clId="{B8CC6B97-FBEB-4E84-A973-1D8D00A51797}" dt="2020-12-07T12:16:25.853" v="2338" actId="20577"/>
           <ac:spMkLst>
             <pc:docMk/>
             <pc:sldMk cId="2818220858" sldId="343"/>
             <ac:spMk id="8" creationId="{9D42ABF8-029E-4F29-B608-8C118D28ABA1}"/>
           </ac:spMkLst>
         </pc:spChg>
-        <pc:spChg chg="mod">
-          <ac:chgData name="Andrew Ming Ho Wu" userId="620d876fccae6a25" providerId="LiveId" clId="{301D553B-ED1B-4DD0-8B60-0326FA0FE40D}" dt="2020-12-03T19:29:39.167" v="656" actId="20577"/>
+        <pc:spChg chg="add del mod">
+          <ac:chgData name="Andrew Ming Ho Wu" userId="620d876fccae6a25" providerId="LiveId" clId="{B8CC6B97-FBEB-4E84-A973-1D8D00A51797}" dt="2020-12-07T12:17:00.094" v="2366"/>
+          <ac:spMkLst>
+            <pc:docMk/>
+            <pc:sldMk cId="2818220858" sldId="343"/>
+            <ac:spMk id="14" creationId="{4008C9F8-7034-4640-926C-69C20356432C}"/>
+          </ac:spMkLst>
+        </pc:spChg>
+        <pc:spChg chg="mod">
+          <ac:chgData name="Andrew Ming Ho Wu" userId="620d876fccae6a25" providerId="LiveId" clId="{B8CC6B97-FBEB-4E84-A973-1D8D00A51797}" dt="2020-12-07T11:47:46.566" v="35" actId="20577"/>
           <ac:spMkLst>
             <pc:docMk/>
             <pc:sldMk cId="2818220858" sldId="343"/>
             <ac:spMk id="15" creationId="{5FC8DCBF-4CCE-4C22-8B9F-CC50B4D8446D}"/>
           </ac:spMkLst>
         </pc:spChg>
+        <pc:spChg chg="add mod">
+          <ac:chgData name="Andrew Ming Ho Wu" userId="620d876fccae6a25" providerId="LiveId" clId="{B8CC6B97-FBEB-4E84-A973-1D8D00A51797}" dt="2020-12-07T12:17:11.563" v="2385" actId="20577"/>
+          <ac:spMkLst>
+            <pc:docMk/>
+            <pc:sldMk cId="2818220858" sldId="343"/>
+            <ac:spMk id="16" creationId="{9776CE46-BCD9-4FBA-A83A-BE5C5D29A965}"/>
+          </ac:spMkLst>
+        </pc:spChg>
+        <pc:grpChg chg="mod">
+          <ac:chgData name="Andrew Ming Ho Wu" userId="620d876fccae6a25" providerId="LiveId" clId="{B8CC6B97-FBEB-4E84-A973-1D8D00A51797}" dt="2020-12-07T12:16:48.563" v="2363" actId="1076"/>
+          <ac:grpSpMkLst>
+            <pc:docMk/>
+            <pc:sldMk cId="2818220858" sldId="343"/>
+            <ac:grpSpMk id="2" creationId="{00000000-0000-0000-0000-000000000000}"/>
+          </ac:grpSpMkLst>
+        </pc:grpChg>
+      </pc:sldChg>
+      <pc:sldChg chg="modSp mod">
+        <pc:chgData name="Andrew Ming Ho Wu" userId="620d876fccae6a25" providerId="LiveId" clId="{B8CC6B97-FBEB-4E84-A973-1D8D00A51797}" dt="2020-12-07T12:12:01.475" v="2130" actId="20577"/>
+        <pc:sldMkLst>
+          <pc:docMk/>
+          <pc:sldMk cId="1002563172" sldId="387"/>
+        </pc:sldMkLst>
+        <pc:spChg chg="mod">
+          <ac:chgData name="Andrew Ming Ho Wu" userId="620d876fccae6a25" providerId="LiveId" clId="{B8CC6B97-FBEB-4E84-A973-1D8D00A51797}" dt="2020-12-07T12:12:01.475" v="2130" actId="20577"/>
+          <ac:spMkLst>
+            <pc:docMk/>
+            <pc:sldMk cId="1002563172" sldId="387"/>
+            <ac:spMk id="5" creationId="{00000000-0000-0000-0000-000000000000}"/>
+          </ac:spMkLst>
+        </pc:spChg>
+      </pc:sldChg>
+      <pc:sldChg chg="modSp add mod">
+        <pc:chgData name="Andrew Ming Ho Wu" userId="620d876fccae6a25" providerId="LiveId" clId="{B8CC6B97-FBEB-4E84-A973-1D8D00A51797}" dt="2020-12-09T20:21:14.831" v="3322" actId="1076"/>
+        <pc:sldMkLst>
+          <pc:docMk/>
+          <pc:sldMk cId="2049264590" sldId="388"/>
+        </pc:sldMkLst>
+        <pc:spChg chg="mod">
+          <ac:chgData name="Andrew Ming Ho Wu" userId="620d876fccae6a25" providerId="LiveId" clId="{B8CC6B97-FBEB-4E84-A973-1D8D00A51797}" dt="2020-12-09T20:21:14.831" v="3322" actId="1076"/>
+          <ac:spMkLst>
+            <pc:docMk/>
+            <pc:sldMk cId="2049264590" sldId="388"/>
+            <ac:spMk id="12" creationId="{11F2B6B6-0466-4FF3-9677-694F0F61AE7C}"/>
+          </ac:spMkLst>
+        </pc:spChg>
+      </pc:sldChg>
+      <pc:sldChg chg="add">
+        <pc:chgData name="Andrew Ming Ho Wu" userId="620d876fccae6a25" providerId="LiveId" clId="{B8CC6B97-FBEB-4E84-A973-1D8D00A51797}" dt="2020-12-07T12:11:57.600" v="2129" actId="2890"/>
+        <pc:sldMkLst>
+          <pc:docMk/>
+          <pc:sldMk cId="1012779811" sldId="389"/>
+        </pc:sldMkLst>
+      </pc:sldChg>
+      <pc:sldChg chg="modSp add mod">
+        <pc:chgData name="Andrew Ming Ho Wu" userId="620d876fccae6a25" providerId="LiveId" clId="{B8CC6B97-FBEB-4E84-A973-1D8D00A51797}" dt="2020-12-07T12:13:16.646" v="2234" actId="255"/>
+        <pc:sldMkLst>
+          <pc:docMk/>
+          <pc:sldMk cId="2782934202" sldId="390"/>
+        </pc:sldMkLst>
+        <pc:spChg chg="mod">
+          <ac:chgData name="Andrew Ming Ho Wu" userId="620d876fccae6a25" providerId="LiveId" clId="{B8CC6B97-FBEB-4E84-A973-1D8D00A51797}" dt="2020-12-07T12:12:22.476" v="2139" actId="20577"/>
+          <ac:spMkLst>
+            <pc:docMk/>
+            <pc:sldMk cId="2782934202" sldId="390"/>
+            <ac:spMk id="5" creationId="{00000000-0000-0000-0000-000000000000}"/>
+          </ac:spMkLst>
+        </pc:spChg>
+        <pc:spChg chg="mod">
+          <ac:chgData name="Andrew Ming Ho Wu" userId="620d876fccae6a25" providerId="LiveId" clId="{B8CC6B97-FBEB-4E84-A973-1D8D00A51797}" dt="2020-12-07T12:13:16.646" v="2234" actId="255"/>
+          <ac:spMkLst>
+            <pc:docMk/>
+            <pc:sldMk cId="2782934202" sldId="390"/>
+            <ac:spMk id="12" creationId="{11F2B6B6-0466-4FF3-9677-694F0F61AE7C}"/>
+          </ac:spMkLst>
+        </pc:spChg>
+      </pc:sldChg>
+      <pc:sldChg chg="modSp add mod">
+        <pc:chgData name="Andrew Ming Ho Wu" userId="620d876fccae6a25" providerId="LiveId" clId="{B8CC6B97-FBEB-4E84-A973-1D8D00A51797}" dt="2020-12-07T12:14:09.189" v="2268" actId="20577"/>
+        <pc:sldMkLst>
+          <pc:docMk/>
+          <pc:sldMk cId="2582986712" sldId="391"/>
+        </pc:sldMkLst>
+        <pc:spChg chg="mod">
+          <ac:chgData name="Andrew Ming Ho Wu" userId="620d876fccae6a25" providerId="LiveId" clId="{B8CC6B97-FBEB-4E84-A973-1D8D00A51797}" dt="2020-12-07T12:14:09.189" v="2268" actId="20577"/>
+          <ac:spMkLst>
+            <pc:docMk/>
+            <pc:sldMk cId="2582986712" sldId="391"/>
+            <ac:spMk id="12" creationId="{11F2B6B6-0466-4FF3-9677-694F0F61AE7C}"/>
+          </ac:spMkLst>
+        </pc:spChg>
+      </pc:sldChg>
+      <pc:sldChg chg="modSp add mod">
+        <pc:chgData name="Andrew Ming Ho Wu" userId="620d876fccae6a25" providerId="LiveId" clId="{B8CC6B97-FBEB-4E84-A973-1D8D00A51797}" dt="2020-12-07T12:15:51.208" v="2307" actId="255"/>
+        <pc:sldMkLst>
+          <pc:docMk/>
+          <pc:sldMk cId="161672857" sldId="392"/>
+        </pc:sldMkLst>
+        <pc:spChg chg="mod">
+          <ac:chgData name="Andrew Ming Ho Wu" userId="620d876fccae6a25" providerId="LiveId" clId="{B8CC6B97-FBEB-4E84-A973-1D8D00A51797}" dt="2020-12-07T12:15:14.773" v="2298" actId="20577"/>
+          <ac:spMkLst>
+            <pc:docMk/>
+            <pc:sldMk cId="161672857" sldId="392"/>
+            <ac:spMk id="5" creationId="{00000000-0000-0000-0000-000000000000}"/>
+          </ac:spMkLst>
+        </pc:spChg>
+        <pc:spChg chg="mod">
+          <ac:chgData name="Andrew Ming Ho Wu" userId="620d876fccae6a25" providerId="LiveId" clId="{B8CC6B97-FBEB-4E84-A973-1D8D00A51797}" dt="2020-12-07T12:15:51.208" v="2307" actId="255"/>
+          <ac:spMkLst>
+            <pc:docMk/>
+            <pc:sldMk cId="161672857" sldId="392"/>
+            <ac:spMk id="12" creationId="{11F2B6B6-0466-4FF3-9677-694F0F61AE7C}"/>
+          </ac:spMkLst>
+        </pc:spChg>
+      </pc:sldChg>
+      <pc:sldChg chg="modSp add mod">
+        <pc:chgData name="Andrew Ming Ho Wu" userId="620d876fccae6a25" providerId="LiveId" clId="{B8CC6B97-FBEB-4E84-A973-1D8D00A51797}" dt="2020-12-09T20:20:31.079" v="3296" actId="20577"/>
+        <pc:sldMkLst>
+          <pc:docMk/>
+          <pc:sldMk cId="226674003" sldId="393"/>
+        </pc:sldMkLst>
+        <pc:spChg chg="mod">
+          <ac:chgData name="Andrew Ming Ho Wu" userId="620d876fccae6a25" providerId="LiveId" clId="{B8CC6B97-FBEB-4E84-A973-1D8D00A51797}" dt="2020-12-09T20:20:31.079" v="3296" actId="20577"/>
+          <ac:spMkLst>
+            <pc:docMk/>
+            <pc:sldMk cId="226674003" sldId="393"/>
+            <ac:spMk id="12" creationId="{11F2B6B6-0466-4FF3-9677-694F0F61AE7C}"/>
+          </ac:spMkLst>
+        </pc:spChg>
+      </pc:sldChg>
+      <pc:sldChg chg="add del">
+        <pc:chgData name="Andrew Ming Ho Wu" userId="620d876fccae6a25" providerId="LiveId" clId="{B8CC6B97-FBEB-4E84-A973-1D8D00A51797}" dt="2020-12-08T20:51:41.486" v="2393"/>
+        <pc:sldMkLst>
+          <pc:docMk/>
+          <pc:sldMk cId="1879883029" sldId="393"/>
+        </pc:sldMkLst>
+      </pc:sldChg>
+    </pc:docChg>
+  </pc:docChgLst>
+  <pc:docChgLst>
+    <pc:chgData name="Andrew Ming Ho Wu" userId="620d876fccae6a25" providerId="LiveId" clId="{EF3BC0AB-AB59-4C81-97A5-1FDA4EE47D87}"/>
+    <pc:docChg chg="undo redo custSel addSld delSld modSld">
+      <pc:chgData name="Andrew Ming Ho Wu" userId="620d876fccae6a25" providerId="LiveId" clId="{EF3BC0AB-AB59-4C81-97A5-1FDA4EE47D87}" dt="2020-09-27T18:57:17.757" v="14458" actId="20577"/>
+      <pc:docMkLst>
+        <pc:docMk/>
+      </pc:docMkLst>
+      <pc:sldChg chg="delSp modSp mod modNotesTx">
+        <pc:chgData name="Andrew Ming Ho Wu" userId="620d876fccae6a25" providerId="LiveId" clId="{EF3BC0AB-AB59-4C81-97A5-1FDA4EE47D87}" dt="2020-09-27T09:55:20.712" v="4391" actId="255"/>
+        <pc:sldMkLst>
+          <pc:docMk/>
+          <pc:sldMk cId="0" sldId="256"/>
+        </pc:sldMkLst>
+        <pc:spChg chg="mod">
+          <ac:chgData name="Andrew Ming Ho Wu" userId="620d876fccae6a25" providerId="LiveId" clId="{EF3BC0AB-AB59-4C81-97A5-1FDA4EE47D87}" dt="2020-09-27T09:55:20.712" v="4391" actId="255"/>
+          <ac:spMkLst>
+            <pc:docMk/>
+            <pc:sldMk cId="0" sldId="256"/>
+            <ac:spMk id="7" creationId="{00000000-0000-0000-0000-000000000000}"/>
+          </ac:spMkLst>
+        </pc:spChg>
+        <pc:spChg chg="del mod">
+          <ac:chgData name="Andrew Ming Ho Wu" userId="620d876fccae6a25" providerId="LiveId" clId="{EF3BC0AB-AB59-4C81-97A5-1FDA4EE47D87}" dt="2020-09-23T13:10:09.932" v="29"/>
+          <ac:spMkLst>
+            <pc:docMk/>
+            <pc:sldMk cId="0" sldId="256"/>
+            <ac:spMk id="8" creationId="{00000000-0000-0000-0000-000000000000}"/>
+          </ac:spMkLst>
+        </pc:spChg>
+        <pc:spChg chg="mod">
+          <ac:chgData name="Andrew Ming Ho Wu" userId="620d876fccae6a25" providerId="LiveId" clId="{EF3BC0AB-AB59-4C81-97A5-1FDA4EE47D87}" dt="2020-09-26T17:04:55.185" v="4379" actId="20577"/>
+          <ac:spMkLst>
+            <pc:docMk/>
+            <pc:sldMk cId="0" sldId="256"/>
+            <ac:spMk id="13" creationId="{0477D28A-3F44-4405-BD2B-4F00158DB1B3}"/>
+          </ac:spMkLst>
+        </pc:spChg>
       </pc:sldChg>
       <pc:sldChg chg="addSp delSp modSp mod">
-        <pc:chgData name="Andrew Ming Ho Wu" userId="620d876fccae6a25" providerId="LiveId" clId="{301D553B-ED1B-4DD0-8B60-0326FA0FE40D}" dt="2020-12-03T19:23:50.731" v="4"/>
-        <pc:sldMkLst>
-          <pc:docMk/>
-          <pc:sldMk cId="1002563172" sldId="387"/>
+        <pc:chgData name="Andrew Ming Ho Wu" userId="620d876fccae6a25" providerId="LiveId" clId="{EF3BC0AB-AB59-4C81-97A5-1FDA4EE47D87}" dt="2020-09-26T16:12:34.168" v="949" actId="1076"/>
+        <pc:sldMkLst>
+          <pc:docMk/>
+          <pc:sldMk cId="0" sldId="257"/>
+        </pc:sldMkLst>
+        <pc:spChg chg="add mod">
+          <ac:chgData name="Andrew Ming Ho Wu" userId="620d876fccae6a25" providerId="LiveId" clId="{EF3BC0AB-AB59-4C81-97A5-1FDA4EE47D87}" dt="2020-09-26T16:12:00.026" v="902" actId="1076"/>
+          <ac:spMkLst>
+            <pc:docMk/>
+            <pc:sldMk cId="0" sldId="257"/>
+            <ac:spMk id="5" creationId="{81D7F47C-B22C-46A9-BD87-E2FA064EC20F}"/>
+          </ac:spMkLst>
+        </pc:spChg>
+        <pc:spChg chg="mod">
+          <ac:chgData name="Andrew Ming Ho Wu" userId="620d876fccae6a25" providerId="LiveId" clId="{EF3BC0AB-AB59-4C81-97A5-1FDA4EE47D87}" dt="2020-09-26T16:11:40.182" v="900" actId="1076"/>
+          <ac:spMkLst>
+            <pc:docMk/>
+            <pc:sldMk cId="0" sldId="257"/>
+            <ac:spMk id="6" creationId="{00000000-0000-0000-0000-000000000000}"/>
+          </ac:spMkLst>
+        </pc:spChg>
+        <pc:spChg chg="add mod">
+          <ac:chgData name="Andrew Ming Ho Wu" userId="620d876fccae6a25" providerId="LiveId" clId="{EF3BC0AB-AB59-4C81-97A5-1FDA4EE47D87}" dt="2020-09-26T16:12:34.168" v="949" actId="1076"/>
+          <ac:spMkLst>
+            <pc:docMk/>
+            <pc:sldMk cId="0" sldId="257"/>
+            <ac:spMk id="7" creationId="{8F1A7018-DAB3-4DD6-9851-CCE349574926}"/>
+          </ac:spMkLst>
+        </pc:spChg>
+        <pc:spChg chg="add del">
+          <ac:chgData name="Andrew Ming Ho Wu" userId="620d876fccae6a25" providerId="LiveId" clId="{EF3BC0AB-AB59-4C81-97A5-1FDA4EE47D87}" dt="2020-09-26T16:11:21.009" v="894" actId="22"/>
+          <ac:spMkLst>
+            <pc:docMk/>
+            <pc:sldMk cId="0" sldId="257"/>
+            <ac:spMk id="8" creationId="{C924EF3F-006C-4216-A9A0-B8029D39A876}"/>
+          </ac:spMkLst>
+        </pc:spChg>
+        <pc:spChg chg="mod">
+          <ac:chgData name="Andrew Ming Ho Wu" userId="620d876fccae6a25" providerId="LiveId" clId="{EF3BC0AB-AB59-4C81-97A5-1FDA4EE47D87}" dt="2020-09-23T13:19:33.930" v="281" actId="20577"/>
+          <ac:spMkLst>
+            <pc:docMk/>
+            <pc:sldMk cId="0" sldId="257"/>
+            <ac:spMk id="13" creationId="{CFB9566F-DF02-46E3-A7DE-30A3DA2B0123}"/>
+          </ac:spMkLst>
+        </pc:spChg>
+        <pc:spChg chg="mod">
+          <ac:chgData name="Andrew Ming Ho Wu" userId="620d876fccae6a25" providerId="LiveId" clId="{EF3BC0AB-AB59-4C81-97A5-1FDA4EE47D87}" dt="2020-09-26T16:11:44.480" v="901" actId="1076"/>
+          <ac:spMkLst>
+            <pc:docMk/>
+            <pc:sldMk cId="0" sldId="257"/>
+            <ac:spMk id="15" creationId="{5FC8DCBF-4CCE-4C22-8B9F-CC50B4D8446D}"/>
+          </ac:spMkLst>
+        </pc:spChg>
+        <pc:spChg chg="del mod">
+          <ac:chgData name="Andrew Ming Ho Wu" userId="620d876fccae6a25" providerId="LiveId" clId="{EF3BC0AB-AB59-4C81-97A5-1FDA4EE47D87}" dt="2020-09-23T13:11:18.490" v="148" actId="478"/>
+          <ac:spMkLst>
+            <pc:docMk/>
+            <pc:sldMk cId="0" sldId="257"/>
+            <ac:spMk id="17" creationId="{F1986DA0-A256-4DC4-89BA-D9AF3A5992F1}"/>
+          </ac:spMkLst>
+        </pc:spChg>
+        <pc:spChg chg="add mod">
+          <ac:chgData name="Andrew Ming Ho Wu" userId="620d876fccae6a25" providerId="LiveId" clId="{EF3BC0AB-AB59-4C81-97A5-1FDA4EE47D87}" dt="2020-09-26T16:12:07.600" v="903" actId="1076"/>
+          <ac:spMkLst>
+            <pc:docMk/>
+            <pc:sldMk cId="0" sldId="257"/>
+            <ac:spMk id="20" creationId="{A6F76399-04DE-46A8-BF2C-99ED8D141BD3}"/>
+          </ac:spMkLst>
+        </pc:spChg>
+        <pc:grpChg chg="mod">
+          <ac:chgData name="Andrew Ming Ho Wu" userId="620d876fccae6a25" providerId="LiveId" clId="{EF3BC0AB-AB59-4C81-97A5-1FDA4EE47D87}" dt="2020-09-26T16:12:28.721" v="948" actId="1076"/>
+          <ac:grpSpMkLst>
+            <pc:docMk/>
+            <pc:sldMk cId="0" sldId="257"/>
+            <ac:grpSpMk id="2" creationId="{00000000-0000-0000-0000-000000000000}"/>
+          </ac:grpSpMkLst>
+        </pc:grpChg>
+        <pc:grpChg chg="add mod">
+          <ac:chgData name="Andrew Ming Ho Wu" userId="620d876fccae6a25" providerId="LiveId" clId="{EF3BC0AB-AB59-4C81-97A5-1FDA4EE47D87}" dt="2020-09-26T16:11:22.051" v="895" actId="571"/>
+          <ac:grpSpMkLst>
+            <pc:docMk/>
+            <pc:sldMk cId="0" sldId="257"/>
+            <ac:grpSpMk id="14" creationId="{830FE23F-E1B8-42CA-8569-E15547258E1C}"/>
+          </ac:grpSpMkLst>
+        </pc:grpChg>
+        <pc:picChg chg="mod">
+          <ac:chgData name="Andrew Ming Ho Wu" userId="620d876fccae6a25" providerId="LiveId" clId="{EF3BC0AB-AB59-4C81-97A5-1FDA4EE47D87}" dt="2020-09-26T16:11:22.051" v="895" actId="571"/>
+          <ac:picMkLst>
+            <pc:docMk/>
+            <pc:sldMk cId="0" sldId="257"/>
+            <ac:picMk id="16" creationId="{91452E8C-A457-4B32-ADCC-8B062C7B7AA2}"/>
+          </ac:picMkLst>
+        </pc:picChg>
+        <pc:picChg chg="mod">
+          <ac:chgData name="Andrew Ming Ho Wu" userId="620d876fccae6a25" providerId="LiveId" clId="{EF3BC0AB-AB59-4C81-97A5-1FDA4EE47D87}" dt="2020-09-26T16:11:22.051" v="895" actId="571"/>
+          <ac:picMkLst>
+            <pc:docMk/>
+            <pc:sldMk cId="0" sldId="257"/>
+            <ac:picMk id="17" creationId="{9914AFBE-82F5-4DA6-8856-1BD8C5F4D972}"/>
+          </ac:picMkLst>
+        </pc:picChg>
+      </pc:sldChg>
+      <pc:sldChg chg="addSp delSp modSp mod modNotesTx">
+        <pc:chgData name="Andrew Ming Ho Wu" userId="620d876fccae6a25" providerId="LiveId" clId="{EF3BC0AB-AB59-4C81-97A5-1FDA4EE47D87}" dt="2020-09-27T18:42:29.401" v="12601" actId="20577"/>
+        <pc:sldMkLst>
+          <pc:docMk/>
+          <pc:sldMk cId="0" sldId="259"/>
+        </pc:sldMkLst>
+        <pc:spChg chg="mod">
+          <ac:chgData name="Andrew Ming Ho Wu" userId="620d876fccae6a25" providerId="LiveId" clId="{EF3BC0AB-AB59-4C81-97A5-1FDA4EE47D87}" dt="2020-09-26T16:15:18.922" v="1252" actId="20577"/>
+          <ac:spMkLst>
+            <pc:docMk/>
+            <pc:sldMk cId="0" sldId="259"/>
+            <ac:spMk id="5" creationId="{00000000-0000-0000-0000-000000000000}"/>
+          </ac:spMkLst>
+        </pc:spChg>
+        <pc:spChg chg="add del">
+          <ac:chgData name="Andrew Ming Ho Wu" userId="620d876fccae6a25" providerId="LiveId" clId="{EF3BC0AB-AB59-4C81-97A5-1FDA4EE47D87}" dt="2020-09-26T16:15:24.567" v="1254" actId="22"/>
+          <ac:spMkLst>
+            <pc:docMk/>
+            <pc:sldMk cId="0" sldId="259"/>
+            <ac:spMk id="6" creationId="{9BFBCD21-514B-426A-B032-477E3A9B1B83}"/>
+          </ac:spMkLst>
+        </pc:spChg>
+        <pc:spChg chg="mod">
+          <ac:chgData name="Andrew Ming Ho Wu" userId="620d876fccae6a25" providerId="LiveId" clId="{EF3BC0AB-AB59-4C81-97A5-1FDA4EE47D87}" dt="2020-09-27T18:42:29.401" v="12601" actId="20577"/>
+          <ac:spMkLst>
+            <pc:docMk/>
+            <pc:sldMk cId="0" sldId="259"/>
+            <ac:spMk id="12" creationId="{7E70BACB-1CF0-4DEE-923B-205A7D88BC2B}"/>
+          </ac:spMkLst>
+        </pc:spChg>
+      </pc:sldChg>
+      <pc:sldChg chg="modSp mod">
+        <pc:chgData name="Andrew Ming Ho Wu" userId="620d876fccae6a25" providerId="LiveId" clId="{EF3BC0AB-AB59-4C81-97A5-1FDA4EE47D87}" dt="2020-09-27T10:13:15.975" v="5911" actId="1076"/>
+        <pc:sldMkLst>
+          <pc:docMk/>
+          <pc:sldMk cId="0" sldId="260"/>
+        </pc:sldMkLst>
+        <pc:spChg chg="mod">
+          <ac:chgData name="Andrew Ming Ho Wu" userId="620d876fccae6a25" providerId="LiveId" clId="{EF3BC0AB-AB59-4C81-97A5-1FDA4EE47D87}" dt="2020-09-26T16:18:11.737" v="1595" actId="14100"/>
+          <ac:spMkLst>
+            <pc:docMk/>
+            <pc:sldMk cId="0" sldId="260"/>
+            <ac:spMk id="6" creationId="{00000000-0000-0000-0000-000000000000}"/>
+          </ac:spMkLst>
+        </pc:spChg>
+        <pc:spChg chg="mod">
+          <ac:chgData name="Andrew Ming Ho Wu" userId="620d876fccae6a25" providerId="LiveId" clId="{EF3BC0AB-AB59-4C81-97A5-1FDA4EE47D87}" dt="2020-09-27T10:13:15.975" v="5911" actId="1076"/>
+          <ac:spMkLst>
+            <pc:docMk/>
+            <pc:sldMk cId="0" sldId="260"/>
+            <ac:spMk id="7" creationId="{00000000-0000-0000-0000-000000000000}"/>
+          </ac:spMkLst>
+        </pc:spChg>
+      </pc:sldChg>
+      <pc:sldChg chg="del">
+        <pc:chgData name="Andrew Ming Ho Wu" userId="620d876fccae6a25" providerId="LiveId" clId="{EF3BC0AB-AB59-4C81-97A5-1FDA4EE47D87}" dt="2020-09-27T10:35:01.134" v="8520" actId="2696"/>
+        <pc:sldMkLst>
+          <pc:docMk/>
+          <pc:sldMk cId="3477520416" sldId="281"/>
+        </pc:sldMkLst>
+      </pc:sldChg>
+      <pc:sldChg chg="addSp delSp modSp mod modNotesTx">
+        <pc:chgData name="Andrew Ming Ho Wu" userId="620d876fccae6a25" providerId="LiveId" clId="{EF3BC0AB-AB59-4C81-97A5-1FDA4EE47D87}" dt="2020-09-27T10:15:26.466" v="6060" actId="20577"/>
+        <pc:sldMkLst>
+          <pc:docMk/>
+          <pc:sldMk cId="2614168572" sldId="282"/>
         </pc:sldMkLst>
         <pc:spChg chg="add del mod">
-          <ac:chgData name="Andrew Ming Ho Wu" userId="620d876fccae6a25" providerId="LiveId" clId="{301D553B-ED1B-4DD0-8B60-0326FA0FE40D}" dt="2020-12-03T19:23:50.731" v="4"/>
-          <ac:spMkLst>
-            <pc:docMk/>
-            <pc:sldMk cId="1002563172" sldId="387"/>
-            <ac:spMk id="11" creationId="{BA618F6F-1997-4079-B11E-BC24229FBCC5}"/>
+          <ac:chgData name="Andrew Ming Ho Wu" userId="620d876fccae6a25" providerId="LiveId" clId="{EF3BC0AB-AB59-4C81-97A5-1FDA4EE47D87}" dt="2020-09-27T10:10:20.883" v="5667" actId="1076"/>
+          <ac:spMkLst>
+            <pc:docMk/>
+            <pc:sldMk cId="2614168572" sldId="282"/>
+            <ac:spMk id="13" creationId="{69CF4EEB-ADC9-4068-B7B7-D36841F39D3C}"/>
+          </ac:spMkLst>
+        </pc:spChg>
+        <pc:spChg chg="mod">
+          <ac:chgData name="Andrew Ming Ho Wu" userId="620d876fccae6a25" providerId="LiveId" clId="{EF3BC0AB-AB59-4C81-97A5-1FDA4EE47D87}" dt="2020-09-27T10:15:26.466" v="6060" actId="20577"/>
+          <ac:spMkLst>
+            <pc:docMk/>
+            <pc:sldMk cId="2614168572" sldId="282"/>
+            <ac:spMk id="17" creationId="{48FA683B-0C92-4884-BB36-9239C11A9F11}"/>
+          </ac:spMkLst>
+        </pc:spChg>
+        <pc:picChg chg="mod">
+          <ac:chgData name="Andrew Ming Ho Wu" userId="620d876fccae6a25" providerId="LiveId" clId="{EF3BC0AB-AB59-4C81-97A5-1FDA4EE47D87}" dt="2020-09-26T16:19:38.497" v="1795" actId="1076"/>
+          <ac:picMkLst>
+            <pc:docMk/>
+            <pc:sldMk cId="2614168572" sldId="282"/>
+            <ac:picMk id="2" creationId="{00000000-0000-0000-0000-000000000000}"/>
+          </ac:picMkLst>
+        </pc:picChg>
+      </pc:sldChg>
+      <pc:sldChg chg="del">
+        <pc:chgData name="Andrew Ming Ho Wu" userId="620d876fccae6a25" providerId="LiveId" clId="{EF3BC0AB-AB59-4C81-97A5-1FDA4EE47D87}" dt="2020-09-27T10:35:01.134" v="8520" actId="2696"/>
+        <pc:sldMkLst>
+          <pc:docMk/>
+          <pc:sldMk cId="2263646774" sldId="283"/>
+        </pc:sldMkLst>
+      </pc:sldChg>
+      <pc:sldChg chg="del">
+        <pc:chgData name="Andrew Ming Ho Wu" userId="620d876fccae6a25" providerId="LiveId" clId="{EF3BC0AB-AB59-4C81-97A5-1FDA4EE47D87}" dt="2020-09-27T10:35:01.134" v="8520" actId="2696"/>
+        <pc:sldMkLst>
+          <pc:docMk/>
+          <pc:sldMk cId="1442798169" sldId="284"/>
+        </pc:sldMkLst>
+      </pc:sldChg>
+      <pc:sldChg chg="del">
+        <pc:chgData name="Andrew Ming Ho Wu" userId="620d876fccae6a25" providerId="LiveId" clId="{EF3BC0AB-AB59-4C81-97A5-1FDA4EE47D87}" dt="2020-09-27T10:35:01.134" v="8520" actId="2696"/>
+        <pc:sldMkLst>
+          <pc:docMk/>
+          <pc:sldMk cId="2354016084" sldId="285"/>
+        </pc:sldMkLst>
+      </pc:sldChg>
+      <pc:sldChg chg="del">
+        <pc:chgData name="Andrew Ming Ho Wu" userId="620d876fccae6a25" providerId="LiveId" clId="{EF3BC0AB-AB59-4C81-97A5-1FDA4EE47D87}" dt="2020-09-27T10:35:01.134" v="8520" actId="2696"/>
+        <pc:sldMkLst>
+          <pc:docMk/>
+          <pc:sldMk cId="399849162" sldId="286"/>
+        </pc:sldMkLst>
+      </pc:sldChg>
+      <pc:sldChg chg="del">
+        <pc:chgData name="Andrew Ming Ho Wu" userId="620d876fccae6a25" providerId="LiveId" clId="{EF3BC0AB-AB59-4C81-97A5-1FDA4EE47D87}" dt="2020-09-27T10:35:01.134" v="8520" actId="2696"/>
+        <pc:sldMkLst>
+          <pc:docMk/>
+          <pc:sldMk cId="2878566895" sldId="287"/>
+        </pc:sldMkLst>
+      </pc:sldChg>
+      <pc:sldChg chg="del">
+        <pc:chgData name="Andrew Ming Ho Wu" userId="620d876fccae6a25" providerId="LiveId" clId="{EF3BC0AB-AB59-4C81-97A5-1FDA4EE47D87}" dt="2020-09-27T10:35:01.134" v="8520" actId="2696"/>
+        <pc:sldMkLst>
+          <pc:docMk/>
+          <pc:sldMk cId="2066083013" sldId="288"/>
+        </pc:sldMkLst>
+      </pc:sldChg>
+      <pc:sldChg chg="del">
+        <pc:chgData name="Andrew Ming Ho Wu" userId="620d876fccae6a25" providerId="LiveId" clId="{EF3BC0AB-AB59-4C81-97A5-1FDA4EE47D87}" dt="2020-09-27T10:35:01.134" v="8520" actId="2696"/>
+        <pc:sldMkLst>
+          <pc:docMk/>
+          <pc:sldMk cId="229956835" sldId="289"/>
+        </pc:sldMkLst>
+      </pc:sldChg>
+      <pc:sldChg chg="del">
+        <pc:chgData name="Andrew Ming Ho Wu" userId="620d876fccae6a25" providerId="LiveId" clId="{EF3BC0AB-AB59-4C81-97A5-1FDA4EE47D87}" dt="2020-09-27T10:35:01.134" v="8520" actId="2696"/>
+        <pc:sldMkLst>
+          <pc:docMk/>
+          <pc:sldMk cId="3410851458" sldId="290"/>
+        </pc:sldMkLst>
+      </pc:sldChg>
+      <pc:sldChg chg="del">
+        <pc:chgData name="Andrew Ming Ho Wu" userId="620d876fccae6a25" providerId="LiveId" clId="{EF3BC0AB-AB59-4C81-97A5-1FDA4EE47D87}" dt="2020-09-27T10:35:01.134" v="8520" actId="2696"/>
+        <pc:sldMkLst>
+          <pc:docMk/>
+          <pc:sldMk cId="413486627" sldId="291"/>
+        </pc:sldMkLst>
+      </pc:sldChg>
+      <pc:sldChg chg="del">
+        <pc:chgData name="Andrew Ming Ho Wu" userId="620d876fccae6a25" providerId="LiveId" clId="{EF3BC0AB-AB59-4C81-97A5-1FDA4EE47D87}" dt="2020-09-27T10:35:01.134" v="8520" actId="2696"/>
+        <pc:sldMkLst>
+          <pc:docMk/>
+          <pc:sldMk cId="2556687725" sldId="292"/>
+        </pc:sldMkLst>
+      </pc:sldChg>
+      <pc:sldChg chg="del">
+        <pc:chgData name="Andrew Ming Ho Wu" userId="620d876fccae6a25" providerId="LiveId" clId="{EF3BC0AB-AB59-4C81-97A5-1FDA4EE47D87}" dt="2020-09-27T10:35:01.134" v="8520" actId="2696"/>
+        <pc:sldMkLst>
+          <pc:docMk/>
+          <pc:sldMk cId="3512316335" sldId="293"/>
+        </pc:sldMkLst>
+      </pc:sldChg>
+      <pc:sldChg chg="del">
+        <pc:chgData name="Andrew Ming Ho Wu" userId="620d876fccae6a25" providerId="LiveId" clId="{EF3BC0AB-AB59-4C81-97A5-1FDA4EE47D87}" dt="2020-09-27T10:35:01.134" v="8520" actId="2696"/>
+        <pc:sldMkLst>
+          <pc:docMk/>
+          <pc:sldMk cId="1612569936" sldId="294"/>
+        </pc:sldMkLst>
+      </pc:sldChg>
+      <pc:sldChg chg="del">
+        <pc:chgData name="Andrew Ming Ho Wu" userId="620d876fccae6a25" providerId="LiveId" clId="{EF3BC0AB-AB59-4C81-97A5-1FDA4EE47D87}" dt="2020-09-27T10:35:01.134" v="8520" actId="2696"/>
+        <pc:sldMkLst>
+          <pc:docMk/>
+          <pc:sldMk cId="1824351165" sldId="296"/>
+        </pc:sldMkLst>
+      </pc:sldChg>
+      <pc:sldChg chg="del">
+        <pc:chgData name="Andrew Ming Ho Wu" userId="620d876fccae6a25" providerId="LiveId" clId="{EF3BC0AB-AB59-4C81-97A5-1FDA4EE47D87}" dt="2020-09-27T10:35:01.134" v="8520" actId="2696"/>
+        <pc:sldMkLst>
+          <pc:docMk/>
+          <pc:sldMk cId="4058345036" sldId="297"/>
+        </pc:sldMkLst>
+      </pc:sldChg>
+      <pc:sldChg chg="del">
+        <pc:chgData name="Andrew Ming Ho Wu" userId="620d876fccae6a25" providerId="LiveId" clId="{EF3BC0AB-AB59-4C81-97A5-1FDA4EE47D87}" dt="2020-09-27T10:35:01.134" v="8520" actId="2696"/>
+        <pc:sldMkLst>
+          <pc:docMk/>
+          <pc:sldMk cId="1764176242" sldId="299"/>
+        </pc:sldMkLst>
+      </pc:sldChg>
+      <pc:sldChg chg="del">
+        <pc:chgData name="Andrew Ming Ho Wu" userId="620d876fccae6a25" providerId="LiveId" clId="{EF3BC0AB-AB59-4C81-97A5-1FDA4EE47D87}" dt="2020-09-27T10:35:01.134" v="8520" actId="2696"/>
+        <pc:sldMkLst>
+          <pc:docMk/>
+          <pc:sldMk cId="4186544287" sldId="300"/>
+        </pc:sldMkLst>
+      </pc:sldChg>
+      <pc:sldChg chg="modSp add mod">
+        <pc:chgData name="Andrew Ming Ho Wu" userId="620d876fccae6a25" providerId="LiveId" clId="{EF3BC0AB-AB59-4C81-97A5-1FDA4EE47D87}" dt="2020-09-27T18:42:43.537" v="12616" actId="20577"/>
+        <pc:sldMkLst>
+          <pc:docMk/>
+          <pc:sldMk cId="4141595128" sldId="301"/>
+        </pc:sldMkLst>
+        <pc:spChg chg="mod">
+          <ac:chgData name="Andrew Ming Ho Wu" userId="620d876fccae6a25" providerId="LiveId" clId="{EF3BC0AB-AB59-4C81-97A5-1FDA4EE47D87}" dt="2020-09-26T16:15:33.446" v="1272" actId="20577"/>
+          <ac:spMkLst>
+            <pc:docMk/>
+            <pc:sldMk cId="4141595128" sldId="301"/>
+            <ac:spMk id="5" creationId="{00000000-0000-0000-0000-000000000000}"/>
+          </ac:spMkLst>
+        </pc:spChg>
+        <pc:spChg chg="mod">
+          <ac:chgData name="Andrew Ming Ho Wu" userId="620d876fccae6a25" providerId="LiveId" clId="{EF3BC0AB-AB59-4C81-97A5-1FDA4EE47D87}" dt="2020-09-27T18:42:43.537" v="12616" actId="20577"/>
+          <ac:spMkLst>
+            <pc:docMk/>
+            <pc:sldMk cId="4141595128" sldId="301"/>
+            <ac:spMk id="12" creationId="{7E70BACB-1CF0-4DEE-923B-205A7D88BC2B}"/>
+          </ac:spMkLst>
+        </pc:spChg>
+      </pc:sldChg>
+      <pc:sldChg chg="modSp add mod modNotesTx">
+        <pc:chgData name="Andrew Ming Ho Wu" userId="620d876fccae6a25" providerId="LiveId" clId="{EF3BC0AB-AB59-4C81-97A5-1FDA4EE47D87}" dt="2020-09-27T10:13:25.181" v="5912" actId="255"/>
+        <pc:sldMkLst>
+          <pc:docMk/>
+          <pc:sldMk cId="1181641107" sldId="302"/>
+        </pc:sldMkLst>
+        <pc:spChg chg="mod">
+          <ac:chgData name="Andrew Ming Ho Wu" userId="620d876fccae6a25" providerId="LiveId" clId="{EF3BC0AB-AB59-4C81-97A5-1FDA4EE47D87}" dt="2020-09-27T10:13:25.181" v="5912" actId="255"/>
+          <ac:spMkLst>
+            <pc:docMk/>
+            <pc:sldMk cId="1181641107" sldId="302"/>
+            <ac:spMk id="17" creationId="{48FA683B-0C92-4884-BB36-9239C11A9F11}"/>
+          </ac:spMkLst>
+        </pc:spChg>
+      </pc:sldChg>
+      <pc:sldChg chg="modSp add mod modNotesTx">
+        <pc:chgData name="Andrew Ming Ho Wu" userId="620d876fccae6a25" providerId="LiveId" clId="{EF3BC0AB-AB59-4C81-97A5-1FDA4EE47D87}" dt="2020-09-27T10:17:42.840" v="6267" actId="14100"/>
+        <pc:sldMkLst>
+          <pc:docMk/>
+          <pc:sldMk cId="695323835" sldId="303"/>
+        </pc:sldMkLst>
+        <pc:spChg chg="mod">
+          <ac:chgData name="Andrew Ming Ho Wu" userId="620d876fccae6a25" providerId="LiveId" clId="{EF3BC0AB-AB59-4C81-97A5-1FDA4EE47D87}" dt="2020-09-27T10:17:39.090" v="6265" actId="1076"/>
+          <ac:spMkLst>
+            <pc:docMk/>
+            <pc:sldMk cId="695323835" sldId="303"/>
+            <ac:spMk id="13" creationId="{69CF4EEB-ADC9-4068-B7B7-D36841F39D3C}"/>
+          </ac:spMkLst>
+        </pc:spChg>
+        <pc:spChg chg="mod">
+          <ac:chgData name="Andrew Ming Ho Wu" userId="620d876fccae6a25" providerId="LiveId" clId="{EF3BC0AB-AB59-4C81-97A5-1FDA4EE47D87}" dt="2020-09-27T10:17:42.840" v="6267" actId="14100"/>
+          <ac:spMkLst>
+            <pc:docMk/>
+            <pc:sldMk cId="695323835" sldId="303"/>
+            <ac:spMk id="17" creationId="{48FA683B-0C92-4884-BB36-9239C11A9F11}"/>
+          </ac:spMkLst>
+        </pc:spChg>
+      </pc:sldChg>
+      <pc:sldChg chg="modSp add mod modNotesTx">
+        <pc:chgData name="Andrew Ming Ho Wu" userId="620d876fccae6a25" providerId="LiveId" clId="{EF3BC0AB-AB59-4C81-97A5-1FDA4EE47D87}" dt="2020-09-27T10:19:05.687" v="6412" actId="20577"/>
+        <pc:sldMkLst>
+          <pc:docMk/>
+          <pc:sldMk cId="1731435901" sldId="304"/>
+        </pc:sldMkLst>
+        <pc:spChg chg="mod">
+          <ac:chgData name="Andrew Ming Ho Wu" userId="620d876fccae6a25" providerId="LiveId" clId="{EF3BC0AB-AB59-4C81-97A5-1FDA4EE47D87}" dt="2020-09-27T10:18:55.844" v="6411" actId="313"/>
+          <ac:spMkLst>
+            <pc:docMk/>
+            <pc:sldMk cId="1731435901" sldId="304"/>
+            <ac:spMk id="17" creationId="{48FA683B-0C92-4884-BB36-9239C11A9F11}"/>
+          </ac:spMkLst>
+        </pc:spChg>
+      </pc:sldChg>
+      <pc:sldChg chg="modSp add mod modNotesTx">
+        <pc:chgData name="Andrew Ming Ho Wu" userId="620d876fccae6a25" providerId="LiveId" clId="{EF3BC0AB-AB59-4C81-97A5-1FDA4EE47D87}" dt="2020-09-27T10:20:50.306" v="6644" actId="20577"/>
+        <pc:sldMkLst>
+          <pc:docMk/>
+          <pc:sldMk cId="3921722384" sldId="305"/>
+        </pc:sldMkLst>
+        <pc:spChg chg="mod">
+          <ac:chgData name="Andrew Ming Ho Wu" userId="620d876fccae6a25" providerId="LiveId" clId="{EF3BC0AB-AB59-4C81-97A5-1FDA4EE47D87}" dt="2020-09-27T10:20:34.775" v="6643" actId="20577"/>
+          <ac:spMkLst>
+            <pc:docMk/>
+            <pc:sldMk cId="3921722384" sldId="305"/>
+            <ac:spMk id="17" creationId="{48FA683B-0C92-4884-BB36-9239C11A9F11}"/>
+          </ac:spMkLst>
+        </pc:spChg>
+      </pc:sldChg>
+      <pc:sldChg chg="modSp add mod modNotesTx">
+        <pc:chgData name="Andrew Ming Ho Wu" userId="620d876fccae6a25" providerId="LiveId" clId="{EF3BC0AB-AB59-4C81-97A5-1FDA4EE47D87}" dt="2020-09-27T10:21:37.258" v="6762" actId="20577"/>
+        <pc:sldMkLst>
+          <pc:docMk/>
+          <pc:sldMk cId="393541412" sldId="306"/>
+        </pc:sldMkLst>
+        <pc:spChg chg="mod">
+          <ac:chgData name="Andrew Ming Ho Wu" userId="620d876fccae6a25" providerId="LiveId" clId="{EF3BC0AB-AB59-4C81-97A5-1FDA4EE47D87}" dt="2020-09-27T10:21:32.006" v="6761" actId="20577"/>
+          <ac:spMkLst>
+            <pc:docMk/>
+            <pc:sldMk cId="393541412" sldId="306"/>
+            <ac:spMk id="17" creationId="{48FA683B-0C92-4884-BB36-9239C11A9F11}"/>
+          </ac:spMkLst>
+        </pc:spChg>
+      </pc:sldChg>
+      <pc:sldChg chg="modSp add mod modNotesTx">
+        <pc:chgData name="Andrew Ming Ho Wu" userId="620d876fccae6a25" providerId="LiveId" clId="{EF3BC0AB-AB59-4C81-97A5-1FDA4EE47D87}" dt="2020-09-27T10:21:47.784" v="6763" actId="255"/>
+        <pc:sldMkLst>
+          <pc:docMk/>
+          <pc:sldMk cId="696112063" sldId="307"/>
+        </pc:sldMkLst>
+        <pc:spChg chg="mod">
+          <ac:chgData name="Andrew Ming Ho Wu" userId="620d876fccae6a25" providerId="LiveId" clId="{EF3BC0AB-AB59-4C81-97A5-1FDA4EE47D87}" dt="2020-09-27T10:21:47.784" v="6763" actId="255"/>
+          <ac:spMkLst>
+            <pc:docMk/>
+            <pc:sldMk cId="696112063" sldId="307"/>
+            <ac:spMk id="17" creationId="{48FA683B-0C92-4884-BB36-9239C11A9F11}"/>
+          </ac:spMkLst>
+        </pc:spChg>
+      </pc:sldChg>
+      <pc:sldChg chg="modSp add mod modNotesTx">
+        <pc:chgData name="Andrew Ming Ho Wu" userId="620d876fccae6a25" providerId="LiveId" clId="{EF3BC0AB-AB59-4C81-97A5-1FDA4EE47D87}" dt="2020-09-27T10:22:20.056" v="6856" actId="20577"/>
+        <pc:sldMkLst>
+          <pc:docMk/>
+          <pc:sldMk cId="2138515264" sldId="308"/>
+        </pc:sldMkLst>
+        <pc:spChg chg="mod">
+          <ac:chgData name="Andrew Ming Ho Wu" userId="620d876fccae6a25" providerId="LiveId" clId="{EF3BC0AB-AB59-4C81-97A5-1FDA4EE47D87}" dt="2020-09-27T10:22:20.056" v="6856" actId="20577"/>
+          <ac:spMkLst>
+            <pc:docMk/>
+            <pc:sldMk cId="2138515264" sldId="308"/>
+            <ac:spMk id="17" creationId="{48FA683B-0C92-4884-BB36-9239C11A9F11}"/>
+          </ac:spMkLst>
+        </pc:spChg>
+      </pc:sldChg>
+      <pc:sldChg chg="modSp add mod modNotesTx">
+        <pc:chgData name="Andrew Ming Ho Wu" userId="620d876fccae6a25" providerId="LiveId" clId="{EF3BC0AB-AB59-4C81-97A5-1FDA4EE47D87}" dt="2020-09-27T10:23:00.536" v="6930" actId="20577"/>
+        <pc:sldMkLst>
+          <pc:docMk/>
+          <pc:sldMk cId="2113135599" sldId="309"/>
+        </pc:sldMkLst>
+        <pc:spChg chg="mod">
+          <ac:chgData name="Andrew Ming Ho Wu" userId="620d876fccae6a25" providerId="LiveId" clId="{EF3BC0AB-AB59-4C81-97A5-1FDA4EE47D87}" dt="2020-09-27T10:23:00.536" v="6930" actId="20577"/>
+          <ac:spMkLst>
+            <pc:docMk/>
+            <pc:sldMk cId="2113135599" sldId="309"/>
+            <ac:spMk id="17" creationId="{48FA683B-0C92-4884-BB36-9239C11A9F11}"/>
+          </ac:spMkLst>
+        </pc:spChg>
+      </pc:sldChg>
+      <pc:sldChg chg="modSp add mod modNotesTx">
+        <pc:chgData name="Andrew Ming Ho Wu" userId="620d876fccae6a25" providerId="LiveId" clId="{EF3BC0AB-AB59-4C81-97A5-1FDA4EE47D87}" dt="2020-09-27T10:23:44.427" v="6931" actId="255"/>
+        <pc:sldMkLst>
+          <pc:docMk/>
+          <pc:sldMk cId="3619567919" sldId="310"/>
+        </pc:sldMkLst>
+        <pc:spChg chg="mod">
+          <ac:chgData name="Andrew Ming Ho Wu" userId="620d876fccae6a25" providerId="LiveId" clId="{EF3BC0AB-AB59-4C81-97A5-1FDA4EE47D87}" dt="2020-09-27T10:01:03.972" v="4768" actId="1076"/>
+          <ac:spMkLst>
+            <pc:docMk/>
+            <pc:sldMk cId="3619567919" sldId="310"/>
+            <ac:spMk id="13" creationId="{69CF4EEB-ADC9-4068-B7B7-D36841F39D3C}"/>
+          </ac:spMkLst>
+        </pc:spChg>
+        <pc:spChg chg="mod">
+          <ac:chgData name="Andrew Ming Ho Wu" userId="620d876fccae6a25" providerId="LiveId" clId="{EF3BC0AB-AB59-4C81-97A5-1FDA4EE47D87}" dt="2020-09-27T10:23:44.427" v="6931" actId="255"/>
+          <ac:spMkLst>
+            <pc:docMk/>
+            <pc:sldMk cId="3619567919" sldId="310"/>
+            <ac:spMk id="17" creationId="{48FA683B-0C92-4884-BB36-9239C11A9F11}"/>
+          </ac:spMkLst>
+        </pc:spChg>
+      </pc:sldChg>
+      <pc:sldChg chg="modSp add mod modNotesTx">
+        <pc:chgData name="Andrew Ming Ho Wu" userId="620d876fccae6a25" providerId="LiveId" clId="{EF3BC0AB-AB59-4C81-97A5-1FDA4EE47D87}" dt="2020-09-27T10:24:04.623" v="6933" actId="20577"/>
+        <pc:sldMkLst>
+          <pc:docMk/>
+          <pc:sldMk cId="4241162783" sldId="311"/>
+        </pc:sldMkLst>
+        <pc:spChg chg="mod">
+          <ac:chgData name="Andrew Ming Ho Wu" userId="620d876fccae6a25" providerId="LiveId" clId="{EF3BC0AB-AB59-4C81-97A5-1FDA4EE47D87}" dt="2020-09-27T10:23:51.587" v="6932" actId="255"/>
+          <ac:spMkLst>
+            <pc:docMk/>
+            <pc:sldMk cId="4241162783" sldId="311"/>
+            <ac:spMk id="17" creationId="{48FA683B-0C92-4884-BB36-9239C11A9F11}"/>
+          </ac:spMkLst>
+        </pc:spChg>
+      </pc:sldChg>
+      <pc:sldChg chg="modSp add mod modNotesTx">
+        <pc:chgData name="Andrew Ming Ho Wu" userId="620d876fccae6a25" providerId="LiveId" clId="{EF3BC0AB-AB59-4C81-97A5-1FDA4EE47D87}" dt="2020-09-27T10:24:22.320" v="6935" actId="20577"/>
+        <pc:sldMkLst>
+          <pc:docMk/>
+          <pc:sldMk cId="1035541448" sldId="312"/>
+        </pc:sldMkLst>
+        <pc:spChg chg="mod">
+          <ac:chgData name="Andrew Ming Ho Wu" userId="620d876fccae6a25" providerId="LiveId" clId="{EF3BC0AB-AB59-4C81-97A5-1FDA4EE47D87}" dt="2020-09-27T10:24:10.906" v="6934" actId="255"/>
+          <ac:spMkLst>
+            <pc:docMk/>
+            <pc:sldMk cId="1035541448" sldId="312"/>
+            <ac:spMk id="17" creationId="{48FA683B-0C92-4884-BB36-9239C11A9F11}"/>
+          </ac:spMkLst>
+        </pc:spChg>
+      </pc:sldChg>
+      <pc:sldChg chg="modSp add mod">
+        <pc:chgData name="Andrew Ming Ho Wu" userId="620d876fccae6a25" providerId="LiveId" clId="{EF3BC0AB-AB59-4C81-97A5-1FDA4EE47D87}" dt="2020-09-27T10:25:36.179" v="7152" actId="20577"/>
+        <pc:sldMkLst>
+          <pc:docMk/>
+          <pc:sldMk cId="1627687639" sldId="313"/>
+        </pc:sldMkLst>
+        <pc:spChg chg="mod">
+          <ac:chgData name="Andrew Ming Ho Wu" userId="620d876fccae6a25" providerId="LiveId" clId="{EF3BC0AB-AB59-4C81-97A5-1FDA4EE47D87}" dt="2020-09-27T10:25:36.179" v="7152" actId="20577"/>
+          <ac:spMkLst>
+            <pc:docMk/>
+            <pc:sldMk cId="1627687639" sldId="313"/>
+            <ac:spMk id="17" creationId="{48FA683B-0C92-4884-BB36-9239C11A9F11}"/>
+          </ac:spMkLst>
+        </pc:spChg>
+      </pc:sldChg>
+      <pc:sldChg chg="modSp add mod">
+        <pc:chgData name="Andrew Ming Ho Wu" userId="620d876fccae6a25" providerId="LiveId" clId="{EF3BC0AB-AB59-4C81-97A5-1FDA4EE47D87}" dt="2020-09-27T10:32:13.605" v="8194" actId="20577"/>
+        <pc:sldMkLst>
+          <pc:docMk/>
+          <pc:sldMk cId="1950776556" sldId="314"/>
+        </pc:sldMkLst>
+        <pc:spChg chg="mod">
+          <ac:chgData name="Andrew Ming Ho Wu" userId="620d876fccae6a25" providerId="LiveId" clId="{EF3BC0AB-AB59-4C81-97A5-1FDA4EE47D87}" dt="2020-09-27T10:32:13.605" v="8194" actId="20577"/>
+          <ac:spMkLst>
+            <pc:docMk/>
+            <pc:sldMk cId="1950776556" sldId="314"/>
+            <ac:spMk id="17" creationId="{48FA683B-0C92-4884-BB36-9239C11A9F11}"/>
+          </ac:spMkLst>
+        </pc:spChg>
+      </pc:sldChg>
+      <pc:sldChg chg="modSp add mod">
+        <pc:chgData name="Andrew Ming Ho Wu" userId="620d876fccae6a25" providerId="LiveId" clId="{EF3BC0AB-AB59-4C81-97A5-1FDA4EE47D87}" dt="2020-09-27T10:32:16.641" v="8196" actId="20577"/>
+        <pc:sldMkLst>
+          <pc:docMk/>
+          <pc:sldMk cId="3899163142" sldId="315"/>
+        </pc:sldMkLst>
+        <pc:spChg chg="mod">
+          <ac:chgData name="Andrew Ming Ho Wu" userId="620d876fccae6a25" providerId="LiveId" clId="{EF3BC0AB-AB59-4C81-97A5-1FDA4EE47D87}" dt="2020-09-27T10:32:16.641" v="8196" actId="20577"/>
+          <ac:spMkLst>
+            <pc:docMk/>
+            <pc:sldMk cId="3899163142" sldId="315"/>
+            <ac:spMk id="17" creationId="{48FA683B-0C92-4884-BB36-9239C11A9F11}"/>
+          </ac:spMkLst>
+        </pc:spChg>
+      </pc:sldChg>
+      <pc:sldChg chg="modSp add mod">
+        <pc:chgData name="Andrew Ming Ho Wu" userId="620d876fccae6a25" providerId="LiveId" clId="{EF3BC0AB-AB59-4C81-97A5-1FDA4EE47D87}" dt="2020-09-27T10:32:19.922" v="8198" actId="20577"/>
+        <pc:sldMkLst>
+          <pc:docMk/>
+          <pc:sldMk cId="2313566969" sldId="316"/>
+        </pc:sldMkLst>
+        <pc:spChg chg="mod">
+          <ac:chgData name="Andrew Ming Ho Wu" userId="620d876fccae6a25" providerId="LiveId" clId="{EF3BC0AB-AB59-4C81-97A5-1FDA4EE47D87}" dt="2020-09-27T10:32:19.922" v="8198" actId="20577"/>
+          <ac:spMkLst>
+            <pc:docMk/>
+            <pc:sldMk cId="2313566969" sldId="316"/>
+            <ac:spMk id="17" creationId="{48FA683B-0C92-4884-BB36-9239C11A9F11}"/>
+          </ac:spMkLst>
+        </pc:spChg>
+      </pc:sldChg>
+      <pc:sldChg chg="modSp add mod">
+        <pc:chgData name="Andrew Ming Ho Wu" userId="620d876fccae6a25" providerId="LiveId" clId="{EF3BC0AB-AB59-4C81-97A5-1FDA4EE47D87}" dt="2020-09-27T10:32:55.790" v="8288" actId="1076"/>
+        <pc:sldMkLst>
+          <pc:docMk/>
+          <pc:sldMk cId="525558553" sldId="317"/>
+        </pc:sldMkLst>
+        <pc:spChg chg="mod">
+          <ac:chgData name="Andrew Ming Ho Wu" userId="620d876fccae6a25" providerId="LiveId" clId="{EF3BC0AB-AB59-4C81-97A5-1FDA4EE47D87}" dt="2020-09-27T10:32:55.790" v="8288" actId="1076"/>
+          <ac:spMkLst>
+            <pc:docMk/>
+            <pc:sldMk cId="525558553" sldId="317"/>
+            <ac:spMk id="17" creationId="{48FA683B-0C92-4884-BB36-9239C11A9F11}"/>
+          </ac:spMkLst>
+        </pc:spChg>
+      </pc:sldChg>
+      <pc:sldChg chg="modSp add mod">
+        <pc:chgData name="Andrew Ming Ho Wu" userId="620d876fccae6a25" providerId="LiveId" clId="{EF3BC0AB-AB59-4C81-97A5-1FDA4EE47D87}" dt="2020-09-27T10:33:59.156" v="8519" actId="20577"/>
+        <pc:sldMkLst>
+          <pc:docMk/>
+          <pc:sldMk cId="2450840084" sldId="318"/>
+        </pc:sldMkLst>
+        <pc:spChg chg="mod">
+          <ac:chgData name="Andrew Ming Ho Wu" userId="620d876fccae6a25" providerId="LiveId" clId="{EF3BC0AB-AB59-4C81-97A5-1FDA4EE47D87}" dt="2020-09-27T10:33:59.156" v="8519" actId="20577"/>
+          <ac:spMkLst>
+            <pc:docMk/>
+            <pc:sldMk cId="2450840084" sldId="318"/>
+            <ac:spMk id="17" creationId="{48FA683B-0C92-4884-BB36-9239C11A9F11}"/>
+          </ac:spMkLst>
+        </pc:spChg>
+      </pc:sldChg>
+      <pc:sldChg chg="addSp delSp modSp add mod">
+        <pc:chgData name="Andrew Ming Ho Wu" userId="620d876fccae6a25" providerId="LiveId" clId="{EF3BC0AB-AB59-4C81-97A5-1FDA4EE47D87}" dt="2020-09-27T10:39:14.873" v="9058" actId="20577"/>
+        <pc:sldMkLst>
+          <pc:docMk/>
+          <pc:sldMk cId="3241138585" sldId="319"/>
+        </pc:sldMkLst>
+        <pc:spChg chg="mod">
+          <ac:chgData name="Andrew Ming Ho Wu" userId="620d876fccae6a25" providerId="LiveId" clId="{EF3BC0AB-AB59-4C81-97A5-1FDA4EE47D87}" dt="2020-09-27T10:35:24.156" v="8547" actId="1076"/>
+          <ac:spMkLst>
+            <pc:docMk/>
+            <pc:sldMk cId="3241138585" sldId="319"/>
+            <ac:spMk id="13" creationId="{69CF4EEB-ADC9-4068-B7B7-D36841F39D3C}"/>
+          </ac:spMkLst>
+        </pc:spChg>
+        <pc:spChg chg="add del mod">
+          <ac:chgData name="Andrew Ming Ho Wu" userId="620d876fccae6a25" providerId="LiveId" clId="{EF3BC0AB-AB59-4C81-97A5-1FDA4EE47D87}" dt="2020-09-27T10:39:14.873" v="9058" actId="20577"/>
+          <ac:spMkLst>
+            <pc:docMk/>
+            <pc:sldMk cId="3241138585" sldId="319"/>
+            <ac:spMk id="17" creationId="{48FA683B-0C92-4884-BB36-9239C11A9F11}"/>
+          </ac:spMkLst>
+        </pc:spChg>
+      </pc:sldChg>
+      <pc:sldChg chg="modSp add mod">
+        <pc:chgData name="Andrew Ming Ho Wu" userId="620d876fccae6a25" providerId="LiveId" clId="{EF3BC0AB-AB59-4C81-97A5-1FDA4EE47D87}" dt="2020-09-27T10:43:27.516" v="9560" actId="20577"/>
+        <pc:sldMkLst>
+          <pc:docMk/>
+          <pc:sldMk cId="597090878" sldId="320"/>
+        </pc:sldMkLst>
+        <pc:spChg chg="mod">
+          <ac:chgData name="Andrew Ming Ho Wu" userId="620d876fccae6a25" providerId="LiveId" clId="{EF3BC0AB-AB59-4C81-97A5-1FDA4EE47D87}" dt="2020-09-27T10:43:27.516" v="9560" actId="20577"/>
+          <ac:spMkLst>
+            <pc:docMk/>
+            <pc:sldMk cId="597090878" sldId="320"/>
+            <ac:spMk id="17" creationId="{48FA683B-0C92-4884-BB36-9239C11A9F11}"/>
+          </ac:spMkLst>
+        </pc:spChg>
+      </pc:sldChg>
+      <pc:sldChg chg="addSp delSp modSp add mod">
+        <pc:chgData name="Andrew Ming Ho Wu" userId="620d876fccae6a25" providerId="LiveId" clId="{EF3BC0AB-AB59-4C81-97A5-1FDA4EE47D87}" dt="2020-09-27T10:58:39.244" v="9567"/>
+        <pc:sldMkLst>
+          <pc:docMk/>
+          <pc:sldMk cId="3935872265" sldId="321"/>
+        </pc:sldMkLst>
+        <pc:spChg chg="del mod">
+          <ac:chgData name="Andrew Ming Ho Wu" userId="620d876fccae6a25" providerId="LiveId" clId="{EF3BC0AB-AB59-4C81-97A5-1FDA4EE47D87}" dt="2020-09-27T10:58:39.244" v="9567"/>
+          <ac:spMkLst>
+            <pc:docMk/>
+            <pc:sldMk cId="3935872265" sldId="321"/>
+            <ac:spMk id="17" creationId="{48FA683B-0C92-4884-BB36-9239C11A9F11}"/>
+          </ac:spMkLst>
+        </pc:spChg>
+        <pc:picChg chg="add mod">
+          <ac:chgData name="Andrew Ming Ho Wu" userId="620d876fccae6a25" providerId="LiveId" clId="{EF3BC0AB-AB59-4C81-97A5-1FDA4EE47D87}" dt="2020-09-27T10:58:38.641" v="9565" actId="14100"/>
+          <ac:picMkLst>
+            <pc:docMk/>
+            <pc:sldMk cId="3935872265" sldId="321"/>
+            <ac:picMk id="6" creationId="{9A9BF99D-7F84-4233-BC72-E8CC5BE0B067}"/>
+          </ac:picMkLst>
+        </pc:picChg>
+      </pc:sldChg>
+      <pc:sldChg chg="addSp delSp modSp add mod">
+        <pc:chgData name="Andrew Ming Ho Wu" userId="620d876fccae6a25" providerId="LiveId" clId="{EF3BC0AB-AB59-4C81-97A5-1FDA4EE47D87}" dt="2020-09-27T11:03:15.071" v="9639" actId="313"/>
+        <pc:sldMkLst>
+          <pc:docMk/>
+          <pc:sldMk cId="2428145897" sldId="322"/>
+        </pc:sldMkLst>
+        <pc:spChg chg="add del">
+          <ac:chgData name="Andrew Ming Ho Wu" userId="620d876fccae6a25" providerId="LiveId" clId="{EF3BC0AB-AB59-4C81-97A5-1FDA4EE47D87}" dt="2020-09-27T11:02:08.216" v="9585" actId="478"/>
+          <ac:spMkLst>
+            <pc:docMk/>
+            <pc:sldMk cId="2428145897" sldId="322"/>
+            <ac:spMk id="14" creationId="{82204D47-3F7F-4F81-9F0B-B8D05A4A12AB}"/>
+          </ac:spMkLst>
+        </pc:spChg>
+        <pc:spChg chg="add del mod">
+          <ac:chgData name="Andrew Ming Ho Wu" userId="620d876fccae6a25" providerId="LiveId" clId="{EF3BC0AB-AB59-4C81-97A5-1FDA4EE47D87}" dt="2020-09-27T11:03:15.071" v="9639" actId="313"/>
+          <ac:spMkLst>
+            <pc:docMk/>
+            <pc:sldMk cId="2428145897" sldId="322"/>
+            <ac:spMk id="16" creationId="{F047BA3C-54FB-4687-843D-9C20754A8819}"/>
+          </ac:spMkLst>
+        </pc:spChg>
+        <pc:spChg chg="add del">
+          <ac:chgData name="Andrew Ming Ho Wu" userId="620d876fccae6a25" providerId="LiveId" clId="{EF3BC0AB-AB59-4C81-97A5-1FDA4EE47D87}" dt="2020-09-27T11:00:26.377" v="9575" actId="22"/>
+          <ac:spMkLst>
+            <pc:docMk/>
+            <pc:sldMk cId="2428145897" sldId="322"/>
+            <ac:spMk id="18" creationId="{BF7EA6D2-8A4A-4CBD-BC10-20FE1AFEFC61}"/>
+          </ac:spMkLst>
+        </pc:spChg>
+        <pc:picChg chg="add del">
+          <ac:chgData name="Andrew Ming Ho Wu" userId="620d876fccae6a25" providerId="LiveId" clId="{EF3BC0AB-AB59-4C81-97A5-1FDA4EE47D87}" dt="2020-09-27T11:02:07.818" v="9583" actId="478"/>
+          <ac:picMkLst>
+            <pc:docMk/>
+            <pc:sldMk cId="2428145897" sldId="322"/>
+            <ac:picMk id="6" creationId="{9A9BF99D-7F84-4233-BC72-E8CC5BE0B067}"/>
+          </ac:picMkLst>
+        </pc:picChg>
+      </pc:sldChg>
+      <pc:sldChg chg="addSp delSp modSp add mod">
+        <pc:chgData name="Andrew Ming Ho Wu" userId="620d876fccae6a25" providerId="LiveId" clId="{EF3BC0AB-AB59-4C81-97A5-1FDA4EE47D87}" dt="2020-09-27T18:22:25.987" v="10124" actId="20577"/>
+        <pc:sldMkLst>
+          <pc:docMk/>
+          <pc:sldMk cId="3584881285" sldId="323"/>
+        </pc:sldMkLst>
+        <pc:spChg chg="add mod">
+          <ac:chgData name="Andrew Ming Ho Wu" userId="620d876fccae6a25" providerId="LiveId" clId="{EF3BC0AB-AB59-4C81-97A5-1FDA4EE47D87}" dt="2020-09-27T18:22:25.987" v="10124" actId="20577"/>
+          <ac:spMkLst>
+            <pc:docMk/>
+            <pc:sldMk cId="3584881285" sldId="323"/>
+            <ac:spMk id="7" creationId="{E4AD51E1-FCF3-4A0C-8B1A-3C58F573459E}"/>
+          </ac:spMkLst>
+        </pc:spChg>
+        <pc:spChg chg="mod">
+          <ac:chgData name="Andrew Ming Ho Wu" userId="620d876fccae6a25" providerId="LiveId" clId="{EF3BC0AB-AB59-4C81-97A5-1FDA4EE47D87}" dt="2020-09-27T11:03:33.284" v="9673" actId="1076"/>
+          <ac:spMkLst>
+            <pc:docMk/>
+            <pc:sldMk cId="3584881285" sldId="323"/>
+            <ac:spMk id="13" creationId="{69CF4EEB-ADC9-4068-B7B7-D36841F39D3C}"/>
+          </ac:spMkLst>
+        </pc:spChg>
+        <pc:spChg chg="del mod">
+          <ac:chgData name="Andrew Ming Ho Wu" userId="620d876fccae6a25" providerId="LiveId" clId="{EF3BC0AB-AB59-4C81-97A5-1FDA4EE47D87}" dt="2020-09-27T11:03:36.351" v="9676"/>
+          <ac:spMkLst>
+            <pc:docMk/>
+            <pc:sldMk cId="3584881285" sldId="323"/>
+            <ac:spMk id="16" creationId="{F047BA3C-54FB-4687-843D-9C20754A8819}"/>
+          </ac:spMkLst>
+        </pc:spChg>
+        <pc:graphicFrameChg chg="add del mod">
+          <ac:chgData name="Andrew Ming Ho Wu" userId="620d876fccae6a25" providerId="LiveId" clId="{EF3BC0AB-AB59-4C81-97A5-1FDA4EE47D87}" dt="2020-09-27T18:18:59.929" v="9678"/>
+          <ac:graphicFrameMkLst>
+            <pc:docMk/>
+            <pc:sldMk cId="3584881285" sldId="323"/>
+            <ac:graphicFrameMk id="6" creationId="{60167984-0F6D-44F1-A20D-E8267DCC0337}"/>
+          </ac:graphicFrameMkLst>
+        </pc:graphicFrameChg>
+      </pc:sldChg>
+      <pc:sldChg chg="modSp add mod">
+        <pc:chgData name="Andrew Ming Ho Wu" userId="620d876fccae6a25" providerId="LiveId" clId="{EF3BC0AB-AB59-4C81-97A5-1FDA4EE47D87}" dt="2020-09-27T18:24:49.019" v="10398" actId="20577"/>
+        <pc:sldMkLst>
+          <pc:docMk/>
+          <pc:sldMk cId="1769369266" sldId="324"/>
+        </pc:sldMkLst>
+        <pc:spChg chg="mod">
+          <ac:chgData name="Andrew Ming Ho Wu" userId="620d876fccae6a25" providerId="LiveId" clId="{EF3BC0AB-AB59-4C81-97A5-1FDA4EE47D87}" dt="2020-09-27T18:24:49.019" v="10398" actId="20577"/>
+          <ac:spMkLst>
+            <pc:docMk/>
+            <pc:sldMk cId="1769369266" sldId="324"/>
+            <ac:spMk id="7" creationId="{E4AD51E1-FCF3-4A0C-8B1A-3C58F573459E}"/>
+          </ac:spMkLst>
+        </pc:spChg>
+      </pc:sldChg>
+      <pc:sldChg chg="modSp add mod">
+        <pc:chgData name="Andrew Ming Ho Wu" userId="620d876fccae6a25" providerId="LiveId" clId="{EF3BC0AB-AB59-4C81-97A5-1FDA4EE47D87}" dt="2020-09-27T18:29:32.927" v="10814" actId="20577"/>
+        <pc:sldMkLst>
+          <pc:docMk/>
+          <pc:sldMk cId="3774335670" sldId="325"/>
+        </pc:sldMkLst>
+        <pc:spChg chg="mod">
+          <ac:chgData name="Andrew Ming Ho Wu" userId="620d876fccae6a25" providerId="LiveId" clId="{EF3BC0AB-AB59-4C81-97A5-1FDA4EE47D87}" dt="2020-09-27T18:29:32.927" v="10814" actId="20577"/>
+          <ac:spMkLst>
+            <pc:docMk/>
+            <pc:sldMk cId="3774335670" sldId="325"/>
+            <ac:spMk id="7" creationId="{E4AD51E1-FCF3-4A0C-8B1A-3C58F573459E}"/>
+          </ac:spMkLst>
+        </pc:spChg>
+        <pc:spChg chg="mod">
+          <ac:chgData name="Andrew Ming Ho Wu" userId="620d876fccae6a25" providerId="LiveId" clId="{EF3BC0AB-AB59-4C81-97A5-1FDA4EE47D87}" dt="2020-09-27T18:26:27.870" v="10420" actId="20577"/>
+          <ac:spMkLst>
+            <pc:docMk/>
+            <pc:sldMk cId="3774335670" sldId="325"/>
+            <ac:spMk id="13" creationId="{69CF4EEB-ADC9-4068-B7B7-D36841F39D3C}"/>
+          </ac:spMkLst>
+        </pc:spChg>
+      </pc:sldChg>
+      <pc:sldChg chg="add del">
+        <pc:chgData name="Andrew Ming Ho Wu" userId="620d876fccae6a25" providerId="LiveId" clId="{EF3BC0AB-AB59-4C81-97A5-1FDA4EE47D87}" dt="2020-09-27T18:26:21.489" v="10401" actId="2696"/>
+        <pc:sldMkLst>
+          <pc:docMk/>
+          <pc:sldMk cId="828494221" sldId="326"/>
+        </pc:sldMkLst>
+      </pc:sldChg>
+      <pc:sldChg chg="modSp add mod">
+        <pc:chgData name="Andrew Ming Ho Wu" userId="620d876fccae6a25" providerId="LiveId" clId="{EF3BC0AB-AB59-4C81-97A5-1FDA4EE47D87}" dt="2020-09-27T18:34:03.877" v="11494" actId="1076"/>
+        <pc:sldMkLst>
+          <pc:docMk/>
+          <pc:sldMk cId="1449775771" sldId="326"/>
+        </pc:sldMkLst>
+        <pc:spChg chg="mod">
+          <ac:chgData name="Andrew Ming Ho Wu" userId="620d876fccae6a25" providerId="LiveId" clId="{EF3BC0AB-AB59-4C81-97A5-1FDA4EE47D87}" dt="2020-09-27T18:33:51.120" v="11492" actId="1076"/>
+          <ac:spMkLst>
+            <pc:docMk/>
+            <pc:sldMk cId="1449775771" sldId="326"/>
+            <ac:spMk id="7" creationId="{E4AD51E1-FCF3-4A0C-8B1A-3C58F573459E}"/>
+          </ac:spMkLst>
+        </pc:spChg>
+        <pc:spChg chg="mod">
+          <ac:chgData name="Andrew Ming Ho Wu" userId="620d876fccae6a25" providerId="LiveId" clId="{EF3BC0AB-AB59-4C81-97A5-1FDA4EE47D87}" dt="2020-09-27T18:34:03.877" v="11494" actId="1076"/>
+          <ac:spMkLst>
+            <pc:docMk/>
+            <pc:sldMk cId="1449775771" sldId="326"/>
+            <ac:spMk id="13" creationId="{69CF4EEB-ADC9-4068-B7B7-D36841F39D3C}"/>
+          </ac:spMkLst>
+        </pc:spChg>
+      </pc:sldChg>
+      <pc:sldChg chg="addSp delSp modSp add mod">
+        <pc:chgData name="Andrew Ming Ho Wu" userId="620d876fccae6a25" providerId="LiveId" clId="{EF3BC0AB-AB59-4C81-97A5-1FDA4EE47D87}" dt="2020-09-27T18:38:02.661" v="11934" actId="1076"/>
+        <pc:sldMkLst>
+          <pc:docMk/>
+          <pc:sldMk cId="4259034908" sldId="327"/>
+        </pc:sldMkLst>
+        <pc:spChg chg="add">
+          <ac:chgData name="Andrew Ming Ho Wu" userId="620d876fccae6a25" providerId="LiveId" clId="{EF3BC0AB-AB59-4C81-97A5-1FDA4EE47D87}" dt="2020-09-27T18:36:26.362" v="11607" actId="22"/>
+          <ac:spMkLst>
+            <pc:docMk/>
+            <pc:sldMk cId="4259034908" sldId="327"/>
+            <ac:spMk id="6" creationId="{BEC9B985-01E2-4E66-9346-091B101327B3}"/>
+          </ac:spMkLst>
+        </pc:spChg>
+        <pc:spChg chg="mod">
+          <ac:chgData name="Andrew Ming Ho Wu" userId="620d876fccae6a25" providerId="LiveId" clId="{EF3BC0AB-AB59-4C81-97A5-1FDA4EE47D87}" dt="2020-09-27T18:38:02.661" v="11934" actId="1076"/>
+          <ac:spMkLst>
+            <pc:docMk/>
+            <pc:sldMk cId="4259034908" sldId="327"/>
+            <ac:spMk id="7" creationId="{E4AD51E1-FCF3-4A0C-8B1A-3C58F573459E}"/>
+          </ac:spMkLst>
+        </pc:spChg>
+        <pc:spChg chg="del mod">
+          <ac:chgData name="Andrew Ming Ho Wu" userId="620d876fccae6a25" providerId="LiveId" clId="{EF3BC0AB-AB59-4C81-97A5-1FDA4EE47D87}" dt="2020-09-27T18:36:26.036" v="11606" actId="478"/>
+          <ac:spMkLst>
+            <pc:docMk/>
+            <pc:sldMk cId="4259034908" sldId="327"/>
+            <ac:spMk id="13" creationId="{69CF4EEB-ADC9-4068-B7B7-D36841F39D3C}"/>
+          </ac:spMkLst>
+        </pc:spChg>
+      </pc:sldChg>
+      <pc:sldChg chg="modSp add mod">
+        <pc:chgData name="Andrew Ming Ho Wu" userId="620d876fccae6a25" providerId="LiveId" clId="{EF3BC0AB-AB59-4C81-97A5-1FDA4EE47D87}" dt="2020-09-27T18:41:40.924" v="12570" actId="20577"/>
+        <pc:sldMkLst>
+          <pc:docMk/>
+          <pc:sldMk cId="2174425840" sldId="328"/>
+        </pc:sldMkLst>
+        <pc:spChg chg="mod">
+          <ac:chgData name="Andrew Ming Ho Wu" userId="620d876fccae6a25" providerId="LiveId" clId="{EF3BC0AB-AB59-4C81-97A5-1FDA4EE47D87}" dt="2020-09-27T18:41:40.924" v="12570" actId="20577"/>
+          <ac:spMkLst>
+            <pc:docMk/>
+            <pc:sldMk cId="2174425840" sldId="328"/>
+            <ac:spMk id="7" creationId="{E4AD51E1-FCF3-4A0C-8B1A-3C58F573459E}"/>
+          </ac:spMkLst>
+        </pc:spChg>
+      </pc:sldChg>
+      <pc:sldChg chg="modSp add mod">
+        <pc:chgData name="Andrew Ming Ho Wu" userId="620d876fccae6a25" providerId="LiveId" clId="{EF3BC0AB-AB59-4C81-97A5-1FDA4EE47D87}" dt="2020-09-27T18:48:04.723" v="13177" actId="20577"/>
+        <pc:sldMkLst>
+          <pc:docMk/>
+          <pc:sldMk cId="428898620" sldId="329"/>
+        </pc:sldMkLst>
+        <pc:spChg chg="mod">
+          <ac:chgData name="Andrew Ming Ho Wu" userId="620d876fccae6a25" providerId="LiveId" clId="{EF3BC0AB-AB59-4C81-97A5-1FDA4EE47D87}" dt="2020-09-27T18:43:02.482" v="12622" actId="20577"/>
+          <ac:spMkLst>
+            <pc:docMk/>
+            <pc:sldMk cId="428898620" sldId="329"/>
+            <ac:spMk id="5" creationId="{00000000-0000-0000-0000-000000000000}"/>
+          </ac:spMkLst>
+        </pc:spChg>
+        <pc:spChg chg="mod">
+          <ac:chgData name="Andrew Ming Ho Wu" userId="620d876fccae6a25" providerId="LiveId" clId="{EF3BC0AB-AB59-4C81-97A5-1FDA4EE47D87}" dt="2020-09-27T18:48:04.723" v="13177" actId="20577"/>
+          <ac:spMkLst>
+            <pc:docMk/>
+            <pc:sldMk cId="428898620" sldId="329"/>
+            <ac:spMk id="12" creationId="{7E70BACB-1CF0-4DEE-923B-205A7D88BC2B}"/>
+          </ac:spMkLst>
+        </pc:spChg>
+      </pc:sldChg>
+      <pc:sldChg chg="modSp add mod">
+        <pc:chgData name="Andrew Ming Ho Wu" userId="620d876fccae6a25" providerId="LiveId" clId="{EF3BC0AB-AB59-4C81-97A5-1FDA4EE47D87}" dt="2020-09-27T18:53:06.406" v="14074" actId="1076"/>
+        <pc:sldMkLst>
+          <pc:docMk/>
+          <pc:sldMk cId="3627176467" sldId="330"/>
+        </pc:sldMkLst>
+        <pc:spChg chg="mod">
+          <ac:chgData name="Andrew Ming Ho Wu" userId="620d876fccae6a25" providerId="LiveId" clId="{EF3BC0AB-AB59-4C81-97A5-1FDA4EE47D87}" dt="2020-09-27T18:48:38.569" v="13202" actId="20577"/>
+          <ac:spMkLst>
+            <pc:docMk/>
+            <pc:sldMk cId="3627176467" sldId="330"/>
+            <ac:spMk id="5" creationId="{00000000-0000-0000-0000-000000000000}"/>
+          </ac:spMkLst>
+        </pc:spChg>
+        <pc:spChg chg="mod">
+          <ac:chgData name="Andrew Ming Ho Wu" userId="620d876fccae6a25" providerId="LiveId" clId="{EF3BC0AB-AB59-4C81-97A5-1FDA4EE47D87}" dt="2020-09-27T18:53:06.406" v="14074" actId="1076"/>
+          <ac:spMkLst>
+            <pc:docMk/>
+            <pc:sldMk cId="3627176467" sldId="330"/>
+            <ac:spMk id="12" creationId="{7E70BACB-1CF0-4DEE-923B-205A7D88BC2B}"/>
+          </ac:spMkLst>
+        </pc:spChg>
+      </pc:sldChg>
+      <pc:sldChg chg="modSp add mod">
+        <pc:chgData name="Andrew Ming Ho Wu" userId="620d876fccae6a25" providerId="LiveId" clId="{EF3BC0AB-AB59-4C81-97A5-1FDA4EE47D87}" dt="2020-09-27T18:54:28.038" v="14319" actId="20577"/>
+        <pc:sldMkLst>
+          <pc:docMk/>
+          <pc:sldMk cId="311588258" sldId="331"/>
+        </pc:sldMkLst>
+        <pc:spChg chg="mod">
+          <ac:chgData name="Andrew Ming Ho Wu" userId="620d876fccae6a25" providerId="LiveId" clId="{EF3BC0AB-AB59-4C81-97A5-1FDA4EE47D87}" dt="2020-09-27T18:53:26.285" v="14108" actId="14100"/>
+          <ac:spMkLst>
+            <pc:docMk/>
+            <pc:sldMk cId="311588258" sldId="331"/>
+            <ac:spMk id="5" creationId="{00000000-0000-0000-0000-000000000000}"/>
+          </ac:spMkLst>
+        </pc:spChg>
+        <pc:spChg chg="mod">
+          <ac:chgData name="Andrew Ming Ho Wu" userId="620d876fccae6a25" providerId="LiveId" clId="{EF3BC0AB-AB59-4C81-97A5-1FDA4EE47D87}" dt="2020-09-27T18:54:28.038" v="14319" actId="20577"/>
+          <ac:spMkLst>
+            <pc:docMk/>
+            <pc:sldMk cId="311588258" sldId="331"/>
+            <ac:spMk id="12" creationId="{7E70BACB-1CF0-4DEE-923B-205A7D88BC2B}"/>
+          </ac:spMkLst>
+        </pc:spChg>
+      </pc:sldChg>
+      <pc:sldChg chg="modSp add mod">
+        <pc:chgData name="Andrew Ming Ho Wu" userId="620d876fccae6a25" providerId="LiveId" clId="{EF3BC0AB-AB59-4C81-97A5-1FDA4EE47D87}" dt="2020-09-27T18:57:17.757" v="14458" actId="20577"/>
+        <pc:sldMkLst>
+          <pc:docMk/>
+          <pc:sldMk cId="1678336179" sldId="332"/>
+        </pc:sldMkLst>
+        <pc:spChg chg="mod">
+          <ac:chgData name="Andrew Ming Ho Wu" userId="620d876fccae6a25" providerId="LiveId" clId="{EF3BC0AB-AB59-4C81-97A5-1FDA4EE47D87}" dt="2020-09-27T18:54:54.107" v="14359" actId="20577"/>
+          <ac:spMkLst>
+            <pc:docMk/>
+            <pc:sldMk cId="1678336179" sldId="332"/>
+            <ac:spMk id="5" creationId="{00000000-0000-0000-0000-000000000000}"/>
+          </ac:spMkLst>
+        </pc:spChg>
+        <pc:spChg chg="mod">
+          <ac:chgData name="Andrew Ming Ho Wu" userId="620d876fccae6a25" providerId="LiveId" clId="{EF3BC0AB-AB59-4C81-97A5-1FDA4EE47D87}" dt="2020-09-27T18:57:17.757" v="14458" actId="20577"/>
+          <ac:spMkLst>
+            <pc:docMk/>
+            <pc:sldMk cId="1678336179" sldId="332"/>
+            <ac:spMk id="12" creationId="{7E70BACB-1CF0-4DEE-923B-205A7D88BC2B}"/>
           </ac:spMkLst>
         </pc:spChg>
       </pc:sldChg>
@@ -3904,1014 +5059,20 @@
     </pc:docChg>
   </pc:docChgLst>
   <pc:docChgLst>
-    <pc:chgData name="Andrew Ming Ho Wu" userId="620d876fccae6a25" providerId="LiveId" clId="{EF3BC0AB-AB59-4C81-97A5-1FDA4EE47D87}"/>
-    <pc:docChg chg="undo redo custSel addSld delSld modSld">
-      <pc:chgData name="Andrew Ming Ho Wu" userId="620d876fccae6a25" providerId="LiveId" clId="{EF3BC0AB-AB59-4C81-97A5-1FDA4EE47D87}" dt="2020-09-27T18:57:17.757" v="14458" actId="20577"/>
-      <pc:docMkLst>
-        <pc:docMk/>
-      </pc:docMkLst>
-      <pc:sldChg chg="delSp modSp mod modNotesTx">
-        <pc:chgData name="Andrew Ming Ho Wu" userId="620d876fccae6a25" providerId="LiveId" clId="{EF3BC0AB-AB59-4C81-97A5-1FDA4EE47D87}" dt="2020-09-27T09:55:20.712" v="4391" actId="255"/>
-        <pc:sldMkLst>
-          <pc:docMk/>
-          <pc:sldMk cId="0" sldId="256"/>
-        </pc:sldMkLst>
-        <pc:spChg chg="mod">
-          <ac:chgData name="Andrew Ming Ho Wu" userId="620d876fccae6a25" providerId="LiveId" clId="{EF3BC0AB-AB59-4C81-97A5-1FDA4EE47D87}" dt="2020-09-27T09:55:20.712" v="4391" actId="255"/>
-          <ac:spMkLst>
-            <pc:docMk/>
-            <pc:sldMk cId="0" sldId="256"/>
-            <ac:spMk id="7" creationId="{00000000-0000-0000-0000-000000000000}"/>
-          </ac:spMkLst>
-        </pc:spChg>
-        <pc:spChg chg="del mod">
-          <ac:chgData name="Andrew Ming Ho Wu" userId="620d876fccae6a25" providerId="LiveId" clId="{EF3BC0AB-AB59-4C81-97A5-1FDA4EE47D87}" dt="2020-09-23T13:10:09.932" v="29"/>
-          <ac:spMkLst>
-            <pc:docMk/>
-            <pc:sldMk cId="0" sldId="256"/>
-            <ac:spMk id="8" creationId="{00000000-0000-0000-0000-000000000000}"/>
-          </ac:spMkLst>
-        </pc:spChg>
-        <pc:spChg chg="mod">
-          <ac:chgData name="Andrew Ming Ho Wu" userId="620d876fccae6a25" providerId="LiveId" clId="{EF3BC0AB-AB59-4C81-97A5-1FDA4EE47D87}" dt="2020-09-26T17:04:55.185" v="4379" actId="20577"/>
-          <ac:spMkLst>
-            <pc:docMk/>
-            <pc:sldMk cId="0" sldId="256"/>
-            <ac:spMk id="13" creationId="{0477D28A-3F44-4405-BD2B-4F00158DB1B3}"/>
-          </ac:spMkLst>
-        </pc:spChg>
-      </pc:sldChg>
-      <pc:sldChg chg="addSp delSp modSp mod">
-        <pc:chgData name="Andrew Ming Ho Wu" userId="620d876fccae6a25" providerId="LiveId" clId="{EF3BC0AB-AB59-4C81-97A5-1FDA4EE47D87}" dt="2020-09-26T16:12:34.168" v="949" actId="1076"/>
-        <pc:sldMkLst>
-          <pc:docMk/>
-          <pc:sldMk cId="0" sldId="257"/>
-        </pc:sldMkLst>
-        <pc:spChg chg="add mod">
-          <ac:chgData name="Andrew Ming Ho Wu" userId="620d876fccae6a25" providerId="LiveId" clId="{EF3BC0AB-AB59-4C81-97A5-1FDA4EE47D87}" dt="2020-09-26T16:12:00.026" v="902" actId="1076"/>
-          <ac:spMkLst>
-            <pc:docMk/>
-            <pc:sldMk cId="0" sldId="257"/>
-            <ac:spMk id="5" creationId="{81D7F47C-B22C-46A9-BD87-E2FA064EC20F}"/>
-          </ac:spMkLst>
-        </pc:spChg>
-        <pc:spChg chg="mod">
-          <ac:chgData name="Andrew Ming Ho Wu" userId="620d876fccae6a25" providerId="LiveId" clId="{EF3BC0AB-AB59-4C81-97A5-1FDA4EE47D87}" dt="2020-09-26T16:11:40.182" v="900" actId="1076"/>
-          <ac:spMkLst>
-            <pc:docMk/>
-            <pc:sldMk cId="0" sldId="257"/>
-            <ac:spMk id="6" creationId="{00000000-0000-0000-0000-000000000000}"/>
-          </ac:spMkLst>
-        </pc:spChg>
-        <pc:spChg chg="add mod">
-          <ac:chgData name="Andrew Ming Ho Wu" userId="620d876fccae6a25" providerId="LiveId" clId="{EF3BC0AB-AB59-4C81-97A5-1FDA4EE47D87}" dt="2020-09-26T16:12:34.168" v="949" actId="1076"/>
-          <ac:spMkLst>
-            <pc:docMk/>
-            <pc:sldMk cId="0" sldId="257"/>
-            <ac:spMk id="7" creationId="{8F1A7018-DAB3-4DD6-9851-CCE349574926}"/>
-          </ac:spMkLst>
-        </pc:spChg>
-        <pc:spChg chg="add del">
-          <ac:chgData name="Andrew Ming Ho Wu" userId="620d876fccae6a25" providerId="LiveId" clId="{EF3BC0AB-AB59-4C81-97A5-1FDA4EE47D87}" dt="2020-09-26T16:11:21.009" v="894" actId="22"/>
-          <ac:spMkLst>
-            <pc:docMk/>
-            <pc:sldMk cId="0" sldId="257"/>
-            <ac:spMk id="8" creationId="{C924EF3F-006C-4216-A9A0-B8029D39A876}"/>
-          </ac:spMkLst>
-        </pc:spChg>
-        <pc:spChg chg="mod">
-          <ac:chgData name="Andrew Ming Ho Wu" userId="620d876fccae6a25" providerId="LiveId" clId="{EF3BC0AB-AB59-4C81-97A5-1FDA4EE47D87}" dt="2020-09-23T13:19:33.930" v="281" actId="20577"/>
-          <ac:spMkLst>
-            <pc:docMk/>
-            <pc:sldMk cId="0" sldId="257"/>
-            <ac:spMk id="13" creationId="{CFB9566F-DF02-46E3-A7DE-30A3DA2B0123}"/>
-          </ac:spMkLst>
-        </pc:spChg>
-        <pc:spChg chg="mod">
-          <ac:chgData name="Andrew Ming Ho Wu" userId="620d876fccae6a25" providerId="LiveId" clId="{EF3BC0AB-AB59-4C81-97A5-1FDA4EE47D87}" dt="2020-09-26T16:11:44.480" v="901" actId="1076"/>
-          <ac:spMkLst>
-            <pc:docMk/>
-            <pc:sldMk cId="0" sldId="257"/>
-            <ac:spMk id="15" creationId="{5FC8DCBF-4CCE-4C22-8B9F-CC50B4D8446D}"/>
-          </ac:spMkLst>
-        </pc:spChg>
-        <pc:spChg chg="del mod">
-          <ac:chgData name="Andrew Ming Ho Wu" userId="620d876fccae6a25" providerId="LiveId" clId="{EF3BC0AB-AB59-4C81-97A5-1FDA4EE47D87}" dt="2020-09-23T13:11:18.490" v="148" actId="478"/>
-          <ac:spMkLst>
-            <pc:docMk/>
-            <pc:sldMk cId="0" sldId="257"/>
-            <ac:spMk id="17" creationId="{F1986DA0-A256-4DC4-89BA-D9AF3A5992F1}"/>
-          </ac:spMkLst>
-        </pc:spChg>
-        <pc:spChg chg="add mod">
-          <ac:chgData name="Andrew Ming Ho Wu" userId="620d876fccae6a25" providerId="LiveId" clId="{EF3BC0AB-AB59-4C81-97A5-1FDA4EE47D87}" dt="2020-09-26T16:12:07.600" v="903" actId="1076"/>
-          <ac:spMkLst>
-            <pc:docMk/>
-            <pc:sldMk cId="0" sldId="257"/>
-            <ac:spMk id="20" creationId="{A6F76399-04DE-46A8-BF2C-99ED8D141BD3}"/>
-          </ac:spMkLst>
-        </pc:spChg>
-        <pc:grpChg chg="mod">
-          <ac:chgData name="Andrew Ming Ho Wu" userId="620d876fccae6a25" providerId="LiveId" clId="{EF3BC0AB-AB59-4C81-97A5-1FDA4EE47D87}" dt="2020-09-26T16:12:28.721" v="948" actId="1076"/>
-          <ac:grpSpMkLst>
-            <pc:docMk/>
-            <pc:sldMk cId="0" sldId="257"/>
-            <ac:grpSpMk id="2" creationId="{00000000-0000-0000-0000-000000000000}"/>
-          </ac:grpSpMkLst>
-        </pc:grpChg>
-        <pc:grpChg chg="add mod">
-          <ac:chgData name="Andrew Ming Ho Wu" userId="620d876fccae6a25" providerId="LiveId" clId="{EF3BC0AB-AB59-4C81-97A5-1FDA4EE47D87}" dt="2020-09-26T16:11:22.051" v="895" actId="571"/>
-          <ac:grpSpMkLst>
-            <pc:docMk/>
-            <pc:sldMk cId="0" sldId="257"/>
-            <ac:grpSpMk id="14" creationId="{830FE23F-E1B8-42CA-8569-E15547258E1C}"/>
-          </ac:grpSpMkLst>
-        </pc:grpChg>
-        <pc:picChg chg="mod">
-          <ac:chgData name="Andrew Ming Ho Wu" userId="620d876fccae6a25" providerId="LiveId" clId="{EF3BC0AB-AB59-4C81-97A5-1FDA4EE47D87}" dt="2020-09-26T16:11:22.051" v="895" actId="571"/>
-          <ac:picMkLst>
-            <pc:docMk/>
-            <pc:sldMk cId="0" sldId="257"/>
-            <ac:picMk id="16" creationId="{91452E8C-A457-4B32-ADCC-8B062C7B7AA2}"/>
-          </ac:picMkLst>
-        </pc:picChg>
-        <pc:picChg chg="mod">
-          <ac:chgData name="Andrew Ming Ho Wu" userId="620d876fccae6a25" providerId="LiveId" clId="{EF3BC0AB-AB59-4C81-97A5-1FDA4EE47D87}" dt="2020-09-26T16:11:22.051" v="895" actId="571"/>
-          <ac:picMkLst>
-            <pc:docMk/>
-            <pc:sldMk cId="0" sldId="257"/>
-            <ac:picMk id="17" creationId="{9914AFBE-82F5-4DA6-8856-1BD8C5F4D972}"/>
-          </ac:picMkLst>
-        </pc:picChg>
-      </pc:sldChg>
-      <pc:sldChg chg="addSp delSp modSp mod modNotesTx">
-        <pc:chgData name="Andrew Ming Ho Wu" userId="620d876fccae6a25" providerId="LiveId" clId="{EF3BC0AB-AB59-4C81-97A5-1FDA4EE47D87}" dt="2020-09-27T18:42:29.401" v="12601" actId="20577"/>
-        <pc:sldMkLst>
-          <pc:docMk/>
-          <pc:sldMk cId="0" sldId="259"/>
-        </pc:sldMkLst>
-        <pc:spChg chg="mod">
-          <ac:chgData name="Andrew Ming Ho Wu" userId="620d876fccae6a25" providerId="LiveId" clId="{EF3BC0AB-AB59-4C81-97A5-1FDA4EE47D87}" dt="2020-09-26T16:15:18.922" v="1252" actId="20577"/>
-          <ac:spMkLst>
-            <pc:docMk/>
-            <pc:sldMk cId="0" sldId="259"/>
-            <ac:spMk id="5" creationId="{00000000-0000-0000-0000-000000000000}"/>
-          </ac:spMkLst>
-        </pc:spChg>
-        <pc:spChg chg="add del">
-          <ac:chgData name="Andrew Ming Ho Wu" userId="620d876fccae6a25" providerId="LiveId" clId="{EF3BC0AB-AB59-4C81-97A5-1FDA4EE47D87}" dt="2020-09-26T16:15:24.567" v="1254" actId="22"/>
-          <ac:spMkLst>
-            <pc:docMk/>
-            <pc:sldMk cId="0" sldId="259"/>
-            <ac:spMk id="6" creationId="{9BFBCD21-514B-426A-B032-477E3A9B1B83}"/>
-          </ac:spMkLst>
-        </pc:spChg>
-        <pc:spChg chg="mod">
-          <ac:chgData name="Andrew Ming Ho Wu" userId="620d876fccae6a25" providerId="LiveId" clId="{EF3BC0AB-AB59-4C81-97A5-1FDA4EE47D87}" dt="2020-09-27T18:42:29.401" v="12601" actId="20577"/>
-          <ac:spMkLst>
-            <pc:docMk/>
-            <pc:sldMk cId="0" sldId="259"/>
-            <ac:spMk id="12" creationId="{7E70BACB-1CF0-4DEE-923B-205A7D88BC2B}"/>
-          </ac:spMkLst>
-        </pc:spChg>
-      </pc:sldChg>
-      <pc:sldChg chg="modSp mod">
-        <pc:chgData name="Andrew Ming Ho Wu" userId="620d876fccae6a25" providerId="LiveId" clId="{EF3BC0AB-AB59-4C81-97A5-1FDA4EE47D87}" dt="2020-09-27T10:13:15.975" v="5911" actId="1076"/>
-        <pc:sldMkLst>
-          <pc:docMk/>
-          <pc:sldMk cId="0" sldId="260"/>
-        </pc:sldMkLst>
-        <pc:spChg chg="mod">
-          <ac:chgData name="Andrew Ming Ho Wu" userId="620d876fccae6a25" providerId="LiveId" clId="{EF3BC0AB-AB59-4C81-97A5-1FDA4EE47D87}" dt="2020-09-26T16:18:11.737" v="1595" actId="14100"/>
-          <ac:spMkLst>
-            <pc:docMk/>
-            <pc:sldMk cId="0" sldId="260"/>
-            <ac:spMk id="6" creationId="{00000000-0000-0000-0000-000000000000}"/>
-          </ac:spMkLst>
-        </pc:spChg>
-        <pc:spChg chg="mod">
-          <ac:chgData name="Andrew Ming Ho Wu" userId="620d876fccae6a25" providerId="LiveId" clId="{EF3BC0AB-AB59-4C81-97A5-1FDA4EE47D87}" dt="2020-09-27T10:13:15.975" v="5911" actId="1076"/>
-          <ac:spMkLst>
-            <pc:docMk/>
-            <pc:sldMk cId="0" sldId="260"/>
-            <ac:spMk id="7" creationId="{00000000-0000-0000-0000-000000000000}"/>
-          </ac:spMkLst>
-        </pc:spChg>
-      </pc:sldChg>
-      <pc:sldChg chg="del">
-        <pc:chgData name="Andrew Ming Ho Wu" userId="620d876fccae6a25" providerId="LiveId" clId="{EF3BC0AB-AB59-4C81-97A5-1FDA4EE47D87}" dt="2020-09-27T10:35:01.134" v="8520" actId="2696"/>
-        <pc:sldMkLst>
-          <pc:docMk/>
-          <pc:sldMk cId="3477520416" sldId="281"/>
-        </pc:sldMkLst>
-      </pc:sldChg>
-      <pc:sldChg chg="addSp delSp modSp mod modNotesTx">
-        <pc:chgData name="Andrew Ming Ho Wu" userId="620d876fccae6a25" providerId="LiveId" clId="{EF3BC0AB-AB59-4C81-97A5-1FDA4EE47D87}" dt="2020-09-27T10:15:26.466" v="6060" actId="20577"/>
-        <pc:sldMkLst>
-          <pc:docMk/>
-          <pc:sldMk cId="2614168572" sldId="282"/>
-        </pc:sldMkLst>
-        <pc:spChg chg="add del mod">
-          <ac:chgData name="Andrew Ming Ho Wu" userId="620d876fccae6a25" providerId="LiveId" clId="{EF3BC0AB-AB59-4C81-97A5-1FDA4EE47D87}" dt="2020-09-27T10:10:20.883" v="5667" actId="1076"/>
-          <ac:spMkLst>
-            <pc:docMk/>
-            <pc:sldMk cId="2614168572" sldId="282"/>
-            <ac:spMk id="13" creationId="{69CF4EEB-ADC9-4068-B7B7-D36841F39D3C}"/>
-          </ac:spMkLst>
-        </pc:spChg>
-        <pc:spChg chg="mod">
-          <ac:chgData name="Andrew Ming Ho Wu" userId="620d876fccae6a25" providerId="LiveId" clId="{EF3BC0AB-AB59-4C81-97A5-1FDA4EE47D87}" dt="2020-09-27T10:15:26.466" v="6060" actId="20577"/>
-          <ac:spMkLst>
-            <pc:docMk/>
-            <pc:sldMk cId="2614168572" sldId="282"/>
-            <ac:spMk id="17" creationId="{48FA683B-0C92-4884-BB36-9239C11A9F11}"/>
-          </ac:spMkLst>
-        </pc:spChg>
-        <pc:picChg chg="mod">
-          <ac:chgData name="Andrew Ming Ho Wu" userId="620d876fccae6a25" providerId="LiveId" clId="{EF3BC0AB-AB59-4C81-97A5-1FDA4EE47D87}" dt="2020-09-26T16:19:38.497" v="1795" actId="1076"/>
-          <ac:picMkLst>
-            <pc:docMk/>
-            <pc:sldMk cId="2614168572" sldId="282"/>
-            <ac:picMk id="2" creationId="{00000000-0000-0000-0000-000000000000}"/>
-          </ac:picMkLst>
-        </pc:picChg>
-      </pc:sldChg>
-      <pc:sldChg chg="del">
-        <pc:chgData name="Andrew Ming Ho Wu" userId="620d876fccae6a25" providerId="LiveId" clId="{EF3BC0AB-AB59-4C81-97A5-1FDA4EE47D87}" dt="2020-09-27T10:35:01.134" v="8520" actId="2696"/>
-        <pc:sldMkLst>
-          <pc:docMk/>
-          <pc:sldMk cId="2263646774" sldId="283"/>
-        </pc:sldMkLst>
-      </pc:sldChg>
-      <pc:sldChg chg="del">
-        <pc:chgData name="Andrew Ming Ho Wu" userId="620d876fccae6a25" providerId="LiveId" clId="{EF3BC0AB-AB59-4C81-97A5-1FDA4EE47D87}" dt="2020-09-27T10:35:01.134" v="8520" actId="2696"/>
-        <pc:sldMkLst>
-          <pc:docMk/>
-          <pc:sldMk cId="1442798169" sldId="284"/>
-        </pc:sldMkLst>
-      </pc:sldChg>
-      <pc:sldChg chg="del">
-        <pc:chgData name="Andrew Ming Ho Wu" userId="620d876fccae6a25" providerId="LiveId" clId="{EF3BC0AB-AB59-4C81-97A5-1FDA4EE47D87}" dt="2020-09-27T10:35:01.134" v="8520" actId="2696"/>
-        <pc:sldMkLst>
-          <pc:docMk/>
-          <pc:sldMk cId="2354016084" sldId="285"/>
-        </pc:sldMkLst>
-      </pc:sldChg>
-      <pc:sldChg chg="del">
-        <pc:chgData name="Andrew Ming Ho Wu" userId="620d876fccae6a25" providerId="LiveId" clId="{EF3BC0AB-AB59-4C81-97A5-1FDA4EE47D87}" dt="2020-09-27T10:35:01.134" v="8520" actId="2696"/>
-        <pc:sldMkLst>
-          <pc:docMk/>
-          <pc:sldMk cId="399849162" sldId="286"/>
-        </pc:sldMkLst>
-      </pc:sldChg>
-      <pc:sldChg chg="del">
-        <pc:chgData name="Andrew Ming Ho Wu" userId="620d876fccae6a25" providerId="LiveId" clId="{EF3BC0AB-AB59-4C81-97A5-1FDA4EE47D87}" dt="2020-09-27T10:35:01.134" v="8520" actId="2696"/>
-        <pc:sldMkLst>
-          <pc:docMk/>
-          <pc:sldMk cId="2878566895" sldId="287"/>
-        </pc:sldMkLst>
-      </pc:sldChg>
-      <pc:sldChg chg="del">
-        <pc:chgData name="Andrew Ming Ho Wu" userId="620d876fccae6a25" providerId="LiveId" clId="{EF3BC0AB-AB59-4C81-97A5-1FDA4EE47D87}" dt="2020-09-27T10:35:01.134" v="8520" actId="2696"/>
-        <pc:sldMkLst>
-          <pc:docMk/>
-          <pc:sldMk cId="2066083013" sldId="288"/>
-        </pc:sldMkLst>
-      </pc:sldChg>
-      <pc:sldChg chg="del">
-        <pc:chgData name="Andrew Ming Ho Wu" userId="620d876fccae6a25" providerId="LiveId" clId="{EF3BC0AB-AB59-4C81-97A5-1FDA4EE47D87}" dt="2020-09-27T10:35:01.134" v="8520" actId="2696"/>
-        <pc:sldMkLst>
-          <pc:docMk/>
-          <pc:sldMk cId="229956835" sldId="289"/>
-        </pc:sldMkLst>
-      </pc:sldChg>
-      <pc:sldChg chg="del">
-        <pc:chgData name="Andrew Ming Ho Wu" userId="620d876fccae6a25" providerId="LiveId" clId="{EF3BC0AB-AB59-4C81-97A5-1FDA4EE47D87}" dt="2020-09-27T10:35:01.134" v="8520" actId="2696"/>
-        <pc:sldMkLst>
-          <pc:docMk/>
-          <pc:sldMk cId="3410851458" sldId="290"/>
-        </pc:sldMkLst>
-      </pc:sldChg>
-      <pc:sldChg chg="del">
-        <pc:chgData name="Andrew Ming Ho Wu" userId="620d876fccae6a25" providerId="LiveId" clId="{EF3BC0AB-AB59-4C81-97A5-1FDA4EE47D87}" dt="2020-09-27T10:35:01.134" v="8520" actId="2696"/>
-        <pc:sldMkLst>
-          <pc:docMk/>
-          <pc:sldMk cId="413486627" sldId="291"/>
-        </pc:sldMkLst>
-      </pc:sldChg>
-      <pc:sldChg chg="del">
-        <pc:chgData name="Andrew Ming Ho Wu" userId="620d876fccae6a25" providerId="LiveId" clId="{EF3BC0AB-AB59-4C81-97A5-1FDA4EE47D87}" dt="2020-09-27T10:35:01.134" v="8520" actId="2696"/>
-        <pc:sldMkLst>
-          <pc:docMk/>
-          <pc:sldMk cId="2556687725" sldId="292"/>
-        </pc:sldMkLst>
-      </pc:sldChg>
-      <pc:sldChg chg="del">
-        <pc:chgData name="Andrew Ming Ho Wu" userId="620d876fccae6a25" providerId="LiveId" clId="{EF3BC0AB-AB59-4C81-97A5-1FDA4EE47D87}" dt="2020-09-27T10:35:01.134" v="8520" actId="2696"/>
-        <pc:sldMkLst>
-          <pc:docMk/>
-          <pc:sldMk cId="3512316335" sldId="293"/>
-        </pc:sldMkLst>
-      </pc:sldChg>
-      <pc:sldChg chg="del">
-        <pc:chgData name="Andrew Ming Ho Wu" userId="620d876fccae6a25" providerId="LiveId" clId="{EF3BC0AB-AB59-4C81-97A5-1FDA4EE47D87}" dt="2020-09-27T10:35:01.134" v="8520" actId="2696"/>
-        <pc:sldMkLst>
-          <pc:docMk/>
-          <pc:sldMk cId="1612569936" sldId="294"/>
-        </pc:sldMkLst>
-      </pc:sldChg>
-      <pc:sldChg chg="del">
-        <pc:chgData name="Andrew Ming Ho Wu" userId="620d876fccae6a25" providerId="LiveId" clId="{EF3BC0AB-AB59-4C81-97A5-1FDA4EE47D87}" dt="2020-09-27T10:35:01.134" v="8520" actId="2696"/>
-        <pc:sldMkLst>
-          <pc:docMk/>
-          <pc:sldMk cId="1824351165" sldId="296"/>
-        </pc:sldMkLst>
-      </pc:sldChg>
-      <pc:sldChg chg="del">
-        <pc:chgData name="Andrew Ming Ho Wu" userId="620d876fccae6a25" providerId="LiveId" clId="{EF3BC0AB-AB59-4C81-97A5-1FDA4EE47D87}" dt="2020-09-27T10:35:01.134" v="8520" actId="2696"/>
-        <pc:sldMkLst>
-          <pc:docMk/>
-          <pc:sldMk cId="4058345036" sldId="297"/>
-        </pc:sldMkLst>
-      </pc:sldChg>
-      <pc:sldChg chg="del">
-        <pc:chgData name="Andrew Ming Ho Wu" userId="620d876fccae6a25" providerId="LiveId" clId="{EF3BC0AB-AB59-4C81-97A5-1FDA4EE47D87}" dt="2020-09-27T10:35:01.134" v="8520" actId="2696"/>
-        <pc:sldMkLst>
-          <pc:docMk/>
-          <pc:sldMk cId="1764176242" sldId="299"/>
-        </pc:sldMkLst>
-      </pc:sldChg>
-      <pc:sldChg chg="del">
-        <pc:chgData name="Andrew Ming Ho Wu" userId="620d876fccae6a25" providerId="LiveId" clId="{EF3BC0AB-AB59-4C81-97A5-1FDA4EE47D87}" dt="2020-09-27T10:35:01.134" v="8520" actId="2696"/>
-        <pc:sldMkLst>
-          <pc:docMk/>
-          <pc:sldMk cId="4186544287" sldId="300"/>
-        </pc:sldMkLst>
-      </pc:sldChg>
-      <pc:sldChg chg="modSp add mod">
-        <pc:chgData name="Andrew Ming Ho Wu" userId="620d876fccae6a25" providerId="LiveId" clId="{EF3BC0AB-AB59-4C81-97A5-1FDA4EE47D87}" dt="2020-09-27T18:42:43.537" v="12616" actId="20577"/>
-        <pc:sldMkLst>
-          <pc:docMk/>
-          <pc:sldMk cId="4141595128" sldId="301"/>
-        </pc:sldMkLst>
-        <pc:spChg chg="mod">
-          <ac:chgData name="Andrew Ming Ho Wu" userId="620d876fccae6a25" providerId="LiveId" clId="{EF3BC0AB-AB59-4C81-97A5-1FDA4EE47D87}" dt="2020-09-26T16:15:33.446" v="1272" actId="20577"/>
-          <ac:spMkLst>
-            <pc:docMk/>
-            <pc:sldMk cId="4141595128" sldId="301"/>
-            <ac:spMk id="5" creationId="{00000000-0000-0000-0000-000000000000}"/>
-          </ac:spMkLst>
-        </pc:spChg>
-        <pc:spChg chg="mod">
-          <ac:chgData name="Andrew Ming Ho Wu" userId="620d876fccae6a25" providerId="LiveId" clId="{EF3BC0AB-AB59-4C81-97A5-1FDA4EE47D87}" dt="2020-09-27T18:42:43.537" v="12616" actId="20577"/>
-          <ac:spMkLst>
-            <pc:docMk/>
-            <pc:sldMk cId="4141595128" sldId="301"/>
-            <ac:spMk id="12" creationId="{7E70BACB-1CF0-4DEE-923B-205A7D88BC2B}"/>
-          </ac:spMkLst>
-        </pc:spChg>
-      </pc:sldChg>
-      <pc:sldChg chg="modSp add mod modNotesTx">
-        <pc:chgData name="Andrew Ming Ho Wu" userId="620d876fccae6a25" providerId="LiveId" clId="{EF3BC0AB-AB59-4C81-97A5-1FDA4EE47D87}" dt="2020-09-27T10:13:25.181" v="5912" actId="255"/>
-        <pc:sldMkLst>
-          <pc:docMk/>
-          <pc:sldMk cId="1181641107" sldId="302"/>
-        </pc:sldMkLst>
-        <pc:spChg chg="mod">
-          <ac:chgData name="Andrew Ming Ho Wu" userId="620d876fccae6a25" providerId="LiveId" clId="{EF3BC0AB-AB59-4C81-97A5-1FDA4EE47D87}" dt="2020-09-27T10:13:25.181" v="5912" actId="255"/>
-          <ac:spMkLst>
-            <pc:docMk/>
-            <pc:sldMk cId="1181641107" sldId="302"/>
-            <ac:spMk id="17" creationId="{48FA683B-0C92-4884-BB36-9239C11A9F11}"/>
-          </ac:spMkLst>
-        </pc:spChg>
-      </pc:sldChg>
-      <pc:sldChg chg="modSp add mod modNotesTx">
-        <pc:chgData name="Andrew Ming Ho Wu" userId="620d876fccae6a25" providerId="LiveId" clId="{EF3BC0AB-AB59-4C81-97A5-1FDA4EE47D87}" dt="2020-09-27T10:17:42.840" v="6267" actId="14100"/>
-        <pc:sldMkLst>
-          <pc:docMk/>
-          <pc:sldMk cId="695323835" sldId="303"/>
-        </pc:sldMkLst>
-        <pc:spChg chg="mod">
-          <ac:chgData name="Andrew Ming Ho Wu" userId="620d876fccae6a25" providerId="LiveId" clId="{EF3BC0AB-AB59-4C81-97A5-1FDA4EE47D87}" dt="2020-09-27T10:17:39.090" v="6265" actId="1076"/>
-          <ac:spMkLst>
-            <pc:docMk/>
-            <pc:sldMk cId="695323835" sldId="303"/>
-            <ac:spMk id="13" creationId="{69CF4EEB-ADC9-4068-B7B7-D36841F39D3C}"/>
-          </ac:spMkLst>
-        </pc:spChg>
-        <pc:spChg chg="mod">
-          <ac:chgData name="Andrew Ming Ho Wu" userId="620d876fccae6a25" providerId="LiveId" clId="{EF3BC0AB-AB59-4C81-97A5-1FDA4EE47D87}" dt="2020-09-27T10:17:42.840" v="6267" actId="14100"/>
-          <ac:spMkLst>
-            <pc:docMk/>
-            <pc:sldMk cId="695323835" sldId="303"/>
-            <ac:spMk id="17" creationId="{48FA683B-0C92-4884-BB36-9239C11A9F11}"/>
-          </ac:spMkLst>
-        </pc:spChg>
-      </pc:sldChg>
-      <pc:sldChg chg="modSp add mod modNotesTx">
-        <pc:chgData name="Andrew Ming Ho Wu" userId="620d876fccae6a25" providerId="LiveId" clId="{EF3BC0AB-AB59-4C81-97A5-1FDA4EE47D87}" dt="2020-09-27T10:19:05.687" v="6412" actId="20577"/>
-        <pc:sldMkLst>
-          <pc:docMk/>
-          <pc:sldMk cId="1731435901" sldId="304"/>
-        </pc:sldMkLst>
-        <pc:spChg chg="mod">
-          <ac:chgData name="Andrew Ming Ho Wu" userId="620d876fccae6a25" providerId="LiveId" clId="{EF3BC0AB-AB59-4C81-97A5-1FDA4EE47D87}" dt="2020-09-27T10:18:55.844" v="6411" actId="313"/>
-          <ac:spMkLst>
-            <pc:docMk/>
-            <pc:sldMk cId="1731435901" sldId="304"/>
-            <ac:spMk id="17" creationId="{48FA683B-0C92-4884-BB36-9239C11A9F11}"/>
-          </ac:spMkLst>
-        </pc:spChg>
-      </pc:sldChg>
-      <pc:sldChg chg="modSp add mod modNotesTx">
-        <pc:chgData name="Andrew Ming Ho Wu" userId="620d876fccae6a25" providerId="LiveId" clId="{EF3BC0AB-AB59-4C81-97A5-1FDA4EE47D87}" dt="2020-09-27T10:20:50.306" v="6644" actId="20577"/>
-        <pc:sldMkLst>
-          <pc:docMk/>
-          <pc:sldMk cId="3921722384" sldId="305"/>
-        </pc:sldMkLst>
-        <pc:spChg chg="mod">
-          <ac:chgData name="Andrew Ming Ho Wu" userId="620d876fccae6a25" providerId="LiveId" clId="{EF3BC0AB-AB59-4C81-97A5-1FDA4EE47D87}" dt="2020-09-27T10:20:34.775" v="6643" actId="20577"/>
-          <ac:spMkLst>
-            <pc:docMk/>
-            <pc:sldMk cId="3921722384" sldId="305"/>
-            <ac:spMk id="17" creationId="{48FA683B-0C92-4884-BB36-9239C11A9F11}"/>
-          </ac:spMkLst>
-        </pc:spChg>
-      </pc:sldChg>
-      <pc:sldChg chg="modSp add mod modNotesTx">
-        <pc:chgData name="Andrew Ming Ho Wu" userId="620d876fccae6a25" providerId="LiveId" clId="{EF3BC0AB-AB59-4C81-97A5-1FDA4EE47D87}" dt="2020-09-27T10:21:37.258" v="6762" actId="20577"/>
-        <pc:sldMkLst>
-          <pc:docMk/>
-          <pc:sldMk cId="393541412" sldId="306"/>
-        </pc:sldMkLst>
-        <pc:spChg chg="mod">
-          <ac:chgData name="Andrew Ming Ho Wu" userId="620d876fccae6a25" providerId="LiveId" clId="{EF3BC0AB-AB59-4C81-97A5-1FDA4EE47D87}" dt="2020-09-27T10:21:32.006" v="6761" actId="20577"/>
-          <ac:spMkLst>
-            <pc:docMk/>
-            <pc:sldMk cId="393541412" sldId="306"/>
-            <ac:spMk id="17" creationId="{48FA683B-0C92-4884-BB36-9239C11A9F11}"/>
-          </ac:spMkLst>
-        </pc:spChg>
-      </pc:sldChg>
-      <pc:sldChg chg="modSp add mod modNotesTx">
-        <pc:chgData name="Andrew Ming Ho Wu" userId="620d876fccae6a25" providerId="LiveId" clId="{EF3BC0AB-AB59-4C81-97A5-1FDA4EE47D87}" dt="2020-09-27T10:21:47.784" v="6763" actId="255"/>
-        <pc:sldMkLst>
-          <pc:docMk/>
-          <pc:sldMk cId="696112063" sldId="307"/>
-        </pc:sldMkLst>
-        <pc:spChg chg="mod">
-          <ac:chgData name="Andrew Ming Ho Wu" userId="620d876fccae6a25" providerId="LiveId" clId="{EF3BC0AB-AB59-4C81-97A5-1FDA4EE47D87}" dt="2020-09-27T10:21:47.784" v="6763" actId="255"/>
-          <ac:spMkLst>
-            <pc:docMk/>
-            <pc:sldMk cId="696112063" sldId="307"/>
-            <ac:spMk id="17" creationId="{48FA683B-0C92-4884-BB36-9239C11A9F11}"/>
-          </ac:spMkLst>
-        </pc:spChg>
-      </pc:sldChg>
-      <pc:sldChg chg="modSp add mod modNotesTx">
-        <pc:chgData name="Andrew Ming Ho Wu" userId="620d876fccae6a25" providerId="LiveId" clId="{EF3BC0AB-AB59-4C81-97A5-1FDA4EE47D87}" dt="2020-09-27T10:22:20.056" v="6856" actId="20577"/>
-        <pc:sldMkLst>
-          <pc:docMk/>
-          <pc:sldMk cId="2138515264" sldId="308"/>
-        </pc:sldMkLst>
-        <pc:spChg chg="mod">
-          <ac:chgData name="Andrew Ming Ho Wu" userId="620d876fccae6a25" providerId="LiveId" clId="{EF3BC0AB-AB59-4C81-97A5-1FDA4EE47D87}" dt="2020-09-27T10:22:20.056" v="6856" actId="20577"/>
-          <ac:spMkLst>
-            <pc:docMk/>
-            <pc:sldMk cId="2138515264" sldId="308"/>
-            <ac:spMk id="17" creationId="{48FA683B-0C92-4884-BB36-9239C11A9F11}"/>
-          </ac:spMkLst>
-        </pc:spChg>
-      </pc:sldChg>
-      <pc:sldChg chg="modSp add mod modNotesTx">
-        <pc:chgData name="Andrew Ming Ho Wu" userId="620d876fccae6a25" providerId="LiveId" clId="{EF3BC0AB-AB59-4C81-97A5-1FDA4EE47D87}" dt="2020-09-27T10:23:00.536" v="6930" actId="20577"/>
-        <pc:sldMkLst>
-          <pc:docMk/>
-          <pc:sldMk cId="2113135599" sldId="309"/>
-        </pc:sldMkLst>
-        <pc:spChg chg="mod">
-          <ac:chgData name="Andrew Ming Ho Wu" userId="620d876fccae6a25" providerId="LiveId" clId="{EF3BC0AB-AB59-4C81-97A5-1FDA4EE47D87}" dt="2020-09-27T10:23:00.536" v="6930" actId="20577"/>
-          <ac:spMkLst>
-            <pc:docMk/>
-            <pc:sldMk cId="2113135599" sldId="309"/>
-            <ac:spMk id="17" creationId="{48FA683B-0C92-4884-BB36-9239C11A9F11}"/>
-          </ac:spMkLst>
-        </pc:spChg>
-      </pc:sldChg>
-      <pc:sldChg chg="modSp add mod modNotesTx">
-        <pc:chgData name="Andrew Ming Ho Wu" userId="620d876fccae6a25" providerId="LiveId" clId="{EF3BC0AB-AB59-4C81-97A5-1FDA4EE47D87}" dt="2020-09-27T10:23:44.427" v="6931" actId="255"/>
-        <pc:sldMkLst>
-          <pc:docMk/>
-          <pc:sldMk cId="3619567919" sldId="310"/>
-        </pc:sldMkLst>
-        <pc:spChg chg="mod">
-          <ac:chgData name="Andrew Ming Ho Wu" userId="620d876fccae6a25" providerId="LiveId" clId="{EF3BC0AB-AB59-4C81-97A5-1FDA4EE47D87}" dt="2020-09-27T10:01:03.972" v="4768" actId="1076"/>
-          <ac:spMkLst>
-            <pc:docMk/>
-            <pc:sldMk cId="3619567919" sldId="310"/>
-            <ac:spMk id="13" creationId="{69CF4EEB-ADC9-4068-B7B7-D36841F39D3C}"/>
-          </ac:spMkLst>
-        </pc:spChg>
-        <pc:spChg chg="mod">
-          <ac:chgData name="Andrew Ming Ho Wu" userId="620d876fccae6a25" providerId="LiveId" clId="{EF3BC0AB-AB59-4C81-97A5-1FDA4EE47D87}" dt="2020-09-27T10:23:44.427" v="6931" actId="255"/>
-          <ac:spMkLst>
-            <pc:docMk/>
-            <pc:sldMk cId="3619567919" sldId="310"/>
-            <ac:spMk id="17" creationId="{48FA683B-0C92-4884-BB36-9239C11A9F11}"/>
-          </ac:spMkLst>
-        </pc:spChg>
-      </pc:sldChg>
-      <pc:sldChg chg="modSp add mod modNotesTx">
-        <pc:chgData name="Andrew Ming Ho Wu" userId="620d876fccae6a25" providerId="LiveId" clId="{EF3BC0AB-AB59-4C81-97A5-1FDA4EE47D87}" dt="2020-09-27T10:24:04.623" v="6933" actId="20577"/>
-        <pc:sldMkLst>
-          <pc:docMk/>
-          <pc:sldMk cId="4241162783" sldId="311"/>
-        </pc:sldMkLst>
-        <pc:spChg chg="mod">
-          <ac:chgData name="Andrew Ming Ho Wu" userId="620d876fccae6a25" providerId="LiveId" clId="{EF3BC0AB-AB59-4C81-97A5-1FDA4EE47D87}" dt="2020-09-27T10:23:51.587" v="6932" actId="255"/>
-          <ac:spMkLst>
-            <pc:docMk/>
-            <pc:sldMk cId="4241162783" sldId="311"/>
-            <ac:spMk id="17" creationId="{48FA683B-0C92-4884-BB36-9239C11A9F11}"/>
-          </ac:spMkLst>
-        </pc:spChg>
-      </pc:sldChg>
-      <pc:sldChg chg="modSp add mod modNotesTx">
-        <pc:chgData name="Andrew Ming Ho Wu" userId="620d876fccae6a25" providerId="LiveId" clId="{EF3BC0AB-AB59-4C81-97A5-1FDA4EE47D87}" dt="2020-09-27T10:24:22.320" v="6935" actId="20577"/>
-        <pc:sldMkLst>
-          <pc:docMk/>
-          <pc:sldMk cId="1035541448" sldId="312"/>
-        </pc:sldMkLst>
-        <pc:spChg chg="mod">
-          <ac:chgData name="Andrew Ming Ho Wu" userId="620d876fccae6a25" providerId="LiveId" clId="{EF3BC0AB-AB59-4C81-97A5-1FDA4EE47D87}" dt="2020-09-27T10:24:10.906" v="6934" actId="255"/>
-          <ac:spMkLst>
-            <pc:docMk/>
-            <pc:sldMk cId="1035541448" sldId="312"/>
-            <ac:spMk id="17" creationId="{48FA683B-0C92-4884-BB36-9239C11A9F11}"/>
-          </ac:spMkLst>
-        </pc:spChg>
-      </pc:sldChg>
-      <pc:sldChg chg="modSp add mod">
-        <pc:chgData name="Andrew Ming Ho Wu" userId="620d876fccae6a25" providerId="LiveId" clId="{EF3BC0AB-AB59-4C81-97A5-1FDA4EE47D87}" dt="2020-09-27T10:25:36.179" v="7152" actId="20577"/>
-        <pc:sldMkLst>
-          <pc:docMk/>
-          <pc:sldMk cId="1627687639" sldId="313"/>
-        </pc:sldMkLst>
-        <pc:spChg chg="mod">
-          <ac:chgData name="Andrew Ming Ho Wu" userId="620d876fccae6a25" providerId="LiveId" clId="{EF3BC0AB-AB59-4C81-97A5-1FDA4EE47D87}" dt="2020-09-27T10:25:36.179" v="7152" actId="20577"/>
-          <ac:spMkLst>
-            <pc:docMk/>
-            <pc:sldMk cId="1627687639" sldId="313"/>
-            <ac:spMk id="17" creationId="{48FA683B-0C92-4884-BB36-9239C11A9F11}"/>
-          </ac:spMkLst>
-        </pc:spChg>
-      </pc:sldChg>
-      <pc:sldChg chg="modSp add mod">
-        <pc:chgData name="Andrew Ming Ho Wu" userId="620d876fccae6a25" providerId="LiveId" clId="{EF3BC0AB-AB59-4C81-97A5-1FDA4EE47D87}" dt="2020-09-27T10:32:13.605" v="8194" actId="20577"/>
-        <pc:sldMkLst>
-          <pc:docMk/>
-          <pc:sldMk cId="1950776556" sldId="314"/>
-        </pc:sldMkLst>
-        <pc:spChg chg="mod">
-          <ac:chgData name="Andrew Ming Ho Wu" userId="620d876fccae6a25" providerId="LiveId" clId="{EF3BC0AB-AB59-4C81-97A5-1FDA4EE47D87}" dt="2020-09-27T10:32:13.605" v="8194" actId="20577"/>
-          <ac:spMkLst>
-            <pc:docMk/>
-            <pc:sldMk cId="1950776556" sldId="314"/>
-            <ac:spMk id="17" creationId="{48FA683B-0C92-4884-BB36-9239C11A9F11}"/>
-          </ac:spMkLst>
-        </pc:spChg>
-      </pc:sldChg>
-      <pc:sldChg chg="modSp add mod">
-        <pc:chgData name="Andrew Ming Ho Wu" userId="620d876fccae6a25" providerId="LiveId" clId="{EF3BC0AB-AB59-4C81-97A5-1FDA4EE47D87}" dt="2020-09-27T10:32:16.641" v="8196" actId="20577"/>
-        <pc:sldMkLst>
-          <pc:docMk/>
-          <pc:sldMk cId="3899163142" sldId="315"/>
-        </pc:sldMkLst>
-        <pc:spChg chg="mod">
-          <ac:chgData name="Andrew Ming Ho Wu" userId="620d876fccae6a25" providerId="LiveId" clId="{EF3BC0AB-AB59-4C81-97A5-1FDA4EE47D87}" dt="2020-09-27T10:32:16.641" v="8196" actId="20577"/>
-          <ac:spMkLst>
-            <pc:docMk/>
-            <pc:sldMk cId="3899163142" sldId="315"/>
-            <ac:spMk id="17" creationId="{48FA683B-0C92-4884-BB36-9239C11A9F11}"/>
-          </ac:spMkLst>
-        </pc:spChg>
-      </pc:sldChg>
-      <pc:sldChg chg="modSp add mod">
-        <pc:chgData name="Andrew Ming Ho Wu" userId="620d876fccae6a25" providerId="LiveId" clId="{EF3BC0AB-AB59-4C81-97A5-1FDA4EE47D87}" dt="2020-09-27T10:32:19.922" v="8198" actId="20577"/>
-        <pc:sldMkLst>
-          <pc:docMk/>
-          <pc:sldMk cId="2313566969" sldId="316"/>
-        </pc:sldMkLst>
-        <pc:spChg chg="mod">
-          <ac:chgData name="Andrew Ming Ho Wu" userId="620d876fccae6a25" providerId="LiveId" clId="{EF3BC0AB-AB59-4C81-97A5-1FDA4EE47D87}" dt="2020-09-27T10:32:19.922" v="8198" actId="20577"/>
-          <ac:spMkLst>
-            <pc:docMk/>
-            <pc:sldMk cId="2313566969" sldId="316"/>
-            <ac:spMk id="17" creationId="{48FA683B-0C92-4884-BB36-9239C11A9F11}"/>
-          </ac:spMkLst>
-        </pc:spChg>
-      </pc:sldChg>
-      <pc:sldChg chg="modSp add mod">
-        <pc:chgData name="Andrew Ming Ho Wu" userId="620d876fccae6a25" providerId="LiveId" clId="{EF3BC0AB-AB59-4C81-97A5-1FDA4EE47D87}" dt="2020-09-27T10:32:55.790" v="8288" actId="1076"/>
-        <pc:sldMkLst>
-          <pc:docMk/>
-          <pc:sldMk cId="525558553" sldId="317"/>
-        </pc:sldMkLst>
-        <pc:spChg chg="mod">
-          <ac:chgData name="Andrew Ming Ho Wu" userId="620d876fccae6a25" providerId="LiveId" clId="{EF3BC0AB-AB59-4C81-97A5-1FDA4EE47D87}" dt="2020-09-27T10:32:55.790" v="8288" actId="1076"/>
-          <ac:spMkLst>
-            <pc:docMk/>
-            <pc:sldMk cId="525558553" sldId="317"/>
-            <ac:spMk id="17" creationId="{48FA683B-0C92-4884-BB36-9239C11A9F11}"/>
-          </ac:spMkLst>
-        </pc:spChg>
-      </pc:sldChg>
-      <pc:sldChg chg="modSp add mod">
-        <pc:chgData name="Andrew Ming Ho Wu" userId="620d876fccae6a25" providerId="LiveId" clId="{EF3BC0AB-AB59-4C81-97A5-1FDA4EE47D87}" dt="2020-09-27T10:33:59.156" v="8519" actId="20577"/>
-        <pc:sldMkLst>
-          <pc:docMk/>
-          <pc:sldMk cId="2450840084" sldId="318"/>
-        </pc:sldMkLst>
-        <pc:spChg chg="mod">
-          <ac:chgData name="Andrew Ming Ho Wu" userId="620d876fccae6a25" providerId="LiveId" clId="{EF3BC0AB-AB59-4C81-97A5-1FDA4EE47D87}" dt="2020-09-27T10:33:59.156" v="8519" actId="20577"/>
-          <ac:spMkLst>
-            <pc:docMk/>
-            <pc:sldMk cId="2450840084" sldId="318"/>
-            <ac:spMk id="17" creationId="{48FA683B-0C92-4884-BB36-9239C11A9F11}"/>
-          </ac:spMkLst>
-        </pc:spChg>
-      </pc:sldChg>
-      <pc:sldChg chg="addSp delSp modSp add mod">
-        <pc:chgData name="Andrew Ming Ho Wu" userId="620d876fccae6a25" providerId="LiveId" clId="{EF3BC0AB-AB59-4C81-97A5-1FDA4EE47D87}" dt="2020-09-27T10:39:14.873" v="9058" actId="20577"/>
-        <pc:sldMkLst>
-          <pc:docMk/>
-          <pc:sldMk cId="3241138585" sldId="319"/>
-        </pc:sldMkLst>
-        <pc:spChg chg="mod">
-          <ac:chgData name="Andrew Ming Ho Wu" userId="620d876fccae6a25" providerId="LiveId" clId="{EF3BC0AB-AB59-4C81-97A5-1FDA4EE47D87}" dt="2020-09-27T10:35:24.156" v="8547" actId="1076"/>
-          <ac:spMkLst>
-            <pc:docMk/>
-            <pc:sldMk cId="3241138585" sldId="319"/>
-            <ac:spMk id="13" creationId="{69CF4EEB-ADC9-4068-B7B7-D36841F39D3C}"/>
-          </ac:spMkLst>
-        </pc:spChg>
-        <pc:spChg chg="add del mod">
-          <ac:chgData name="Andrew Ming Ho Wu" userId="620d876fccae6a25" providerId="LiveId" clId="{EF3BC0AB-AB59-4C81-97A5-1FDA4EE47D87}" dt="2020-09-27T10:39:14.873" v="9058" actId="20577"/>
-          <ac:spMkLst>
-            <pc:docMk/>
-            <pc:sldMk cId="3241138585" sldId="319"/>
-            <ac:spMk id="17" creationId="{48FA683B-0C92-4884-BB36-9239C11A9F11}"/>
-          </ac:spMkLst>
-        </pc:spChg>
-      </pc:sldChg>
-      <pc:sldChg chg="modSp add mod">
-        <pc:chgData name="Andrew Ming Ho Wu" userId="620d876fccae6a25" providerId="LiveId" clId="{EF3BC0AB-AB59-4C81-97A5-1FDA4EE47D87}" dt="2020-09-27T10:43:27.516" v="9560" actId="20577"/>
-        <pc:sldMkLst>
-          <pc:docMk/>
-          <pc:sldMk cId="597090878" sldId="320"/>
-        </pc:sldMkLst>
-        <pc:spChg chg="mod">
-          <ac:chgData name="Andrew Ming Ho Wu" userId="620d876fccae6a25" providerId="LiveId" clId="{EF3BC0AB-AB59-4C81-97A5-1FDA4EE47D87}" dt="2020-09-27T10:43:27.516" v="9560" actId="20577"/>
-          <ac:spMkLst>
-            <pc:docMk/>
-            <pc:sldMk cId="597090878" sldId="320"/>
-            <ac:spMk id="17" creationId="{48FA683B-0C92-4884-BB36-9239C11A9F11}"/>
-          </ac:spMkLst>
-        </pc:spChg>
-      </pc:sldChg>
-      <pc:sldChg chg="addSp delSp modSp add mod">
-        <pc:chgData name="Andrew Ming Ho Wu" userId="620d876fccae6a25" providerId="LiveId" clId="{EF3BC0AB-AB59-4C81-97A5-1FDA4EE47D87}" dt="2020-09-27T10:58:39.244" v="9567"/>
-        <pc:sldMkLst>
-          <pc:docMk/>
-          <pc:sldMk cId="3935872265" sldId="321"/>
-        </pc:sldMkLst>
-        <pc:spChg chg="del mod">
-          <ac:chgData name="Andrew Ming Ho Wu" userId="620d876fccae6a25" providerId="LiveId" clId="{EF3BC0AB-AB59-4C81-97A5-1FDA4EE47D87}" dt="2020-09-27T10:58:39.244" v="9567"/>
-          <ac:spMkLst>
-            <pc:docMk/>
-            <pc:sldMk cId="3935872265" sldId="321"/>
-            <ac:spMk id="17" creationId="{48FA683B-0C92-4884-BB36-9239C11A9F11}"/>
-          </ac:spMkLst>
-        </pc:spChg>
-        <pc:picChg chg="add mod">
-          <ac:chgData name="Andrew Ming Ho Wu" userId="620d876fccae6a25" providerId="LiveId" clId="{EF3BC0AB-AB59-4C81-97A5-1FDA4EE47D87}" dt="2020-09-27T10:58:38.641" v="9565" actId="14100"/>
-          <ac:picMkLst>
-            <pc:docMk/>
-            <pc:sldMk cId="3935872265" sldId="321"/>
-            <ac:picMk id="6" creationId="{9A9BF99D-7F84-4233-BC72-E8CC5BE0B067}"/>
-          </ac:picMkLst>
-        </pc:picChg>
-      </pc:sldChg>
-      <pc:sldChg chg="addSp delSp modSp add mod">
-        <pc:chgData name="Andrew Ming Ho Wu" userId="620d876fccae6a25" providerId="LiveId" clId="{EF3BC0AB-AB59-4C81-97A5-1FDA4EE47D87}" dt="2020-09-27T11:03:15.071" v="9639" actId="313"/>
-        <pc:sldMkLst>
-          <pc:docMk/>
-          <pc:sldMk cId="2428145897" sldId="322"/>
-        </pc:sldMkLst>
-        <pc:spChg chg="add del">
-          <ac:chgData name="Andrew Ming Ho Wu" userId="620d876fccae6a25" providerId="LiveId" clId="{EF3BC0AB-AB59-4C81-97A5-1FDA4EE47D87}" dt="2020-09-27T11:02:08.216" v="9585" actId="478"/>
-          <ac:spMkLst>
-            <pc:docMk/>
-            <pc:sldMk cId="2428145897" sldId="322"/>
-            <ac:spMk id="14" creationId="{82204D47-3F7F-4F81-9F0B-B8D05A4A12AB}"/>
-          </ac:spMkLst>
-        </pc:spChg>
-        <pc:spChg chg="add del mod">
-          <ac:chgData name="Andrew Ming Ho Wu" userId="620d876fccae6a25" providerId="LiveId" clId="{EF3BC0AB-AB59-4C81-97A5-1FDA4EE47D87}" dt="2020-09-27T11:03:15.071" v="9639" actId="313"/>
-          <ac:spMkLst>
-            <pc:docMk/>
-            <pc:sldMk cId="2428145897" sldId="322"/>
-            <ac:spMk id="16" creationId="{F047BA3C-54FB-4687-843D-9C20754A8819}"/>
-          </ac:spMkLst>
-        </pc:spChg>
-        <pc:spChg chg="add del">
-          <ac:chgData name="Andrew Ming Ho Wu" userId="620d876fccae6a25" providerId="LiveId" clId="{EF3BC0AB-AB59-4C81-97A5-1FDA4EE47D87}" dt="2020-09-27T11:00:26.377" v="9575" actId="22"/>
-          <ac:spMkLst>
-            <pc:docMk/>
-            <pc:sldMk cId="2428145897" sldId="322"/>
-            <ac:spMk id="18" creationId="{BF7EA6D2-8A4A-4CBD-BC10-20FE1AFEFC61}"/>
-          </ac:spMkLst>
-        </pc:spChg>
-        <pc:picChg chg="add del">
-          <ac:chgData name="Andrew Ming Ho Wu" userId="620d876fccae6a25" providerId="LiveId" clId="{EF3BC0AB-AB59-4C81-97A5-1FDA4EE47D87}" dt="2020-09-27T11:02:07.818" v="9583" actId="478"/>
-          <ac:picMkLst>
-            <pc:docMk/>
-            <pc:sldMk cId="2428145897" sldId="322"/>
-            <ac:picMk id="6" creationId="{9A9BF99D-7F84-4233-BC72-E8CC5BE0B067}"/>
-          </ac:picMkLst>
-        </pc:picChg>
-      </pc:sldChg>
-      <pc:sldChg chg="addSp delSp modSp add mod">
-        <pc:chgData name="Andrew Ming Ho Wu" userId="620d876fccae6a25" providerId="LiveId" clId="{EF3BC0AB-AB59-4C81-97A5-1FDA4EE47D87}" dt="2020-09-27T18:22:25.987" v="10124" actId="20577"/>
-        <pc:sldMkLst>
-          <pc:docMk/>
-          <pc:sldMk cId="3584881285" sldId="323"/>
-        </pc:sldMkLst>
-        <pc:spChg chg="add mod">
-          <ac:chgData name="Andrew Ming Ho Wu" userId="620d876fccae6a25" providerId="LiveId" clId="{EF3BC0AB-AB59-4C81-97A5-1FDA4EE47D87}" dt="2020-09-27T18:22:25.987" v="10124" actId="20577"/>
-          <ac:spMkLst>
-            <pc:docMk/>
-            <pc:sldMk cId="3584881285" sldId="323"/>
-            <ac:spMk id="7" creationId="{E4AD51E1-FCF3-4A0C-8B1A-3C58F573459E}"/>
-          </ac:spMkLst>
-        </pc:spChg>
-        <pc:spChg chg="mod">
-          <ac:chgData name="Andrew Ming Ho Wu" userId="620d876fccae6a25" providerId="LiveId" clId="{EF3BC0AB-AB59-4C81-97A5-1FDA4EE47D87}" dt="2020-09-27T11:03:33.284" v="9673" actId="1076"/>
-          <ac:spMkLst>
-            <pc:docMk/>
-            <pc:sldMk cId="3584881285" sldId="323"/>
-            <ac:spMk id="13" creationId="{69CF4EEB-ADC9-4068-B7B7-D36841F39D3C}"/>
-          </ac:spMkLst>
-        </pc:spChg>
-        <pc:spChg chg="del mod">
-          <ac:chgData name="Andrew Ming Ho Wu" userId="620d876fccae6a25" providerId="LiveId" clId="{EF3BC0AB-AB59-4C81-97A5-1FDA4EE47D87}" dt="2020-09-27T11:03:36.351" v="9676"/>
-          <ac:spMkLst>
-            <pc:docMk/>
-            <pc:sldMk cId="3584881285" sldId="323"/>
-            <ac:spMk id="16" creationId="{F047BA3C-54FB-4687-843D-9C20754A8819}"/>
-          </ac:spMkLst>
-        </pc:spChg>
-        <pc:graphicFrameChg chg="add del mod">
-          <ac:chgData name="Andrew Ming Ho Wu" userId="620d876fccae6a25" providerId="LiveId" clId="{EF3BC0AB-AB59-4C81-97A5-1FDA4EE47D87}" dt="2020-09-27T18:18:59.929" v="9678"/>
-          <ac:graphicFrameMkLst>
-            <pc:docMk/>
-            <pc:sldMk cId="3584881285" sldId="323"/>
-            <ac:graphicFrameMk id="6" creationId="{60167984-0F6D-44F1-A20D-E8267DCC0337}"/>
-          </ac:graphicFrameMkLst>
-        </pc:graphicFrameChg>
-      </pc:sldChg>
-      <pc:sldChg chg="modSp add mod">
-        <pc:chgData name="Andrew Ming Ho Wu" userId="620d876fccae6a25" providerId="LiveId" clId="{EF3BC0AB-AB59-4C81-97A5-1FDA4EE47D87}" dt="2020-09-27T18:24:49.019" v="10398" actId="20577"/>
-        <pc:sldMkLst>
-          <pc:docMk/>
-          <pc:sldMk cId="1769369266" sldId="324"/>
-        </pc:sldMkLst>
-        <pc:spChg chg="mod">
-          <ac:chgData name="Andrew Ming Ho Wu" userId="620d876fccae6a25" providerId="LiveId" clId="{EF3BC0AB-AB59-4C81-97A5-1FDA4EE47D87}" dt="2020-09-27T18:24:49.019" v="10398" actId="20577"/>
-          <ac:spMkLst>
-            <pc:docMk/>
-            <pc:sldMk cId="1769369266" sldId="324"/>
-            <ac:spMk id="7" creationId="{E4AD51E1-FCF3-4A0C-8B1A-3C58F573459E}"/>
-          </ac:spMkLst>
-        </pc:spChg>
-      </pc:sldChg>
-      <pc:sldChg chg="modSp add mod">
-        <pc:chgData name="Andrew Ming Ho Wu" userId="620d876fccae6a25" providerId="LiveId" clId="{EF3BC0AB-AB59-4C81-97A5-1FDA4EE47D87}" dt="2020-09-27T18:29:32.927" v="10814" actId="20577"/>
-        <pc:sldMkLst>
-          <pc:docMk/>
-          <pc:sldMk cId="3774335670" sldId="325"/>
-        </pc:sldMkLst>
-        <pc:spChg chg="mod">
-          <ac:chgData name="Andrew Ming Ho Wu" userId="620d876fccae6a25" providerId="LiveId" clId="{EF3BC0AB-AB59-4C81-97A5-1FDA4EE47D87}" dt="2020-09-27T18:29:32.927" v="10814" actId="20577"/>
-          <ac:spMkLst>
-            <pc:docMk/>
-            <pc:sldMk cId="3774335670" sldId="325"/>
-            <ac:spMk id="7" creationId="{E4AD51E1-FCF3-4A0C-8B1A-3C58F573459E}"/>
-          </ac:spMkLst>
-        </pc:spChg>
-        <pc:spChg chg="mod">
-          <ac:chgData name="Andrew Ming Ho Wu" userId="620d876fccae6a25" providerId="LiveId" clId="{EF3BC0AB-AB59-4C81-97A5-1FDA4EE47D87}" dt="2020-09-27T18:26:27.870" v="10420" actId="20577"/>
-          <ac:spMkLst>
-            <pc:docMk/>
-            <pc:sldMk cId="3774335670" sldId="325"/>
-            <ac:spMk id="13" creationId="{69CF4EEB-ADC9-4068-B7B7-D36841F39D3C}"/>
-          </ac:spMkLst>
-        </pc:spChg>
-      </pc:sldChg>
-      <pc:sldChg chg="add del">
-        <pc:chgData name="Andrew Ming Ho Wu" userId="620d876fccae6a25" providerId="LiveId" clId="{EF3BC0AB-AB59-4C81-97A5-1FDA4EE47D87}" dt="2020-09-27T18:26:21.489" v="10401" actId="2696"/>
-        <pc:sldMkLst>
-          <pc:docMk/>
-          <pc:sldMk cId="828494221" sldId="326"/>
-        </pc:sldMkLst>
-      </pc:sldChg>
-      <pc:sldChg chg="modSp add mod">
-        <pc:chgData name="Andrew Ming Ho Wu" userId="620d876fccae6a25" providerId="LiveId" clId="{EF3BC0AB-AB59-4C81-97A5-1FDA4EE47D87}" dt="2020-09-27T18:34:03.877" v="11494" actId="1076"/>
-        <pc:sldMkLst>
-          <pc:docMk/>
-          <pc:sldMk cId="1449775771" sldId="326"/>
-        </pc:sldMkLst>
-        <pc:spChg chg="mod">
-          <ac:chgData name="Andrew Ming Ho Wu" userId="620d876fccae6a25" providerId="LiveId" clId="{EF3BC0AB-AB59-4C81-97A5-1FDA4EE47D87}" dt="2020-09-27T18:33:51.120" v="11492" actId="1076"/>
-          <ac:spMkLst>
-            <pc:docMk/>
-            <pc:sldMk cId="1449775771" sldId="326"/>
-            <ac:spMk id="7" creationId="{E4AD51E1-FCF3-4A0C-8B1A-3C58F573459E}"/>
-          </ac:spMkLst>
-        </pc:spChg>
-        <pc:spChg chg="mod">
-          <ac:chgData name="Andrew Ming Ho Wu" userId="620d876fccae6a25" providerId="LiveId" clId="{EF3BC0AB-AB59-4C81-97A5-1FDA4EE47D87}" dt="2020-09-27T18:34:03.877" v="11494" actId="1076"/>
-          <ac:spMkLst>
-            <pc:docMk/>
-            <pc:sldMk cId="1449775771" sldId="326"/>
-            <ac:spMk id="13" creationId="{69CF4EEB-ADC9-4068-B7B7-D36841F39D3C}"/>
-          </ac:spMkLst>
-        </pc:spChg>
-      </pc:sldChg>
-      <pc:sldChg chg="addSp delSp modSp add mod">
-        <pc:chgData name="Andrew Ming Ho Wu" userId="620d876fccae6a25" providerId="LiveId" clId="{EF3BC0AB-AB59-4C81-97A5-1FDA4EE47D87}" dt="2020-09-27T18:38:02.661" v="11934" actId="1076"/>
-        <pc:sldMkLst>
-          <pc:docMk/>
-          <pc:sldMk cId="4259034908" sldId="327"/>
-        </pc:sldMkLst>
-        <pc:spChg chg="add">
-          <ac:chgData name="Andrew Ming Ho Wu" userId="620d876fccae6a25" providerId="LiveId" clId="{EF3BC0AB-AB59-4C81-97A5-1FDA4EE47D87}" dt="2020-09-27T18:36:26.362" v="11607" actId="22"/>
-          <ac:spMkLst>
-            <pc:docMk/>
-            <pc:sldMk cId="4259034908" sldId="327"/>
-            <ac:spMk id="6" creationId="{BEC9B985-01E2-4E66-9346-091B101327B3}"/>
-          </ac:spMkLst>
-        </pc:spChg>
-        <pc:spChg chg="mod">
-          <ac:chgData name="Andrew Ming Ho Wu" userId="620d876fccae6a25" providerId="LiveId" clId="{EF3BC0AB-AB59-4C81-97A5-1FDA4EE47D87}" dt="2020-09-27T18:38:02.661" v="11934" actId="1076"/>
-          <ac:spMkLst>
-            <pc:docMk/>
-            <pc:sldMk cId="4259034908" sldId="327"/>
-            <ac:spMk id="7" creationId="{E4AD51E1-FCF3-4A0C-8B1A-3C58F573459E}"/>
-          </ac:spMkLst>
-        </pc:spChg>
-        <pc:spChg chg="del mod">
-          <ac:chgData name="Andrew Ming Ho Wu" userId="620d876fccae6a25" providerId="LiveId" clId="{EF3BC0AB-AB59-4C81-97A5-1FDA4EE47D87}" dt="2020-09-27T18:36:26.036" v="11606" actId="478"/>
-          <ac:spMkLst>
-            <pc:docMk/>
-            <pc:sldMk cId="4259034908" sldId="327"/>
-            <ac:spMk id="13" creationId="{69CF4EEB-ADC9-4068-B7B7-D36841F39D3C}"/>
-          </ac:spMkLst>
-        </pc:spChg>
-      </pc:sldChg>
-      <pc:sldChg chg="modSp add mod">
-        <pc:chgData name="Andrew Ming Ho Wu" userId="620d876fccae6a25" providerId="LiveId" clId="{EF3BC0AB-AB59-4C81-97A5-1FDA4EE47D87}" dt="2020-09-27T18:41:40.924" v="12570" actId="20577"/>
-        <pc:sldMkLst>
-          <pc:docMk/>
-          <pc:sldMk cId="2174425840" sldId="328"/>
-        </pc:sldMkLst>
-        <pc:spChg chg="mod">
-          <ac:chgData name="Andrew Ming Ho Wu" userId="620d876fccae6a25" providerId="LiveId" clId="{EF3BC0AB-AB59-4C81-97A5-1FDA4EE47D87}" dt="2020-09-27T18:41:40.924" v="12570" actId="20577"/>
-          <ac:spMkLst>
-            <pc:docMk/>
-            <pc:sldMk cId="2174425840" sldId="328"/>
-            <ac:spMk id="7" creationId="{E4AD51E1-FCF3-4A0C-8B1A-3C58F573459E}"/>
-          </ac:spMkLst>
-        </pc:spChg>
-      </pc:sldChg>
-      <pc:sldChg chg="modSp add mod">
-        <pc:chgData name="Andrew Ming Ho Wu" userId="620d876fccae6a25" providerId="LiveId" clId="{EF3BC0AB-AB59-4C81-97A5-1FDA4EE47D87}" dt="2020-09-27T18:48:04.723" v="13177" actId="20577"/>
-        <pc:sldMkLst>
-          <pc:docMk/>
-          <pc:sldMk cId="428898620" sldId="329"/>
-        </pc:sldMkLst>
-        <pc:spChg chg="mod">
-          <ac:chgData name="Andrew Ming Ho Wu" userId="620d876fccae6a25" providerId="LiveId" clId="{EF3BC0AB-AB59-4C81-97A5-1FDA4EE47D87}" dt="2020-09-27T18:43:02.482" v="12622" actId="20577"/>
-          <ac:spMkLst>
-            <pc:docMk/>
-            <pc:sldMk cId="428898620" sldId="329"/>
-            <ac:spMk id="5" creationId="{00000000-0000-0000-0000-000000000000}"/>
-          </ac:spMkLst>
-        </pc:spChg>
-        <pc:spChg chg="mod">
-          <ac:chgData name="Andrew Ming Ho Wu" userId="620d876fccae6a25" providerId="LiveId" clId="{EF3BC0AB-AB59-4C81-97A5-1FDA4EE47D87}" dt="2020-09-27T18:48:04.723" v="13177" actId="20577"/>
-          <ac:spMkLst>
-            <pc:docMk/>
-            <pc:sldMk cId="428898620" sldId="329"/>
-            <ac:spMk id="12" creationId="{7E70BACB-1CF0-4DEE-923B-205A7D88BC2B}"/>
-          </ac:spMkLst>
-        </pc:spChg>
-      </pc:sldChg>
-      <pc:sldChg chg="modSp add mod">
-        <pc:chgData name="Andrew Ming Ho Wu" userId="620d876fccae6a25" providerId="LiveId" clId="{EF3BC0AB-AB59-4C81-97A5-1FDA4EE47D87}" dt="2020-09-27T18:53:06.406" v="14074" actId="1076"/>
-        <pc:sldMkLst>
-          <pc:docMk/>
-          <pc:sldMk cId="3627176467" sldId="330"/>
-        </pc:sldMkLst>
-        <pc:spChg chg="mod">
-          <ac:chgData name="Andrew Ming Ho Wu" userId="620d876fccae6a25" providerId="LiveId" clId="{EF3BC0AB-AB59-4C81-97A5-1FDA4EE47D87}" dt="2020-09-27T18:48:38.569" v="13202" actId="20577"/>
-          <ac:spMkLst>
-            <pc:docMk/>
-            <pc:sldMk cId="3627176467" sldId="330"/>
-            <ac:spMk id="5" creationId="{00000000-0000-0000-0000-000000000000}"/>
-          </ac:spMkLst>
-        </pc:spChg>
-        <pc:spChg chg="mod">
-          <ac:chgData name="Andrew Ming Ho Wu" userId="620d876fccae6a25" providerId="LiveId" clId="{EF3BC0AB-AB59-4C81-97A5-1FDA4EE47D87}" dt="2020-09-27T18:53:06.406" v="14074" actId="1076"/>
-          <ac:spMkLst>
-            <pc:docMk/>
-            <pc:sldMk cId="3627176467" sldId="330"/>
-            <ac:spMk id="12" creationId="{7E70BACB-1CF0-4DEE-923B-205A7D88BC2B}"/>
-          </ac:spMkLst>
-        </pc:spChg>
-      </pc:sldChg>
-      <pc:sldChg chg="modSp add mod">
-        <pc:chgData name="Andrew Ming Ho Wu" userId="620d876fccae6a25" providerId="LiveId" clId="{EF3BC0AB-AB59-4C81-97A5-1FDA4EE47D87}" dt="2020-09-27T18:54:28.038" v="14319" actId="20577"/>
-        <pc:sldMkLst>
-          <pc:docMk/>
-          <pc:sldMk cId="311588258" sldId="331"/>
-        </pc:sldMkLst>
-        <pc:spChg chg="mod">
-          <ac:chgData name="Andrew Ming Ho Wu" userId="620d876fccae6a25" providerId="LiveId" clId="{EF3BC0AB-AB59-4C81-97A5-1FDA4EE47D87}" dt="2020-09-27T18:53:26.285" v="14108" actId="14100"/>
-          <ac:spMkLst>
-            <pc:docMk/>
-            <pc:sldMk cId="311588258" sldId="331"/>
-            <ac:spMk id="5" creationId="{00000000-0000-0000-0000-000000000000}"/>
-          </ac:spMkLst>
-        </pc:spChg>
-        <pc:spChg chg="mod">
-          <ac:chgData name="Andrew Ming Ho Wu" userId="620d876fccae6a25" providerId="LiveId" clId="{EF3BC0AB-AB59-4C81-97A5-1FDA4EE47D87}" dt="2020-09-27T18:54:28.038" v="14319" actId="20577"/>
-          <ac:spMkLst>
-            <pc:docMk/>
-            <pc:sldMk cId="311588258" sldId="331"/>
-            <ac:spMk id="12" creationId="{7E70BACB-1CF0-4DEE-923B-205A7D88BC2B}"/>
-          </ac:spMkLst>
-        </pc:spChg>
-      </pc:sldChg>
-      <pc:sldChg chg="modSp add mod">
-        <pc:chgData name="Andrew Ming Ho Wu" userId="620d876fccae6a25" providerId="LiveId" clId="{EF3BC0AB-AB59-4C81-97A5-1FDA4EE47D87}" dt="2020-09-27T18:57:17.757" v="14458" actId="20577"/>
-        <pc:sldMkLst>
-          <pc:docMk/>
-          <pc:sldMk cId="1678336179" sldId="332"/>
-        </pc:sldMkLst>
-        <pc:spChg chg="mod">
-          <ac:chgData name="Andrew Ming Ho Wu" userId="620d876fccae6a25" providerId="LiveId" clId="{EF3BC0AB-AB59-4C81-97A5-1FDA4EE47D87}" dt="2020-09-27T18:54:54.107" v="14359" actId="20577"/>
-          <ac:spMkLst>
-            <pc:docMk/>
-            <pc:sldMk cId="1678336179" sldId="332"/>
-            <ac:spMk id="5" creationId="{00000000-0000-0000-0000-000000000000}"/>
-          </ac:spMkLst>
-        </pc:spChg>
-        <pc:spChg chg="mod">
-          <ac:chgData name="Andrew Ming Ho Wu" userId="620d876fccae6a25" providerId="LiveId" clId="{EF3BC0AB-AB59-4C81-97A5-1FDA4EE47D87}" dt="2020-09-27T18:57:17.757" v="14458" actId="20577"/>
-          <ac:spMkLst>
-            <pc:docMk/>
-            <pc:sldMk cId="1678336179" sldId="332"/>
-            <ac:spMk id="12" creationId="{7E70BACB-1CF0-4DEE-923B-205A7D88BC2B}"/>
-          </ac:spMkLst>
-        </pc:spChg>
-      </pc:sldChg>
-    </pc:docChg>
-  </pc:docChgLst>
-  <pc:docChgLst>
-    <pc:chgData name="Andrew Ming Ho Wu" userId="620d876fccae6a25" providerId="LiveId" clId="{B8CC6B97-FBEB-4E84-A973-1D8D00A51797}"/>
-    <pc:docChg chg="undo redo custSel addSld delSld modSld">
-      <pc:chgData name="Andrew Ming Ho Wu" userId="620d876fccae6a25" providerId="LiveId" clId="{B8CC6B97-FBEB-4E84-A973-1D8D00A51797}" dt="2020-12-09T20:21:14.831" v="3322" actId="1076"/>
+    <pc:chgData name="Andrew Ming Ho Wu" userId="620d876fccae6a25" providerId="LiveId" clId="{301D553B-ED1B-4DD0-8B60-0326FA0FE40D}"/>
+    <pc:docChg chg="undo custSel modSld sldOrd">
+      <pc:chgData name="Andrew Ming Ho Wu" userId="620d876fccae6a25" providerId="LiveId" clId="{301D553B-ED1B-4DD0-8B60-0326FA0FE40D}" dt="2020-12-04T09:57:29.774" v="2192" actId="20577"/>
       <pc:docMkLst>
         <pc:docMk/>
       </pc:docMkLst>
       <pc:sldChg chg="modSp mod">
-        <pc:chgData name="Andrew Ming Ho Wu" userId="620d876fccae6a25" providerId="LiveId" clId="{B8CC6B97-FBEB-4E84-A973-1D8D00A51797}" dt="2020-12-07T23:20:20.434" v="2391" actId="20577"/>
+        <pc:chgData name="Andrew Ming Ho Wu" userId="620d876fccae6a25" providerId="LiveId" clId="{301D553B-ED1B-4DD0-8B60-0326FA0FE40D}" dt="2020-12-04T09:23:30.694" v="1648" actId="20577"/>
         <pc:sldMkLst>
           <pc:docMk/>
           <pc:sldMk cId="0" sldId="256"/>
         </pc:sldMkLst>
         <pc:spChg chg="mod">
-          <ac:chgData name="Andrew Ming Ho Wu" userId="620d876fccae6a25" providerId="LiveId" clId="{B8CC6B97-FBEB-4E84-A973-1D8D00A51797}" dt="2020-12-07T23:20:20.434" v="2391" actId="20577"/>
-          <ac:spMkLst>
-            <pc:docMk/>
-            <pc:sldMk cId="0" sldId="256"/>
-            <ac:spMk id="7" creationId="{00000000-0000-0000-0000-000000000000}"/>
-          </ac:spMkLst>
-        </pc:spChg>
-        <pc:spChg chg="mod">
-          <ac:chgData name="Andrew Ming Ho Wu" userId="620d876fccae6a25" providerId="LiveId" clId="{B8CC6B97-FBEB-4E84-A973-1D8D00A51797}" dt="2020-12-07T11:47:32.514" v="4" actId="20577"/>
+          <ac:chgData name="Andrew Ming Ho Wu" userId="620d876fccae6a25" providerId="LiveId" clId="{301D553B-ED1B-4DD0-8B60-0326FA0FE40D}" dt="2020-12-04T09:23:30.694" v="1648" actId="20577"/>
           <ac:spMkLst>
             <pc:docMk/>
             <pc:sldMk cId="0" sldId="256"/>
@@ -4919,14 +5080,14 @@
           </ac:spMkLst>
         </pc:spChg>
       </pc:sldChg>
-      <pc:sldChg chg="modSp del mod">
-        <pc:chgData name="Andrew Ming Ho Wu" userId="620d876fccae6a25" providerId="LiveId" clId="{B8CC6B97-FBEB-4E84-A973-1D8D00A51797}" dt="2020-12-07T14:43:22.840" v="2386" actId="47"/>
+      <pc:sldChg chg="modSp mod ord">
+        <pc:chgData name="Andrew Ming Ho Wu" userId="620d876fccae6a25" providerId="LiveId" clId="{301D553B-ED1B-4DD0-8B60-0326FA0FE40D}" dt="2020-12-04T09:37:15.202" v="1818" actId="1076"/>
         <pc:sldMkLst>
           <pc:docMk/>
           <pc:sldMk cId="3627176467" sldId="330"/>
         </pc:sldMkLst>
         <pc:spChg chg="mod">
-          <ac:chgData name="Andrew Ming Ho Wu" userId="620d876fccae6a25" providerId="LiveId" clId="{B8CC6B97-FBEB-4E84-A973-1D8D00A51797}" dt="2020-12-07T11:49:36.385" v="427" actId="115"/>
+          <ac:chgData name="Andrew Ming Ho Wu" userId="620d876fccae6a25" providerId="LiveId" clId="{301D553B-ED1B-4DD0-8B60-0326FA0FE40D}" dt="2020-12-04T09:37:15.202" v="1818" actId="1076"/>
           <ac:spMkLst>
             <pc:docMk/>
             <pc:sldMk cId="3627176467" sldId="330"/>
@@ -4935,226 +5096,65 @@
         </pc:spChg>
       </pc:sldChg>
       <pc:sldChg chg="addSp delSp modSp mod">
-        <pc:chgData name="Andrew Ming Ho Wu" userId="620d876fccae6a25" providerId="LiveId" clId="{B8CC6B97-FBEB-4E84-A973-1D8D00A51797}" dt="2020-12-09T20:19:32.434" v="3257" actId="20577"/>
+        <pc:chgData name="Andrew Ming Ho Wu" userId="620d876fccae6a25" providerId="LiveId" clId="{301D553B-ED1B-4DD0-8B60-0326FA0FE40D}" dt="2020-12-04T09:57:29.774" v="2192" actId="20577"/>
         <pc:sldMkLst>
           <pc:docMk/>
           <pc:sldMk cId="2206058006" sldId="333"/>
         </pc:sldMkLst>
         <pc:spChg chg="mod">
-          <ac:chgData name="Andrew Ming Ho Wu" userId="620d876fccae6a25" providerId="LiveId" clId="{B8CC6B97-FBEB-4E84-A973-1D8D00A51797}" dt="2020-12-08T20:51:48.995" v="2411" actId="20577"/>
+          <ac:chgData name="Andrew Ming Ho Wu" userId="620d876fccae6a25" providerId="LiveId" clId="{301D553B-ED1B-4DD0-8B60-0326FA0FE40D}" dt="2020-12-04T09:54:08.146" v="2088" actId="1076"/>
           <ac:spMkLst>
             <pc:docMk/>
             <pc:sldMk cId="2206058006" sldId="333"/>
             <ac:spMk id="5" creationId="{00000000-0000-0000-0000-000000000000}"/>
           </ac:spMkLst>
         </pc:spChg>
-        <pc:spChg chg="del">
-          <ac:chgData name="Andrew Ming Ho Wu" userId="620d876fccae6a25" providerId="LiveId" clId="{B8CC6B97-FBEB-4E84-A973-1D8D00A51797}" dt="2020-12-07T11:49:40.438" v="428" actId="478"/>
+        <pc:spChg chg="add del mod">
+          <ac:chgData name="Andrew Ming Ho Wu" userId="620d876fccae6a25" providerId="LiveId" clId="{301D553B-ED1B-4DD0-8B60-0326FA0FE40D}" dt="2020-12-04T09:57:29.774" v="2192" actId="20577"/>
           <ac:spMkLst>
             <pc:docMk/>
             <pc:sldMk cId="2206058006" sldId="333"/>
             <ac:spMk id="11" creationId="{3E2506E2-B67A-4B0D-BA61-6B13AC56BACF}"/>
           </ac:spMkLst>
         </pc:spChg>
-        <pc:spChg chg="add del mod">
-          <ac:chgData name="Andrew Ming Ho Wu" userId="620d876fccae6a25" providerId="LiveId" clId="{B8CC6B97-FBEB-4E84-A973-1D8D00A51797}" dt="2020-12-09T20:19:32.434" v="3257" actId="20577"/>
-          <ac:spMkLst>
-            <pc:docMk/>
-            <pc:sldMk cId="2206058006" sldId="333"/>
-            <ac:spMk id="12" creationId="{11F2B6B6-0466-4FF3-9677-694F0F61AE7C}"/>
-          </ac:spMkLst>
-        </pc:spChg>
-        <pc:grpChg chg="mod">
-          <ac:chgData name="Andrew Ming Ho Wu" userId="620d876fccae6a25" providerId="LiveId" clId="{B8CC6B97-FBEB-4E84-A973-1D8D00A51797}" dt="2020-12-07T11:50:20.258" v="465" actId="1076"/>
-          <ac:grpSpMkLst>
-            <pc:docMk/>
-            <pc:sldMk cId="2206058006" sldId="333"/>
-            <ac:grpSpMk id="2" creationId="{00000000-0000-0000-0000-000000000000}"/>
-          </ac:grpSpMkLst>
-        </pc:grpChg>
-        <pc:grpChg chg="mod">
-          <ac:chgData name="Andrew Ming Ho Wu" userId="620d876fccae6a25" providerId="LiveId" clId="{B8CC6B97-FBEB-4E84-A973-1D8D00A51797}" dt="2020-12-07T11:50:22.733" v="466" actId="1076"/>
-          <ac:grpSpMkLst>
-            <pc:docMk/>
-            <pc:sldMk cId="2206058006" sldId="333"/>
-            <ac:grpSpMk id="8" creationId="{00000000-0000-0000-0000-000000000000}"/>
-          </ac:grpSpMkLst>
-        </pc:grpChg>
-      </pc:sldChg>
-      <pc:sldChg chg="addSp delSp modSp mod">
-        <pc:chgData name="Andrew Ming Ho Wu" userId="620d876fccae6a25" providerId="LiveId" clId="{B8CC6B97-FBEB-4E84-A973-1D8D00A51797}" dt="2020-12-07T12:17:11.563" v="2385" actId="20577"/>
+      </pc:sldChg>
+      <pc:sldChg chg="modSp mod">
+        <pc:chgData name="Andrew Ming Ho Wu" userId="620d876fccae6a25" providerId="LiveId" clId="{301D553B-ED1B-4DD0-8B60-0326FA0FE40D}" dt="2020-12-03T19:29:39.167" v="656" actId="20577"/>
         <pc:sldMkLst>
           <pc:docMk/>
           <pc:sldMk cId="2818220858" sldId="343"/>
         </pc:sldMkLst>
         <pc:spChg chg="mod">
-          <ac:chgData name="Andrew Ming Ho Wu" userId="620d876fccae6a25" providerId="LiveId" clId="{B8CC6B97-FBEB-4E84-A973-1D8D00A51797}" dt="2020-12-07T12:16:53.205" v="2364" actId="1076"/>
-          <ac:spMkLst>
-            <pc:docMk/>
-            <pc:sldMk cId="2818220858" sldId="343"/>
-            <ac:spMk id="5" creationId="{81D7F47C-B22C-46A9-BD87-E2FA064EC20F}"/>
-          </ac:spMkLst>
-        </pc:spChg>
-        <pc:spChg chg="mod">
-          <ac:chgData name="Andrew Ming Ho Wu" userId="620d876fccae6a25" providerId="LiveId" clId="{B8CC6B97-FBEB-4E84-A973-1D8D00A51797}" dt="2020-12-07T12:16:25.853" v="2338" actId="20577"/>
+          <ac:chgData name="Andrew Ming Ho Wu" userId="620d876fccae6a25" providerId="LiveId" clId="{301D553B-ED1B-4DD0-8B60-0326FA0FE40D}" dt="2020-12-03T19:29:34.248" v="655" actId="20577"/>
           <ac:spMkLst>
             <pc:docMk/>
             <pc:sldMk cId="2818220858" sldId="343"/>
             <ac:spMk id="8" creationId="{9D42ABF8-029E-4F29-B608-8C118D28ABA1}"/>
           </ac:spMkLst>
         </pc:spChg>
-        <pc:spChg chg="add del mod">
-          <ac:chgData name="Andrew Ming Ho Wu" userId="620d876fccae6a25" providerId="LiveId" clId="{B8CC6B97-FBEB-4E84-A973-1D8D00A51797}" dt="2020-12-07T12:17:00.094" v="2366"/>
-          <ac:spMkLst>
-            <pc:docMk/>
-            <pc:sldMk cId="2818220858" sldId="343"/>
-            <ac:spMk id="14" creationId="{4008C9F8-7034-4640-926C-69C20356432C}"/>
-          </ac:spMkLst>
-        </pc:spChg>
-        <pc:spChg chg="mod">
-          <ac:chgData name="Andrew Ming Ho Wu" userId="620d876fccae6a25" providerId="LiveId" clId="{B8CC6B97-FBEB-4E84-A973-1D8D00A51797}" dt="2020-12-07T11:47:46.566" v="35" actId="20577"/>
+        <pc:spChg chg="mod">
+          <ac:chgData name="Andrew Ming Ho Wu" userId="620d876fccae6a25" providerId="LiveId" clId="{301D553B-ED1B-4DD0-8B60-0326FA0FE40D}" dt="2020-12-03T19:29:39.167" v="656" actId="20577"/>
           <ac:spMkLst>
             <pc:docMk/>
             <pc:sldMk cId="2818220858" sldId="343"/>
             <ac:spMk id="15" creationId="{5FC8DCBF-4CCE-4C22-8B9F-CC50B4D8446D}"/>
           </ac:spMkLst>
         </pc:spChg>
-        <pc:spChg chg="add mod">
-          <ac:chgData name="Andrew Ming Ho Wu" userId="620d876fccae6a25" providerId="LiveId" clId="{B8CC6B97-FBEB-4E84-A973-1D8D00A51797}" dt="2020-12-07T12:17:11.563" v="2385" actId="20577"/>
-          <ac:spMkLst>
-            <pc:docMk/>
-            <pc:sldMk cId="2818220858" sldId="343"/>
-            <ac:spMk id="16" creationId="{9776CE46-BCD9-4FBA-A83A-BE5C5D29A965}"/>
-          </ac:spMkLst>
-        </pc:spChg>
-        <pc:grpChg chg="mod">
-          <ac:chgData name="Andrew Ming Ho Wu" userId="620d876fccae6a25" providerId="LiveId" clId="{B8CC6B97-FBEB-4E84-A973-1D8D00A51797}" dt="2020-12-07T12:16:48.563" v="2363" actId="1076"/>
-          <ac:grpSpMkLst>
-            <pc:docMk/>
-            <pc:sldMk cId="2818220858" sldId="343"/>
-            <ac:grpSpMk id="2" creationId="{00000000-0000-0000-0000-000000000000}"/>
-          </ac:grpSpMkLst>
-        </pc:grpChg>
-      </pc:sldChg>
-      <pc:sldChg chg="modSp mod">
-        <pc:chgData name="Andrew Ming Ho Wu" userId="620d876fccae6a25" providerId="LiveId" clId="{B8CC6B97-FBEB-4E84-A973-1D8D00A51797}" dt="2020-12-07T12:12:01.475" v="2130" actId="20577"/>
+      </pc:sldChg>
+      <pc:sldChg chg="addSp delSp modSp mod">
+        <pc:chgData name="Andrew Ming Ho Wu" userId="620d876fccae6a25" providerId="LiveId" clId="{301D553B-ED1B-4DD0-8B60-0326FA0FE40D}" dt="2020-12-03T19:23:50.731" v="4"/>
         <pc:sldMkLst>
           <pc:docMk/>
           <pc:sldMk cId="1002563172" sldId="387"/>
         </pc:sldMkLst>
-        <pc:spChg chg="mod">
-          <ac:chgData name="Andrew Ming Ho Wu" userId="620d876fccae6a25" providerId="LiveId" clId="{B8CC6B97-FBEB-4E84-A973-1D8D00A51797}" dt="2020-12-07T12:12:01.475" v="2130" actId="20577"/>
+        <pc:spChg chg="add del mod">
+          <ac:chgData name="Andrew Ming Ho Wu" userId="620d876fccae6a25" providerId="LiveId" clId="{301D553B-ED1B-4DD0-8B60-0326FA0FE40D}" dt="2020-12-03T19:23:50.731" v="4"/>
           <ac:spMkLst>
             <pc:docMk/>
             <pc:sldMk cId="1002563172" sldId="387"/>
-            <ac:spMk id="5" creationId="{00000000-0000-0000-0000-000000000000}"/>
-          </ac:spMkLst>
-        </pc:spChg>
-      </pc:sldChg>
-      <pc:sldChg chg="modSp add mod">
-        <pc:chgData name="Andrew Ming Ho Wu" userId="620d876fccae6a25" providerId="LiveId" clId="{B8CC6B97-FBEB-4E84-A973-1D8D00A51797}" dt="2020-12-09T20:21:14.831" v="3322" actId="1076"/>
-        <pc:sldMkLst>
-          <pc:docMk/>
-          <pc:sldMk cId="2049264590" sldId="388"/>
-        </pc:sldMkLst>
-        <pc:spChg chg="mod">
-          <ac:chgData name="Andrew Ming Ho Wu" userId="620d876fccae6a25" providerId="LiveId" clId="{B8CC6B97-FBEB-4E84-A973-1D8D00A51797}" dt="2020-12-09T20:21:14.831" v="3322" actId="1076"/>
-          <ac:spMkLst>
-            <pc:docMk/>
-            <pc:sldMk cId="2049264590" sldId="388"/>
-            <ac:spMk id="12" creationId="{11F2B6B6-0466-4FF3-9677-694F0F61AE7C}"/>
-          </ac:spMkLst>
-        </pc:spChg>
-      </pc:sldChg>
-      <pc:sldChg chg="add">
-        <pc:chgData name="Andrew Ming Ho Wu" userId="620d876fccae6a25" providerId="LiveId" clId="{B8CC6B97-FBEB-4E84-A973-1D8D00A51797}" dt="2020-12-07T12:11:57.600" v="2129" actId="2890"/>
-        <pc:sldMkLst>
-          <pc:docMk/>
-          <pc:sldMk cId="1012779811" sldId="389"/>
-        </pc:sldMkLst>
-      </pc:sldChg>
-      <pc:sldChg chg="modSp add mod">
-        <pc:chgData name="Andrew Ming Ho Wu" userId="620d876fccae6a25" providerId="LiveId" clId="{B8CC6B97-FBEB-4E84-A973-1D8D00A51797}" dt="2020-12-07T12:13:16.646" v="2234" actId="255"/>
-        <pc:sldMkLst>
-          <pc:docMk/>
-          <pc:sldMk cId="2782934202" sldId="390"/>
-        </pc:sldMkLst>
-        <pc:spChg chg="mod">
-          <ac:chgData name="Andrew Ming Ho Wu" userId="620d876fccae6a25" providerId="LiveId" clId="{B8CC6B97-FBEB-4E84-A973-1D8D00A51797}" dt="2020-12-07T12:12:22.476" v="2139" actId="20577"/>
-          <ac:spMkLst>
-            <pc:docMk/>
-            <pc:sldMk cId="2782934202" sldId="390"/>
-            <ac:spMk id="5" creationId="{00000000-0000-0000-0000-000000000000}"/>
-          </ac:spMkLst>
-        </pc:spChg>
-        <pc:spChg chg="mod">
-          <ac:chgData name="Andrew Ming Ho Wu" userId="620d876fccae6a25" providerId="LiveId" clId="{B8CC6B97-FBEB-4E84-A973-1D8D00A51797}" dt="2020-12-07T12:13:16.646" v="2234" actId="255"/>
-          <ac:spMkLst>
-            <pc:docMk/>
-            <pc:sldMk cId="2782934202" sldId="390"/>
-            <ac:spMk id="12" creationId="{11F2B6B6-0466-4FF3-9677-694F0F61AE7C}"/>
-          </ac:spMkLst>
-        </pc:spChg>
-      </pc:sldChg>
-      <pc:sldChg chg="modSp add mod">
-        <pc:chgData name="Andrew Ming Ho Wu" userId="620d876fccae6a25" providerId="LiveId" clId="{B8CC6B97-FBEB-4E84-A973-1D8D00A51797}" dt="2020-12-07T12:14:09.189" v="2268" actId="20577"/>
-        <pc:sldMkLst>
-          <pc:docMk/>
-          <pc:sldMk cId="2582986712" sldId="391"/>
-        </pc:sldMkLst>
-        <pc:spChg chg="mod">
-          <ac:chgData name="Andrew Ming Ho Wu" userId="620d876fccae6a25" providerId="LiveId" clId="{B8CC6B97-FBEB-4E84-A973-1D8D00A51797}" dt="2020-12-07T12:14:09.189" v="2268" actId="20577"/>
-          <ac:spMkLst>
-            <pc:docMk/>
-            <pc:sldMk cId="2582986712" sldId="391"/>
-            <ac:spMk id="12" creationId="{11F2B6B6-0466-4FF3-9677-694F0F61AE7C}"/>
-          </ac:spMkLst>
-        </pc:spChg>
-      </pc:sldChg>
-      <pc:sldChg chg="modSp add mod">
-        <pc:chgData name="Andrew Ming Ho Wu" userId="620d876fccae6a25" providerId="LiveId" clId="{B8CC6B97-FBEB-4E84-A973-1D8D00A51797}" dt="2020-12-07T12:15:51.208" v="2307" actId="255"/>
-        <pc:sldMkLst>
-          <pc:docMk/>
-          <pc:sldMk cId="161672857" sldId="392"/>
-        </pc:sldMkLst>
-        <pc:spChg chg="mod">
-          <ac:chgData name="Andrew Ming Ho Wu" userId="620d876fccae6a25" providerId="LiveId" clId="{B8CC6B97-FBEB-4E84-A973-1D8D00A51797}" dt="2020-12-07T12:15:14.773" v="2298" actId="20577"/>
-          <ac:spMkLst>
-            <pc:docMk/>
-            <pc:sldMk cId="161672857" sldId="392"/>
-            <ac:spMk id="5" creationId="{00000000-0000-0000-0000-000000000000}"/>
-          </ac:spMkLst>
-        </pc:spChg>
-        <pc:spChg chg="mod">
-          <ac:chgData name="Andrew Ming Ho Wu" userId="620d876fccae6a25" providerId="LiveId" clId="{B8CC6B97-FBEB-4E84-A973-1D8D00A51797}" dt="2020-12-07T12:15:51.208" v="2307" actId="255"/>
-          <ac:spMkLst>
-            <pc:docMk/>
-            <pc:sldMk cId="161672857" sldId="392"/>
-            <ac:spMk id="12" creationId="{11F2B6B6-0466-4FF3-9677-694F0F61AE7C}"/>
-          </ac:spMkLst>
-        </pc:spChg>
-      </pc:sldChg>
-      <pc:sldChg chg="modSp add mod">
-        <pc:chgData name="Andrew Ming Ho Wu" userId="620d876fccae6a25" providerId="LiveId" clId="{B8CC6B97-FBEB-4E84-A973-1D8D00A51797}" dt="2020-12-09T20:20:31.079" v="3296" actId="20577"/>
-        <pc:sldMkLst>
-          <pc:docMk/>
-          <pc:sldMk cId="226674003" sldId="393"/>
-        </pc:sldMkLst>
-        <pc:spChg chg="mod">
-          <ac:chgData name="Andrew Ming Ho Wu" userId="620d876fccae6a25" providerId="LiveId" clId="{B8CC6B97-FBEB-4E84-A973-1D8D00A51797}" dt="2020-12-09T20:20:31.079" v="3296" actId="20577"/>
-          <ac:spMkLst>
-            <pc:docMk/>
-            <pc:sldMk cId="226674003" sldId="393"/>
-            <ac:spMk id="12" creationId="{11F2B6B6-0466-4FF3-9677-694F0F61AE7C}"/>
-          </ac:spMkLst>
-        </pc:spChg>
-      </pc:sldChg>
-      <pc:sldChg chg="add del">
-        <pc:chgData name="Andrew Ming Ho Wu" userId="620d876fccae6a25" providerId="LiveId" clId="{B8CC6B97-FBEB-4E84-A973-1D8D00A51797}" dt="2020-12-08T20:51:41.486" v="2393"/>
-        <pc:sldMkLst>
-          <pc:docMk/>
-          <pc:sldMk cId="1879883029" sldId="393"/>
-        </pc:sldMkLst>
+            <ac:spMk id="11" creationId="{BA618F6F-1997-4079-B11E-BC24229FBCC5}"/>
+          </ac:spMkLst>
+        </pc:spChg>
       </pc:sldChg>
     </pc:docChg>
   </pc:docChgLst>
@@ -5554,7 +5554,7 @@
           <a:p>
             <a:fld id="{F3B73EDB-C001-4FA3-A8F8-70B0B97F7CFF}" type="datetimeFigureOut">
               <a:rPr lang="en-GB" smtClean="0"/>
-              <a:t>08/01/2021</a:t>
+              <a:t>24/01/2021</a:t>
             </a:fld>
             <a:endParaRPr lang="en-GB"/>
           </a:p>
@@ -6633,7 +6633,7 @@
           <a:p>
             <a:fld id="{1D8BD707-D9CF-40AE-B4C6-C98DA3205C09}" type="datetimeFigureOut">
               <a:rPr lang="en-US"/>
-              <a:t>1/8/2021</a:t>
+              <a:t>1/24/2021</a:t>
             </a:fld>
             <a:endParaRPr lang="en-US"/>
           </a:p>
@@ -6808,7 +6808,7 @@
           <a:p>
             <a:fld id="{1D8BD707-D9CF-40AE-B4C6-C98DA3205C09}" type="datetimeFigureOut">
               <a:rPr lang="en-US"/>
-              <a:t>1/8/2021</a:t>
+              <a:t>1/24/2021</a:t>
             </a:fld>
             <a:endParaRPr lang="en-US"/>
           </a:p>
@@ -7022,7 +7022,7 @@
           <a:p>
             <a:fld id="{1D8BD707-D9CF-40AE-B4C6-C98DA3205C09}" type="datetimeFigureOut">
               <a:rPr lang="en-US"/>
-              <a:t>1/8/2021</a:t>
+              <a:t>1/24/2021</a:t>
             </a:fld>
             <a:endParaRPr lang="en-US"/>
           </a:p>
@@ -7170,7 +7170,7 @@
           <a:p>
             <a:fld id="{1D8BD707-D9CF-40AE-B4C6-C98DA3205C09}" type="datetimeFigureOut">
               <a:rPr lang="en-US"/>
-              <a:t>1/8/2021</a:t>
+              <a:t>1/24/2021</a:t>
             </a:fld>
             <a:endParaRPr lang="en-US"/>
           </a:p>
@@ -7289,7 +7289,7 @@
           <a:p>
             <a:fld id="{1D8BD707-D9CF-40AE-B4C6-C98DA3205C09}" type="datetimeFigureOut">
               <a:rPr lang="en-US"/>
-              <a:t>1/8/2021</a:t>
+              <a:t>1/24/2021</a:t>
             </a:fld>
             <a:endParaRPr lang="en-US"/>
           </a:p>
@@ -7512,7 +7512,7 @@
           <a:p>
             <a:fld id="{1D8BD707-D9CF-40AE-B4C6-C98DA3205C09}" type="datetimeFigureOut">
               <a:rPr lang="en-US"/>
-              <a:t>1/8/2021</a:t>
+              <a:t>1/24/2021</a:t>
             </a:fld>
             <a:endParaRPr lang="en-US"/>
           </a:p>
@@ -9404,7 +9404,7 @@
         </p:nvGrpSpPr>
         <p:grpSpPr>
           <a:xfrm>
-            <a:off x="4114800" y="190500"/>
+            <a:off x="4114800" y="246500"/>
             <a:ext cx="10850880" cy="10287000"/>
             <a:chOff x="0" y="0"/>
             <a:chExt cx="10850880" cy="10287000"/>
